--- a/btn-baocao.pptx
+++ b/btn-baocao.pptx
@@ -10,12 +10,12 @@
   <p:sldIdLst>
     <p:sldId id="257" r:id="rId2"/>
     <p:sldId id="259" r:id="rId3"/>
-    <p:sldId id="260" r:id="rId4"/>
-    <p:sldId id="262" r:id="rId5"/>
-    <p:sldId id="263" r:id="rId6"/>
-    <p:sldId id="264" r:id="rId7"/>
-    <p:sldId id="265" r:id="rId8"/>
-    <p:sldId id="258" r:id="rId9"/>
+    <p:sldId id="266" r:id="rId4"/>
+    <p:sldId id="260" r:id="rId5"/>
+    <p:sldId id="267" r:id="rId6"/>
+    <p:sldId id="263" r:id="rId7"/>
+    <p:sldId id="264" r:id="rId8"/>
+    <p:sldId id="265" r:id="rId9"/>
   </p:sldIdLst>
   <p:sldSz cx="12192000" cy="6858000"/>
   <p:notesSz cx="6858000" cy="9144000"/>
@@ -204,7 +204,7 @@
           <a:p>
             <a:fld id="{EED714CF-C04D-4E1B-8153-882E0CEF4048}" type="datetimeFigureOut">
               <a:rPr lang="en-US" smtClean="0"/>
-              <a:t>12/15/2020</a:t>
+              <a:t>12/16/2020</a:t>
             </a:fld>
             <a:endParaRPr lang="en-US"/>
           </a:p>
@@ -715,7 +715,7 @@
           <a:p>
             <a:fld id="{9713241F-640F-46C0-8B22-FFBAB2CA228A}" type="datetime1">
               <a:rPr lang="en-US" smtClean="0"/>
-              <a:t>12/15/2020</a:t>
+              <a:t>12/16/2020</a:t>
             </a:fld>
             <a:endParaRPr lang="en-US" dirty="0"/>
           </a:p>
@@ -903,7 +903,7 @@
           <a:p>
             <a:fld id="{89D06454-DC09-49F2-B0A9-ABE6CEA955F1}" type="datetime1">
               <a:rPr lang="en-US" smtClean="0"/>
-              <a:t>12/15/2020</a:t>
+              <a:t>12/16/2020</a:t>
             </a:fld>
             <a:endParaRPr lang="en-US" dirty="0"/>
           </a:p>
@@ -1145,7 +1145,7 @@
           <a:p>
             <a:fld id="{E2C2645E-80BE-4A4A-B3B1-A60AB7AA8B88}" type="datetime1">
               <a:rPr lang="en-US" smtClean="0"/>
-              <a:t>12/15/2020</a:t>
+              <a:t>12/16/2020</a:t>
             </a:fld>
             <a:endParaRPr lang="en-US" dirty="0"/>
           </a:p>
@@ -1333,7 +1333,7 @@
           <a:p>
             <a:fld id="{6C202BFF-9513-4F74-9C38-85C101569D3B}" type="datetime1">
               <a:rPr lang="en-US" smtClean="0"/>
-              <a:t>12/15/2020</a:t>
+              <a:t>12/16/2020</a:t>
             </a:fld>
             <a:endParaRPr lang="en-US" dirty="0"/>
           </a:p>
@@ -1706,7 +1706,7 @@
           <a:p>
             <a:fld id="{F20EBBCD-2DC3-483D-A656-6BC03697FB37}" type="datetime1">
               <a:rPr lang="en-US" smtClean="0"/>
-              <a:t>12/15/2020</a:t>
+              <a:t>12/16/2020</a:t>
             </a:fld>
             <a:endParaRPr lang="en-US" dirty="0"/>
           </a:p>
@@ -1961,7 +1961,7 @@
           <a:p>
             <a:fld id="{F4B99629-5A40-454D-8FC6-389734CCB1AE}" type="datetime1">
               <a:rPr lang="en-US" smtClean="0"/>
-              <a:t>12/15/2020</a:t>
+              <a:t>12/16/2020</a:t>
             </a:fld>
             <a:endParaRPr lang="en-US" dirty="0"/>
           </a:p>
@@ -2358,7 +2358,7 @@
           <a:p>
             <a:fld id="{48976406-B461-4C7D-AC0E-0CB0C1BC518C}" type="datetime1">
               <a:rPr lang="en-US" smtClean="0"/>
-              <a:t>12/15/2020</a:t>
+              <a:t>12/16/2020</a:t>
             </a:fld>
             <a:endParaRPr lang="en-US" dirty="0"/>
           </a:p>
@@ -2494,7 +2494,7 @@
           <a:p>
             <a:fld id="{2599E801-EA18-48F0-93A0-A4142D87FCB8}" type="datetime1">
               <a:rPr lang="en-US" smtClean="0"/>
-              <a:t>12/15/2020</a:t>
+              <a:t>12/16/2020</a:t>
             </a:fld>
             <a:endParaRPr lang="en-US" dirty="0"/>
           </a:p>
@@ -2651,7 +2651,7 @@
           <a:p>
             <a:fld id="{5A7E9CAC-0359-4FB1-B0BD-6136BD93CF30}" type="datetime1">
               <a:rPr lang="en-US" smtClean="0"/>
-              <a:t>12/15/2020</a:t>
+              <a:t>12/16/2020</a:t>
             </a:fld>
             <a:endParaRPr lang="en-US" dirty="0"/>
           </a:p>
@@ -2980,7 +2980,7 @@
           <a:p>
             <a:fld id="{F99B9D70-99C2-4E73-9FC5-D46189855CDD}" type="datetime1">
               <a:rPr lang="en-US" smtClean="0"/>
-              <a:t>12/15/2020</a:t>
+              <a:t>12/16/2020</a:t>
             </a:fld>
             <a:endParaRPr lang="en-US" dirty="0"/>
           </a:p>
@@ -3330,7 +3330,7 @@
           <a:p>
             <a:fld id="{20B4E288-736D-47B3-82E2-C65E68350071}" type="datetime1">
               <a:rPr lang="en-US" smtClean="0"/>
-              <a:t>12/15/2020</a:t>
+              <a:t>12/16/2020</a:t>
             </a:fld>
             <a:endParaRPr lang="en-US" dirty="0"/>
           </a:p>
@@ -3591,7 +3591,7 @@
           <a:p>
             <a:fld id="{B2351F39-8736-4085-9226-C3037EDDC73C}" type="datetime1">
               <a:rPr lang="en-US" smtClean="0"/>
-              <a:t>12/15/2020</a:t>
+              <a:t>12/16/2020</a:t>
             </a:fld>
             <a:endParaRPr lang="en-US" dirty="0"/>
           </a:p>
@@ -4200,7 +4200,7 @@
         </p:nvSpPr>
         <p:spPr>
           <a:xfrm>
-            <a:off x="4046495" y="677862"/>
+            <a:off x="4046495" y="8155"/>
             <a:ext cx="4635315" cy="1077218"/>
           </a:xfrm>
         </p:spPr>
@@ -4211,7 +4211,7 @@
           <a:lstStyle/>
           <a:p>
             <a:r>
-              <a:rPr lang="en-US" sz="2400" b="1">
+              <a:rPr lang="en-US" sz="2400" b="1" dirty="0">
                 <a:solidFill>
                   <a:schemeClr val="accent2">
                     <a:lumMod val="75000"/>
@@ -4223,7 +4223,7 @@
               <a:t>BÁO CÁO</a:t>
             </a:r>
             <a:br>
-              <a:rPr lang="en-US" sz="2400" b="1">
+              <a:rPr lang="en-US" sz="2400" b="1" dirty="0">
                 <a:solidFill>
                   <a:schemeClr val="accent2">
                     <a:lumMod val="75000"/>
@@ -4234,7 +4234,7 @@
               </a:rPr>
             </a:br>
             <a:r>
-              <a:rPr lang="en-US" sz="2400" b="1">
+              <a:rPr lang="en-US" sz="2400" b="1" dirty="0">
                 <a:solidFill>
                   <a:schemeClr val="accent2">
                     <a:lumMod val="75000"/>
@@ -4246,7 +4246,7 @@
               <a:t>BÀI TẬP NHÓM</a:t>
             </a:r>
             <a:br>
-              <a:rPr lang="en-US" sz="2400" b="1">
+              <a:rPr lang="en-US" sz="2400" b="1" dirty="0">
                 <a:solidFill>
                   <a:schemeClr val="accent2">
                     <a:lumMod val="75000"/>
@@ -4257,7 +4257,7 @@
               </a:rPr>
             </a:br>
             <a:r>
-              <a:rPr lang="en-US" sz="2400" b="1">
+              <a:rPr lang="en-US" sz="2400" b="1" dirty="0">
                 <a:solidFill>
                   <a:schemeClr val="accent2">
                     <a:lumMod val="75000"/>
@@ -4425,8 +4425,9 @@
           </a:bodyPr>
           <a:lstStyle/>
           <a:p>
-            <a:r>
-              <a:rPr lang="en-US" sz="3600" b="1">
+            <a:pPr algn="ctr"/>
+            <a:r>
+              <a:rPr lang="en-US" sz="3600" b="1" dirty="0">
                 <a:solidFill>
                   <a:schemeClr val="accent2">
                     <a:lumMod val="75000"/>
@@ -4438,7 +4439,7 @@
               <a:t>GIẢI THUẬT HỒI QUY </a:t>
             </a:r>
             <a:br>
-              <a:rPr lang="en-US" sz="3600" b="1">
+              <a:rPr lang="en-US" sz="3600" b="1" dirty="0">
                 <a:solidFill>
                   <a:schemeClr val="accent2">
                     <a:lumMod val="75000"/>
@@ -4449,7 +4450,7 @@
               </a:rPr>
             </a:br>
             <a:r>
-              <a:rPr lang="en-US" sz="3600" b="1">
+              <a:rPr lang="en-US" sz="3600" b="1" dirty="0">
                 <a:solidFill>
                   <a:schemeClr val="accent2">
                     <a:lumMod val="75000"/>
@@ -4460,7 +4461,7 @@
               </a:rPr>
               <a:t>TRÊN TẬP DỮ LIỆU BIKE-SHARING </a:t>
             </a:r>
-            <a:endParaRPr lang="en-US" sz="3600">
+            <a:endParaRPr lang="en-US" sz="3600" dirty="0">
               <a:solidFill>
                 <a:schemeClr val="accent2">
                   <a:lumMod val="75000"/>
@@ -4484,8 +4485,8 @@
         </p:nvSpPr>
         <p:spPr>
           <a:xfrm>
-            <a:off x="5290113" y="4785305"/>
-            <a:ext cx="4635315" cy="1569660"/>
+            <a:off x="6084576" y="4825506"/>
+            <a:ext cx="4604888" cy="1569660"/>
           </a:xfrm>
           <a:prstGeom prst="rect">
             <a:avLst/>
@@ -4499,11 +4500,74 @@
           <a:lstStyle/>
           <a:p>
             <a:r>
-              <a:rPr lang="en-US" sz="2400" b="1">
-                <a:latin typeface="Times New Roman" panose="02020603050405020304" pitchFamily="18" charset="0"/>
-                <a:cs typeface="Times New Roman" panose="02020603050405020304" pitchFamily="18" charset="0"/>
-              </a:rPr>
-              <a:t>Sinh viên thực hiện (Nhóm04-S5)</a:t>
+              <a:rPr lang="en-US" sz="2400" b="1" dirty="0" err="1">
+                <a:latin typeface="Times New Roman" panose="02020603050405020304" pitchFamily="18" charset="0"/>
+                <a:cs typeface="Times New Roman" panose="02020603050405020304" pitchFamily="18" charset="0"/>
+              </a:rPr>
+              <a:t>Sinh</a:t>
+            </a:r>
+            <a:r>
+              <a:rPr lang="en-US" sz="2400" b="1" dirty="0">
+                <a:latin typeface="Times New Roman" panose="02020603050405020304" pitchFamily="18" charset="0"/>
+                <a:cs typeface="Times New Roman" panose="02020603050405020304" pitchFamily="18" charset="0"/>
+              </a:rPr>
+              <a:t> </a:t>
+            </a:r>
+            <a:r>
+              <a:rPr lang="en-US" sz="2400" b="1" dirty="0" err="1">
+                <a:latin typeface="Times New Roman" panose="02020603050405020304" pitchFamily="18" charset="0"/>
+                <a:cs typeface="Times New Roman" panose="02020603050405020304" pitchFamily="18" charset="0"/>
+              </a:rPr>
+              <a:t>viên</a:t>
+            </a:r>
+            <a:r>
+              <a:rPr lang="en-US" sz="2400" b="1" dirty="0">
+                <a:latin typeface="Times New Roman" panose="02020603050405020304" pitchFamily="18" charset="0"/>
+                <a:cs typeface="Times New Roman" panose="02020603050405020304" pitchFamily="18" charset="0"/>
+              </a:rPr>
+              <a:t> </a:t>
+            </a:r>
+            <a:r>
+              <a:rPr lang="en-US" sz="2400" b="1" dirty="0" err="1">
+                <a:latin typeface="Times New Roman" panose="02020603050405020304" pitchFamily="18" charset="0"/>
+                <a:cs typeface="Times New Roman" panose="02020603050405020304" pitchFamily="18" charset="0"/>
+              </a:rPr>
+              <a:t>thực</a:t>
+            </a:r>
+            <a:r>
+              <a:rPr lang="en-US" sz="2400" b="1" dirty="0">
+                <a:latin typeface="Times New Roman" panose="02020603050405020304" pitchFamily="18" charset="0"/>
+                <a:cs typeface="Times New Roman" panose="02020603050405020304" pitchFamily="18" charset="0"/>
+              </a:rPr>
+              <a:t> </a:t>
+            </a:r>
+            <a:r>
+              <a:rPr lang="en-US" sz="2400" b="1" dirty="0" err="1">
+                <a:latin typeface="Times New Roman" panose="02020603050405020304" pitchFamily="18" charset="0"/>
+                <a:cs typeface="Times New Roman" panose="02020603050405020304" pitchFamily="18" charset="0"/>
+              </a:rPr>
+              <a:t>hiện</a:t>
+            </a:r>
+            <a:r>
+              <a:rPr lang="en-US" sz="2400" b="1" dirty="0">
+                <a:latin typeface="Times New Roman" panose="02020603050405020304" pitchFamily="18" charset="0"/>
+                <a:cs typeface="Times New Roman" panose="02020603050405020304" pitchFamily="18" charset="0"/>
+              </a:rPr>
+              <a:t> (</a:t>
+            </a:r>
+            <a:r>
+              <a:rPr lang="en-US" sz="2400" b="1" dirty="0" err="1">
+                <a:latin typeface="Times New Roman" panose="02020603050405020304" pitchFamily="18" charset="0"/>
+                <a:cs typeface="Times New Roman" panose="02020603050405020304" pitchFamily="18" charset="0"/>
+              </a:rPr>
+              <a:t>Nhóm</a:t>
+            </a:r>
+            <a:r>
+              <a:rPr lang="en-US" sz="2400" b="1" dirty="0">
+                <a:latin typeface="Times New Roman" panose="02020603050405020304" pitchFamily="18" charset="0"/>
+                <a:cs typeface="Times New Roman" panose="02020603050405020304" pitchFamily="18" charset="0"/>
+              </a:rPr>
+              <a:t> 04-S5)</a:t>
             </a:r>
           </a:p>
           <a:p>
@@ -4512,11 +4576,32 @@
               <a:buChar char="§"/>
             </a:pPr>
             <a:r>
-              <a:rPr lang="en-US" sz="2400">
-                <a:latin typeface="Times New Roman" panose="02020603050405020304" pitchFamily="18" charset="0"/>
-                <a:cs typeface="Times New Roman" panose="02020603050405020304" pitchFamily="18" charset="0"/>
-              </a:rPr>
-              <a:t>Phạm Trí Minh B1706649</a:t>
+              <a:rPr lang="en-US" sz="2400" dirty="0" err="1">
+                <a:latin typeface="Times New Roman" panose="02020603050405020304" pitchFamily="18" charset="0"/>
+                <a:cs typeface="Times New Roman" panose="02020603050405020304" pitchFamily="18" charset="0"/>
+              </a:rPr>
+              <a:t>Phạm</a:t>
+            </a:r>
+            <a:r>
+              <a:rPr lang="en-US" sz="2400" dirty="0">
+                <a:latin typeface="Times New Roman" panose="02020603050405020304" pitchFamily="18" charset="0"/>
+                <a:cs typeface="Times New Roman" panose="02020603050405020304" pitchFamily="18" charset="0"/>
+              </a:rPr>
+              <a:t> </a:t>
+            </a:r>
+            <a:r>
+              <a:rPr lang="en-US" sz="2400" dirty="0" err="1">
+                <a:latin typeface="Times New Roman" panose="02020603050405020304" pitchFamily="18" charset="0"/>
+                <a:cs typeface="Times New Roman" panose="02020603050405020304" pitchFamily="18" charset="0"/>
+              </a:rPr>
+              <a:t>Trí</a:t>
+            </a:r>
+            <a:r>
+              <a:rPr lang="en-US" sz="2400" dirty="0">
+                <a:latin typeface="Times New Roman" panose="02020603050405020304" pitchFamily="18" charset="0"/>
+                <a:cs typeface="Times New Roman" panose="02020603050405020304" pitchFamily="18" charset="0"/>
+              </a:rPr>
+              <a:t> Minh B17066</a:t>
             </a:r>
           </a:p>
           <a:p>
@@ -4525,11 +4610,46 @@
               <a:buChar char="§"/>
             </a:pPr>
             <a:r>
-              <a:rPr lang="en-US" sz="2400">
-                <a:latin typeface="Times New Roman" panose="02020603050405020304" pitchFamily="18" charset="0"/>
-                <a:cs typeface="Times New Roman" panose="02020603050405020304" pitchFamily="18" charset="0"/>
-              </a:rPr>
-              <a:t>Đặng Văn Tường B1706665</a:t>
+              <a:rPr lang="en-US" sz="2400" dirty="0" err="1">
+                <a:latin typeface="Times New Roman" panose="02020603050405020304" pitchFamily="18" charset="0"/>
+                <a:cs typeface="Times New Roman" panose="02020603050405020304" pitchFamily="18" charset="0"/>
+              </a:rPr>
+              <a:t>Đặng</a:t>
+            </a:r>
+            <a:r>
+              <a:rPr lang="en-US" sz="2400" dirty="0">
+                <a:latin typeface="Times New Roman" panose="02020603050405020304" pitchFamily="18" charset="0"/>
+                <a:cs typeface="Times New Roman" panose="02020603050405020304" pitchFamily="18" charset="0"/>
+              </a:rPr>
+              <a:t> </a:t>
+            </a:r>
+            <a:r>
+              <a:rPr lang="en-US" sz="2400" dirty="0" err="1">
+                <a:latin typeface="Times New Roman" panose="02020603050405020304" pitchFamily="18" charset="0"/>
+                <a:cs typeface="Times New Roman" panose="02020603050405020304" pitchFamily="18" charset="0"/>
+              </a:rPr>
+              <a:t>Văn</a:t>
+            </a:r>
+            <a:r>
+              <a:rPr lang="en-US" sz="2400" dirty="0">
+                <a:latin typeface="Times New Roman" panose="02020603050405020304" pitchFamily="18" charset="0"/>
+                <a:cs typeface="Times New Roman" panose="02020603050405020304" pitchFamily="18" charset="0"/>
+              </a:rPr>
+              <a:t> </a:t>
+            </a:r>
+            <a:r>
+              <a:rPr lang="en-US" sz="2400" dirty="0" err="1">
+                <a:latin typeface="Times New Roman" panose="02020603050405020304" pitchFamily="18" charset="0"/>
+                <a:cs typeface="Times New Roman" panose="02020603050405020304" pitchFamily="18" charset="0"/>
+              </a:rPr>
+              <a:t>Tường</a:t>
+            </a:r>
+            <a:r>
+              <a:rPr lang="en-US" sz="2400" dirty="0">
+                <a:latin typeface="Times New Roman" panose="02020603050405020304" pitchFamily="18" charset="0"/>
+                <a:cs typeface="Times New Roman" panose="02020603050405020304" pitchFamily="18" charset="0"/>
+              </a:rPr>
+              <a:t> B1706665</a:t>
             </a:r>
           </a:p>
           <a:p>
@@ -4538,11 +4658,46 @@
               <a:buChar char="§"/>
             </a:pPr>
             <a:r>
-              <a:rPr lang="en-US" sz="2400">
-                <a:latin typeface="Times New Roman" panose="02020603050405020304" pitchFamily="18" charset="0"/>
-                <a:cs typeface="Times New Roman" panose="02020603050405020304" pitchFamily="18" charset="0"/>
-              </a:rPr>
-              <a:t>Nguyễn Hùng Thuận B1706649</a:t>
+              <a:rPr lang="en-US" sz="2400" dirty="0" err="1">
+                <a:latin typeface="Times New Roman" panose="02020603050405020304" pitchFamily="18" charset="0"/>
+                <a:cs typeface="Times New Roman" panose="02020603050405020304" pitchFamily="18" charset="0"/>
+              </a:rPr>
+              <a:t>Nguyễn</a:t>
+            </a:r>
+            <a:r>
+              <a:rPr lang="en-US" sz="2400" dirty="0">
+                <a:latin typeface="Times New Roman" panose="02020603050405020304" pitchFamily="18" charset="0"/>
+                <a:cs typeface="Times New Roman" panose="02020603050405020304" pitchFamily="18" charset="0"/>
+              </a:rPr>
+              <a:t> </a:t>
+            </a:r>
+            <a:r>
+              <a:rPr lang="en-US" sz="2400" dirty="0" err="1">
+                <a:latin typeface="Times New Roman" panose="02020603050405020304" pitchFamily="18" charset="0"/>
+                <a:cs typeface="Times New Roman" panose="02020603050405020304" pitchFamily="18" charset="0"/>
+              </a:rPr>
+              <a:t>Hùng</a:t>
+            </a:r>
+            <a:r>
+              <a:rPr lang="en-US" sz="2400" dirty="0">
+                <a:latin typeface="Times New Roman" panose="02020603050405020304" pitchFamily="18" charset="0"/>
+                <a:cs typeface="Times New Roman" panose="02020603050405020304" pitchFamily="18" charset="0"/>
+              </a:rPr>
+              <a:t> </a:t>
+            </a:r>
+            <a:r>
+              <a:rPr lang="en-US" sz="2400" dirty="0" err="1">
+                <a:latin typeface="Times New Roman" panose="02020603050405020304" pitchFamily="18" charset="0"/>
+                <a:cs typeface="Times New Roman" panose="02020603050405020304" pitchFamily="18" charset="0"/>
+              </a:rPr>
+              <a:t>Thuận</a:t>
+            </a:r>
+            <a:r>
+              <a:rPr lang="en-US" sz="2400" dirty="0">
+                <a:latin typeface="Times New Roman" panose="02020603050405020304" pitchFamily="18" charset="0"/>
+                <a:cs typeface="Times New Roman" panose="02020603050405020304" pitchFamily="18" charset="0"/>
+              </a:rPr>
+              <a:t> B1706649</a:t>
             </a:r>
           </a:p>
         </p:txBody>
@@ -4577,7 +4732,7 @@
           <a:p>
             <a:pPr algn="ctr"/>
             <a:r>
-              <a:rPr lang="en-US" sz="2400" b="1">
+              <a:rPr lang="en-US" sz="2400" b="1" dirty="0">
                 <a:solidFill>
                   <a:schemeClr val="accent2">
                     <a:lumMod val="75000"/>
@@ -4586,13 +4741,10 @@
                 <a:latin typeface="Times New Roman" panose="02020603050405020304" pitchFamily="18" charset="0"/>
                 <a:cs typeface="Times New Roman" panose="02020603050405020304" pitchFamily="18" charset="0"/>
               </a:rPr>
-              <a:t>GVhướng dẫn:</a:t>
-            </a:r>
-          </a:p>
-          <a:p>
-            <a:pPr algn="ctr"/>
-            <a:r>
-              <a:rPr lang="en-US" sz="2400">
+              <a:t>GV </a:t>
+            </a:r>
+            <a:r>
+              <a:rPr lang="en-US" sz="2400" b="1" dirty="0" err="1">
                 <a:solidFill>
                   <a:schemeClr val="accent2">
                     <a:lumMod val="75000"/>
@@ -4601,8 +4753,116 @@
                 <a:latin typeface="Times New Roman" panose="02020603050405020304" pitchFamily="18" charset="0"/>
                 <a:cs typeface="Times New Roman" panose="02020603050405020304" pitchFamily="18" charset="0"/>
               </a:rPr>
-              <a:t>Trần Nguyễn Minh Thư</a:t>
-            </a:r>
+              <a:t>hướng</a:t>
+            </a:r>
+            <a:r>
+              <a:rPr lang="en-US" sz="2400" b="1" dirty="0">
+                <a:solidFill>
+                  <a:schemeClr val="accent2">
+                    <a:lumMod val="75000"/>
+                  </a:schemeClr>
+                </a:solidFill>
+                <a:latin typeface="Times New Roman" panose="02020603050405020304" pitchFamily="18" charset="0"/>
+                <a:cs typeface="Times New Roman" panose="02020603050405020304" pitchFamily="18" charset="0"/>
+              </a:rPr>
+              <a:t> </a:t>
+            </a:r>
+            <a:r>
+              <a:rPr lang="en-US" sz="2400" b="1" dirty="0" err="1">
+                <a:solidFill>
+                  <a:schemeClr val="accent2">
+                    <a:lumMod val="75000"/>
+                  </a:schemeClr>
+                </a:solidFill>
+                <a:latin typeface="Times New Roman" panose="02020603050405020304" pitchFamily="18" charset="0"/>
+                <a:cs typeface="Times New Roman" panose="02020603050405020304" pitchFamily="18" charset="0"/>
+              </a:rPr>
+              <a:t>dẫn</a:t>
+            </a:r>
+            <a:r>
+              <a:rPr lang="en-US" sz="2400" b="1" dirty="0">
+                <a:solidFill>
+                  <a:schemeClr val="accent2">
+                    <a:lumMod val="75000"/>
+                  </a:schemeClr>
+                </a:solidFill>
+                <a:latin typeface="Times New Roman" panose="02020603050405020304" pitchFamily="18" charset="0"/>
+                <a:cs typeface="Times New Roman" panose="02020603050405020304" pitchFamily="18" charset="0"/>
+              </a:rPr>
+              <a:t>:</a:t>
+            </a:r>
+          </a:p>
+          <a:p>
+            <a:pPr algn="ctr"/>
+            <a:r>
+              <a:rPr lang="en-US" sz="2400" dirty="0" err="1">
+                <a:solidFill>
+                  <a:schemeClr val="accent2">
+                    <a:lumMod val="75000"/>
+                  </a:schemeClr>
+                </a:solidFill>
+                <a:latin typeface="Times New Roman" panose="02020603050405020304" pitchFamily="18" charset="0"/>
+                <a:cs typeface="Times New Roman" panose="02020603050405020304" pitchFamily="18" charset="0"/>
+              </a:rPr>
+              <a:t>Trần</a:t>
+            </a:r>
+            <a:r>
+              <a:rPr lang="en-US" sz="2400" dirty="0">
+                <a:solidFill>
+                  <a:schemeClr val="accent2">
+                    <a:lumMod val="75000"/>
+                  </a:schemeClr>
+                </a:solidFill>
+                <a:latin typeface="Times New Roman" panose="02020603050405020304" pitchFamily="18" charset="0"/>
+                <a:cs typeface="Times New Roman" panose="02020603050405020304" pitchFamily="18" charset="0"/>
+              </a:rPr>
+              <a:t> </a:t>
+            </a:r>
+            <a:r>
+              <a:rPr lang="en-US" sz="2400" dirty="0" err="1">
+                <a:solidFill>
+                  <a:schemeClr val="accent2">
+                    <a:lumMod val="75000"/>
+                  </a:schemeClr>
+                </a:solidFill>
+                <a:latin typeface="Times New Roman" panose="02020603050405020304" pitchFamily="18" charset="0"/>
+                <a:cs typeface="Times New Roman" panose="02020603050405020304" pitchFamily="18" charset="0"/>
+              </a:rPr>
+              <a:t>Nguyễn</a:t>
+            </a:r>
+            <a:r>
+              <a:rPr lang="en-US" sz="2400" dirty="0">
+                <a:solidFill>
+                  <a:schemeClr val="accent2">
+                    <a:lumMod val="75000"/>
+                  </a:schemeClr>
+                </a:solidFill>
+                <a:latin typeface="Times New Roman" panose="02020603050405020304" pitchFamily="18" charset="0"/>
+                <a:cs typeface="Times New Roman" panose="02020603050405020304" pitchFamily="18" charset="0"/>
+              </a:rPr>
+              <a:t> Minh </a:t>
+            </a:r>
+            <a:r>
+              <a:rPr lang="en-US" sz="2400" dirty="0" err="1">
+                <a:solidFill>
+                  <a:schemeClr val="accent2">
+                    <a:lumMod val="75000"/>
+                  </a:schemeClr>
+                </a:solidFill>
+                <a:latin typeface="Times New Roman" panose="02020603050405020304" pitchFamily="18" charset="0"/>
+                <a:cs typeface="Times New Roman" panose="02020603050405020304" pitchFamily="18" charset="0"/>
+              </a:rPr>
+              <a:t>Thư</a:t>
+            </a:r>
+            <a:endParaRPr lang="en-US" sz="2400" dirty="0">
+              <a:solidFill>
+                <a:schemeClr val="accent2">
+                  <a:lumMod val="75000"/>
+                </a:schemeClr>
+              </a:solidFill>
+              <a:latin typeface="Times New Roman" panose="02020603050405020304" pitchFamily="18" charset="0"/>
+              <a:cs typeface="Times New Roman" panose="02020603050405020304" pitchFamily="18" charset="0"/>
+            </a:endParaRPr>
           </a:p>
         </p:txBody>
       </p:sp>
@@ -4706,7 +4966,7 @@
               <a:buAutoNum type="arabicPeriod"/>
             </a:pPr>
             <a:r>
-              <a:rPr lang="en-US" sz="2000" err="1">
+              <a:rPr lang="en-US" sz="2000" dirty="0" err="1">
                 <a:solidFill>
                   <a:srgbClr val="FF0000"/>
                 </a:solidFill>
@@ -4717,7 +4977,7 @@
               <a:t>Giới</a:t>
             </a:r>
             <a:r>
-              <a:rPr lang="en-US" sz="2000">
+              <a:rPr lang="en-US" sz="2000" dirty="0">
                 <a:solidFill>
                   <a:srgbClr val="FF0000"/>
                 </a:solidFill>
@@ -4728,7 +4988,7 @@
               <a:t> </a:t>
             </a:r>
             <a:r>
-              <a:rPr lang="en-US" sz="2000" err="1">
+              <a:rPr lang="en-US" sz="2000" dirty="0" err="1">
                 <a:solidFill>
                   <a:srgbClr val="FF0000"/>
                 </a:solidFill>
@@ -4738,7 +4998,7 @@
               </a:rPr>
               <a:t>thiệu</a:t>
             </a:r>
-            <a:endParaRPr lang="en-US" sz="2000">
+            <a:endParaRPr lang="en-US" sz="2000" dirty="0">
               <a:solidFill>
                 <a:srgbClr val="FF0000"/>
               </a:solidFill>
@@ -4753,7 +5013,7 @@
               <a:buAutoNum type="arabicPeriod"/>
             </a:pPr>
             <a:r>
-              <a:rPr lang="en-US" sz="2000" err="1">
+              <a:rPr lang="en-US" sz="2000" dirty="0" err="1">
                 <a:latin typeface="Times New Roman" panose="02020603050405020304" pitchFamily="18" charset="0"/>
                 <a:ea typeface="Tahoma" panose="020B0604030504040204" pitchFamily="34" charset="0"/>
                 <a:cs typeface="Times New Roman" panose="02020603050405020304" pitchFamily="18" charset="0"/>
@@ -4761,7 +5021,7 @@
               <a:t>Tiền</a:t>
             </a:r>
             <a:r>
-              <a:rPr lang="en-US" sz="2000">
+              <a:rPr lang="en-US" sz="2000" dirty="0">
                 <a:latin typeface="Times New Roman" panose="02020603050405020304" pitchFamily="18" charset="0"/>
                 <a:ea typeface="Tahoma" panose="020B0604030504040204" pitchFamily="34" charset="0"/>
                 <a:cs typeface="Times New Roman" panose="02020603050405020304" pitchFamily="18" charset="0"/>
@@ -4769,7 +5029,7 @@
               <a:t> </a:t>
             </a:r>
             <a:r>
-              <a:rPr lang="en-US" sz="2000" err="1">
+              <a:rPr lang="en-US" sz="2000" dirty="0" err="1">
                 <a:latin typeface="Times New Roman" panose="02020603050405020304" pitchFamily="18" charset="0"/>
                 <a:ea typeface="Tahoma" panose="020B0604030504040204" pitchFamily="34" charset="0"/>
                 <a:cs typeface="Times New Roman" panose="02020603050405020304" pitchFamily="18" charset="0"/>
@@ -4777,7 +5037,7 @@
               <a:t>xử</a:t>
             </a:r>
             <a:r>
-              <a:rPr lang="en-US" sz="2000">
+              <a:rPr lang="en-US" sz="2000" dirty="0">
                 <a:latin typeface="Times New Roman" panose="02020603050405020304" pitchFamily="18" charset="0"/>
                 <a:ea typeface="Tahoma" panose="020B0604030504040204" pitchFamily="34" charset="0"/>
                 <a:cs typeface="Times New Roman" panose="02020603050405020304" pitchFamily="18" charset="0"/>
@@ -4785,14 +5045,14 @@
               <a:t> </a:t>
             </a:r>
             <a:r>
-              <a:rPr lang="en-US" sz="2000" err="1">
+              <a:rPr lang="en-US" sz="2000" dirty="0" err="1">
                 <a:latin typeface="Times New Roman" panose="02020603050405020304" pitchFamily="18" charset="0"/>
                 <a:ea typeface="Tahoma" panose="020B0604030504040204" pitchFamily="34" charset="0"/>
                 <a:cs typeface="Times New Roman" panose="02020603050405020304" pitchFamily="18" charset="0"/>
               </a:rPr>
               <a:t>lý</a:t>
             </a:r>
-            <a:endParaRPr lang="en-US" sz="2000">
+            <a:endParaRPr lang="en-US" sz="2000" dirty="0">
               <a:latin typeface="Times New Roman" panose="02020603050405020304" pitchFamily="18" charset="0"/>
               <a:ea typeface="Tahoma" panose="020B0604030504040204" pitchFamily="34" charset="0"/>
               <a:cs typeface="Times New Roman" panose="02020603050405020304" pitchFamily="18" charset="0"/>
@@ -4804,7 +5064,7 @@
               <a:buAutoNum type="arabicPeriod"/>
             </a:pPr>
             <a:r>
-              <a:rPr lang="en-US" sz="2000" err="1">
+              <a:rPr lang="en-US" sz="2000" dirty="0" err="1">
                 <a:latin typeface="Times New Roman" panose="02020603050405020304" pitchFamily="18" charset="0"/>
                 <a:ea typeface="Tahoma" panose="020B0604030504040204" pitchFamily="34" charset="0"/>
                 <a:cs typeface="Times New Roman" panose="02020603050405020304" pitchFamily="18" charset="0"/>
@@ -4812,7 +5072,7 @@
               <a:t>Giải</a:t>
             </a:r>
             <a:r>
-              <a:rPr lang="en-US" sz="2000">
+              <a:rPr lang="en-US" sz="2000" dirty="0">
                 <a:latin typeface="Times New Roman" panose="02020603050405020304" pitchFamily="18" charset="0"/>
                 <a:ea typeface="Tahoma" panose="020B0604030504040204" pitchFamily="34" charset="0"/>
                 <a:cs typeface="Times New Roman" panose="02020603050405020304" pitchFamily="18" charset="0"/>
@@ -4820,14 +5080,14 @@
               <a:t> </a:t>
             </a:r>
             <a:r>
-              <a:rPr lang="en-US" sz="2000" err="1">
+              <a:rPr lang="en-US" sz="2000" dirty="0" err="1">
                 <a:latin typeface="Times New Roman" panose="02020603050405020304" pitchFamily="18" charset="0"/>
                 <a:ea typeface="Tahoma" panose="020B0604030504040204" pitchFamily="34" charset="0"/>
                 <a:cs typeface="Times New Roman" panose="02020603050405020304" pitchFamily="18" charset="0"/>
               </a:rPr>
               <a:t>thuật</a:t>
             </a:r>
-            <a:endParaRPr lang="en-US" sz="2000">
+            <a:endParaRPr lang="en-US" sz="2000" dirty="0">
               <a:latin typeface="Times New Roman" panose="02020603050405020304" pitchFamily="18" charset="0"/>
               <a:ea typeface="Tahoma" panose="020B0604030504040204" pitchFamily="34" charset="0"/>
               <a:cs typeface="Times New Roman" panose="02020603050405020304" pitchFamily="18" charset="0"/>
@@ -4839,7 +5099,7 @@
               <a:buAutoNum type="arabicPeriod"/>
             </a:pPr>
             <a:r>
-              <a:rPr lang="en-US" sz="2000" err="1">
+              <a:rPr lang="en-US" sz="2000" dirty="0" err="1">
                 <a:latin typeface="Times New Roman" panose="02020603050405020304" pitchFamily="18" charset="0"/>
                 <a:ea typeface="Tahoma" panose="020B0604030504040204" pitchFamily="34" charset="0"/>
                 <a:cs typeface="Times New Roman" panose="02020603050405020304" pitchFamily="18" charset="0"/>
@@ -4847,13 +5107,26 @@
               <a:t>Đánh</a:t>
             </a:r>
             <a:r>
-              <a:rPr lang="en-US" sz="2000">
-                <a:latin typeface="Times New Roman" panose="02020603050405020304" pitchFamily="18" charset="0"/>
-                <a:ea typeface="Tahoma" panose="020B0604030504040204" pitchFamily="34" charset="0"/>
-                <a:cs typeface="Times New Roman" panose="02020603050405020304" pitchFamily="18" charset="0"/>
-              </a:rPr>
-              <a:t> giá</a:t>
-            </a:r>
+              <a:rPr lang="en-US" sz="2000" dirty="0">
+                <a:latin typeface="Times New Roman" panose="02020603050405020304" pitchFamily="18" charset="0"/>
+                <a:ea typeface="Tahoma" panose="020B0604030504040204" pitchFamily="34" charset="0"/>
+                <a:cs typeface="Times New Roman" panose="02020603050405020304" pitchFamily="18" charset="0"/>
+              </a:rPr>
+              <a:t> </a:t>
+            </a:r>
+            <a:r>
+              <a:rPr lang="en-US" sz="2000" dirty="0" err="1">
+                <a:latin typeface="Times New Roman" panose="02020603050405020304" pitchFamily="18" charset="0"/>
+                <a:ea typeface="Tahoma" panose="020B0604030504040204" pitchFamily="34" charset="0"/>
+                <a:cs typeface="Times New Roman" panose="02020603050405020304" pitchFamily="18" charset="0"/>
+              </a:rPr>
+              <a:t>giá</a:t>
+            </a:r>
+            <a:endParaRPr lang="en-US" sz="2000" dirty="0">
+              <a:latin typeface="Times New Roman" panose="02020603050405020304" pitchFamily="18" charset="0"/>
+              <a:ea typeface="Tahoma" panose="020B0604030504040204" pitchFamily="34" charset="0"/>
+              <a:cs typeface="Times New Roman" panose="02020603050405020304" pitchFamily="18" charset="0"/>
+            </a:endParaRPr>
           </a:p>
           <a:p>
             <a:pPr marL="228600" indent="-228600" algn="just">
@@ -4861,14 +5134,30 @@
               <a:buAutoNum type="arabicPeriod"/>
             </a:pPr>
             <a:r>
-              <a:rPr lang="en-US" sz="2000">
-                <a:latin typeface="Times New Roman" panose="02020603050405020304" pitchFamily="18" charset="0"/>
-                <a:ea typeface="Tahoma" panose="020B0604030504040204" pitchFamily="34" charset="0"/>
-                <a:cs typeface="Times New Roman" panose="02020603050405020304" pitchFamily="18" charset="0"/>
-              </a:rPr>
-              <a:t>Kết luận</a:t>
-            </a:r>
-            <a:endParaRPr lang="vi-VN" sz="2000">
+              <a:rPr lang="en-US" sz="2000" dirty="0" err="1">
+                <a:latin typeface="Times New Roman" panose="02020603050405020304" pitchFamily="18" charset="0"/>
+                <a:ea typeface="Tahoma" panose="020B0604030504040204" pitchFamily="34" charset="0"/>
+                <a:cs typeface="Times New Roman" panose="02020603050405020304" pitchFamily="18" charset="0"/>
+              </a:rPr>
+              <a:t>Kết</a:t>
+            </a:r>
+            <a:r>
+              <a:rPr lang="en-US" sz="2000" dirty="0">
+                <a:latin typeface="Times New Roman" panose="02020603050405020304" pitchFamily="18" charset="0"/>
+                <a:ea typeface="Tahoma" panose="020B0604030504040204" pitchFamily="34" charset="0"/>
+                <a:cs typeface="Times New Roman" panose="02020603050405020304" pitchFamily="18" charset="0"/>
+              </a:rPr>
+              <a:t> </a:t>
+            </a:r>
+            <a:r>
+              <a:rPr lang="en-US" sz="2000" dirty="0" err="1">
+                <a:latin typeface="Times New Roman" panose="02020603050405020304" pitchFamily="18" charset="0"/>
+                <a:ea typeface="Tahoma" panose="020B0604030504040204" pitchFamily="34" charset="0"/>
+                <a:cs typeface="Times New Roman" panose="02020603050405020304" pitchFamily="18" charset="0"/>
+              </a:rPr>
+              <a:t>luận</a:t>
+            </a:r>
+            <a:endParaRPr lang="vi-VN" sz="2000" dirty="0">
               <a:latin typeface="Times New Roman" panose="02020603050405020304" pitchFamily="18" charset="0"/>
               <a:ea typeface="Tahoma" panose="020B0604030504040204" pitchFamily="34" charset="0"/>
               <a:cs typeface="Times New Roman" panose="02020603050405020304" pitchFamily="18" charset="0"/>
@@ -4961,7 +5250,7 @@
             <a:lstStyle/>
             <a:p>
               <a:r>
-                <a:rPr lang="en-US" sz="4400" b="1">
+                <a:rPr lang="en-US" sz="4400" b="1" dirty="0">
                   <a:solidFill>
                     <a:schemeClr val="accent2">
                       <a:lumMod val="75000"/>
@@ -4972,7 +5261,7 @@
                 </a:rPr>
                 <a:t>1. GIỚI THIỆU</a:t>
               </a:r>
-              <a:endParaRPr lang="en-US" sz="4400">
+              <a:endParaRPr lang="en-US" sz="4400" dirty="0">
                 <a:solidFill>
                   <a:schemeClr val="accent2">
                     <a:lumMod val="75000"/>
@@ -5034,7 +5323,7 @@
         <p:spPr>
           <a:xfrm>
             <a:off x="5226625" y="2842067"/>
-            <a:ext cx="6182593" cy="2554545"/>
+            <a:ext cx="6299967" cy="2554545"/>
           </a:xfrm>
           <a:prstGeom prst="rect">
             <a:avLst/>
@@ -5047,53 +5336,708 @@
           </a:bodyPr>
           <a:lstStyle/>
           <a:p>
-            <a:pPr marL="342900" indent="-342900" algn="just">
+            <a:pPr marL="342900" indent="-342900">
               <a:buFont typeface="Wingdings" panose="05000000000000000000" pitchFamily="2" charset="2"/>
               <a:buChar char="q"/>
             </a:pPr>
             <a:r>
-              <a:rPr lang="en-US" sz="2000">
-                <a:latin typeface="Tahoma" panose="020B0604030504040204" pitchFamily="34" charset="0"/>
-                <a:ea typeface="Tahoma" panose="020B0604030504040204" pitchFamily="34" charset="0"/>
-                <a:cs typeface="Tahoma" panose="020B0604030504040204" pitchFamily="34" charset="0"/>
-              </a:rPr>
-              <a:t>Tập dữ liệu phụ vụ cho hệ thống cho thuê xe đạp tự động</a:t>
-            </a:r>
-          </a:p>
-          <a:p>
-            <a:pPr marL="342900" indent="-342900" algn="just">
+              <a:rPr lang="en-US" sz="2000" dirty="0" err="1">
+                <a:latin typeface="Tahoma" panose="020B0604030504040204" pitchFamily="34" charset="0"/>
+                <a:ea typeface="Tahoma" panose="020B0604030504040204" pitchFamily="34" charset="0"/>
+                <a:cs typeface="Tahoma" panose="020B0604030504040204" pitchFamily="34" charset="0"/>
+              </a:rPr>
+              <a:t>Tập</a:t>
+            </a:r>
+            <a:r>
+              <a:rPr lang="en-US" sz="2000" dirty="0">
+                <a:latin typeface="Tahoma" panose="020B0604030504040204" pitchFamily="34" charset="0"/>
+                <a:ea typeface="Tahoma" panose="020B0604030504040204" pitchFamily="34" charset="0"/>
+                <a:cs typeface="Tahoma" panose="020B0604030504040204" pitchFamily="34" charset="0"/>
+              </a:rPr>
+              <a:t> </a:t>
+            </a:r>
+            <a:r>
+              <a:rPr lang="en-US" sz="2000" dirty="0" err="1">
+                <a:latin typeface="Tahoma" panose="020B0604030504040204" pitchFamily="34" charset="0"/>
+                <a:ea typeface="Tahoma" panose="020B0604030504040204" pitchFamily="34" charset="0"/>
+                <a:cs typeface="Tahoma" panose="020B0604030504040204" pitchFamily="34" charset="0"/>
+              </a:rPr>
+              <a:t>dữ</a:t>
+            </a:r>
+            <a:r>
+              <a:rPr lang="en-US" sz="2000" dirty="0">
+                <a:latin typeface="Tahoma" panose="020B0604030504040204" pitchFamily="34" charset="0"/>
+                <a:ea typeface="Tahoma" panose="020B0604030504040204" pitchFamily="34" charset="0"/>
+                <a:cs typeface="Tahoma" panose="020B0604030504040204" pitchFamily="34" charset="0"/>
+              </a:rPr>
+              <a:t> </a:t>
+            </a:r>
+            <a:r>
+              <a:rPr lang="en-US" sz="2000" dirty="0" err="1">
+                <a:latin typeface="Tahoma" panose="020B0604030504040204" pitchFamily="34" charset="0"/>
+                <a:ea typeface="Tahoma" panose="020B0604030504040204" pitchFamily="34" charset="0"/>
+                <a:cs typeface="Tahoma" panose="020B0604030504040204" pitchFamily="34" charset="0"/>
+              </a:rPr>
+              <a:t>liệu</a:t>
+            </a:r>
+            <a:r>
+              <a:rPr lang="en-US" sz="2000" dirty="0">
+                <a:latin typeface="Tahoma" panose="020B0604030504040204" pitchFamily="34" charset="0"/>
+                <a:ea typeface="Tahoma" panose="020B0604030504040204" pitchFamily="34" charset="0"/>
+                <a:cs typeface="Tahoma" panose="020B0604030504040204" pitchFamily="34" charset="0"/>
+              </a:rPr>
+              <a:t> </a:t>
+            </a:r>
+            <a:r>
+              <a:rPr lang="en-US" sz="2000" dirty="0" err="1">
+                <a:latin typeface="Tahoma" panose="020B0604030504040204" pitchFamily="34" charset="0"/>
+                <a:ea typeface="Tahoma" panose="020B0604030504040204" pitchFamily="34" charset="0"/>
+                <a:cs typeface="Tahoma" panose="020B0604030504040204" pitchFamily="34" charset="0"/>
+              </a:rPr>
+              <a:t>phục</a:t>
+            </a:r>
+            <a:r>
+              <a:rPr lang="en-US" sz="2000" dirty="0">
+                <a:latin typeface="Tahoma" panose="020B0604030504040204" pitchFamily="34" charset="0"/>
+                <a:ea typeface="Tahoma" panose="020B0604030504040204" pitchFamily="34" charset="0"/>
+                <a:cs typeface="Tahoma" panose="020B0604030504040204" pitchFamily="34" charset="0"/>
+              </a:rPr>
+              <a:t> </a:t>
+            </a:r>
+            <a:r>
+              <a:rPr lang="en-US" sz="2000" dirty="0" err="1">
+                <a:latin typeface="Tahoma" panose="020B0604030504040204" pitchFamily="34" charset="0"/>
+                <a:ea typeface="Tahoma" panose="020B0604030504040204" pitchFamily="34" charset="0"/>
+                <a:cs typeface="Tahoma" panose="020B0604030504040204" pitchFamily="34" charset="0"/>
+              </a:rPr>
+              <a:t>vụ</a:t>
+            </a:r>
+            <a:r>
+              <a:rPr lang="en-US" sz="2000" dirty="0">
+                <a:latin typeface="Tahoma" panose="020B0604030504040204" pitchFamily="34" charset="0"/>
+                <a:ea typeface="Tahoma" panose="020B0604030504040204" pitchFamily="34" charset="0"/>
+                <a:cs typeface="Tahoma" panose="020B0604030504040204" pitchFamily="34" charset="0"/>
+              </a:rPr>
+              <a:t> </a:t>
+            </a:r>
+            <a:r>
+              <a:rPr lang="en-US" sz="2000" dirty="0" err="1">
+                <a:latin typeface="Tahoma" panose="020B0604030504040204" pitchFamily="34" charset="0"/>
+                <a:ea typeface="Tahoma" panose="020B0604030504040204" pitchFamily="34" charset="0"/>
+                <a:cs typeface="Tahoma" panose="020B0604030504040204" pitchFamily="34" charset="0"/>
+              </a:rPr>
+              <a:t>cho</a:t>
+            </a:r>
+            <a:r>
+              <a:rPr lang="en-US" sz="2000" dirty="0">
+                <a:latin typeface="Tahoma" panose="020B0604030504040204" pitchFamily="34" charset="0"/>
+                <a:ea typeface="Tahoma" panose="020B0604030504040204" pitchFamily="34" charset="0"/>
+                <a:cs typeface="Tahoma" panose="020B0604030504040204" pitchFamily="34" charset="0"/>
+              </a:rPr>
+              <a:t> </a:t>
+            </a:r>
+            <a:r>
+              <a:rPr lang="en-US" sz="2000" dirty="0" err="1">
+                <a:latin typeface="Tahoma" panose="020B0604030504040204" pitchFamily="34" charset="0"/>
+                <a:ea typeface="Tahoma" panose="020B0604030504040204" pitchFamily="34" charset="0"/>
+                <a:cs typeface="Tahoma" panose="020B0604030504040204" pitchFamily="34" charset="0"/>
+              </a:rPr>
+              <a:t>hệ</a:t>
+            </a:r>
+            <a:r>
+              <a:rPr lang="en-US" sz="2000" dirty="0">
+                <a:latin typeface="Tahoma" panose="020B0604030504040204" pitchFamily="34" charset="0"/>
+                <a:ea typeface="Tahoma" panose="020B0604030504040204" pitchFamily="34" charset="0"/>
+                <a:cs typeface="Tahoma" panose="020B0604030504040204" pitchFamily="34" charset="0"/>
+              </a:rPr>
+              <a:t> </a:t>
+            </a:r>
+            <a:r>
+              <a:rPr lang="en-US" sz="2000" dirty="0" err="1">
+                <a:latin typeface="Tahoma" panose="020B0604030504040204" pitchFamily="34" charset="0"/>
+                <a:ea typeface="Tahoma" panose="020B0604030504040204" pitchFamily="34" charset="0"/>
+                <a:cs typeface="Tahoma" panose="020B0604030504040204" pitchFamily="34" charset="0"/>
+              </a:rPr>
+              <a:t>thống</a:t>
+            </a:r>
+            <a:r>
+              <a:rPr lang="en-US" sz="2000" dirty="0">
+                <a:latin typeface="Tahoma" panose="020B0604030504040204" pitchFamily="34" charset="0"/>
+                <a:ea typeface="Tahoma" panose="020B0604030504040204" pitchFamily="34" charset="0"/>
+                <a:cs typeface="Tahoma" panose="020B0604030504040204" pitchFamily="34" charset="0"/>
+              </a:rPr>
+              <a:t> </a:t>
+            </a:r>
+            <a:r>
+              <a:rPr lang="en-US" sz="2000" dirty="0" err="1">
+                <a:latin typeface="Tahoma" panose="020B0604030504040204" pitchFamily="34" charset="0"/>
+                <a:ea typeface="Tahoma" panose="020B0604030504040204" pitchFamily="34" charset="0"/>
+                <a:cs typeface="Tahoma" panose="020B0604030504040204" pitchFamily="34" charset="0"/>
+              </a:rPr>
+              <a:t>cho</a:t>
+            </a:r>
+            <a:r>
+              <a:rPr lang="en-US" sz="2000" dirty="0">
+                <a:latin typeface="Tahoma" panose="020B0604030504040204" pitchFamily="34" charset="0"/>
+                <a:ea typeface="Tahoma" panose="020B0604030504040204" pitchFamily="34" charset="0"/>
+                <a:cs typeface="Tahoma" panose="020B0604030504040204" pitchFamily="34" charset="0"/>
+              </a:rPr>
+              <a:t> </a:t>
+            </a:r>
+            <a:r>
+              <a:rPr lang="en-US" sz="2000" dirty="0" err="1">
+                <a:latin typeface="Tahoma" panose="020B0604030504040204" pitchFamily="34" charset="0"/>
+                <a:ea typeface="Tahoma" panose="020B0604030504040204" pitchFamily="34" charset="0"/>
+                <a:cs typeface="Tahoma" panose="020B0604030504040204" pitchFamily="34" charset="0"/>
+              </a:rPr>
+              <a:t>thuê</a:t>
+            </a:r>
+            <a:r>
+              <a:rPr lang="en-US" sz="2000" dirty="0">
+                <a:latin typeface="Tahoma" panose="020B0604030504040204" pitchFamily="34" charset="0"/>
+                <a:ea typeface="Tahoma" panose="020B0604030504040204" pitchFamily="34" charset="0"/>
+                <a:cs typeface="Tahoma" panose="020B0604030504040204" pitchFamily="34" charset="0"/>
+              </a:rPr>
+              <a:t> </a:t>
+            </a:r>
+            <a:r>
+              <a:rPr lang="en-US" sz="2000" dirty="0" err="1">
+                <a:latin typeface="Tahoma" panose="020B0604030504040204" pitchFamily="34" charset="0"/>
+                <a:ea typeface="Tahoma" panose="020B0604030504040204" pitchFamily="34" charset="0"/>
+                <a:cs typeface="Tahoma" panose="020B0604030504040204" pitchFamily="34" charset="0"/>
+              </a:rPr>
+              <a:t>xe</a:t>
+            </a:r>
+            <a:r>
+              <a:rPr lang="en-US" sz="2000" dirty="0">
+                <a:latin typeface="Tahoma" panose="020B0604030504040204" pitchFamily="34" charset="0"/>
+                <a:ea typeface="Tahoma" panose="020B0604030504040204" pitchFamily="34" charset="0"/>
+                <a:cs typeface="Tahoma" panose="020B0604030504040204" pitchFamily="34" charset="0"/>
+              </a:rPr>
+              <a:t> </a:t>
+            </a:r>
+            <a:r>
+              <a:rPr lang="en-US" sz="2000" dirty="0" err="1">
+                <a:latin typeface="Tahoma" panose="020B0604030504040204" pitchFamily="34" charset="0"/>
+                <a:ea typeface="Tahoma" panose="020B0604030504040204" pitchFamily="34" charset="0"/>
+                <a:cs typeface="Tahoma" panose="020B0604030504040204" pitchFamily="34" charset="0"/>
+              </a:rPr>
+              <a:t>đạp</a:t>
+            </a:r>
+            <a:r>
+              <a:rPr lang="en-US" sz="2000" dirty="0">
+                <a:latin typeface="Tahoma" panose="020B0604030504040204" pitchFamily="34" charset="0"/>
+                <a:ea typeface="Tahoma" panose="020B0604030504040204" pitchFamily="34" charset="0"/>
+                <a:cs typeface="Tahoma" panose="020B0604030504040204" pitchFamily="34" charset="0"/>
+              </a:rPr>
+              <a:t> </a:t>
+            </a:r>
+            <a:r>
+              <a:rPr lang="en-US" sz="2000" dirty="0" err="1">
+                <a:latin typeface="Tahoma" panose="020B0604030504040204" pitchFamily="34" charset="0"/>
+                <a:ea typeface="Tahoma" panose="020B0604030504040204" pitchFamily="34" charset="0"/>
+                <a:cs typeface="Tahoma" panose="020B0604030504040204" pitchFamily="34" charset="0"/>
+              </a:rPr>
+              <a:t>tự</a:t>
+            </a:r>
+            <a:r>
+              <a:rPr lang="en-US" sz="2000" dirty="0">
+                <a:latin typeface="Tahoma" panose="020B0604030504040204" pitchFamily="34" charset="0"/>
+                <a:ea typeface="Tahoma" panose="020B0604030504040204" pitchFamily="34" charset="0"/>
+                <a:cs typeface="Tahoma" panose="020B0604030504040204" pitchFamily="34" charset="0"/>
+              </a:rPr>
+              <a:t> </a:t>
+            </a:r>
+            <a:r>
+              <a:rPr lang="en-US" sz="2000" dirty="0" err="1">
+                <a:latin typeface="Tahoma" panose="020B0604030504040204" pitchFamily="34" charset="0"/>
+                <a:ea typeface="Tahoma" panose="020B0604030504040204" pitchFamily="34" charset="0"/>
+                <a:cs typeface="Tahoma" panose="020B0604030504040204" pitchFamily="34" charset="0"/>
+              </a:rPr>
+              <a:t>động</a:t>
+            </a:r>
+            <a:endParaRPr lang="en-US" sz="2000" dirty="0">
+              <a:latin typeface="Tahoma" panose="020B0604030504040204" pitchFamily="34" charset="0"/>
+              <a:ea typeface="Tahoma" panose="020B0604030504040204" pitchFamily="34" charset="0"/>
+              <a:cs typeface="Tahoma" panose="020B0604030504040204" pitchFamily="34" charset="0"/>
+            </a:endParaRPr>
+          </a:p>
+          <a:p>
+            <a:pPr marL="342900" indent="-342900">
               <a:buFont typeface="Wingdings" panose="05000000000000000000" pitchFamily="2" charset="2"/>
               <a:buChar char="q"/>
             </a:pPr>
             <a:r>
-              <a:rPr lang="en-US" sz="2000">
-                <a:latin typeface="Tahoma" panose="020B0604030504040204" pitchFamily="34" charset="0"/>
-                <a:ea typeface="Tahoma" panose="020B0604030504040204" pitchFamily="34" charset="0"/>
-                <a:cs typeface="Tahoma" panose="020B0604030504040204" pitchFamily="34" charset="0"/>
-              </a:rPr>
-              <a:t>Các yếu tố môi trường, thời tiết đề có ảnh hưởng đến việc cho thuê</a:t>
-            </a:r>
-          </a:p>
-          <a:p>
-            <a:pPr marL="342900" indent="-342900" algn="just">
+              <a:rPr lang="en-US" sz="2000" dirty="0" err="1">
+                <a:latin typeface="Tahoma" panose="020B0604030504040204" pitchFamily="34" charset="0"/>
+                <a:ea typeface="Tahoma" panose="020B0604030504040204" pitchFamily="34" charset="0"/>
+                <a:cs typeface="Tahoma" panose="020B0604030504040204" pitchFamily="34" charset="0"/>
+              </a:rPr>
+              <a:t>Các</a:t>
+            </a:r>
+            <a:r>
+              <a:rPr lang="en-US" sz="2000" dirty="0">
+                <a:latin typeface="Tahoma" panose="020B0604030504040204" pitchFamily="34" charset="0"/>
+                <a:ea typeface="Tahoma" panose="020B0604030504040204" pitchFamily="34" charset="0"/>
+                <a:cs typeface="Tahoma" panose="020B0604030504040204" pitchFamily="34" charset="0"/>
+              </a:rPr>
+              <a:t> </a:t>
+            </a:r>
+            <a:r>
+              <a:rPr lang="en-US" sz="2000" dirty="0" err="1">
+                <a:latin typeface="Tahoma" panose="020B0604030504040204" pitchFamily="34" charset="0"/>
+                <a:ea typeface="Tahoma" panose="020B0604030504040204" pitchFamily="34" charset="0"/>
+                <a:cs typeface="Tahoma" panose="020B0604030504040204" pitchFamily="34" charset="0"/>
+              </a:rPr>
+              <a:t>yếu</a:t>
+            </a:r>
+            <a:r>
+              <a:rPr lang="en-US" sz="2000" dirty="0">
+                <a:latin typeface="Tahoma" panose="020B0604030504040204" pitchFamily="34" charset="0"/>
+                <a:ea typeface="Tahoma" panose="020B0604030504040204" pitchFamily="34" charset="0"/>
+                <a:cs typeface="Tahoma" panose="020B0604030504040204" pitchFamily="34" charset="0"/>
+              </a:rPr>
+              <a:t> </a:t>
+            </a:r>
+            <a:r>
+              <a:rPr lang="en-US" sz="2000" dirty="0" err="1">
+                <a:latin typeface="Tahoma" panose="020B0604030504040204" pitchFamily="34" charset="0"/>
+                <a:ea typeface="Tahoma" panose="020B0604030504040204" pitchFamily="34" charset="0"/>
+                <a:cs typeface="Tahoma" panose="020B0604030504040204" pitchFamily="34" charset="0"/>
+              </a:rPr>
+              <a:t>tố</a:t>
+            </a:r>
+            <a:r>
+              <a:rPr lang="en-US" sz="2000" dirty="0">
+                <a:latin typeface="Tahoma" panose="020B0604030504040204" pitchFamily="34" charset="0"/>
+                <a:ea typeface="Tahoma" panose="020B0604030504040204" pitchFamily="34" charset="0"/>
+                <a:cs typeface="Tahoma" panose="020B0604030504040204" pitchFamily="34" charset="0"/>
+              </a:rPr>
+              <a:t> </a:t>
+            </a:r>
+            <a:r>
+              <a:rPr lang="en-US" sz="2000" dirty="0" err="1">
+                <a:latin typeface="Tahoma" panose="020B0604030504040204" pitchFamily="34" charset="0"/>
+                <a:ea typeface="Tahoma" panose="020B0604030504040204" pitchFamily="34" charset="0"/>
+                <a:cs typeface="Tahoma" panose="020B0604030504040204" pitchFamily="34" charset="0"/>
+              </a:rPr>
+              <a:t>môi</a:t>
+            </a:r>
+            <a:r>
+              <a:rPr lang="en-US" sz="2000" dirty="0">
+                <a:latin typeface="Tahoma" panose="020B0604030504040204" pitchFamily="34" charset="0"/>
+                <a:ea typeface="Tahoma" panose="020B0604030504040204" pitchFamily="34" charset="0"/>
+                <a:cs typeface="Tahoma" panose="020B0604030504040204" pitchFamily="34" charset="0"/>
+              </a:rPr>
+              <a:t> </a:t>
+            </a:r>
+            <a:r>
+              <a:rPr lang="en-US" sz="2000" dirty="0" err="1">
+                <a:latin typeface="Tahoma" panose="020B0604030504040204" pitchFamily="34" charset="0"/>
+                <a:ea typeface="Tahoma" panose="020B0604030504040204" pitchFamily="34" charset="0"/>
+                <a:cs typeface="Tahoma" panose="020B0604030504040204" pitchFamily="34" charset="0"/>
+              </a:rPr>
+              <a:t>trường</a:t>
+            </a:r>
+            <a:r>
+              <a:rPr lang="en-US" sz="2000" dirty="0">
+                <a:latin typeface="Tahoma" panose="020B0604030504040204" pitchFamily="34" charset="0"/>
+                <a:ea typeface="Tahoma" panose="020B0604030504040204" pitchFamily="34" charset="0"/>
+                <a:cs typeface="Tahoma" panose="020B0604030504040204" pitchFamily="34" charset="0"/>
+              </a:rPr>
+              <a:t>, </a:t>
+            </a:r>
+            <a:r>
+              <a:rPr lang="en-US" sz="2000" dirty="0" err="1">
+                <a:latin typeface="Tahoma" panose="020B0604030504040204" pitchFamily="34" charset="0"/>
+                <a:ea typeface="Tahoma" panose="020B0604030504040204" pitchFamily="34" charset="0"/>
+                <a:cs typeface="Tahoma" panose="020B0604030504040204" pitchFamily="34" charset="0"/>
+              </a:rPr>
+              <a:t>thời</a:t>
+            </a:r>
+            <a:r>
+              <a:rPr lang="en-US" sz="2000" dirty="0">
+                <a:latin typeface="Tahoma" panose="020B0604030504040204" pitchFamily="34" charset="0"/>
+                <a:ea typeface="Tahoma" panose="020B0604030504040204" pitchFamily="34" charset="0"/>
+                <a:cs typeface="Tahoma" panose="020B0604030504040204" pitchFamily="34" charset="0"/>
+              </a:rPr>
+              <a:t> </a:t>
+            </a:r>
+            <a:r>
+              <a:rPr lang="en-US" sz="2000" dirty="0" err="1">
+                <a:latin typeface="Tahoma" panose="020B0604030504040204" pitchFamily="34" charset="0"/>
+                <a:ea typeface="Tahoma" panose="020B0604030504040204" pitchFamily="34" charset="0"/>
+                <a:cs typeface="Tahoma" panose="020B0604030504040204" pitchFamily="34" charset="0"/>
+              </a:rPr>
+              <a:t>tiết</a:t>
+            </a:r>
+            <a:r>
+              <a:rPr lang="en-US" sz="2000" dirty="0">
+                <a:latin typeface="Tahoma" panose="020B0604030504040204" pitchFamily="34" charset="0"/>
+                <a:ea typeface="Tahoma" panose="020B0604030504040204" pitchFamily="34" charset="0"/>
+                <a:cs typeface="Tahoma" panose="020B0604030504040204" pitchFamily="34" charset="0"/>
+              </a:rPr>
+              <a:t> </a:t>
+            </a:r>
+            <a:r>
+              <a:rPr lang="en-US" sz="2000" dirty="0" err="1">
+                <a:latin typeface="Tahoma" panose="020B0604030504040204" pitchFamily="34" charset="0"/>
+                <a:ea typeface="Tahoma" panose="020B0604030504040204" pitchFamily="34" charset="0"/>
+                <a:cs typeface="Tahoma" panose="020B0604030504040204" pitchFamily="34" charset="0"/>
+              </a:rPr>
+              <a:t>đề</a:t>
+            </a:r>
+            <a:r>
+              <a:rPr lang="en-US" sz="2000" dirty="0">
+                <a:latin typeface="Tahoma" panose="020B0604030504040204" pitchFamily="34" charset="0"/>
+                <a:ea typeface="Tahoma" panose="020B0604030504040204" pitchFamily="34" charset="0"/>
+                <a:cs typeface="Tahoma" panose="020B0604030504040204" pitchFamily="34" charset="0"/>
+              </a:rPr>
+              <a:t> </a:t>
+            </a:r>
+            <a:r>
+              <a:rPr lang="en-US" sz="2000" dirty="0" err="1">
+                <a:latin typeface="Tahoma" panose="020B0604030504040204" pitchFamily="34" charset="0"/>
+                <a:ea typeface="Tahoma" panose="020B0604030504040204" pitchFamily="34" charset="0"/>
+                <a:cs typeface="Tahoma" panose="020B0604030504040204" pitchFamily="34" charset="0"/>
+              </a:rPr>
+              <a:t>có</a:t>
+            </a:r>
+            <a:r>
+              <a:rPr lang="en-US" sz="2000" dirty="0">
+                <a:latin typeface="Tahoma" panose="020B0604030504040204" pitchFamily="34" charset="0"/>
+                <a:ea typeface="Tahoma" panose="020B0604030504040204" pitchFamily="34" charset="0"/>
+                <a:cs typeface="Tahoma" panose="020B0604030504040204" pitchFamily="34" charset="0"/>
+              </a:rPr>
+              <a:t> </a:t>
+            </a:r>
+            <a:r>
+              <a:rPr lang="en-US" sz="2000" dirty="0" err="1">
+                <a:latin typeface="Tahoma" panose="020B0604030504040204" pitchFamily="34" charset="0"/>
+                <a:ea typeface="Tahoma" panose="020B0604030504040204" pitchFamily="34" charset="0"/>
+                <a:cs typeface="Tahoma" panose="020B0604030504040204" pitchFamily="34" charset="0"/>
+              </a:rPr>
+              <a:t>ảnh</a:t>
+            </a:r>
+            <a:r>
+              <a:rPr lang="en-US" sz="2000" dirty="0">
+                <a:latin typeface="Tahoma" panose="020B0604030504040204" pitchFamily="34" charset="0"/>
+                <a:ea typeface="Tahoma" panose="020B0604030504040204" pitchFamily="34" charset="0"/>
+                <a:cs typeface="Tahoma" panose="020B0604030504040204" pitchFamily="34" charset="0"/>
+              </a:rPr>
+              <a:t> </a:t>
+            </a:r>
+            <a:r>
+              <a:rPr lang="en-US" sz="2000" dirty="0" err="1">
+                <a:latin typeface="Tahoma" panose="020B0604030504040204" pitchFamily="34" charset="0"/>
+                <a:ea typeface="Tahoma" panose="020B0604030504040204" pitchFamily="34" charset="0"/>
+                <a:cs typeface="Tahoma" panose="020B0604030504040204" pitchFamily="34" charset="0"/>
+              </a:rPr>
+              <a:t>hưởng</a:t>
+            </a:r>
+            <a:r>
+              <a:rPr lang="en-US" sz="2000" dirty="0">
+                <a:latin typeface="Tahoma" panose="020B0604030504040204" pitchFamily="34" charset="0"/>
+                <a:ea typeface="Tahoma" panose="020B0604030504040204" pitchFamily="34" charset="0"/>
+                <a:cs typeface="Tahoma" panose="020B0604030504040204" pitchFamily="34" charset="0"/>
+              </a:rPr>
+              <a:t> </a:t>
+            </a:r>
+            <a:r>
+              <a:rPr lang="en-US" sz="2000" dirty="0" err="1">
+                <a:latin typeface="Tahoma" panose="020B0604030504040204" pitchFamily="34" charset="0"/>
+                <a:ea typeface="Tahoma" panose="020B0604030504040204" pitchFamily="34" charset="0"/>
+                <a:cs typeface="Tahoma" panose="020B0604030504040204" pitchFamily="34" charset="0"/>
+              </a:rPr>
+              <a:t>đến</a:t>
+            </a:r>
+            <a:r>
+              <a:rPr lang="en-US" sz="2000" dirty="0">
+                <a:latin typeface="Tahoma" panose="020B0604030504040204" pitchFamily="34" charset="0"/>
+                <a:ea typeface="Tahoma" panose="020B0604030504040204" pitchFamily="34" charset="0"/>
+                <a:cs typeface="Tahoma" panose="020B0604030504040204" pitchFamily="34" charset="0"/>
+              </a:rPr>
+              <a:t> </a:t>
+            </a:r>
+            <a:r>
+              <a:rPr lang="en-US" sz="2000" dirty="0" err="1">
+                <a:latin typeface="Tahoma" panose="020B0604030504040204" pitchFamily="34" charset="0"/>
+                <a:ea typeface="Tahoma" panose="020B0604030504040204" pitchFamily="34" charset="0"/>
+                <a:cs typeface="Tahoma" panose="020B0604030504040204" pitchFamily="34" charset="0"/>
+              </a:rPr>
+              <a:t>việc</a:t>
+            </a:r>
+            <a:r>
+              <a:rPr lang="en-US" sz="2000" dirty="0">
+                <a:latin typeface="Tahoma" panose="020B0604030504040204" pitchFamily="34" charset="0"/>
+                <a:ea typeface="Tahoma" panose="020B0604030504040204" pitchFamily="34" charset="0"/>
+                <a:cs typeface="Tahoma" panose="020B0604030504040204" pitchFamily="34" charset="0"/>
+              </a:rPr>
+              <a:t> </a:t>
+            </a:r>
+            <a:r>
+              <a:rPr lang="en-US" sz="2000" dirty="0" err="1">
+                <a:latin typeface="Tahoma" panose="020B0604030504040204" pitchFamily="34" charset="0"/>
+                <a:ea typeface="Tahoma" panose="020B0604030504040204" pitchFamily="34" charset="0"/>
+                <a:cs typeface="Tahoma" panose="020B0604030504040204" pitchFamily="34" charset="0"/>
+              </a:rPr>
+              <a:t>cho</a:t>
+            </a:r>
+            <a:r>
+              <a:rPr lang="en-US" sz="2000" dirty="0">
+                <a:latin typeface="Tahoma" panose="020B0604030504040204" pitchFamily="34" charset="0"/>
+                <a:ea typeface="Tahoma" panose="020B0604030504040204" pitchFamily="34" charset="0"/>
+                <a:cs typeface="Tahoma" panose="020B0604030504040204" pitchFamily="34" charset="0"/>
+              </a:rPr>
+              <a:t> </a:t>
+            </a:r>
+            <a:r>
+              <a:rPr lang="en-US" sz="2000" dirty="0" err="1">
+                <a:latin typeface="Tahoma" panose="020B0604030504040204" pitchFamily="34" charset="0"/>
+                <a:ea typeface="Tahoma" panose="020B0604030504040204" pitchFamily="34" charset="0"/>
+                <a:cs typeface="Tahoma" panose="020B0604030504040204" pitchFamily="34" charset="0"/>
+              </a:rPr>
+              <a:t>thuê</a:t>
+            </a:r>
+            <a:endParaRPr lang="en-US" sz="2000" dirty="0">
+              <a:latin typeface="Tahoma" panose="020B0604030504040204" pitchFamily="34" charset="0"/>
+              <a:ea typeface="Tahoma" panose="020B0604030504040204" pitchFamily="34" charset="0"/>
+              <a:cs typeface="Tahoma" panose="020B0604030504040204" pitchFamily="34" charset="0"/>
+            </a:endParaRPr>
+          </a:p>
+          <a:p>
+            <a:pPr marL="342900" indent="-342900">
               <a:buFont typeface="Wingdings" panose="05000000000000000000" pitchFamily="2" charset="2"/>
               <a:buChar char="q"/>
             </a:pPr>
             <a:r>
-              <a:rPr lang="en-US" sz="2000">
-                <a:latin typeface="Tahoma" panose="020B0604030504040204" pitchFamily="34" charset="0"/>
-                <a:ea typeface="Tahoma" panose="020B0604030504040204" pitchFamily="34" charset="0"/>
-                <a:cs typeface="Tahoma" panose="020B0604030504040204" pitchFamily="34" charset="0"/>
-              </a:rPr>
-              <a:t>Có liên quan đến nhật ký lịch sử năm 2011 – 2012 từ hệ thống Capital Bikeshare, Washington D.C., Hoa Kỳ</a:t>
-            </a:r>
-          </a:p>
-          <a:p>
-            <a:pPr marL="342900" indent="-342900" algn="just">
+              <a:rPr lang="en-US" sz="2000" dirty="0" err="1">
+                <a:latin typeface="Tahoma" panose="020B0604030504040204" pitchFamily="34" charset="0"/>
+                <a:ea typeface="Tahoma" panose="020B0604030504040204" pitchFamily="34" charset="0"/>
+                <a:cs typeface="Tahoma" panose="020B0604030504040204" pitchFamily="34" charset="0"/>
+              </a:rPr>
+              <a:t>Có</a:t>
+            </a:r>
+            <a:r>
+              <a:rPr lang="en-US" sz="2000" dirty="0">
+                <a:latin typeface="Tahoma" panose="020B0604030504040204" pitchFamily="34" charset="0"/>
+                <a:ea typeface="Tahoma" panose="020B0604030504040204" pitchFamily="34" charset="0"/>
+                <a:cs typeface="Tahoma" panose="020B0604030504040204" pitchFamily="34" charset="0"/>
+              </a:rPr>
+              <a:t> </a:t>
+            </a:r>
+            <a:r>
+              <a:rPr lang="en-US" sz="2000" dirty="0" err="1">
+                <a:latin typeface="Tahoma" panose="020B0604030504040204" pitchFamily="34" charset="0"/>
+                <a:ea typeface="Tahoma" panose="020B0604030504040204" pitchFamily="34" charset="0"/>
+                <a:cs typeface="Tahoma" panose="020B0604030504040204" pitchFamily="34" charset="0"/>
+              </a:rPr>
+              <a:t>liên</a:t>
+            </a:r>
+            <a:r>
+              <a:rPr lang="en-US" sz="2000" dirty="0">
+                <a:latin typeface="Tahoma" panose="020B0604030504040204" pitchFamily="34" charset="0"/>
+                <a:ea typeface="Tahoma" panose="020B0604030504040204" pitchFamily="34" charset="0"/>
+                <a:cs typeface="Tahoma" panose="020B0604030504040204" pitchFamily="34" charset="0"/>
+              </a:rPr>
+              <a:t> </a:t>
+            </a:r>
+            <a:r>
+              <a:rPr lang="en-US" sz="2000" dirty="0" err="1">
+                <a:latin typeface="Tahoma" panose="020B0604030504040204" pitchFamily="34" charset="0"/>
+                <a:ea typeface="Tahoma" panose="020B0604030504040204" pitchFamily="34" charset="0"/>
+                <a:cs typeface="Tahoma" panose="020B0604030504040204" pitchFamily="34" charset="0"/>
+              </a:rPr>
+              <a:t>quan</a:t>
+            </a:r>
+            <a:r>
+              <a:rPr lang="en-US" sz="2000" dirty="0">
+                <a:latin typeface="Tahoma" panose="020B0604030504040204" pitchFamily="34" charset="0"/>
+                <a:ea typeface="Tahoma" panose="020B0604030504040204" pitchFamily="34" charset="0"/>
+                <a:cs typeface="Tahoma" panose="020B0604030504040204" pitchFamily="34" charset="0"/>
+              </a:rPr>
+              <a:t> </a:t>
+            </a:r>
+            <a:r>
+              <a:rPr lang="en-US" sz="2000" dirty="0" err="1">
+                <a:latin typeface="Tahoma" panose="020B0604030504040204" pitchFamily="34" charset="0"/>
+                <a:ea typeface="Tahoma" panose="020B0604030504040204" pitchFamily="34" charset="0"/>
+                <a:cs typeface="Tahoma" panose="020B0604030504040204" pitchFamily="34" charset="0"/>
+              </a:rPr>
+              <a:t>đến</a:t>
+            </a:r>
+            <a:r>
+              <a:rPr lang="en-US" sz="2000" dirty="0">
+                <a:latin typeface="Tahoma" panose="020B0604030504040204" pitchFamily="34" charset="0"/>
+                <a:ea typeface="Tahoma" panose="020B0604030504040204" pitchFamily="34" charset="0"/>
+                <a:cs typeface="Tahoma" panose="020B0604030504040204" pitchFamily="34" charset="0"/>
+              </a:rPr>
+              <a:t> </a:t>
+            </a:r>
+            <a:r>
+              <a:rPr lang="en-US" sz="2000" dirty="0" err="1">
+                <a:latin typeface="Tahoma" panose="020B0604030504040204" pitchFamily="34" charset="0"/>
+                <a:ea typeface="Tahoma" panose="020B0604030504040204" pitchFamily="34" charset="0"/>
+                <a:cs typeface="Tahoma" panose="020B0604030504040204" pitchFamily="34" charset="0"/>
+              </a:rPr>
+              <a:t>nhật</a:t>
+            </a:r>
+            <a:r>
+              <a:rPr lang="en-US" sz="2000" dirty="0">
+                <a:latin typeface="Tahoma" panose="020B0604030504040204" pitchFamily="34" charset="0"/>
+                <a:ea typeface="Tahoma" panose="020B0604030504040204" pitchFamily="34" charset="0"/>
+                <a:cs typeface="Tahoma" panose="020B0604030504040204" pitchFamily="34" charset="0"/>
+              </a:rPr>
+              <a:t> </a:t>
+            </a:r>
+            <a:r>
+              <a:rPr lang="en-US" sz="2000" dirty="0" err="1">
+                <a:latin typeface="Tahoma" panose="020B0604030504040204" pitchFamily="34" charset="0"/>
+                <a:ea typeface="Tahoma" panose="020B0604030504040204" pitchFamily="34" charset="0"/>
+                <a:cs typeface="Tahoma" panose="020B0604030504040204" pitchFamily="34" charset="0"/>
+              </a:rPr>
+              <a:t>ký</a:t>
+            </a:r>
+            <a:r>
+              <a:rPr lang="en-US" sz="2000" dirty="0">
+                <a:latin typeface="Tahoma" panose="020B0604030504040204" pitchFamily="34" charset="0"/>
+                <a:ea typeface="Tahoma" panose="020B0604030504040204" pitchFamily="34" charset="0"/>
+                <a:cs typeface="Tahoma" panose="020B0604030504040204" pitchFamily="34" charset="0"/>
+              </a:rPr>
+              <a:t> </a:t>
+            </a:r>
+            <a:r>
+              <a:rPr lang="en-US" sz="2000" dirty="0" err="1">
+                <a:latin typeface="Tahoma" panose="020B0604030504040204" pitchFamily="34" charset="0"/>
+                <a:ea typeface="Tahoma" panose="020B0604030504040204" pitchFamily="34" charset="0"/>
+                <a:cs typeface="Tahoma" panose="020B0604030504040204" pitchFamily="34" charset="0"/>
+              </a:rPr>
+              <a:t>lịch</a:t>
+            </a:r>
+            <a:r>
+              <a:rPr lang="en-US" sz="2000" dirty="0">
+                <a:latin typeface="Tahoma" panose="020B0604030504040204" pitchFamily="34" charset="0"/>
+                <a:ea typeface="Tahoma" panose="020B0604030504040204" pitchFamily="34" charset="0"/>
+                <a:cs typeface="Tahoma" panose="020B0604030504040204" pitchFamily="34" charset="0"/>
+              </a:rPr>
+              <a:t> </a:t>
+            </a:r>
+            <a:r>
+              <a:rPr lang="en-US" sz="2000" dirty="0" err="1">
+                <a:latin typeface="Tahoma" panose="020B0604030504040204" pitchFamily="34" charset="0"/>
+                <a:ea typeface="Tahoma" panose="020B0604030504040204" pitchFamily="34" charset="0"/>
+                <a:cs typeface="Tahoma" panose="020B0604030504040204" pitchFamily="34" charset="0"/>
+              </a:rPr>
+              <a:t>sử</a:t>
+            </a:r>
+            <a:r>
+              <a:rPr lang="en-US" sz="2000" dirty="0">
+                <a:latin typeface="Tahoma" panose="020B0604030504040204" pitchFamily="34" charset="0"/>
+                <a:ea typeface="Tahoma" panose="020B0604030504040204" pitchFamily="34" charset="0"/>
+                <a:cs typeface="Tahoma" panose="020B0604030504040204" pitchFamily="34" charset="0"/>
+              </a:rPr>
+              <a:t> </a:t>
+            </a:r>
+            <a:r>
+              <a:rPr lang="en-US" sz="2000" dirty="0" err="1">
+                <a:latin typeface="Tahoma" panose="020B0604030504040204" pitchFamily="34" charset="0"/>
+                <a:ea typeface="Tahoma" panose="020B0604030504040204" pitchFamily="34" charset="0"/>
+                <a:cs typeface="Tahoma" panose="020B0604030504040204" pitchFamily="34" charset="0"/>
+              </a:rPr>
+              <a:t>năm</a:t>
+            </a:r>
+            <a:r>
+              <a:rPr lang="en-US" sz="2000" dirty="0">
+                <a:latin typeface="Tahoma" panose="020B0604030504040204" pitchFamily="34" charset="0"/>
+                <a:ea typeface="Tahoma" panose="020B0604030504040204" pitchFamily="34" charset="0"/>
+                <a:cs typeface="Tahoma" panose="020B0604030504040204" pitchFamily="34" charset="0"/>
+              </a:rPr>
+              <a:t> 2011 – 2012 </a:t>
+            </a:r>
+            <a:r>
+              <a:rPr lang="en-US" sz="2000" dirty="0" err="1">
+                <a:latin typeface="Tahoma" panose="020B0604030504040204" pitchFamily="34" charset="0"/>
+                <a:ea typeface="Tahoma" panose="020B0604030504040204" pitchFamily="34" charset="0"/>
+                <a:cs typeface="Tahoma" panose="020B0604030504040204" pitchFamily="34" charset="0"/>
+              </a:rPr>
+              <a:t>từ</a:t>
+            </a:r>
+            <a:r>
+              <a:rPr lang="en-US" sz="2000" dirty="0">
+                <a:latin typeface="Tahoma" panose="020B0604030504040204" pitchFamily="34" charset="0"/>
+                <a:ea typeface="Tahoma" panose="020B0604030504040204" pitchFamily="34" charset="0"/>
+                <a:cs typeface="Tahoma" panose="020B0604030504040204" pitchFamily="34" charset="0"/>
+              </a:rPr>
+              <a:t> </a:t>
+            </a:r>
+            <a:r>
+              <a:rPr lang="en-US" sz="2000" dirty="0" err="1">
+                <a:latin typeface="Tahoma" panose="020B0604030504040204" pitchFamily="34" charset="0"/>
+                <a:ea typeface="Tahoma" panose="020B0604030504040204" pitchFamily="34" charset="0"/>
+                <a:cs typeface="Tahoma" panose="020B0604030504040204" pitchFamily="34" charset="0"/>
+              </a:rPr>
+              <a:t>hệ</a:t>
+            </a:r>
+            <a:r>
+              <a:rPr lang="en-US" sz="2000" dirty="0">
+                <a:latin typeface="Tahoma" panose="020B0604030504040204" pitchFamily="34" charset="0"/>
+                <a:ea typeface="Tahoma" panose="020B0604030504040204" pitchFamily="34" charset="0"/>
+                <a:cs typeface="Tahoma" panose="020B0604030504040204" pitchFamily="34" charset="0"/>
+              </a:rPr>
+              <a:t> </a:t>
+            </a:r>
+            <a:r>
+              <a:rPr lang="en-US" sz="2000" dirty="0" err="1">
+                <a:latin typeface="Tahoma" panose="020B0604030504040204" pitchFamily="34" charset="0"/>
+                <a:ea typeface="Tahoma" panose="020B0604030504040204" pitchFamily="34" charset="0"/>
+                <a:cs typeface="Tahoma" panose="020B0604030504040204" pitchFamily="34" charset="0"/>
+              </a:rPr>
+              <a:t>thống</a:t>
+            </a:r>
+            <a:r>
+              <a:rPr lang="en-US" sz="2000" dirty="0">
+                <a:latin typeface="Tahoma" panose="020B0604030504040204" pitchFamily="34" charset="0"/>
+                <a:ea typeface="Tahoma" panose="020B0604030504040204" pitchFamily="34" charset="0"/>
+                <a:cs typeface="Tahoma" panose="020B0604030504040204" pitchFamily="34" charset="0"/>
+              </a:rPr>
+              <a:t> Capital Bikeshare, Washington D.C., </a:t>
+            </a:r>
+            <a:r>
+              <a:rPr lang="en-US" sz="2000" dirty="0" err="1">
+                <a:latin typeface="Tahoma" panose="020B0604030504040204" pitchFamily="34" charset="0"/>
+                <a:ea typeface="Tahoma" panose="020B0604030504040204" pitchFamily="34" charset="0"/>
+                <a:cs typeface="Tahoma" panose="020B0604030504040204" pitchFamily="34" charset="0"/>
+              </a:rPr>
+              <a:t>Hoa</a:t>
+            </a:r>
+            <a:r>
+              <a:rPr lang="en-US" sz="2000" dirty="0">
+                <a:latin typeface="Tahoma" panose="020B0604030504040204" pitchFamily="34" charset="0"/>
+                <a:ea typeface="Tahoma" panose="020B0604030504040204" pitchFamily="34" charset="0"/>
+                <a:cs typeface="Tahoma" panose="020B0604030504040204" pitchFamily="34" charset="0"/>
+              </a:rPr>
+              <a:t> </a:t>
+            </a:r>
+            <a:r>
+              <a:rPr lang="en-US" sz="2000" dirty="0" err="1">
+                <a:latin typeface="Tahoma" panose="020B0604030504040204" pitchFamily="34" charset="0"/>
+                <a:ea typeface="Tahoma" panose="020B0604030504040204" pitchFamily="34" charset="0"/>
+                <a:cs typeface="Tahoma" panose="020B0604030504040204" pitchFamily="34" charset="0"/>
+              </a:rPr>
+              <a:t>Kỳ</a:t>
+            </a:r>
+            <a:endParaRPr lang="en-US" sz="2000" dirty="0">
+              <a:latin typeface="Tahoma" panose="020B0604030504040204" pitchFamily="34" charset="0"/>
+              <a:ea typeface="Tahoma" panose="020B0604030504040204" pitchFamily="34" charset="0"/>
+              <a:cs typeface="Tahoma" panose="020B0604030504040204" pitchFamily="34" charset="0"/>
+            </a:endParaRPr>
+          </a:p>
+          <a:p>
+            <a:pPr marL="342900" indent="-342900">
               <a:buFont typeface="Wingdings" panose="05000000000000000000" pitchFamily="2" charset="2"/>
               <a:buChar char="q"/>
             </a:pPr>
-            <a:endParaRPr lang="en-US" sz="2000">
+            <a:endParaRPr lang="en-US" sz="2000" dirty="0">
               <a:latin typeface="Tahoma" panose="020B0604030504040204" pitchFamily="34" charset="0"/>
               <a:ea typeface="Tahoma" panose="020B0604030504040204" pitchFamily="34" charset="0"/>
               <a:cs typeface="Tahoma" panose="020B0604030504040204" pitchFamily="34" charset="0"/>
@@ -5130,7 +6074,7 @@
           <a:lstStyle/>
           <a:p>
             <a:r>
-              <a:rPr lang="en-US" sz="2400" i="0">
+              <a:rPr lang="en-US" sz="2400" i="0" dirty="0">
                 <a:solidFill>
                   <a:srgbClr val="000000"/>
                 </a:solidFill>
@@ -5141,7 +6085,7 @@
               </a:rPr>
               <a:t>Bike Sharing Dataset Data Set:</a:t>
             </a:r>
-            <a:endParaRPr lang="en-US" sz="2400">
+            <a:endParaRPr lang="en-US" sz="2400" dirty="0">
               <a:latin typeface="Tahoma" panose="020B0604030504040204" pitchFamily="34" charset="0"/>
               <a:ea typeface="Tahoma" panose="020B0604030504040204" pitchFamily="34" charset="0"/>
               <a:cs typeface="Tahoma" panose="020B0604030504040204" pitchFamily="34" charset="0"/>
@@ -5178,6 +6122,156 @@
           </a:p>
         </p:txBody>
       </p:sp>
+      <p:sp>
+        <p:nvSpPr>
+          <p:cNvPr id="3" name="TextBox 2">
+            <a:extLst>
+              <a:ext uri="{FF2B5EF4-FFF2-40B4-BE49-F238E27FC236}">
+                <a16:creationId xmlns:a16="http://schemas.microsoft.com/office/drawing/2014/main" id="{68FD3A0F-BE7C-4464-8922-83093CCE095F}"/>
+              </a:ext>
+            </a:extLst>
+          </p:cNvPr>
+          <p:cNvSpPr txBox="1"/>
+          <p:nvPr/>
+        </p:nvSpPr>
+        <p:spPr>
+          <a:xfrm>
+            <a:off x="8603087" y="351573"/>
+            <a:ext cx="1777285" cy="646331"/>
+          </a:xfrm>
+          <a:prstGeom prst="rect">
+            <a:avLst/>
+          </a:prstGeom>
+          <a:noFill/>
+        </p:spPr>
+        <p:txBody>
+          <a:bodyPr wrap="square" rtlCol="0">
+            <a:spAutoFit/>
+          </a:bodyPr>
+          <a:lstStyle/>
+          <a:p>
+            <a:r>
+              <a:rPr lang="en-US" b="1" dirty="0" err="1">
+                <a:solidFill>
+                  <a:srgbClr val="FF0000"/>
+                </a:solidFill>
+                <a:latin typeface="Times New Roman" panose="02020603050405020304" pitchFamily="18" charset="0"/>
+                <a:cs typeface="Times New Roman" panose="02020603050405020304" pitchFamily="18" charset="0"/>
+              </a:rPr>
+              <a:t>Sửa</a:t>
+            </a:r>
+            <a:r>
+              <a:rPr lang="en-US" b="1" dirty="0">
+                <a:solidFill>
+                  <a:srgbClr val="FF0000"/>
+                </a:solidFill>
+                <a:latin typeface="Times New Roman" panose="02020603050405020304" pitchFamily="18" charset="0"/>
+                <a:cs typeface="Times New Roman" panose="02020603050405020304" pitchFamily="18" charset="0"/>
+              </a:rPr>
+              <a:t> </a:t>
+            </a:r>
+            <a:r>
+              <a:rPr lang="en-US" b="1" dirty="0" err="1">
+                <a:solidFill>
+                  <a:srgbClr val="FF0000"/>
+                </a:solidFill>
+                <a:latin typeface="Times New Roman" panose="02020603050405020304" pitchFamily="18" charset="0"/>
+                <a:cs typeface="Times New Roman" panose="02020603050405020304" pitchFamily="18" charset="0"/>
+              </a:rPr>
+              <a:t>fontsize</a:t>
+            </a:r>
+            <a:r>
+              <a:rPr lang="en-US" b="1" dirty="0">
+                <a:solidFill>
+                  <a:srgbClr val="FF0000"/>
+                </a:solidFill>
+                <a:latin typeface="Times New Roman" panose="02020603050405020304" pitchFamily="18" charset="0"/>
+                <a:cs typeface="Times New Roman" panose="02020603050405020304" pitchFamily="18" charset="0"/>
+              </a:rPr>
+              <a:t> </a:t>
+            </a:r>
+            <a:r>
+              <a:rPr lang="en-US" b="1" dirty="0" err="1">
+                <a:solidFill>
+                  <a:srgbClr val="FF0000"/>
+                </a:solidFill>
+                <a:latin typeface="Times New Roman" panose="02020603050405020304" pitchFamily="18" charset="0"/>
+                <a:cs typeface="Times New Roman" panose="02020603050405020304" pitchFamily="18" charset="0"/>
+              </a:rPr>
+              <a:t>thành</a:t>
+            </a:r>
+            <a:r>
+              <a:rPr lang="en-US" b="1" dirty="0">
+                <a:solidFill>
+                  <a:srgbClr val="FF0000"/>
+                </a:solidFill>
+                <a:latin typeface="Times New Roman" panose="02020603050405020304" pitchFamily="18" charset="0"/>
+                <a:cs typeface="Times New Roman" panose="02020603050405020304" pitchFamily="18" charset="0"/>
+              </a:rPr>
+              <a:t> 16 </a:t>
+            </a:r>
+            <a:r>
+              <a:rPr lang="en-US" b="1" dirty="0" err="1">
+                <a:solidFill>
+                  <a:srgbClr val="FF0000"/>
+                </a:solidFill>
+                <a:latin typeface="Times New Roman" panose="02020603050405020304" pitchFamily="18" charset="0"/>
+                <a:cs typeface="Times New Roman" panose="02020603050405020304" pitchFamily="18" charset="0"/>
+              </a:rPr>
+              <a:t>hết</a:t>
+            </a:r>
+            <a:r>
+              <a:rPr lang="en-US" b="1" dirty="0">
+                <a:solidFill>
+                  <a:srgbClr val="FF0000"/>
+                </a:solidFill>
+                <a:latin typeface="Times New Roman" panose="02020603050405020304" pitchFamily="18" charset="0"/>
+                <a:cs typeface="Times New Roman" panose="02020603050405020304" pitchFamily="18" charset="0"/>
+              </a:rPr>
+              <a:t> </a:t>
+            </a:r>
+          </a:p>
+        </p:txBody>
+      </p:sp>
+      <p:cxnSp>
+        <p:nvCxnSpPr>
+          <p:cNvPr id="8" name="Straight Arrow Connector 7">
+            <a:extLst>
+              <a:ext uri="{FF2B5EF4-FFF2-40B4-BE49-F238E27FC236}">
+                <a16:creationId xmlns:a16="http://schemas.microsoft.com/office/drawing/2014/main" id="{B5EC693D-CD1F-4177-8255-02D361299299}"/>
+              </a:ext>
+            </a:extLst>
+          </p:cNvPr>
+          <p:cNvCxnSpPr/>
+          <p:nvPr/>
+        </p:nvCxnSpPr>
+        <p:spPr>
+          <a:xfrm>
+            <a:off x="10212946" y="529867"/>
+            <a:ext cx="347730" cy="0"/>
+          </a:xfrm>
+          <a:prstGeom prst="straightConnector1">
+            <a:avLst/>
+          </a:prstGeom>
+          <a:ln>
+            <a:tailEnd type="triangle"/>
+          </a:ln>
+        </p:spPr>
+        <p:style>
+          <a:lnRef idx="3">
+            <a:schemeClr val="accent3"/>
+          </a:lnRef>
+          <a:fillRef idx="0">
+            <a:schemeClr val="accent3"/>
+          </a:fillRef>
+          <a:effectRef idx="2">
+            <a:schemeClr val="accent3"/>
+          </a:effectRef>
+          <a:fontRef idx="minor">
+            <a:schemeClr val="tx1"/>
+          </a:fontRef>
+        </p:style>
+      </p:cxnSp>
     </p:spTree>
     <p:extLst>
       <p:ext uri="{BB962C8B-B14F-4D97-AF65-F5344CB8AC3E}">
@@ -5448,12 +6542,614 @@
           </a:p>
         </p:txBody>
       </p:sp>
+      <p:pic>
+        <p:nvPicPr>
+          <p:cNvPr id="10" name="Picture 9">
+            <a:extLst>
+              <a:ext uri="{FF2B5EF4-FFF2-40B4-BE49-F238E27FC236}">
+                <a16:creationId xmlns:a16="http://schemas.microsoft.com/office/drawing/2014/main" id="{FFEF8310-20BB-4D7F-847A-88DA4CE6F2D9}"/>
+              </a:ext>
+            </a:extLst>
+          </p:cNvPr>
+          <p:cNvPicPr>
+            <a:picLocks noChangeAspect="1"/>
+          </p:cNvPicPr>
+          <p:nvPr/>
+        </p:nvPicPr>
+        <p:blipFill>
+          <a:blip r:embed="rId2">
+            <a:extLst>
+              <a:ext uri="{28A0092B-C50C-407E-A947-70E740481C1C}">
+                <a14:useLocalDpi xmlns:a14="http://schemas.microsoft.com/office/drawing/2010/main" val="0"/>
+              </a:ext>
+            </a:extLst>
+          </a:blip>
+          <a:stretch>
+            <a:fillRect/>
+          </a:stretch>
+        </p:blipFill>
+        <p:spPr>
+          <a:xfrm>
+            <a:off x="122960" y="351573"/>
+            <a:ext cx="1126030" cy="1126030"/>
+          </a:xfrm>
+          <a:prstGeom prst="rect">
+            <a:avLst/>
+          </a:prstGeom>
+        </p:spPr>
+      </p:pic>
+      <p:graphicFrame>
+        <p:nvGraphicFramePr>
+          <p:cNvPr id="3" name="Table 3">
+            <a:extLst>
+              <a:ext uri="{FF2B5EF4-FFF2-40B4-BE49-F238E27FC236}">
+                <a16:creationId xmlns:a16="http://schemas.microsoft.com/office/drawing/2014/main" id="{3A3A4039-9DAC-4747-A378-5B03CDEBF0E2}"/>
+              </a:ext>
+            </a:extLst>
+          </p:cNvPr>
+          <p:cNvGraphicFramePr>
+            <a:graphicFrameLocks noGrp="1"/>
+          </p:cNvGraphicFramePr>
+          <p:nvPr>
+            <p:extLst>
+              <p:ext uri="{D42A27DB-BD31-4B8C-83A1-F6EECF244321}">
+                <p14:modId xmlns:p14="http://schemas.microsoft.com/office/powerpoint/2010/main" val="2336562398"/>
+              </p:ext>
+            </p:extLst>
+          </p:nvPr>
+        </p:nvGraphicFramePr>
+        <p:xfrm>
+          <a:off x="699752" y="2148840"/>
+          <a:ext cx="10792496" cy="2560320"/>
+        </p:xfrm>
+        <a:graphic>
+          <a:graphicData uri="http://schemas.openxmlformats.org/drawingml/2006/table">
+            <a:tbl>
+              <a:tblPr firstRow="1" bandRow="1">
+                <a:tableStyleId>{8A107856-5554-42FB-B03E-39F5DBC370BA}</a:tableStyleId>
+              </a:tblPr>
+              <a:tblGrid>
+                <a:gridCol w="5396248">
+                  <a:extLst>
+                    <a:ext uri="{9D8B030D-6E8A-4147-A177-3AD203B41FA5}">
+                      <a16:colId xmlns:a16="http://schemas.microsoft.com/office/drawing/2014/main" val="1742185409"/>
+                    </a:ext>
+                  </a:extLst>
+                </a:gridCol>
+                <a:gridCol w="5396248">
+                  <a:extLst>
+                    <a:ext uri="{9D8B030D-6E8A-4147-A177-3AD203B41FA5}">
+                      <a16:colId xmlns:a16="http://schemas.microsoft.com/office/drawing/2014/main" val="2456488664"/>
+                    </a:ext>
+                  </a:extLst>
+                </a:gridCol>
+              </a:tblGrid>
+              <a:tr h="412201">
+                <a:tc>
+                  <a:txBody>
+                    <a:bodyPr/>
+                    <a:lstStyle/>
+                    <a:p>
+                      <a:pPr algn="l"/>
+                      <a:r>
+                        <a:rPr lang="en-US" sz="3600" b="0" dirty="0" err="1">
+                          <a:solidFill>
+                            <a:schemeClr val="tx1"/>
+                          </a:solidFill>
+                          <a:latin typeface="Times New Roman" panose="02020603050405020304" pitchFamily="18" charset="0"/>
+                          <a:cs typeface="Times New Roman" panose="02020603050405020304" pitchFamily="18" charset="0"/>
+                        </a:rPr>
+                        <a:t>Đặc</a:t>
+                      </a:r>
+                      <a:r>
+                        <a:rPr lang="en-US" sz="3600" b="0" dirty="0">
+                          <a:solidFill>
+                            <a:schemeClr val="tx1"/>
+                          </a:solidFill>
+                          <a:latin typeface="Times New Roman" panose="02020603050405020304" pitchFamily="18" charset="0"/>
+                          <a:cs typeface="Times New Roman" panose="02020603050405020304" pitchFamily="18" charset="0"/>
+                        </a:rPr>
+                        <a:t> </a:t>
+                      </a:r>
+                      <a:r>
+                        <a:rPr lang="en-US" sz="3600" b="0" dirty="0" err="1">
+                          <a:solidFill>
+                            <a:schemeClr val="tx1"/>
+                          </a:solidFill>
+                          <a:latin typeface="Times New Roman" panose="02020603050405020304" pitchFamily="18" charset="0"/>
+                          <a:cs typeface="Times New Roman" panose="02020603050405020304" pitchFamily="18" charset="0"/>
+                        </a:rPr>
+                        <a:t>điểm</a:t>
+                      </a:r>
+                      <a:r>
+                        <a:rPr lang="en-US" sz="3600" b="0" dirty="0">
+                          <a:solidFill>
+                            <a:schemeClr val="tx1"/>
+                          </a:solidFill>
+                          <a:latin typeface="Times New Roman" panose="02020603050405020304" pitchFamily="18" charset="0"/>
+                          <a:cs typeface="Times New Roman" panose="02020603050405020304" pitchFamily="18" charset="0"/>
+                        </a:rPr>
+                        <a:t> </a:t>
+                      </a:r>
+                      <a:r>
+                        <a:rPr lang="en-US" sz="3600" b="0" dirty="0" err="1">
+                          <a:solidFill>
+                            <a:schemeClr val="tx1"/>
+                          </a:solidFill>
+                          <a:latin typeface="Times New Roman" panose="02020603050405020304" pitchFamily="18" charset="0"/>
+                          <a:cs typeface="Times New Roman" panose="02020603050405020304" pitchFamily="18" charset="0"/>
+                        </a:rPr>
+                        <a:t>của</a:t>
+                      </a:r>
+                      <a:r>
+                        <a:rPr lang="en-US" sz="3600" b="0" dirty="0">
+                          <a:solidFill>
+                            <a:schemeClr val="tx1"/>
+                          </a:solidFill>
+                          <a:latin typeface="Times New Roman" panose="02020603050405020304" pitchFamily="18" charset="0"/>
+                          <a:cs typeface="Times New Roman" panose="02020603050405020304" pitchFamily="18" charset="0"/>
+                        </a:rPr>
+                        <a:t> </a:t>
+                      </a:r>
+                      <a:r>
+                        <a:rPr lang="en-US" sz="3600" b="0" dirty="0" err="1">
+                          <a:solidFill>
+                            <a:schemeClr val="tx1"/>
+                          </a:solidFill>
+                          <a:latin typeface="Times New Roman" panose="02020603050405020304" pitchFamily="18" charset="0"/>
+                          <a:cs typeface="Times New Roman" panose="02020603050405020304" pitchFamily="18" charset="0"/>
+                        </a:rPr>
+                        <a:t>tập</a:t>
+                      </a:r>
+                      <a:r>
+                        <a:rPr lang="en-US" sz="3600" b="0" dirty="0">
+                          <a:solidFill>
+                            <a:schemeClr val="tx1"/>
+                          </a:solidFill>
+                          <a:latin typeface="Times New Roman" panose="02020603050405020304" pitchFamily="18" charset="0"/>
+                          <a:cs typeface="Times New Roman" panose="02020603050405020304" pitchFamily="18" charset="0"/>
+                        </a:rPr>
+                        <a:t> </a:t>
+                      </a:r>
+                      <a:r>
+                        <a:rPr lang="en-US" sz="3600" b="0" dirty="0" err="1">
+                          <a:solidFill>
+                            <a:schemeClr val="tx1"/>
+                          </a:solidFill>
+                          <a:latin typeface="Times New Roman" panose="02020603050405020304" pitchFamily="18" charset="0"/>
+                          <a:cs typeface="Times New Roman" panose="02020603050405020304" pitchFamily="18" charset="0"/>
+                        </a:rPr>
+                        <a:t>dữ</a:t>
+                      </a:r>
+                      <a:r>
+                        <a:rPr lang="en-US" sz="3600" b="0" dirty="0">
+                          <a:solidFill>
+                            <a:schemeClr val="tx1"/>
+                          </a:solidFill>
+                          <a:latin typeface="Times New Roman" panose="02020603050405020304" pitchFamily="18" charset="0"/>
+                          <a:cs typeface="Times New Roman" panose="02020603050405020304" pitchFamily="18" charset="0"/>
+                        </a:rPr>
+                        <a:t> </a:t>
+                      </a:r>
+                      <a:r>
+                        <a:rPr lang="en-US" sz="3600" b="0" dirty="0" err="1">
+                          <a:solidFill>
+                            <a:schemeClr val="tx1"/>
+                          </a:solidFill>
+                          <a:latin typeface="Times New Roman" panose="02020603050405020304" pitchFamily="18" charset="0"/>
+                          <a:cs typeface="Times New Roman" panose="02020603050405020304" pitchFamily="18" charset="0"/>
+                        </a:rPr>
+                        <a:t>liệu</a:t>
+                      </a:r>
+                      <a:endParaRPr lang="vi-VN" sz="3600" b="0" dirty="0">
+                        <a:solidFill>
+                          <a:schemeClr val="tx1"/>
+                        </a:solidFill>
+                        <a:latin typeface="Times New Roman" panose="02020603050405020304" pitchFamily="18" charset="0"/>
+                        <a:cs typeface="Times New Roman" panose="02020603050405020304" pitchFamily="18" charset="0"/>
+                      </a:endParaRPr>
+                    </a:p>
+                  </a:txBody>
+                  <a:tcPr anchor="ctr">
+                    <a:solidFill>
+                      <a:srgbClr val="9BA8B7"/>
+                    </a:solidFill>
+                  </a:tcPr>
+                </a:tc>
+                <a:tc>
+                  <a:txBody>
+                    <a:bodyPr/>
+                    <a:lstStyle/>
+                    <a:p>
+                      <a:pPr algn="l"/>
+                      <a:r>
+                        <a:rPr lang="en-US" sz="3600" b="0" dirty="0" err="1">
+                          <a:solidFill>
+                            <a:schemeClr val="tx1"/>
+                          </a:solidFill>
+                          <a:latin typeface="Times New Roman" panose="02020603050405020304" pitchFamily="18" charset="0"/>
+                          <a:cs typeface="Times New Roman" panose="02020603050405020304" pitchFamily="18" charset="0"/>
+                        </a:rPr>
+                        <a:t>Đơn</a:t>
+                      </a:r>
+                      <a:r>
+                        <a:rPr lang="en-US" sz="3600" b="0" dirty="0">
+                          <a:solidFill>
+                            <a:schemeClr val="tx1"/>
+                          </a:solidFill>
+                          <a:latin typeface="Times New Roman" panose="02020603050405020304" pitchFamily="18" charset="0"/>
+                          <a:cs typeface="Times New Roman" panose="02020603050405020304" pitchFamily="18" charset="0"/>
+                        </a:rPr>
+                        <a:t> </a:t>
+                      </a:r>
+                      <a:r>
+                        <a:rPr lang="en-US" sz="3600" b="0" dirty="0" err="1">
+                          <a:solidFill>
+                            <a:schemeClr val="tx1"/>
+                          </a:solidFill>
+                          <a:latin typeface="Times New Roman" panose="02020603050405020304" pitchFamily="18" charset="0"/>
+                          <a:cs typeface="Times New Roman" panose="02020603050405020304" pitchFamily="18" charset="0"/>
+                        </a:rPr>
+                        <a:t>biến</a:t>
+                      </a:r>
+                      <a:endParaRPr lang="vi-VN" sz="3600" b="0" dirty="0">
+                        <a:solidFill>
+                          <a:schemeClr val="tx1"/>
+                        </a:solidFill>
+                        <a:latin typeface="Times New Roman" panose="02020603050405020304" pitchFamily="18" charset="0"/>
+                        <a:cs typeface="Times New Roman" panose="02020603050405020304" pitchFamily="18" charset="0"/>
+                      </a:endParaRPr>
+                    </a:p>
+                  </a:txBody>
+                  <a:tcPr anchor="ctr">
+                    <a:solidFill>
+                      <a:srgbClr val="9BA8B7"/>
+                    </a:solidFill>
+                  </a:tcPr>
+                </a:tc>
+                <a:extLst>
+                  <a:ext uri="{0D108BD9-81ED-4DB2-BD59-A6C34878D82A}">
+                    <a16:rowId xmlns:a16="http://schemas.microsoft.com/office/drawing/2014/main" val="651433572"/>
+                  </a:ext>
+                </a:extLst>
+              </a:tr>
+              <a:tr h="237943">
+                <a:tc>
+                  <a:txBody>
+                    <a:bodyPr/>
+                    <a:lstStyle/>
+                    <a:p>
+                      <a:pPr algn="l"/>
+                      <a:r>
+                        <a:rPr lang="en-US" sz="3600" dirty="0" err="1">
+                          <a:solidFill>
+                            <a:schemeClr val="tx1"/>
+                          </a:solidFill>
+                          <a:latin typeface="Times New Roman" panose="02020603050405020304" pitchFamily="18" charset="0"/>
+                          <a:cs typeface="Times New Roman" panose="02020603050405020304" pitchFamily="18" charset="0"/>
+                        </a:rPr>
+                        <a:t>Kiểu</a:t>
+                      </a:r>
+                      <a:r>
+                        <a:rPr lang="en-US" sz="3600" dirty="0">
+                          <a:solidFill>
+                            <a:schemeClr val="tx1"/>
+                          </a:solidFill>
+                          <a:latin typeface="Times New Roman" panose="02020603050405020304" pitchFamily="18" charset="0"/>
+                          <a:cs typeface="Times New Roman" panose="02020603050405020304" pitchFamily="18" charset="0"/>
+                        </a:rPr>
+                        <a:t> </a:t>
+                      </a:r>
+                      <a:r>
+                        <a:rPr lang="en-US" sz="3600" dirty="0" err="1">
+                          <a:solidFill>
+                            <a:schemeClr val="tx1"/>
+                          </a:solidFill>
+                          <a:latin typeface="Times New Roman" panose="02020603050405020304" pitchFamily="18" charset="0"/>
+                          <a:cs typeface="Times New Roman" panose="02020603050405020304" pitchFamily="18" charset="0"/>
+                        </a:rPr>
+                        <a:t>dữ</a:t>
+                      </a:r>
+                      <a:r>
+                        <a:rPr lang="en-US" sz="3600" dirty="0">
+                          <a:solidFill>
+                            <a:schemeClr val="tx1"/>
+                          </a:solidFill>
+                          <a:latin typeface="Times New Roman" panose="02020603050405020304" pitchFamily="18" charset="0"/>
+                          <a:cs typeface="Times New Roman" panose="02020603050405020304" pitchFamily="18" charset="0"/>
+                        </a:rPr>
+                        <a:t> </a:t>
+                      </a:r>
+                      <a:r>
+                        <a:rPr lang="en-US" sz="3600" dirty="0" err="1">
+                          <a:solidFill>
+                            <a:schemeClr val="tx1"/>
+                          </a:solidFill>
+                          <a:latin typeface="Times New Roman" panose="02020603050405020304" pitchFamily="18" charset="0"/>
+                          <a:cs typeface="Times New Roman" panose="02020603050405020304" pitchFamily="18" charset="0"/>
+                        </a:rPr>
+                        <a:t>liệu</a:t>
+                      </a:r>
+                      <a:endParaRPr lang="vi-VN" sz="3600" dirty="0">
+                        <a:solidFill>
+                          <a:schemeClr val="tx1"/>
+                        </a:solidFill>
+                        <a:latin typeface="Times New Roman" panose="02020603050405020304" pitchFamily="18" charset="0"/>
+                        <a:cs typeface="Times New Roman" panose="02020603050405020304" pitchFamily="18" charset="0"/>
+                      </a:endParaRPr>
+                    </a:p>
+                  </a:txBody>
+                  <a:tcPr anchor="ctr">
+                    <a:solidFill>
+                      <a:srgbClr val="DEE1E6"/>
+                    </a:solidFill>
+                  </a:tcPr>
+                </a:tc>
+                <a:tc>
+                  <a:txBody>
+                    <a:bodyPr/>
+                    <a:lstStyle/>
+                    <a:p>
+                      <a:pPr algn="l"/>
+                      <a:r>
+                        <a:rPr lang="en-US" sz="3600" dirty="0" err="1">
+                          <a:solidFill>
+                            <a:schemeClr val="tx1"/>
+                          </a:solidFill>
+                          <a:latin typeface="Times New Roman" panose="02020603050405020304" pitchFamily="18" charset="0"/>
+                          <a:cs typeface="Times New Roman" panose="02020603050405020304" pitchFamily="18" charset="0"/>
+                        </a:rPr>
+                        <a:t>Số</a:t>
+                      </a:r>
+                      <a:r>
+                        <a:rPr lang="en-US" sz="3600" dirty="0">
+                          <a:solidFill>
+                            <a:schemeClr val="tx1"/>
+                          </a:solidFill>
+                          <a:latin typeface="Times New Roman" panose="02020603050405020304" pitchFamily="18" charset="0"/>
+                          <a:cs typeface="Times New Roman" panose="02020603050405020304" pitchFamily="18" charset="0"/>
+                        </a:rPr>
+                        <a:t> </a:t>
+                      </a:r>
+                      <a:r>
+                        <a:rPr lang="en-US" sz="3600" dirty="0" err="1">
+                          <a:solidFill>
+                            <a:schemeClr val="tx1"/>
+                          </a:solidFill>
+                          <a:latin typeface="Times New Roman" panose="02020603050405020304" pitchFamily="18" charset="0"/>
+                          <a:cs typeface="Times New Roman" panose="02020603050405020304" pitchFamily="18" charset="0"/>
+                        </a:rPr>
+                        <a:t>nguyên</a:t>
+                      </a:r>
+                      <a:r>
+                        <a:rPr lang="en-US" sz="3600" dirty="0">
+                          <a:solidFill>
+                            <a:schemeClr val="tx1"/>
+                          </a:solidFill>
+                          <a:latin typeface="Times New Roman" panose="02020603050405020304" pitchFamily="18" charset="0"/>
+                          <a:cs typeface="Times New Roman" panose="02020603050405020304" pitchFamily="18" charset="0"/>
+                        </a:rPr>
+                        <a:t>, </a:t>
+                      </a:r>
+                      <a:r>
+                        <a:rPr lang="en-US" sz="3600" dirty="0" err="1">
+                          <a:solidFill>
+                            <a:schemeClr val="tx1"/>
+                          </a:solidFill>
+                          <a:latin typeface="Times New Roman" panose="02020603050405020304" pitchFamily="18" charset="0"/>
+                          <a:cs typeface="Times New Roman" panose="02020603050405020304" pitchFamily="18" charset="0"/>
+                        </a:rPr>
+                        <a:t>số</a:t>
+                      </a:r>
+                      <a:r>
+                        <a:rPr lang="en-US" sz="3600" dirty="0">
+                          <a:solidFill>
+                            <a:schemeClr val="tx1"/>
+                          </a:solidFill>
+                          <a:latin typeface="Times New Roman" panose="02020603050405020304" pitchFamily="18" charset="0"/>
+                          <a:cs typeface="Times New Roman" panose="02020603050405020304" pitchFamily="18" charset="0"/>
+                        </a:rPr>
+                        <a:t> </a:t>
+                      </a:r>
+                      <a:r>
+                        <a:rPr lang="en-US" sz="3600" dirty="0" err="1">
+                          <a:solidFill>
+                            <a:schemeClr val="tx1"/>
+                          </a:solidFill>
+                          <a:latin typeface="Times New Roman" panose="02020603050405020304" pitchFamily="18" charset="0"/>
+                          <a:cs typeface="Times New Roman" panose="02020603050405020304" pitchFamily="18" charset="0"/>
+                        </a:rPr>
+                        <a:t>thực</a:t>
+                      </a:r>
+                      <a:endParaRPr lang="vi-VN" sz="3600" dirty="0">
+                        <a:solidFill>
+                          <a:schemeClr val="tx1"/>
+                        </a:solidFill>
+                        <a:latin typeface="Times New Roman" panose="02020603050405020304" pitchFamily="18" charset="0"/>
+                        <a:cs typeface="Times New Roman" panose="02020603050405020304" pitchFamily="18" charset="0"/>
+                      </a:endParaRPr>
+                    </a:p>
+                  </a:txBody>
+                  <a:tcPr anchor="ctr">
+                    <a:solidFill>
+                      <a:srgbClr val="DEE1E6"/>
+                    </a:solidFill>
+                  </a:tcPr>
+                </a:tc>
+                <a:extLst>
+                  <a:ext uri="{0D108BD9-81ED-4DB2-BD59-A6C34878D82A}">
+                    <a16:rowId xmlns:a16="http://schemas.microsoft.com/office/drawing/2014/main" val="1677240127"/>
+                  </a:ext>
+                </a:extLst>
+              </a:tr>
+              <a:tr h="237943">
+                <a:tc>
+                  <a:txBody>
+                    <a:bodyPr/>
+                    <a:lstStyle/>
+                    <a:p>
+                      <a:pPr algn="l"/>
+                      <a:r>
+                        <a:rPr lang="en-US" sz="3600" dirty="0" err="1">
+                          <a:solidFill>
+                            <a:schemeClr val="tx1"/>
+                          </a:solidFill>
+                          <a:latin typeface="Times New Roman" panose="02020603050405020304" pitchFamily="18" charset="0"/>
+                          <a:cs typeface="Times New Roman" panose="02020603050405020304" pitchFamily="18" charset="0"/>
+                        </a:rPr>
+                        <a:t>Trường</a:t>
+                      </a:r>
+                      <a:endParaRPr lang="vi-VN" sz="3600" dirty="0">
+                        <a:solidFill>
+                          <a:schemeClr val="tx1"/>
+                        </a:solidFill>
+                        <a:latin typeface="Times New Roman" panose="02020603050405020304" pitchFamily="18" charset="0"/>
+                        <a:cs typeface="Times New Roman" panose="02020603050405020304" pitchFamily="18" charset="0"/>
+                      </a:endParaRPr>
+                    </a:p>
+                  </a:txBody>
+                  <a:tcPr anchor="ctr">
+                    <a:solidFill>
+                      <a:srgbClr val="9BA8B7"/>
+                    </a:solidFill>
+                  </a:tcPr>
+                </a:tc>
+                <a:tc>
+                  <a:txBody>
+                    <a:bodyPr/>
+                    <a:lstStyle/>
+                    <a:p>
+                      <a:pPr algn="l"/>
+                      <a:r>
+                        <a:rPr lang="en-US" sz="3600" dirty="0">
+                          <a:solidFill>
+                            <a:schemeClr val="tx1"/>
+                          </a:solidFill>
+                          <a:latin typeface="Times New Roman" panose="02020603050405020304" pitchFamily="18" charset="0"/>
+                          <a:cs typeface="Times New Roman" panose="02020603050405020304" pitchFamily="18" charset="0"/>
+                        </a:rPr>
+                        <a:t>17389</a:t>
+                      </a:r>
+                      <a:endParaRPr lang="vi-VN" sz="3600" dirty="0">
+                        <a:solidFill>
+                          <a:schemeClr val="tx1"/>
+                        </a:solidFill>
+                        <a:latin typeface="Times New Roman" panose="02020603050405020304" pitchFamily="18" charset="0"/>
+                        <a:cs typeface="Times New Roman" panose="02020603050405020304" pitchFamily="18" charset="0"/>
+                      </a:endParaRPr>
+                    </a:p>
+                  </a:txBody>
+                  <a:tcPr anchor="ctr">
+                    <a:solidFill>
+                      <a:srgbClr val="9BA8B7"/>
+                    </a:solidFill>
+                  </a:tcPr>
+                </a:tc>
+                <a:extLst>
+                  <a:ext uri="{0D108BD9-81ED-4DB2-BD59-A6C34878D82A}">
+                    <a16:rowId xmlns:a16="http://schemas.microsoft.com/office/drawing/2014/main" val="4035513172"/>
+                  </a:ext>
+                </a:extLst>
+              </a:tr>
+              <a:tr h="237943">
+                <a:tc>
+                  <a:txBody>
+                    <a:bodyPr/>
+                    <a:lstStyle/>
+                    <a:p>
+                      <a:pPr algn="l"/>
+                      <a:r>
+                        <a:rPr lang="en-US" sz="3600" dirty="0" err="1">
+                          <a:solidFill>
+                            <a:schemeClr val="tx1"/>
+                          </a:solidFill>
+                          <a:latin typeface="Times New Roman" panose="02020603050405020304" pitchFamily="18" charset="0"/>
+                          <a:cs typeface="Times New Roman" panose="02020603050405020304" pitchFamily="18" charset="0"/>
+                        </a:rPr>
+                        <a:t>Thuộc</a:t>
+                      </a:r>
+                      <a:r>
+                        <a:rPr lang="en-US" sz="3600" dirty="0">
+                          <a:solidFill>
+                            <a:schemeClr val="tx1"/>
+                          </a:solidFill>
+                          <a:latin typeface="Times New Roman" panose="02020603050405020304" pitchFamily="18" charset="0"/>
+                          <a:cs typeface="Times New Roman" panose="02020603050405020304" pitchFamily="18" charset="0"/>
+                        </a:rPr>
+                        <a:t> </a:t>
+                      </a:r>
+                      <a:r>
+                        <a:rPr lang="en-US" sz="3600" dirty="0" err="1">
+                          <a:solidFill>
+                            <a:schemeClr val="tx1"/>
+                          </a:solidFill>
+                          <a:latin typeface="Times New Roman" panose="02020603050405020304" pitchFamily="18" charset="0"/>
+                          <a:cs typeface="Times New Roman" panose="02020603050405020304" pitchFamily="18" charset="0"/>
+                        </a:rPr>
+                        <a:t>tính</a:t>
+                      </a:r>
+                      <a:endParaRPr lang="vi-VN" sz="3600" dirty="0">
+                        <a:solidFill>
+                          <a:schemeClr val="tx1"/>
+                        </a:solidFill>
+                        <a:latin typeface="Times New Roman" panose="02020603050405020304" pitchFamily="18" charset="0"/>
+                        <a:cs typeface="Times New Roman" panose="02020603050405020304" pitchFamily="18" charset="0"/>
+                      </a:endParaRPr>
+                    </a:p>
+                  </a:txBody>
+                  <a:tcPr anchor="ctr">
+                    <a:solidFill>
+                      <a:srgbClr val="DEE1E6"/>
+                    </a:solidFill>
+                  </a:tcPr>
+                </a:tc>
+                <a:tc>
+                  <a:txBody>
+                    <a:bodyPr/>
+                    <a:lstStyle/>
+                    <a:p>
+                      <a:pPr algn="l"/>
+                      <a:r>
+                        <a:rPr lang="en-US" sz="3600" dirty="0">
+                          <a:solidFill>
+                            <a:schemeClr val="tx1"/>
+                          </a:solidFill>
+                          <a:latin typeface="Times New Roman" panose="02020603050405020304" pitchFamily="18" charset="0"/>
+                          <a:cs typeface="Times New Roman" panose="02020603050405020304" pitchFamily="18" charset="0"/>
+                        </a:rPr>
+                        <a:t>16</a:t>
+                      </a:r>
+                      <a:endParaRPr lang="vi-VN" sz="3600" dirty="0">
+                        <a:solidFill>
+                          <a:schemeClr val="tx1"/>
+                        </a:solidFill>
+                        <a:latin typeface="Times New Roman" panose="02020603050405020304" pitchFamily="18" charset="0"/>
+                        <a:cs typeface="Times New Roman" panose="02020603050405020304" pitchFamily="18" charset="0"/>
+                      </a:endParaRPr>
+                    </a:p>
+                  </a:txBody>
+                  <a:tcPr anchor="ctr">
+                    <a:solidFill>
+                      <a:srgbClr val="DEE1E6"/>
+                    </a:solidFill>
+                  </a:tcPr>
+                </a:tc>
+                <a:extLst>
+                  <a:ext uri="{0D108BD9-81ED-4DB2-BD59-A6C34878D82A}">
+                    <a16:rowId xmlns:a16="http://schemas.microsoft.com/office/drawing/2014/main" val="1914736752"/>
+                  </a:ext>
+                </a:extLst>
+              </a:tr>
+            </a:tbl>
+          </a:graphicData>
+        </a:graphic>
+      </p:graphicFrame>
       <p:sp>
         <p:nvSpPr>
-          <p:cNvPr id="6" name="TextBox 5">
+          <p:cNvPr id="11" name="TextBox 10">
             <a:extLst>
               <a:ext uri="{FF2B5EF4-FFF2-40B4-BE49-F238E27FC236}">
-                <a16:creationId xmlns:a16="http://schemas.microsoft.com/office/drawing/2014/main" id="{D586504E-555D-44E2-8B4D-CC650AEB0D65}"/>
+                <a16:creationId xmlns:a16="http://schemas.microsoft.com/office/drawing/2014/main" id="{F70C7AAF-7F29-4F5E-8117-D5BDE33231D2}"/>
               </a:ext>
             </a:extLst>
           </p:cNvPr>
@@ -5462,8 +7158,8 @@
         </p:nvSpPr>
         <p:spPr>
           <a:xfrm>
-            <a:off x="1631373" y="622200"/>
-            <a:ext cx="3740727" cy="584775"/>
+            <a:off x="1451438" y="529867"/>
+            <a:ext cx="4644562" cy="584775"/>
           </a:xfrm>
           <a:prstGeom prst="rect">
             <a:avLst/>
@@ -5471,15 +7167,376 @@
           <a:noFill/>
         </p:spPr>
         <p:txBody>
+          <a:bodyPr wrap="square">
+            <a:spAutoFit/>
+          </a:bodyPr>
+          <a:lstStyle/>
+          <a:p>
+            <a:r>
+              <a:rPr lang="en-US" sz="3200" b="1" dirty="0" err="1">
+                <a:solidFill>
+                  <a:srgbClr val="263F88"/>
+                </a:solidFill>
+                <a:latin typeface="Times New Roman" panose="02020603050405020304" pitchFamily="18" charset="0"/>
+                <a:cs typeface="Times New Roman" panose="02020603050405020304" pitchFamily="18" charset="0"/>
+              </a:rPr>
+              <a:t>Thông</a:t>
+            </a:r>
+            <a:r>
+              <a:rPr lang="en-US" sz="3200" b="1" dirty="0">
+                <a:solidFill>
+                  <a:srgbClr val="263F88"/>
+                </a:solidFill>
+                <a:latin typeface="Times New Roman" panose="02020603050405020304" pitchFamily="18" charset="0"/>
+                <a:cs typeface="Times New Roman" panose="02020603050405020304" pitchFamily="18" charset="0"/>
+              </a:rPr>
+              <a:t> tin </a:t>
+            </a:r>
+            <a:r>
+              <a:rPr lang="en-US" sz="3200" b="1" dirty="0" err="1">
+                <a:solidFill>
+                  <a:srgbClr val="263F88"/>
+                </a:solidFill>
+                <a:latin typeface="Times New Roman" panose="02020603050405020304" pitchFamily="18" charset="0"/>
+                <a:cs typeface="Times New Roman" panose="02020603050405020304" pitchFamily="18" charset="0"/>
+              </a:rPr>
+              <a:t>của</a:t>
+            </a:r>
+            <a:r>
+              <a:rPr lang="en-US" sz="3200" b="1" dirty="0">
+                <a:solidFill>
+                  <a:srgbClr val="263F88"/>
+                </a:solidFill>
+                <a:latin typeface="Times New Roman" panose="02020603050405020304" pitchFamily="18" charset="0"/>
+                <a:cs typeface="Times New Roman" panose="02020603050405020304" pitchFamily="18" charset="0"/>
+              </a:rPr>
+              <a:t> </a:t>
+            </a:r>
+            <a:r>
+              <a:rPr lang="en-US" sz="3200" b="1" dirty="0" err="1">
+                <a:solidFill>
+                  <a:srgbClr val="263F88"/>
+                </a:solidFill>
+                <a:latin typeface="Times New Roman" panose="02020603050405020304" pitchFamily="18" charset="0"/>
+                <a:cs typeface="Times New Roman" panose="02020603050405020304" pitchFamily="18" charset="0"/>
+              </a:rPr>
+              <a:t>tập</a:t>
+            </a:r>
+            <a:r>
+              <a:rPr lang="en-US" sz="3200" b="1" dirty="0">
+                <a:solidFill>
+                  <a:srgbClr val="263F88"/>
+                </a:solidFill>
+                <a:latin typeface="Times New Roman" panose="02020603050405020304" pitchFamily="18" charset="0"/>
+                <a:cs typeface="Times New Roman" panose="02020603050405020304" pitchFamily="18" charset="0"/>
+              </a:rPr>
+              <a:t> </a:t>
+            </a:r>
+            <a:r>
+              <a:rPr lang="en-US" sz="3200" b="1" dirty="0" err="1">
+                <a:solidFill>
+                  <a:srgbClr val="263F88"/>
+                </a:solidFill>
+                <a:latin typeface="Times New Roman" panose="02020603050405020304" pitchFamily="18" charset="0"/>
+                <a:cs typeface="Times New Roman" panose="02020603050405020304" pitchFamily="18" charset="0"/>
+              </a:rPr>
+              <a:t>dữ</a:t>
+            </a:r>
+            <a:r>
+              <a:rPr lang="en-US" sz="3200" b="1" dirty="0">
+                <a:solidFill>
+                  <a:srgbClr val="263F88"/>
+                </a:solidFill>
+                <a:latin typeface="Times New Roman" panose="02020603050405020304" pitchFamily="18" charset="0"/>
+                <a:cs typeface="Times New Roman" panose="02020603050405020304" pitchFamily="18" charset="0"/>
+              </a:rPr>
+              <a:t> </a:t>
+            </a:r>
+            <a:r>
+              <a:rPr lang="en-US" sz="3200" b="1" dirty="0" err="1">
+                <a:solidFill>
+                  <a:srgbClr val="263F88"/>
+                </a:solidFill>
+                <a:latin typeface="Times New Roman" panose="02020603050405020304" pitchFamily="18" charset="0"/>
+                <a:cs typeface="Times New Roman" panose="02020603050405020304" pitchFamily="18" charset="0"/>
+              </a:rPr>
+              <a:t>liệu</a:t>
+            </a:r>
+            <a:endParaRPr lang="en-US" sz="3200" dirty="0">
+              <a:solidFill>
+                <a:srgbClr val="263F88"/>
+              </a:solidFill>
+            </a:endParaRPr>
+          </a:p>
+        </p:txBody>
+      </p:sp>
+    </p:spTree>
+    <p:extLst>
+      <p:ext uri="{BB962C8B-B14F-4D97-AF65-F5344CB8AC3E}">
+        <p14:creationId xmlns:p14="http://schemas.microsoft.com/office/powerpoint/2010/main" val="1469398344"/>
+      </p:ext>
+    </p:extLst>
+  </p:cSld>
+  <p:clrMapOvr>
+    <a:masterClrMapping/>
+  </p:clrMapOvr>
+</p:sld>
+</file>
+
+<file path=ppt/slides/slide4.xml><?xml version="1.0" encoding="utf-8"?>
+<p:sld xmlns:a="http://schemas.openxmlformats.org/drawingml/2006/main" xmlns:r="http://schemas.openxmlformats.org/officeDocument/2006/relationships" xmlns:p="http://schemas.openxmlformats.org/presentationml/2006/main">
+  <p:cSld>
+    <p:spTree>
+      <p:nvGrpSpPr>
+        <p:cNvPr id="1" name=""/>
+        <p:cNvGrpSpPr/>
+        <p:nvPr/>
+      </p:nvGrpSpPr>
+      <p:grpSpPr>
+        <a:xfrm>
+          <a:off x="0" y="0"/>
+          <a:ext cx="0" cy="0"/>
+          <a:chOff x="0" y="0"/>
+          <a:chExt cx="0" cy="0"/>
+        </a:xfrm>
+      </p:grpSpPr>
+      <p:sp>
+        <p:nvSpPr>
+          <p:cNvPr id="2" name="Slide Number Placeholder 1">
+            <a:extLst>
+              <a:ext uri="{FF2B5EF4-FFF2-40B4-BE49-F238E27FC236}">
+                <a16:creationId xmlns:a16="http://schemas.microsoft.com/office/drawing/2014/main" id="{54091DA7-E4F2-4295-B4EE-DC4D29563216}"/>
+              </a:ext>
+            </a:extLst>
+          </p:cNvPr>
+          <p:cNvSpPr>
+            <a:spLocks noGrp="1"/>
+          </p:cNvSpPr>
+          <p:nvPr>
+            <p:ph type="sldNum" sz="quarter" idx="12"/>
+          </p:nvPr>
+        </p:nvSpPr>
+        <p:spPr/>
+        <p:txBody>
+          <a:bodyPr/>
+          <a:lstStyle/>
+          <a:p>
+            <a:fld id="{3A98EE3D-8CD1-4C3F-BD1C-C98C9596463C}" type="slidenum">
+              <a:rPr lang="en-US" smtClean="0"/>
+              <a:t>4</a:t>
+            </a:fld>
+            <a:endParaRPr lang="en-US" dirty="0"/>
+          </a:p>
+        </p:txBody>
+      </p:sp>
+      <p:sp>
+        <p:nvSpPr>
+          <p:cNvPr id="5" name="TextBox 4">
+            <a:extLst>
+              <a:ext uri="{FF2B5EF4-FFF2-40B4-BE49-F238E27FC236}">
+                <a16:creationId xmlns:a16="http://schemas.microsoft.com/office/drawing/2014/main" id="{BEFB39A4-9B0A-4010-BC75-4D3592E4514F}"/>
+              </a:ext>
+            </a:extLst>
+          </p:cNvPr>
+          <p:cNvSpPr txBox="1"/>
+          <p:nvPr/>
+        </p:nvSpPr>
+        <p:spPr>
+          <a:xfrm>
+            <a:off x="10685318" y="0"/>
+            <a:ext cx="1506682" cy="1631216"/>
+          </a:xfrm>
+          <a:prstGeom prst="rect">
+            <a:avLst/>
+          </a:prstGeom>
+          <a:noFill/>
+          <a:ln>
+            <a:solidFill>
+              <a:schemeClr val="tx2">
+                <a:lumMod val="40000"/>
+                <a:lumOff val="60000"/>
+              </a:schemeClr>
+            </a:solidFill>
+          </a:ln>
+        </p:spPr>
+        <p:txBody>
           <a:bodyPr wrap="square" rtlCol="0">
             <a:spAutoFit/>
           </a:bodyPr>
           <a:lstStyle/>
           <a:p>
-            <a:r>
-              <a:rPr lang="en-US" sz="3200" b="1"/>
-              <a:t>Thông tin thuộc tính</a:t>
-            </a:r>
+            <a:pPr marL="228600" indent="-228600" algn="just">
+              <a:buFont typeface="+mj-lt"/>
+              <a:buAutoNum type="arabicPeriod"/>
+            </a:pPr>
+            <a:r>
+              <a:rPr lang="en-US" sz="2000" err="1">
+                <a:solidFill>
+                  <a:srgbClr val="FF0000"/>
+                </a:solidFill>
+                <a:latin typeface="Times New Roman" panose="02020603050405020304" pitchFamily="18" charset="0"/>
+                <a:ea typeface="Tahoma" panose="020B0604030504040204" pitchFamily="34" charset="0"/>
+                <a:cs typeface="Times New Roman" panose="02020603050405020304" pitchFamily="18" charset="0"/>
+              </a:rPr>
+              <a:t>Giới</a:t>
+            </a:r>
+            <a:r>
+              <a:rPr lang="en-US" sz="2000">
+                <a:solidFill>
+                  <a:srgbClr val="FF0000"/>
+                </a:solidFill>
+                <a:latin typeface="Times New Roman" panose="02020603050405020304" pitchFamily="18" charset="0"/>
+                <a:ea typeface="Tahoma" panose="020B0604030504040204" pitchFamily="34" charset="0"/>
+                <a:cs typeface="Times New Roman" panose="02020603050405020304" pitchFamily="18" charset="0"/>
+              </a:rPr>
+              <a:t> </a:t>
+            </a:r>
+            <a:r>
+              <a:rPr lang="en-US" sz="2000" err="1">
+                <a:solidFill>
+                  <a:srgbClr val="FF0000"/>
+                </a:solidFill>
+                <a:latin typeface="Times New Roman" panose="02020603050405020304" pitchFamily="18" charset="0"/>
+                <a:ea typeface="Tahoma" panose="020B0604030504040204" pitchFamily="34" charset="0"/>
+                <a:cs typeface="Times New Roman" panose="02020603050405020304" pitchFamily="18" charset="0"/>
+              </a:rPr>
+              <a:t>thiệu</a:t>
+            </a:r>
+            <a:endParaRPr lang="en-US" sz="2000">
+              <a:solidFill>
+                <a:srgbClr val="FF0000"/>
+              </a:solidFill>
+              <a:latin typeface="Times New Roman" panose="02020603050405020304" pitchFamily="18" charset="0"/>
+              <a:ea typeface="Tahoma" panose="020B0604030504040204" pitchFamily="34" charset="0"/>
+              <a:cs typeface="Times New Roman" panose="02020603050405020304" pitchFamily="18" charset="0"/>
+            </a:endParaRPr>
+          </a:p>
+          <a:p>
+            <a:pPr marL="228600" indent="-228600" algn="just">
+              <a:buFont typeface="+mj-lt"/>
+              <a:buAutoNum type="arabicPeriod"/>
+            </a:pPr>
+            <a:r>
+              <a:rPr lang="en-US" sz="2000" err="1">
+                <a:latin typeface="Times New Roman" panose="02020603050405020304" pitchFamily="18" charset="0"/>
+                <a:ea typeface="Tahoma" panose="020B0604030504040204" pitchFamily="34" charset="0"/>
+                <a:cs typeface="Times New Roman" panose="02020603050405020304" pitchFamily="18" charset="0"/>
+              </a:rPr>
+              <a:t>Tiền</a:t>
+            </a:r>
+            <a:r>
+              <a:rPr lang="en-US" sz="2000">
+                <a:latin typeface="Times New Roman" panose="02020603050405020304" pitchFamily="18" charset="0"/>
+                <a:ea typeface="Tahoma" panose="020B0604030504040204" pitchFamily="34" charset="0"/>
+                <a:cs typeface="Times New Roman" panose="02020603050405020304" pitchFamily="18" charset="0"/>
+              </a:rPr>
+              <a:t> </a:t>
+            </a:r>
+            <a:r>
+              <a:rPr lang="en-US" sz="2000" err="1">
+                <a:latin typeface="Times New Roman" panose="02020603050405020304" pitchFamily="18" charset="0"/>
+                <a:ea typeface="Tahoma" panose="020B0604030504040204" pitchFamily="34" charset="0"/>
+                <a:cs typeface="Times New Roman" panose="02020603050405020304" pitchFamily="18" charset="0"/>
+              </a:rPr>
+              <a:t>xử</a:t>
+            </a:r>
+            <a:r>
+              <a:rPr lang="en-US" sz="2000">
+                <a:latin typeface="Times New Roman" panose="02020603050405020304" pitchFamily="18" charset="0"/>
+                <a:ea typeface="Tahoma" panose="020B0604030504040204" pitchFamily="34" charset="0"/>
+                <a:cs typeface="Times New Roman" panose="02020603050405020304" pitchFamily="18" charset="0"/>
+              </a:rPr>
+              <a:t> </a:t>
+            </a:r>
+            <a:r>
+              <a:rPr lang="en-US" sz="2000" err="1">
+                <a:latin typeface="Times New Roman" panose="02020603050405020304" pitchFamily="18" charset="0"/>
+                <a:ea typeface="Tahoma" panose="020B0604030504040204" pitchFamily="34" charset="0"/>
+                <a:cs typeface="Times New Roman" panose="02020603050405020304" pitchFamily="18" charset="0"/>
+              </a:rPr>
+              <a:t>lý</a:t>
+            </a:r>
+            <a:endParaRPr lang="en-US" sz="2000">
+              <a:latin typeface="Times New Roman" panose="02020603050405020304" pitchFamily="18" charset="0"/>
+              <a:ea typeface="Tahoma" panose="020B0604030504040204" pitchFamily="34" charset="0"/>
+              <a:cs typeface="Times New Roman" panose="02020603050405020304" pitchFamily="18" charset="0"/>
+            </a:endParaRPr>
+          </a:p>
+          <a:p>
+            <a:pPr marL="228600" indent="-228600" algn="just">
+              <a:buFont typeface="+mj-lt"/>
+              <a:buAutoNum type="arabicPeriod"/>
+            </a:pPr>
+            <a:r>
+              <a:rPr lang="en-US" sz="2000" err="1">
+                <a:latin typeface="Times New Roman" panose="02020603050405020304" pitchFamily="18" charset="0"/>
+                <a:ea typeface="Tahoma" panose="020B0604030504040204" pitchFamily="34" charset="0"/>
+                <a:cs typeface="Times New Roman" panose="02020603050405020304" pitchFamily="18" charset="0"/>
+              </a:rPr>
+              <a:t>Giải</a:t>
+            </a:r>
+            <a:r>
+              <a:rPr lang="en-US" sz="2000">
+                <a:latin typeface="Times New Roman" panose="02020603050405020304" pitchFamily="18" charset="0"/>
+                <a:ea typeface="Tahoma" panose="020B0604030504040204" pitchFamily="34" charset="0"/>
+                <a:cs typeface="Times New Roman" panose="02020603050405020304" pitchFamily="18" charset="0"/>
+              </a:rPr>
+              <a:t> </a:t>
+            </a:r>
+            <a:r>
+              <a:rPr lang="en-US" sz="2000" err="1">
+                <a:latin typeface="Times New Roman" panose="02020603050405020304" pitchFamily="18" charset="0"/>
+                <a:ea typeface="Tahoma" panose="020B0604030504040204" pitchFamily="34" charset="0"/>
+                <a:cs typeface="Times New Roman" panose="02020603050405020304" pitchFamily="18" charset="0"/>
+              </a:rPr>
+              <a:t>thuật</a:t>
+            </a:r>
+            <a:endParaRPr lang="en-US" sz="2000">
+              <a:latin typeface="Times New Roman" panose="02020603050405020304" pitchFamily="18" charset="0"/>
+              <a:ea typeface="Tahoma" panose="020B0604030504040204" pitchFamily="34" charset="0"/>
+              <a:cs typeface="Times New Roman" panose="02020603050405020304" pitchFamily="18" charset="0"/>
+            </a:endParaRPr>
+          </a:p>
+          <a:p>
+            <a:pPr marL="228600" indent="-228600" algn="just">
+              <a:buFont typeface="+mj-lt"/>
+              <a:buAutoNum type="arabicPeriod"/>
+            </a:pPr>
+            <a:r>
+              <a:rPr lang="en-US" sz="2000" err="1">
+                <a:latin typeface="Times New Roman" panose="02020603050405020304" pitchFamily="18" charset="0"/>
+                <a:ea typeface="Tahoma" panose="020B0604030504040204" pitchFamily="34" charset="0"/>
+                <a:cs typeface="Times New Roman" panose="02020603050405020304" pitchFamily="18" charset="0"/>
+              </a:rPr>
+              <a:t>Đánh</a:t>
+            </a:r>
+            <a:r>
+              <a:rPr lang="en-US" sz="2000">
+                <a:latin typeface="Times New Roman" panose="02020603050405020304" pitchFamily="18" charset="0"/>
+                <a:ea typeface="Tahoma" panose="020B0604030504040204" pitchFamily="34" charset="0"/>
+                <a:cs typeface="Times New Roman" panose="02020603050405020304" pitchFamily="18" charset="0"/>
+              </a:rPr>
+              <a:t> giá</a:t>
+            </a:r>
+          </a:p>
+          <a:p>
+            <a:pPr marL="228600" indent="-228600" algn="just">
+              <a:buFont typeface="+mj-lt"/>
+              <a:buAutoNum type="arabicPeriod"/>
+            </a:pPr>
+            <a:r>
+              <a:rPr lang="en-US" sz="2000">
+                <a:latin typeface="Times New Roman" panose="02020603050405020304" pitchFamily="18" charset="0"/>
+                <a:ea typeface="Tahoma" panose="020B0604030504040204" pitchFamily="34" charset="0"/>
+                <a:cs typeface="Times New Roman" panose="02020603050405020304" pitchFamily="18" charset="0"/>
+              </a:rPr>
+              <a:t>Kết luận</a:t>
+            </a:r>
+            <a:endParaRPr lang="vi-VN" sz="2000">
+              <a:latin typeface="Times New Roman" panose="02020603050405020304" pitchFamily="18" charset="0"/>
+              <a:ea typeface="Tahoma" panose="020B0604030504040204" pitchFamily="34" charset="0"/>
+              <a:cs typeface="Times New Roman" panose="02020603050405020304" pitchFamily="18" charset="0"/>
+            </a:endParaRPr>
           </a:p>
         </p:txBody>
       </p:sp>
@@ -5512,148 +7569,538 @@
           <a:lstStyle/>
           <a:p>
             <a:r>
-              <a:rPr lang="en-US" sz="2400" b="0" i="0">
+              <a:rPr lang="en-US" sz="2400" b="0" i="0" dirty="0">
                 <a:effectLst/>
                 <a:latin typeface="Tahoma" panose="020B0604030504040204" pitchFamily="34" charset="0"/>
                 <a:ea typeface="Tahoma" panose="020B0604030504040204" pitchFamily="34" charset="0"/>
                 <a:cs typeface="Tahoma" panose="020B0604030504040204" pitchFamily="34" charset="0"/>
               </a:rPr>
-              <a:t>- instant: chỉ số bảng ghi</a:t>
+              <a:t>- instant: </a:t>
+            </a:r>
+            <a:r>
+              <a:rPr lang="en-US" sz="2400" b="0" i="0" dirty="0" err="1">
+                <a:effectLst/>
+                <a:latin typeface="Tahoma" panose="020B0604030504040204" pitchFamily="34" charset="0"/>
+                <a:ea typeface="Tahoma" panose="020B0604030504040204" pitchFamily="34" charset="0"/>
+                <a:cs typeface="Tahoma" panose="020B0604030504040204" pitchFamily="34" charset="0"/>
+              </a:rPr>
+              <a:t>chỉ</a:t>
+            </a:r>
+            <a:r>
+              <a:rPr lang="en-US" sz="2400" b="0" i="0" dirty="0">
+                <a:effectLst/>
+                <a:latin typeface="Tahoma" panose="020B0604030504040204" pitchFamily="34" charset="0"/>
+                <a:ea typeface="Tahoma" panose="020B0604030504040204" pitchFamily="34" charset="0"/>
+                <a:cs typeface="Tahoma" panose="020B0604030504040204" pitchFamily="34" charset="0"/>
+              </a:rPr>
+              <a:t> </a:t>
+            </a:r>
+            <a:r>
+              <a:rPr lang="en-US" sz="2400" b="0" i="0" dirty="0" err="1">
+                <a:effectLst/>
+                <a:latin typeface="Tahoma" panose="020B0604030504040204" pitchFamily="34" charset="0"/>
+                <a:ea typeface="Tahoma" panose="020B0604030504040204" pitchFamily="34" charset="0"/>
+                <a:cs typeface="Tahoma" panose="020B0604030504040204" pitchFamily="34" charset="0"/>
+              </a:rPr>
+              <a:t>số</a:t>
+            </a:r>
+            <a:r>
+              <a:rPr lang="en-US" sz="2400" b="0" i="0" dirty="0">
+                <a:effectLst/>
+                <a:latin typeface="Tahoma" panose="020B0604030504040204" pitchFamily="34" charset="0"/>
+                <a:ea typeface="Tahoma" panose="020B0604030504040204" pitchFamily="34" charset="0"/>
+                <a:cs typeface="Tahoma" panose="020B0604030504040204" pitchFamily="34" charset="0"/>
+              </a:rPr>
+              <a:t> </a:t>
+            </a:r>
+            <a:r>
+              <a:rPr lang="en-US" sz="2400" b="0" i="0" dirty="0" err="1">
+                <a:effectLst/>
+                <a:latin typeface="Tahoma" panose="020B0604030504040204" pitchFamily="34" charset="0"/>
+                <a:ea typeface="Tahoma" panose="020B0604030504040204" pitchFamily="34" charset="0"/>
+                <a:cs typeface="Tahoma" panose="020B0604030504040204" pitchFamily="34" charset="0"/>
+              </a:rPr>
+              <a:t>bảng</a:t>
+            </a:r>
+            <a:r>
+              <a:rPr lang="en-US" sz="2400" b="0" i="0" dirty="0">
+                <a:effectLst/>
+                <a:latin typeface="Tahoma" panose="020B0604030504040204" pitchFamily="34" charset="0"/>
+                <a:ea typeface="Tahoma" panose="020B0604030504040204" pitchFamily="34" charset="0"/>
+                <a:cs typeface="Tahoma" panose="020B0604030504040204" pitchFamily="34" charset="0"/>
+              </a:rPr>
+              <a:t> </a:t>
+            </a:r>
+            <a:r>
+              <a:rPr lang="en-US" sz="2400" b="0" i="0" dirty="0" err="1">
+                <a:effectLst/>
+                <a:latin typeface="Tahoma" panose="020B0604030504040204" pitchFamily="34" charset="0"/>
+                <a:ea typeface="Tahoma" panose="020B0604030504040204" pitchFamily="34" charset="0"/>
+                <a:cs typeface="Tahoma" panose="020B0604030504040204" pitchFamily="34" charset="0"/>
+              </a:rPr>
+              <a:t>ghi</a:t>
             </a:r>
             <a:br>
-              <a:rPr lang="en-US" sz="2400">
+              <a:rPr lang="en-US" sz="2400" dirty="0">
                 <a:latin typeface="Tahoma" panose="020B0604030504040204" pitchFamily="34" charset="0"/>
                 <a:ea typeface="Tahoma" panose="020B0604030504040204" pitchFamily="34" charset="0"/>
                 <a:cs typeface="Tahoma" panose="020B0604030504040204" pitchFamily="34" charset="0"/>
               </a:rPr>
             </a:br>
             <a:r>
-              <a:rPr lang="en-US" sz="2400" b="0" i="0">
+              <a:rPr lang="en-US" sz="2400" b="0" i="0" dirty="0">
                 <a:effectLst/>
                 <a:latin typeface="Tahoma" panose="020B0604030504040204" pitchFamily="34" charset="0"/>
                 <a:ea typeface="Tahoma" panose="020B0604030504040204" pitchFamily="34" charset="0"/>
                 <a:cs typeface="Tahoma" panose="020B0604030504040204" pitchFamily="34" charset="0"/>
               </a:rPr>
-              <a:t>- dteday : ngày</a:t>
+              <a:t>- </a:t>
+            </a:r>
+            <a:r>
+              <a:rPr lang="en-US" sz="2400" b="0" i="0" dirty="0" err="1">
+                <a:effectLst/>
+                <a:latin typeface="Tahoma" panose="020B0604030504040204" pitchFamily="34" charset="0"/>
+                <a:ea typeface="Tahoma" panose="020B0604030504040204" pitchFamily="34" charset="0"/>
+                <a:cs typeface="Tahoma" panose="020B0604030504040204" pitchFamily="34" charset="0"/>
+              </a:rPr>
+              <a:t>dteday</a:t>
+            </a:r>
+            <a:r>
+              <a:rPr lang="en-US" sz="2400" b="0" i="0" dirty="0">
+                <a:effectLst/>
+                <a:latin typeface="Tahoma" panose="020B0604030504040204" pitchFamily="34" charset="0"/>
+                <a:ea typeface="Tahoma" panose="020B0604030504040204" pitchFamily="34" charset="0"/>
+                <a:cs typeface="Tahoma" panose="020B0604030504040204" pitchFamily="34" charset="0"/>
+              </a:rPr>
+              <a:t> : </a:t>
+            </a:r>
+            <a:r>
+              <a:rPr lang="en-US" sz="2400" b="0" i="0" dirty="0" err="1">
+                <a:effectLst/>
+                <a:latin typeface="Tahoma" panose="020B0604030504040204" pitchFamily="34" charset="0"/>
+                <a:ea typeface="Tahoma" panose="020B0604030504040204" pitchFamily="34" charset="0"/>
+                <a:cs typeface="Tahoma" panose="020B0604030504040204" pitchFamily="34" charset="0"/>
+              </a:rPr>
+              <a:t>ngày</a:t>
             </a:r>
             <a:br>
-              <a:rPr lang="en-US" sz="2400">
+              <a:rPr lang="en-US" sz="2400" dirty="0">
                 <a:latin typeface="Tahoma" panose="020B0604030504040204" pitchFamily="34" charset="0"/>
                 <a:ea typeface="Tahoma" panose="020B0604030504040204" pitchFamily="34" charset="0"/>
                 <a:cs typeface="Tahoma" panose="020B0604030504040204" pitchFamily="34" charset="0"/>
               </a:rPr>
             </a:br>
             <a:r>
-              <a:rPr lang="en-US" sz="2400" b="0" i="0">
+              <a:rPr lang="en-US" sz="2400" b="0" i="0" dirty="0">
                 <a:effectLst/>
                 <a:latin typeface="Tahoma" panose="020B0604030504040204" pitchFamily="34" charset="0"/>
                 <a:ea typeface="Tahoma" panose="020B0604030504040204" pitchFamily="34" charset="0"/>
                 <a:cs typeface="Tahoma" panose="020B0604030504040204" pitchFamily="34" charset="0"/>
               </a:rPr>
-              <a:t>- season : mùa </a:t>
-            </a:r>
-          </a:p>
-          <a:p>
-            <a:r>
-              <a:rPr lang="en-US" sz="2400" b="0" i="0">
+              <a:t>- season : </a:t>
+            </a:r>
+            <a:r>
+              <a:rPr lang="en-US" sz="2400" b="0" i="0" dirty="0" err="1">
                 <a:effectLst/>
                 <a:latin typeface="Tahoma" panose="020B0604030504040204" pitchFamily="34" charset="0"/>
                 <a:ea typeface="Tahoma" panose="020B0604030504040204" pitchFamily="34" charset="0"/>
                 <a:cs typeface="Tahoma" panose="020B0604030504040204" pitchFamily="34" charset="0"/>
               </a:rPr>
-              <a:t>- yr : năm</a:t>
+              <a:t>mùa</a:t>
+            </a:r>
+            <a:r>
+              <a:rPr lang="en-US" sz="2400" b="0" i="0" dirty="0">
+                <a:effectLst/>
+                <a:latin typeface="Tahoma" panose="020B0604030504040204" pitchFamily="34" charset="0"/>
+                <a:ea typeface="Tahoma" panose="020B0604030504040204" pitchFamily="34" charset="0"/>
+                <a:cs typeface="Tahoma" panose="020B0604030504040204" pitchFamily="34" charset="0"/>
+              </a:rPr>
+              <a:t> </a:t>
+            </a:r>
+          </a:p>
+          <a:p>
+            <a:r>
+              <a:rPr lang="en-US" sz="2400" b="0" i="0" dirty="0">
+                <a:effectLst/>
+                <a:latin typeface="Tahoma" panose="020B0604030504040204" pitchFamily="34" charset="0"/>
+                <a:ea typeface="Tahoma" panose="020B0604030504040204" pitchFamily="34" charset="0"/>
+                <a:cs typeface="Tahoma" panose="020B0604030504040204" pitchFamily="34" charset="0"/>
+              </a:rPr>
+              <a:t>- </a:t>
+            </a:r>
+            <a:r>
+              <a:rPr lang="en-US" sz="2400" b="0" i="0" dirty="0" err="1">
+                <a:effectLst/>
+                <a:latin typeface="Tahoma" panose="020B0604030504040204" pitchFamily="34" charset="0"/>
+                <a:ea typeface="Tahoma" panose="020B0604030504040204" pitchFamily="34" charset="0"/>
+                <a:cs typeface="Tahoma" panose="020B0604030504040204" pitchFamily="34" charset="0"/>
+              </a:rPr>
+              <a:t>yr</a:t>
+            </a:r>
+            <a:r>
+              <a:rPr lang="en-US" sz="2400" b="0" i="0" dirty="0">
+                <a:effectLst/>
+                <a:latin typeface="Tahoma" panose="020B0604030504040204" pitchFamily="34" charset="0"/>
+                <a:ea typeface="Tahoma" panose="020B0604030504040204" pitchFamily="34" charset="0"/>
+                <a:cs typeface="Tahoma" panose="020B0604030504040204" pitchFamily="34" charset="0"/>
+              </a:rPr>
+              <a:t> : </a:t>
+            </a:r>
+            <a:r>
+              <a:rPr lang="en-US" sz="2400" b="0" i="0" dirty="0" err="1">
+                <a:effectLst/>
+                <a:latin typeface="Tahoma" panose="020B0604030504040204" pitchFamily="34" charset="0"/>
+                <a:ea typeface="Tahoma" panose="020B0604030504040204" pitchFamily="34" charset="0"/>
+                <a:cs typeface="Tahoma" panose="020B0604030504040204" pitchFamily="34" charset="0"/>
+              </a:rPr>
+              <a:t>năm</a:t>
             </a:r>
             <a:br>
-              <a:rPr lang="en-US" sz="2400">
+              <a:rPr lang="en-US" sz="2400" dirty="0">
                 <a:latin typeface="Tahoma" panose="020B0604030504040204" pitchFamily="34" charset="0"/>
                 <a:ea typeface="Tahoma" panose="020B0604030504040204" pitchFamily="34" charset="0"/>
                 <a:cs typeface="Tahoma" panose="020B0604030504040204" pitchFamily="34" charset="0"/>
               </a:rPr>
             </a:br>
             <a:r>
-              <a:rPr lang="en-US" sz="2400" b="0" i="0">
+              <a:rPr lang="en-US" sz="2400" b="0" i="0" dirty="0">
                 <a:effectLst/>
                 <a:latin typeface="Tahoma" panose="020B0604030504040204" pitchFamily="34" charset="0"/>
                 <a:ea typeface="Tahoma" panose="020B0604030504040204" pitchFamily="34" charset="0"/>
                 <a:cs typeface="Tahoma" panose="020B0604030504040204" pitchFamily="34" charset="0"/>
               </a:rPr>
-              <a:t>- mnth : tháng</a:t>
+              <a:t>- </a:t>
+            </a:r>
+            <a:r>
+              <a:rPr lang="en-US" sz="2400" b="0" i="0" dirty="0" err="1">
+                <a:effectLst/>
+                <a:latin typeface="Tahoma" panose="020B0604030504040204" pitchFamily="34" charset="0"/>
+                <a:ea typeface="Tahoma" panose="020B0604030504040204" pitchFamily="34" charset="0"/>
+                <a:cs typeface="Tahoma" panose="020B0604030504040204" pitchFamily="34" charset="0"/>
+              </a:rPr>
+              <a:t>mnth</a:t>
+            </a:r>
+            <a:r>
+              <a:rPr lang="en-US" sz="2400" b="0" i="0" dirty="0">
+                <a:effectLst/>
+                <a:latin typeface="Tahoma" panose="020B0604030504040204" pitchFamily="34" charset="0"/>
+                <a:ea typeface="Tahoma" panose="020B0604030504040204" pitchFamily="34" charset="0"/>
+                <a:cs typeface="Tahoma" panose="020B0604030504040204" pitchFamily="34" charset="0"/>
+              </a:rPr>
+              <a:t> : </a:t>
+            </a:r>
+            <a:r>
+              <a:rPr lang="en-US" sz="2400" b="0" i="0" dirty="0" err="1">
+                <a:effectLst/>
+                <a:latin typeface="Tahoma" panose="020B0604030504040204" pitchFamily="34" charset="0"/>
+                <a:ea typeface="Tahoma" panose="020B0604030504040204" pitchFamily="34" charset="0"/>
+                <a:cs typeface="Tahoma" panose="020B0604030504040204" pitchFamily="34" charset="0"/>
+              </a:rPr>
+              <a:t>tháng</a:t>
             </a:r>
             <a:br>
-              <a:rPr lang="en-US" sz="2400">
+              <a:rPr lang="en-US" sz="2400" dirty="0">
                 <a:latin typeface="Tahoma" panose="020B0604030504040204" pitchFamily="34" charset="0"/>
                 <a:ea typeface="Tahoma" panose="020B0604030504040204" pitchFamily="34" charset="0"/>
                 <a:cs typeface="Tahoma" panose="020B0604030504040204" pitchFamily="34" charset="0"/>
               </a:rPr>
             </a:br>
             <a:r>
-              <a:rPr lang="en-US" sz="2400" b="0" i="0">
+              <a:rPr lang="en-US" sz="2400" b="0" i="0" dirty="0">
                 <a:effectLst/>
                 <a:latin typeface="Tahoma" panose="020B0604030504040204" pitchFamily="34" charset="0"/>
                 <a:ea typeface="Tahoma" panose="020B0604030504040204" pitchFamily="34" charset="0"/>
                 <a:cs typeface="Tahoma" panose="020B0604030504040204" pitchFamily="34" charset="0"/>
               </a:rPr>
-              <a:t>- hr : giờ</a:t>
+              <a:t>- </a:t>
+            </a:r>
+            <a:r>
+              <a:rPr lang="en-US" sz="2400" b="0" i="0" dirty="0" err="1">
+                <a:effectLst/>
+                <a:latin typeface="Tahoma" panose="020B0604030504040204" pitchFamily="34" charset="0"/>
+                <a:ea typeface="Tahoma" panose="020B0604030504040204" pitchFamily="34" charset="0"/>
+                <a:cs typeface="Tahoma" panose="020B0604030504040204" pitchFamily="34" charset="0"/>
+              </a:rPr>
+              <a:t>hr</a:t>
+            </a:r>
+            <a:r>
+              <a:rPr lang="en-US" sz="2400" b="0" i="0" dirty="0">
+                <a:effectLst/>
+                <a:latin typeface="Tahoma" panose="020B0604030504040204" pitchFamily="34" charset="0"/>
+                <a:ea typeface="Tahoma" panose="020B0604030504040204" pitchFamily="34" charset="0"/>
+                <a:cs typeface="Tahoma" panose="020B0604030504040204" pitchFamily="34" charset="0"/>
+              </a:rPr>
+              <a:t> : </a:t>
+            </a:r>
+            <a:r>
+              <a:rPr lang="en-US" sz="2400" b="0" i="0" dirty="0" err="1">
+                <a:effectLst/>
+                <a:latin typeface="Tahoma" panose="020B0604030504040204" pitchFamily="34" charset="0"/>
+                <a:ea typeface="Tahoma" panose="020B0604030504040204" pitchFamily="34" charset="0"/>
+                <a:cs typeface="Tahoma" panose="020B0604030504040204" pitchFamily="34" charset="0"/>
+              </a:rPr>
+              <a:t>giờ</a:t>
             </a:r>
             <a:br>
-              <a:rPr lang="en-US" sz="2400">
+              <a:rPr lang="en-US" sz="2400" dirty="0">
                 <a:latin typeface="Tahoma" panose="020B0604030504040204" pitchFamily="34" charset="0"/>
                 <a:ea typeface="Tahoma" panose="020B0604030504040204" pitchFamily="34" charset="0"/>
                 <a:cs typeface="Tahoma" panose="020B0604030504040204" pitchFamily="34" charset="0"/>
               </a:rPr>
             </a:br>
             <a:r>
-              <a:rPr lang="en-US" sz="2400" b="0" i="0">
+              <a:rPr lang="en-US" sz="2400" b="0" i="0" dirty="0">
                 <a:effectLst/>
                 <a:latin typeface="Tahoma" panose="020B0604030504040204" pitchFamily="34" charset="0"/>
                 <a:ea typeface="Tahoma" panose="020B0604030504040204" pitchFamily="34" charset="0"/>
                 <a:cs typeface="Tahoma" panose="020B0604030504040204" pitchFamily="34" charset="0"/>
               </a:rPr>
-              <a:t>- holiday : ngày nghỉ</a:t>
+              <a:t>- holiday : </a:t>
+            </a:r>
+            <a:r>
+              <a:rPr lang="en-US" sz="2400" b="0" i="0" dirty="0" err="1">
+                <a:effectLst/>
+                <a:latin typeface="Tahoma" panose="020B0604030504040204" pitchFamily="34" charset="0"/>
+                <a:ea typeface="Tahoma" panose="020B0604030504040204" pitchFamily="34" charset="0"/>
+                <a:cs typeface="Tahoma" panose="020B0604030504040204" pitchFamily="34" charset="0"/>
+              </a:rPr>
+              <a:t>ngày</a:t>
+            </a:r>
+            <a:r>
+              <a:rPr lang="en-US" sz="2400" b="0" i="0" dirty="0">
+                <a:effectLst/>
+                <a:latin typeface="Tahoma" panose="020B0604030504040204" pitchFamily="34" charset="0"/>
+                <a:ea typeface="Tahoma" panose="020B0604030504040204" pitchFamily="34" charset="0"/>
+                <a:cs typeface="Tahoma" panose="020B0604030504040204" pitchFamily="34" charset="0"/>
+              </a:rPr>
+              <a:t> </a:t>
+            </a:r>
+            <a:r>
+              <a:rPr lang="en-US" sz="2400" b="0" i="0" dirty="0" err="1">
+                <a:effectLst/>
+                <a:latin typeface="Tahoma" panose="020B0604030504040204" pitchFamily="34" charset="0"/>
+                <a:ea typeface="Tahoma" panose="020B0604030504040204" pitchFamily="34" charset="0"/>
+                <a:cs typeface="Tahoma" panose="020B0604030504040204" pitchFamily="34" charset="0"/>
+              </a:rPr>
+              <a:t>nghỉ</a:t>
             </a:r>
             <a:br>
-              <a:rPr lang="en-US" sz="2400">
+              <a:rPr lang="en-US" sz="2400" dirty="0">
                 <a:latin typeface="Tahoma" panose="020B0604030504040204" pitchFamily="34" charset="0"/>
                 <a:ea typeface="Tahoma" panose="020B0604030504040204" pitchFamily="34" charset="0"/>
                 <a:cs typeface="Tahoma" panose="020B0604030504040204" pitchFamily="34" charset="0"/>
               </a:rPr>
             </a:br>
             <a:r>
-              <a:rPr lang="en-US" sz="2400" b="0" i="0">
+              <a:rPr lang="en-US" sz="2400" b="0" i="0" dirty="0">
                 <a:effectLst/>
                 <a:latin typeface="Tahoma" panose="020B0604030504040204" pitchFamily="34" charset="0"/>
                 <a:ea typeface="Tahoma" panose="020B0604030504040204" pitchFamily="34" charset="0"/>
                 <a:cs typeface="Tahoma" panose="020B0604030504040204" pitchFamily="34" charset="0"/>
               </a:rPr>
-              <a:t>- weekday : ngày trong tuần	</a:t>
+              <a:t>- weekday : </a:t>
+            </a:r>
+            <a:r>
+              <a:rPr lang="en-US" sz="2400" b="0" i="0" dirty="0" err="1">
+                <a:effectLst/>
+                <a:latin typeface="Tahoma" panose="020B0604030504040204" pitchFamily="34" charset="0"/>
+                <a:ea typeface="Tahoma" panose="020B0604030504040204" pitchFamily="34" charset="0"/>
+                <a:cs typeface="Tahoma" panose="020B0604030504040204" pitchFamily="34" charset="0"/>
+              </a:rPr>
+              <a:t>ngày</a:t>
+            </a:r>
+            <a:r>
+              <a:rPr lang="en-US" sz="2400" b="0" i="0" dirty="0">
+                <a:effectLst/>
+                <a:latin typeface="Tahoma" panose="020B0604030504040204" pitchFamily="34" charset="0"/>
+                <a:ea typeface="Tahoma" panose="020B0604030504040204" pitchFamily="34" charset="0"/>
+                <a:cs typeface="Tahoma" panose="020B0604030504040204" pitchFamily="34" charset="0"/>
+              </a:rPr>
+              <a:t> </a:t>
+            </a:r>
+            <a:r>
+              <a:rPr lang="en-US" sz="2400" b="0" i="0" dirty="0" err="1">
+                <a:effectLst/>
+                <a:latin typeface="Tahoma" panose="020B0604030504040204" pitchFamily="34" charset="0"/>
+                <a:ea typeface="Tahoma" panose="020B0604030504040204" pitchFamily="34" charset="0"/>
+                <a:cs typeface="Tahoma" panose="020B0604030504040204" pitchFamily="34" charset="0"/>
+              </a:rPr>
+              <a:t>trong</a:t>
+            </a:r>
+            <a:r>
+              <a:rPr lang="en-US" sz="2400" b="0" i="0" dirty="0">
+                <a:effectLst/>
+                <a:latin typeface="Tahoma" panose="020B0604030504040204" pitchFamily="34" charset="0"/>
+                <a:ea typeface="Tahoma" panose="020B0604030504040204" pitchFamily="34" charset="0"/>
+                <a:cs typeface="Tahoma" panose="020B0604030504040204" pitchFamily="34" charset="0"/>
+              </a:rPr>
+              <a:t> </a:t>
+            </a:r>
+            <a:r>
+              <a:rPr lang="en-US" sz="2400" b="0" i="0" dirty="0" err="1">
+                <a:effectLst/>
+                <a:latin typeface="Tahoma" panose="020B0604030504040204" pitchFamily="34" charset="0"/>
+                <a:ea typeface="Tahoma" panose="020B0604030504040204" pitchFamily="34" charset="0"/>
+                <a:cs typeface="Tahoma" panose="020B0604030504040204" pitchFamily="34" charset="0"/>
+              </a:rPr>
+              <a:t>tuần</a:t>
+            </a:r>
+            <a:r>
+              <a:rPr lang="en-US" sz="2400" b="0" i="0" dirty="0">
+                <a:effectLst/>
+                <a:latin typeface="Tahoma" panose="020B0604030504040204" pitchFamily="34" charset="0"/>
+                <a:ea typeface="Tahoma" panose="020B0604030504040204" pitchFamily="34" charset="0"/>
+                <a:cs typeface="Tahoma" panose="020B0604030504040204" pitchFamily="34" charset="0"/>
+              </a:rPr>
+              <a:t>	</a:t>
             </a:r>
             <a:br>
-              <a:rPr lang="en-US" sz="2400">
+              <a:rPr lang="en-US" sz="2400" dirty="0">
                 <a:latin typeface="Tahoma" panose="020B0604030504040204" pitchFamily="34" charset="0"/>
                 <a:ea typeface="Tahoma" panose="020B0604030504040204" pitchFamily="34" charset="0"/>
                 <a:cs typeface="Tahoma" panose="020B0604030504040204" pitchFamily="34" charset="0"/>
               </a:rPr>
             </a:br>
             <a:r>
-              <a:rPr lang="en-US" sz="2400" b="0" i="0">
+              <a:rPr lang="en-US" sz="2400" b="0" i="0" dirty="0">
                 <a:effectLst/>
                 <a:latin typeface="Tahoma" panose="020B0604030504040204" pitchFamily="34" charset="0"/>
                 <a:ea typeface="Tahoma" panose="020B0604030504040204" pitchFamily="34" charset="0"/>
                 <a:cs typeface="Tahoma" panose="020B0604030504040204" pitchFamily="34" charset="0"/>
               </a:rPr>
-              <a:t>- workingday : ngày làm việc</a:t>
-            </a:r>
-          </a:p>
-          <a:p>
-            <a:r>
-              <a:rPr lang="en-US" sz="2400" b="0" i="0">
+              <a:t>- </a:t>
+            </a:r>
+            <a:r>
+              <a:rPr lang="en-US" sz="2400" b="0" i="0" dirty="0" err="1">
                 <a:effectLst/>
                 <a:latin typeface="Tahoma" panose="020B0604030504040204" pitchFamily="34" charset="0"/>
                 <a:ea typeface="Tahoma" panose="020B0604030504040204" pitchFamily="34" charset="0"/>
                 <a:cs typeface="Tahoma" panose="020B0604030504040204" pitchFamily="34" charset="0"/>
               </a:rPr>
-              <a:t>- weathersit : thời tiết</a:t>
-            </a:r>
+              <a:t>workingday</a:t>
+            </a:r>
+            <a:r>
+              <a:rPr lang="en-US" sz="2400" b="0" i="0" dirty="0">
+                <a:effectLst/>
+                <a:latin typeface="Tahoma" panose="020B0604030504040204" pitchFamily="34" charset="0"/>
+                <a:ea typeface="Tahoma" panose="020B0604030504040204" pitchFamily="34" charset="0"/>
+                <a:cs typeface="Tahoma" panose="020B0604030504040204" pitchFamily="34" charset="0"/>
+              </a:rPr>
+              <a:t> : </a:t>
+            </a:r>
+            <a:r>
+              <a:rPr lang="en-US" sz="2400" b="0" i="0" dirty="0" err="1">
+                <a:effectLst/>
+                <a:latin typeface="Tahoma" panose="020B0604030504040204" pitchFamily="34" charset="0"/>
+                <a:ea typeface="Tahoma" panose="020B0604030504040204" pitchFamily="34" charset="0"/>
+                <a:cs typeface="Tahoma" panose="020B0604030504040204" pitchFamily="34" charset="0"/>
+              </a:rPr>
+              <a:t>ngày</a:t>
+            </a:r>
+            <a:r>
+              <a:rPr lang="en-US" sz="2400" b="0" i="0" dirty="0">
+                <a:effectLst/>
+                <a:latin typeface="Tahoma" panose="020B0604030504040204" pitchFamily="34" charset="0"/>
+                <a:ea typeface="Tahoma" panose="020B0604030504040204" pitchFamily="34" charset="0"/>
+                <a:cs typeface="Tahoma" panose="020B0604030504040204" pitchFamily="34" charset="0"/>
+              </a:rPr>
+              <a:t> </a:t>
+            </a:r>
+            <a:r>
+              <a:rPr lang="en-US" sz="2400" b="0" i="0" dirty="0" err="1">
+                <a:effectLst/>
+                <a:latin typeface="Tahoma" panose="020B0604030504040204" pitchFamily="34" charset="0"/>
+                <a:ea typeface="Tahoma" panose="020B0604030504040204" pitchFamily="34" charset="0"/>
+                <a:cs typeface="Tahoma" panose="020B0604030504040204" pitchFamily="34" charset="0"/>
+              </a:rPr>
+              <a:t>làm</a:t>
+            </a:r>
+            <a:r>
+              <a:rPr lang="en-US" sz="2400" b="0" i="0" dirty="0">
+                <a:effectLst/>
+                <a:latin typeface="Tahoma" panose="020B0604030504040204" pitchFamily="34" charset="0"/>
+                <a:ea typeface="Tahoma" panose="020B0604030504040204" pitchFamily="34" charset="0"/>
+                <a:cs typeface="Tahoma" panose="020B0604030504040204" pitchFamily="34" charset="0"/>
+              </a:rPr>
+              <a:t> </a:t>
+            </a:r>
+            <a:r>
+              <a:rPr lang="en-US" sz="2400" b="0" i="0" dirty="0" err="1">
+                <a:effectLst/>
+                <a:latin typeface="Tahoma" panose="020B0604030504040204" pitchFamily="34" charset="0"/>
+                <a:ea typeface="Tahoma" panose="020B0604030504040204" pitchFamily="34" charset="0"/>
+                <a:cs typeface="Tahoma" panose="020B0604030504040204" pitchFamily="34" charset="0"/>
+              </a:rPr>
+              <a:t>việc</a:t>
+            </a:r>
+            <a:endParaRPr lang="en-US" sz="2400" b="0" i="0" dirty="0">
+              <a:effectLst/>
+              <a:latin typeface="Tahoma" panose="020B0604030504040204" pitchFamily="34" charset="0"/>
+              <a:ea typeface="Tahoma" panose="020B0604030504040204" pitchFamily="34" charset="0"/>
+              <a:cs typeface="Tahoma" panose="020B0604030504040204" pitchFamily="34" charset="0"/>
+            </a:endParaRPr>
+          </a:p>
+          <a:p>
+            <a:r>
+              <a:rPr lang="en-US" sz="2400" b="0" i="0" dirty="0">
+                <a:effectLst/>
+                <a:latin typeface="Tahoma" panose="020B0604030504040204" pitchFamily="34" charset="0"/>
+                <a:ea typeface="Tahoma" panose="020B0604030504040204" pitchFamily="34" charset="0"/>
+                <a:cs typeface="Tahoma" panose="020B0604030504040204" pitchFamily="34" charset="0"/>
+              </a:rPr>
+              <a:t>- </a:t>
+            </a:r>
+            <a:r>
+              <a:rPr lang="en-US" sz="2400" b="0" i="0" dirty="0" err="1">
+                <a:effectLst/>
+                <a:latin typeface="Tahoma" panose="020B0604030504040204" pitchFamily="34" charset="0"/>
+                <a:ea typeface="Tahoma" panose="020B0604030504040204" pitchFamily="34" charset="0"/>
+                <a:cs typeface="Tahoma" panose="020B0604030504040204" pitchFamily="34" charset="0"/>
+              </a:rPr>
+              <a:t>weathersit</a:t>
+            </a:r>
+            <a:r>
+              <a:rPr lang="en-US" sz="2400" b="0" i="0" dirty="0">
+                <a:effectLst/>
+                <a:latin typeface="Tahoma" panose="020B0604030504040204" pitchFamily="34" charset="0"/>
+                <a:ea typeface="Tahoma" panose="020B0604030504040204" pitchFamily="34" charset="0"/>
+                <a:cs typeface="Tahoma" panose="020B0604030504040204" pitchFamily="34" charset="0"/>
+              </a:rPr>
+              <a:t> : </a:t>
+            </a:r>
+            <a:r>
+              <a:rPr lang="en-US" sz="2400" b="0" i="0" dirty="0" err="1">
+                <a:effectLst/>
+                <a:latin typeface="Tahoma" panose="020B0604030504040204" pitchFamily="34" charset="0"/>
+                <a:ea typeface="Tahoma" panose="020B0604030504040204" pitchFamily="34" charset="0"/>
+                <a:cs typeface="Tahoma" panose="020B0604030504040204" pitchFamily="34" charset="0"/>
+              </a:rPr>
+              <a:t>thời</a:t>
+            </a:r>
+            <a:r>
+              <a:rPr lang="en-US" sz="2400" b="0" i="0" dirty="0">
+                <a:effectLst/>
+                <a:latin typeface="Tahoma" panose="020B0604030504040204" pitchFamily="34" charset="0"/>
+                <a:ea typeface="Tahoma" panose="020B0604030504040204" pitchFamily="34" charset="0"/>
+                <a:cs typeface="Tahoma" panose="020B0604030504040204" pitchFamily="34" charset="0"/>
+              </a:rPr>
+              <a:t> </a:t>
+            </a:r>
+            <a:r>
+              <a:rPr lang="en-US" sz="2400" b="0" i="0" dirty="0" err="1">
+                <a:effectLst/>
+                <a:latin typeface="Tahoma" panose="020B0604030504040204" pitchFamily="34" charset="0"/>
+                <a:ea typeface="Tahoma" panose="020B0604030504040204" pitchFamily="34" charset="0"/>
+                <a:cs typeface="Tahoma" panose="020B0604030504040204" pitchFamily="34" charset="0"/>
+              </a:rPr>
+              <a:t>tiết</a:t>
+            </a:r>
+            <a:endParaRPr lang="en-US" sz="2400" b="0" i="0" dirty="0">
+              <a:effectLst/>
+              <a:latin typeface="Tahoma" panose="020B0604030504040204" pitchFamily="34" charset="0"/>
+              <a:ea typeface="Tahoma" panose="020B0604030504040204" pitchFamily="34" charset="0"/>
+              <a:cs typeface="Tahoma" panose="020B0604030504040204" pitchFamily="34" charset="0"/>
+            </a:endParaRPr>
           </a:p>
         </p:txBody>
       </p:sp>
@@ -5686,60 +8133,264 @@
           <a:lstStyle/>
           <a:p>
             <a:r>
-              <a:rPr lang="en-US" sz="2400" b="0" i="0">
+              <a:rPr lang="en-US" sz="2400" b="0" i="0" dirty="0">
                 <a:effectLst/>
                 <a:latin typeface="Tahoma" panose="020B0604030504040204" pitchFamily="34" charset="0"/>
                 <a:ea typeface="Tahoma" panose="020B0604030504040204" pitchFamily="34" charset="0"/>
                 <a:cs typeface="Tahoma" panose="020B0604030504040204" pitchFamily="34" charset="0"/>
               </a:rPr>
-              <a:t>- temp : nhiệt độ</a:t>
-            </a:r>
-          </a:p>
-          <a:p>
-            <a:r>
-              <a:rPr lang="en-US" sz="2400" b="0" i="0">
+              <a:t>- temp : </a:t>
+            </a:r>
+            <a:r>
+              <a:rPr lang="en-US" sz="2400" b="0" i="0" dirty="0" err="1">
                 <a:effectLst/>
                 <a:latin typeface="Tahoma" panose="020B0604030504040204" pitchFamily="34" charset="0"/>
                 <a:ea typeface="Tahoma" panose="020B0604030504040204" pitchFamily="34" charset="0"/>
                 <a:cs typeface="Tahoma" panose="020B0604030504040204" pitchFamily="34" charset="0"/>
               </a:rPr>
-              <a:t>- atemp: nhiệt độ cảm giác</a:t>
-            </a:r>
-          </a:p>
-          <a:p>
-            <a:r>
-              <a:rPr lang="en-US" sz="2400" b="0" i="0">
+              <a:t>nhiệt</a:t>
+            </a:r>
+            <a:r>
+              <a:rPr lang="en-US" sz="2400" b="0" i="0" dirty="0">
                 <a:effectLst/>
                 <a:latin typeface="Tahoma" panose="020B0604030504040204" pitchFamily="34" charset="0"/>
                 <a:ea typeface="Tahoma" panose="020B0604030504040204" pitchFamily="34" charset="0"/>
                 <a:cs typeface="Tahoma" panose="020B0604030504040204" pitchFamily="34" charset="0"/>
               </a:rPr>
-              <a:t>- hum: độ ẩm</a:t>
-            </a:r>
-          </a:p>
-          <a:p>
-            <a:r>
-              <a:rPr lang="en-US" sz="2400" b="0" i="0">
+              <a:t> </a:t>
+            </a:r>
+            <a:r>
+              <a:rPr lang="en-US" sz="2400" b="0" i="0" dirty="0" err="1">
                 <a:effectLst/>
                 <a:latin typeface="Tahoma" panose="020B0604030504040204" pitchFamily="34" charset="0"/>
                 <a:ea typeface="Tahoma" panose="020B0604030504040204" pitchFamily="34" charset="0"/>
                 <a:cs typeface="Tahoma" panose="020B0604030504040204" pitchFamily="34" charset="0"/>
               </a:rPr>
-              <a:t>- windspeed: tốc độ gió</a:t>
-            </a:r>
-          </a:p>
-          <a:p>
-            <a:r>
-              <a:rPr lang="en-US" sz="2400" b="0" i="0">
+              <a:t>độ</a:t>
+            </a:r>
+            <a:endParaRPr lang="en-US" sz="2400" b="0" i="0" dirty="0">
+              <a:effectLst/>
+              <a:latin typeface="Tahoma" panose="020B0604030504040204" pitchFamily="34" charset="0"/>
+              <a:ea typeface="Tahoma" panose="020B0604030504040204" pitchFamily="34" charset="0"/>
+              <a:cs typeface="Tahoma" panose="020B0604030504040204" pitchFamily="34" charset="0"/>
+            </a:endParaRPr>
+          </a:p>
+          <a:p>
+            <a:r>
+              <a:rPr lang="en-US" sz="2400" b="0" i="0" dirty="0">
                 <a:effectLst/>
                 <a:latin typeface="Tahoma" panose="020B0604030504040204" pitchFamily="34" charset="0"/>
                 <a:ea typeface="Tahoma" panose="020B0604030504040204" pitchFamily="34" charset="0"/>
                 <a:cs typeface="Tahoma" panose="020B0604030504040204" pitchFamily="34" charset="0"/>
               </a:rPr>
+              <a:t>- </a:t>
+            </a:r>
+            <a:r>
+              <a:rPr lang="en-US" sz="2400" b="0" i="0" dirty="0" err="1">
+                <a:effectLst/>
+                <a:latin typeface="Tahoma" panose="020B0604030504040204" pitchFamily="34" charset="0"/>
+                <a:ea typeface="Tahoma" panose="020B0604030504040204" pitchFamily="34" charset="0"/>
+                <a:cs typeface="Tahoma" panose="020B0604030504040204" pitchFamily="34" charset="0"/>
+              </a:rPr>
+              <a:t>atemp</a:t>
+            </a:r>
+            <a:r>
+              <a:rPr lang="en-US" sz="2400" b="0" i="0" dirty="0">
+                <a:effectLst/>
+                <a:latin typeface="Tahoma" panose="020B0604030504040204" pitchFamily="34" charset="0"/>
+                <a:ea typeface="Tahoma" panose="020B0604030504040204" pitchFamily="34" charset="0"/>
+                <a:cs typeface="Tahoma" panose="020B0604030504040204" pitchFamily="34" charset="0"/>
+              </a:rPr>
+              <a:t>: </a:t>
+            </a:r>
+            <a:r>
+              <a:rPr lang="en-US" sz="2400" b="0" i="0" dirty="0" err="1">
+                <a:effectLst/>
+                <a:latin typeface="Tahoma" panose="020B0604030504040204" pitchFamily="34" charset="0"/>
+                <a:ea typeface="Tahoma" panose="020B0604030504040204" pitchFamily="34" charset="0"/>
+                <a:cs typeface="Tahoma" panose="020B0604030504040204" pitchFamily="34" charset="0"/>
+              </a:rPr>
+              <a:t>nhiệt</a:t>
+            </a:r>
+            <a:r>
+              <a:rPr lang="en-US" sz="2400" b="0" i="0" dirty="0">
+                <a:effectLst/>
+                <a:latin typeface="Tahoma" panose="020B0604030504040204" pitchFamily="34" charset="0"/>
+                <a:ea typeface="Tahoma" panose="020B0604030504040204" pitchFamily="34" charset="0"/>
+                <a:cs typeface="Tahoma" panose="020B0604030504040204" pitchFamily="34" charset="0"/>
+              </a:rPr>
+              <a:t> </a:t>
+            </a:r>
+            <a:r>
+              <a:rPr lang="en-US" sz="2400" b="0" i="0" dirty="0" err="1">
+                <a:effectLst/>
+                <a:latin typeface="Tahoma" panose="020B0604030504040204" pitchFamily="34" charset="0"/>
+                <a:ea typeface="Tahoma" panose="020B0604030504040204" pitchFamily="34" charset="0"/>
+                <a:cs typeface="Tahoma" panose="020B0604030504040204" pitchFamily="34" charset="0"/>
+              </a:rPr>
+              <a:t>độ</a:t>
+            </a:r>
+            <a:r>
+              <a:rPr lang="en-US" sz="2400" b="0" i="0" dirty="0">
+                <a:effectLst/>
+                <a:latin typeface="Tahoma" panose="020B0604030504040204" pitchFamily="34" charset="0"/>
+                <a:ea typeface="Tahoma" panose="020B0604030504040204" pitchFamily="34" charset="0"/>
+                <a:cs typeface="Tahoma" panose="020B0604030504040204" pitchFamily="34" charset="0"/>
+              </a:rPr>
+              <a:t> </a:t>
+            </a:r>
+            <a:r>
+              <a:rPr lang="en-US" sz="2400" b="0" i="0" dirty="0" err="1">
+                <a:effectLst/>
+                <a:latin typeface="Tahoma" panose="020B0604030504040204" pitchFamily="34" charset="0"/>
+                <a:ea typeface="Tahoma" panose="020B0604030504040204" pitchFamily="34" charset="0"/>
+                <a:cs typeface="Tahoma" panose="020B0604030504040204" pitchFamily="34" charset="0"/>
+              </a:rPr>
+              <a:t>cảm</a:t>
+            </a:r>
+            <a:r>
+              <a:rPr lang="en-US" sz="2400" b="0" i="0" dirty="0">
+                <a:effectLst/>
+                <a:latin typeface="Tahoma" panose="020B0604030504040204" pitchFamily="34" charset="0"/>
+                <a:ea typeface="Tahoma" panose="020B0604030504040204" pitchFamily="34" charset="0"/>
+                <a:cs typeface="Tahoma" panose="020B0604030504040204" pitchFamily="34" charset="0"/>
+              </a:rPr>
+              <a:t> </a:t>
+            </a:r>
+            <a:r>
+              <a:rPr lang="en-US" sz="2400" b="0" i="0" dirty="0" err="1">
+                <a:effectLst/>
+                <a:latin typeface="Tahoma" panose="020B0604030504040204" pitchFamily="34" charset="0"/>
+                <a:ea typeface="Tahoma" panose="020B0604030504040204" pitchFamily="34" charset="0"/>
+                <a:cs typeface="Tahoma" panose="020B0604030504040204" pitchFamily="34" charset="0"/>
+              </a:rPr>
+              <a:t>giác</a:t>
+            </a:r>
+            <a:endParaRPr lang="en-US" sz="2400" b="0" i="0" dirty="0">
+              <a:effectLst/>
+              <a:latin typeface="Tahoma" panose="020B0604030504040204" pitchFamily="34" charset="0"/>
+              <a:ea typeface="Tahoma" panose="020B0604030504040204" pitchFamily="34" charset="0"/>
+              <a:cs typeface="Tahoma" panose="020B0604030504040204" pitchFamily="34" charset="0"/>
+            </a:endParaRPr>
+          </a:p>
+          <a:p>
+            <a:r>
+              <a:rPr lang="en-US" sz="2400" b="0" i="0" dirty="0">
+                <a:effectLst/>
+                <a:latin typeface="Tahoma" panose="020B0604030504040204" pitchFamily="34" charset="0"/>
+                <a:ea typeface="Tahoma" panose="020B0604030504040204" pitchFamily="34" charset="0"/>
+                <a:cs typeface="Tahoma" panose="020B0604030504040204" pitchFamily="34" charset="0"/>
+              </a:rPr>
+              <a:t>- hum: </a:t>
+            </a:r>
+            <a:r>
+              <a:rPr lang="en-US" sz="2400" b="0" i="0" dirty="0" err="1">
+                <a:effectLst/>
+                <a:latin typeface="Tahoma" panose="020B0604030504040204" pitchFamily="34" charset="0"/>
+                <a:ea typeface="Tahoma" panose="020B0604030504040204" pitchFamily="34" charset="0"/>
+                <a:cs typeface="Tahoma" panose="020B0604030504040204" pitchFamily="34" charset="0"/>
+              </a:rPr>
+              <a:t>độ</a:t>
+            </a:r>
+            <a:r>
+              <a:rPr lang="en-US" sz="2400" b="0" i="0" dirty="0">
+                <a:effectLst/>
+                <a:latin typeface="Tahoma" panose="020B0604030504040204" pitchFamily="34" charset="0"/>
+                <a:ea typeface="Tahoma" panose="020B0604030504040204" pitchFamily="34" charset="0"/>
+                <a:cs typeface="Tahoma" panose="020B0604030504040204" pitchFamily="34" charset="0"/>
+              </a:rPr>
+              <a:t> </a:t>
+            </a:r>
+            <a:r>
+              <a:rPr lang="en-US" sz="2400" b="0" i="0" dirty="0" err="1">
+                <a:effectLst/>
+                <a:latin typeface="Tahoma" panose="020B0604030504040204" pitchFamily="34" charset="0"/>
+                <a:ea typeface="Tahoma" panose="020B0604030504040204" pitchFamily="34" charset="0"/>
+                <a:cs typeface="Tahoma" panose="020B0604030504040204" pitchFamily="34" charset="0"/>
+              </a:rPr>
+              <a:t>ẩm</a:t>
+            </a:r>
+            <a:endParaRPr lang="en-US" sz="2400" b="0" i="0" dirty="0">
+              <a:effectLst/>
+              <a:latin typeface="Tahoma" panose="020B0604030504040204" pitchFamily="34" charset="0"/>
+              <a:ea typeface="Tahoma" panose="020B0604030504040204" pitchFamily="34" charset="0"/>
+              <a:cs typeface="Tahoma" panose="020B0604030504040204" pitchFamily="34" charset="0"/>
+            </a:endParaRPr>
+          </a:p>
+          <a:p>
+            <a:r>
+              <a:rPr lang="en-US" sz="2400" b="0" i="0" dirty="0">
+                <a:effectLst/>
+                <a:latin typeface="Tahoma" panose="020B0604030504040204" pitchFamily="34" charset="0"/>
+                <a:ea typeface="Tahoma" panose="020B0604030504040204" pitchFamily="34" charset="0"/>
+                <a:cs typeface="Tahoma" panose="020B0604030504040204" pitchFamily="34" charset="0"/>
+              </a:rPr>
+              <a:t>- windspeed: </a:t>
+            </a:r>
+            <a:r>
+              <a:rPr lang="en-US" sz="2400" b="0" i="0" dirty="0" err="1">
+                <a:effectLst/>
+                <a:latin typeface="Tahoma" panose="020B0604030504040204" pitchFamily="34" charset="0"/>
+                <a:ea typeface="Tahoma" panose="020B0604030504040204" pitchFamily="34" charset="0"/>
+                <a:cs typeface="Tahoma" panose="020B0604030504040204" pitchFamily="34" charset="0"/>
+              </a:rPr>
+              <a:t>tốc</a:t>
+            </a:r>
+            <a:r>
+              <a:rPr lang="en-US" sz="2400" b="0" i="0" dirty="0">
+                <a:effectLst/>
+                <a:latin typeface="Tahoma" panose="020B0604030504040204" pitchFamily="34" charset="0"/>
+                <a:ea typeface="Tahoma" panose="020B0604030504040204" pitchFamily="34" charset="0"/>
+                <a:cs typeface="Tahoma" panose="020B0604030504040204" pitchFamily="34" charset="0"/>
+              </a:rPr>
+              <a:t> </a:t>
+            </a:r>
+            <a:r>
+              <a:rPr lang="en-US" sz="2400" b="0" i="0" dirty="0" err="1">
+                <a:effectLst/>
+                <a:latin typeface="Tahoma" panose="020B0604030504040204" pitchFamily="34" charset="0"/>
+                <a:ea typeface="Tahoma" panose="020B0604030504040204" pitchFamily="34" charset="0"/>
+                <a:cs typeface="Tahoma" panose="020B0604030504040204" pitchFamily="34" charset="0"/>
+              </a:rPr>
+              <a:t>độ</a:t>
+            </a:r>
+            <a:r>
+              <a:rPr lang="en-US" sz="2400" b="0" i="0" dirty="0">
+                <a:effectLst/>
+                <a:latin typeface="Tahoma" panose="020B0604030504040204" pitchFamily="34" charset="0"/>
+                <a:ea typeface="Tahoma" panose="020B0604030504040204" pitchFamily="34" charset="0"/>
+                <a:cs typeface="Tahoma" panose="020B0604030504040204" pitchFamily="34" charset="0"/>
+              </a:rPr>
+              <a:t> </a:t>
+            </a:r>
+            <a:r>
+              <a:rPr lang="en-US" sz="2400" b="0" i="0" dirty="0" err="1">
+                <a:effectLst/>
+                <a:latin typeface="Tahoma" panose="020B0604030504040204" pitchFamily="34" charset="0"/>
+                <a:ea typeface="Tahoma" panose="020B0604030504040204" pitchFamily="34" charset="0"/>
+                <a:cs typeface="Tahoma" panose="020B0604030504040204" pitchFamily="34" charset="0"/>
+              </a:rPr>
+              <a:t>gió</a:t>
+            </a:r>
+            <a:endParaRPr lang="en-US" sz="2400" b="0" i="0" dirty="0">
+              <a:effectLst/>
+              <a:latin typeface="Tahoma" panose="020B0604030504040204" pitchFamily="34" charset="0"/>
+              <a:ea typeface="Tahoma" panose="020B0604030504040204" pitchFamily="34" charset="0"/>
+              <a:cs typeface="Tahoma" panose="020B0604030504040204" pitchFamily="34" charset="0"/>
+            </a:endParaRPr>
+          </a:p>
+          <a:p>
+            <a:r>
+              <a:rPr lang="en-US" sz="2400" b="0" i="0" dirty="0">
+                <a:effectLst/>
+                <a:latin typeface="Tahoma" panose="020B0604030504040204" pitchFamily="34" charset="0"/>
+                <a:ea typeface="Tahoma" panose="020B0604030504040204" pitchFamily="34" charset="0"/>
+                <a:cs typeface="Tahoma" panose="020B0604030504040204" pitchFamily="34" charset="0"/>
+              </a:rPr>
               <a:t>- casual: </a:t>
             </a:r>
             <a:r>
-              <a:rPr lang="vi-VN" sz="2400" b="0" i="0">
+              <a:rPr lang="vi-VN" sz="2400" b="0" i="0" dirty="0">
                 <a:effectLst/>
                 <a:latin typeface="Tahoma" panose="020B0604030504040204" pitchFamily="34" charset="0"/>
                 <a:ea typeface="Tahoma" panose="020B0604030504040204" pitchFamily="34" charset="0"/>
@@ -5748,14 +8399,14 @@
               <a:t>số lượng người dùng bình thường‎</a:t>
             </a:r>
             <a:br>
-              <a:rPr lang="en-US" sz="2400">
+              <a:rPr lang="en-US" sz="2400" dirty="0">
                 <a:latin typeface="Tahoma" panose="020B0604030504040204" pitchFamily="34" charset="0"/>
                 <a:ea typeface="Tahoma" panose="020B0604030504040204" pitchFamily="34" charset="0"/>
                 <a:cs typeface="Tahoma" panose="020B0604030504040204" pitchFamily="34" charset="0"/>
               </a:rPr>
             </a:br>
             <a:r>
-              <a:rPr lang="en-US" sz="2400">
+              <a:rPr lang="en-US" sz="2400" dirty="0">
                 <a:latin typeface="Tahoma" panose="020B0604030504040204" pitchFamily="34" charset="0"/>
                 <a:ea typeface="Tahoma" panose="020B0604030504040204" pitchFamily="34" charset="0"/>
                 <a:cs typeface="Tahoma" panose="020B0604030504040204" pitchFamily="34" charset="0"/>
@@ -5763,7 +8414,7 @@
               <a:t>- </a:t>
             </a:r>
             <a:r>
-              <a:rPr lang="en-US" sz="2400" b="0" i="0">
+              <a:rPr lang="en-US" sz="2400" b="0" i="0" dirty="0">
                 <a:effectLst/>
                 <a:latin typeface="Tahoma" panose="020B0604030504040204" pitchFamily="34" charset="0"/>
                 <a:ea typeface="Tahoma" panose="020B0604030504040204" pitchFamily="34" charset="0"/>
@@ -5772,7 +8423,7 @@
               <a:t>registered: s</a:t>
             </a:r>
             <a:r>
-              <a:rPr lang="vi-VN" sz="2400" b="0" i="0">
+              <a:rPr lang="vi-VN" sz="2400" b="0" i="0" dirty="0">
                 <a:effectLst/>
                 <a:latin typeface="Tahoma" panose="020B0604030504040204" pitchFamily="34" charset="0"/>
                 <a:ea typeface="Tahoma" panose="020B0604030504040204" pitchFamily="34" charset="0"/>
@@ -5781,14 +8432,14 @@
               <a:t>ố lượng người dùng đã đăng ký</a:t>
             </a:r>
             <a:br>
-              <a:rPr lang="en-US" sz="2400">
+              <a:rPr lang="en-US" sz="2400" dirty="0">
                 <a:latin typeface="Tahoma" panose="020B0604030504040204" pitchFamily="34" charset="0"/>
                 <a:ea typeface="Tahoma" panose="020B0604030504040204" pitchFamily="34" charset="0"/>
                 <a:cs typeface="Tahoma" panose="020B0604030504040204" pitchFamily="34" charset="0"/>
               </a:rPr>
             </a:br>
             <a:r>
-              <a:rPr lang="en-US" sz="2400">
+              <a:rPr lang="en-US" sz="2400" dirty="0">
                 <a:latin typeface="Tahoma" panose="020B0604030504040204" pitchFamily="34" charset="0"/>
                 <a:ea typeface="Tahoma" panose="020B0604030504040204" pitchFamily="34" charset="0"/>
                 <a:cs typeface="Tahoma" panose="020B0604030504040204" pitchFamily="34" charset="0"/>
@@ -5796,25 +8447,34 @@
               <a:t>- </a:t>
             </a:r>
             <a:r>
-              <a:rPr lang="en-US" sz="2400" b="0" i="0">
+              <a:rPr lang="en-US" sz="2400" b="0" i="0" dirty="0" err="1">
                 <a:effectLst/>
                 <a:latin typeface="Tahoma" panose="020B0604030504040204" pitchFamily="34" charset="0"/>
                 <a:ea typeface="Tahoma" panose="020B0604030504040204" pitchFamily="34" charset="0"/>
                 <a:cs typeface="Tahoma" panose="020B0604030504040204" pitchFamily="34" charset="0"/>
               </a:rPr>
-              <a:t>cnt: </a:t>
-            </a:r>
-            <a:r>
-              <a:rPr lang="vi-VN" sz="2400" b="0" i="0">
+              <a:t>cnt</a:t>
+            </a:r>
+            <a:r>
+              <a:rPr lang="en-US" sz="2400" b="0" i="0" dirty="0">
                 <a:effectLst/>
                 <a:latin typeface="Tahoma" panose="020B0604030504040204" pitchFamily="34" charset="0"/>
                 <a:ea typeface="Tahoma" panose="020B0604030504040204" pitchFamily="34" charset="0"/>
                 <a:cs typeface="Tahoma" panose="020B0604030504040204" pitchFamily="34" charset="0"/>
               </a:rPr>
+              <a:t>: </a:t>
+            </a:r>
+            <a:r>
+              <a:rPr lang="vi-VN" sz="2400" b="0" i="0" dirty="0">
+                <a:effectLst/>
+                <a:latin typeface="Tahoma" panose="020B0604030504040204" pitchFamily="34" charset="0"/>
+                <a:ea typeface="Tahoma" panose="020B0604030504040204" pitchFamily="34" charset="0"/>
+                <a:cs typeface="Tahoma" panose="020B0604030504040204" pitchFamily="34" charset="0"/>
+              </a:rPr>
               <a:t>‎tổng số xe đạp cho thuê bao </a:t>
             </a:r>
             <a:r>
-              <a:rPr lang="en-US" sz="2400" b="0" i="0">
+              <a:rPr lang="en-US" sz="2400" b="0" i="0" dirty="0">
                 <a:effectLst/>
                 <a:latin typeface="Tahoma" panose="020B0604030504040204" pitchFamily="34" charset="0"/>
                 <a:ea typeface="Tahoma" panose="020B0604030504040204" pitchFamily="34" charset="0"/>
@@ -5823,7 +8483,7 @@
               <a:t>(</a:t>
             </a:r>
             <a:r>
-              <a:rPr lang="vi-VN" sz="2400" b="0" i="0">
+              <a:rPr lang="vi-VN" sz="2400" b="0" i="0" dirty="0">
                 <a:effectLst/>
                 <a:latin typeface="Tahoma" panose="020B0604030504040204" pitchFamily="34" charset="0"/>
                 <a:ea typeface="Tahoma" panose="020B0604030504040204" pitchFamily="34" charset="0"/>
@@ -5832,7 +8492,7 @@
               <a:t>bình thường và đăng ký‎</a:t>
             </a:r>
             <a:r>
-              <a:rPr lang="en-US" sz="2400" b="0" i="0">
+              <a:rPr lang="en-US" sz="2400" b="0" i="0" dirty="0">
                 <a:effectLst/>
                 <a:latin typeface="Tahoma" panose="020B0604030504040204" pitchFamily="34" charset="0"/>
                 <a:ea typeface="Tahoma" panose="020B0604030504040204" pitchFamily="34" charset="0"/>
@@ -5840,7 +8500,7 @@
               </a:rPr>
               <a:t>)</a:t>
             </a:r>
-            <a:endParaRPr lang="en-US" sz="2400">
+            <a:endParaRPr lang="en-US" sz="2400" dirty="0">
               <a:latin typeface="Tahoma" panose="020B0604030504040204" pitchFamily="34" charset="0"/>
               <a:ea typeface="Tahoma" panose="020B0604030504040204" pitchFamily="34" charset="0"/>
               <a:cs typeface="Tahoma" panose="020B0604030504040204" pitchFamily="34" charset="0"/>
@@ -5884,6 +8544,300 @@
           </a:prstGeom>
         </p:spPr>
       </p:pic>
+      <p:sp>
+        <p:nvSpPr>
+          <p:cNvPr id="8" name="TextBox 7">
+            <a:extLst>
+              <a:ext uri="{FF2B5EF4-FFF2-40B4-BE49-F238E27FC236}">
+                <a16:creationId xmlns:a16="http://schemas.microsoft.com/office/drawing/2014/main" id="{7B86114E-E2C9-4678-977F-0E121BD24CCF}"/>
+              </a:ext>
+            </a:extLst>
+          </p:cNvPr>
+          <p:cNvSpPr txBox="1"/>
+          <p:nvPr/>
+        </p:nvSpPr>
+        <p:spPr>
+          <a:xfrm>
+            <a:off x="1451438" y="529867"/>
+            <a:ext cx="4203988" cy="584775"/>
+          </a:xfrm>
+          <a:prstGeom prst="rect">
+            <a:avLst/>
+          </a:prstGeom>
+          <a:noFill/>
+        </p:spPr>
+        <p:txBody>
+          <a:bodyPr wrap="square">
+            <a:spAutoFit/>
+          </a:bodyPr>
+          <a:lstStyle/>
+          <a:p>
+            <a:r>
+              <a:rPr lang="en-US" sz="3200" b="1" dirty="0" err="1">
+                <a:solidFill>
+                  <a:srgbClr val="263F88"/>
+                </a:solidFill>
+                <a:latin typeface="Times New Roman" panose="02020603050405020304" pitchFamily="18" charset="0"/>
+                <a:cs typeface="Times New Roman" panose="02020603050405020304" pitchFamily="18" charset="0"/>
+              </a:rPr>
+              <a:t>Thông</a:t>
+            </a:r>
+            <a:r>
+              <a:rPr lang="en-US" sz="3200" b="1" dirty="0">
+                <a:solidFill>
+                  <a:srgbClr val="263F88"/>
+                </a:solidFill>
+                <a:latin typeface="Times New Roman" panose="02020603050405020304" pitchFamily="18" charset="0"/>
+                <a:cs typeface="Times New Roman" panose="02020603050405020304" pitchFamily="18" charset="0"/>
+              </a:rPr>
+              <a:t> tin </a:t>
+            </a:r>
+            <a:r>
+              <a:rPr lang="en-US" sz="3200" b="1" dirty="0" err="1">
+                <a:solidFill>
+                  <a:srgbClr val="263F88"/>
+                </a:solidFill>
+                <a:latin typeface="Times New Roman" panose="02020603050405020304" pitchFamily="18" charset="0"/>
+                <a:cs typeface="Times New Roman" panose="02020603050405020304" pitchFamily="18" charset="0"/>
+              </a:rPr>
+              <a:t>thuộc</a:t>
+            </a:r>
+            <a:r>
+              <a:rPr lang="en-US" sz="3200" b="1" dirty="0">
+                <a:solidFill>
+                  <a:srgbClr val="263F88"/>
+                </a:solidFill>
+                <a:latin typeface="Times New Roman" panose="02020603050405020304" pitchFamily="18" charset="0"/>
+                <a:cs typeface="Times New Roman" panose="02020603050405020304" pitchFamily="18" charset="0"/>
+              </a:rPr>
+              <a:t> </a:t>
+            </a:r>
+            <a:r>
+              <a:rPr lang="en-US" sz="3200" b="1" dirty="0" err="1">
+                <a:solidFill>
+                  <a:srgbClr val="263F88"/>
+                </a:solidFill>
+                <a:latin typeface="Times New Roman" panose="02020603050405020304" pitchFamily="18" charset="0"/>
+                <a:cs typeface="Times New Roman" panose="02020603050405020304" pitchFamily="18" charset="0"/>
+              </a:rPr>
+              <a:t>tính</a:t>
+            </a:r>
+            <a:endParaRPr lang="en-US" sz="3200" dirty="0">
+              <a:solidFill>
+                <a:srgbClr val="263F88"/>
+              </a:solidFill>
+            </a:endParaRPr>
+          </a:p>
+        </p:txBody>
+      </p:sp>
+      <p:sp>
+        <p:nvSpPr>
+          <p:cNvPr id="3" name="TextBox 2">
+            <a:extLst>
+              <a:ext uri="{FF2B5EF4-FFF2-40B4-BE49-F238E27FC236}">
+                <a16:creationId xmlns:a16="http://schemas.microsoft.com/office/drawing/2014/main" id="{A6A2D79A-B5A1-4D38-BD49-59EF44FDDD3D}"/>
+              </a:ext>
+            </a:extLst>
+          </p:cNvPr>
+          <p:cNvSpPr txBox="1"/>
+          <p:nvPr/>
+        </p:nvSpPr>
+        <p:spPr>
+          <a:xfrm>
+            <a:off x="5215944" y="1319972"/>
+            <a:ext cx="5355953" cy="369332"/>
+          </a:xfrm>
+          <a:prstGeom prst="rect">
+            <a:avLst/>
+          </a:prstGeom>
+          <a:noFill/>
+        </p:spPr>
+        <p:txBody>
+          <a:bodyPr wrap="none" rtlCol="0">
+            <a:spAutoFit/>
+          </a:bodyPr>
+          <a:lstStyle/>
+          <a:p>
+            <a:r>
+              <a:rPr lang="en-US" b="1" dirty="0" err="1">
+                <a:solidFill>
+                  <a:srgbClr val="FF0000"/>
+                </a:solidFill>
+                <a:latin typeface="Times New Roman" panose="02020603050405020304" pitchFamily="18" charset="0"/>
+                <a:cs typeface="Times New Roman" panose="02020603050405020304" pitchFamily="18" charset="0"/>
+              </a:rPr>
+              <a:t>Chuyển</a:t>
+            </a:r>
+            <a:r>
+              <a:rPr lang="en-US" b="1" dirty="0">
+                <a:solidFill>
+                  <a:srgbClr val="FF0000"/>
+                </a:solidFill>
+                <a:latin typeface="Times New Roman" panose="02020603050405020304" pitchFamily="18" charset="0"/>
+                <a:cs typeface="Times New Roman" panose="02020603050405020304" pitchFamily="18" charset="0"/>
+              </a:rPr>
+              <a:t> </a:t>
+            </a:r>
+            <a:r>
+              <a:rPr lang="en-US" b="1" dirty="0" err="1">
+                <a:solidFill>
+                  <a:srgbClr val="FF0000"/>
+                </a:solidFill>
+                <a:latin typeface="Times New Roman" panose="02020603050405020304" pitchFamily="18" charset="0"/>
+                <a:cs typeface="Times New Roman" panose="02020603050405020304" pitchFamily="18" charset="0"/>
+              </a:rPr>
+              <a:t>cái</a:t>
+            </a:r>
+            <a:r>
+              <a:rPr lang="en-US" b="1" dirty="0">
+                <a:solidFill>
+                  <a:srgbClr val="FF0000"/>
+                </a:solidFill>
+                <a:latin typeface="Times New Roman" panose="02020603050405020304" pitchFamily="18" charset="0"/>
+                <a:cs typeface="Times New Roman" panose="02020603050405020304" pitchFamily="18" charset="0"/>
+              </a:rPr>
+              <a:t> </a:t>
+            </a:r>
+            <a:r>
+              <a:rPr lang="en-US" b="1" dirty="0" err="1">
+                <a:solidFill>
+                  <a:srgbClr val="FF0000"/>
+                </a:solidFill>
+                <a:latin typeface="Times New Roman" panose="02020603050405020304" pitchFamily="18" charset="0"/>
+                <a:cs typeface="Times New Roman" panose="02020603050405020304" pitchFamily="18" charset="0"/>
+              </a:rPr>
+              <a:t>đống</a:t>
+            </a:r>
+            <a:r>
+              <a:rPr lang="en-US" b="1" dirty="0">
+                <a:solidFill>
+                  <a:srgbClr val="FF0000"/>
+                </a:solidFill>
+                <a:latin typeface="Times New Roman" panose="02020603050405020304" pitchFamily="18" charset="0"/>
+                <a:cs typeface="Times New Roman" panose="02020603050405020304" pitchFamily="18" charset="0"/>
+              </a:rPr>
+              <a:t> </a:t>
+            </a:r>
+            <a:r>
+              <a:rPr lang="en-US" b="1" dirty="0" err="1">
+                <a:solidFill>
+                  <a:srgbClr val="FF0000"/>
+                </a:solidFill>
+                <a:latin typeface="Times New Roman" panose="02020603050405020304" pitchFamily="18" charset="0"/>
+                <a:cs typeface="Times New Roman" panose="02020603050405020304" pitchFamily="18" charset="0"/>
+              </a:rPr>
+              <a:t>này</a:t>
+            </a:r>
+            <a:r>
+              <a:rPr lang="en-US" b="1" dirty="0">
+                <a:solidFill>
+                  <a:srgbClr val="FF0000"/>
+                </a:solidFill>
+                <a:latin typeface="Times New Roman" panose="02020603050405020304" pitchFamily="18" charset="0"/>
+                <a:cs typeface="Times New Roman" panose="02020603050405020304" pitchFamily="18" charset="0"/>
+              </a:rPr>
+              <a:t> </a:t>
+            </a:r>
+            <a:r>
+              <a:rPr lang="en-US" b="1" dirty="0" err="1">
+                <a:solidFill>
+                  <a:srgbClr val="FF0000"/>
+                </a:solidFill>
+                <a:latin typeface="Times New Roman" panose="02020603050405020304" pitchFamily="18" charset="0"/>
+                <a:cs typeface="Times New Roman" panose="02020603050405020304" pitchFamily="18" charset="0"/>
+              </a:rPr>
+              <a:t>thành</a:t>
+            </a:r>
+            <a:r>
+              <a:rPr lang="en-US" b="1" dirty="0">
+                <a:solidFill>
+                  <a:srgbClr val="FF0000"/>
+                </a:solidFill>
+                <a:latin typeface="Times New Roman" panose="02020603050405020304" pitchFamily="18" charset="0"/>
+                <a:cs typeface="Times New Roman" panose="02020603050405020304" pitchFamily="18" charset="0"/>
+              </a:rPr>
+              <a:t> </a:t>
+            </a:r>
+            <a:r>
+              <a:rPr lang="en-US" b="1" dirty="0" err="1">
+                <a:solidFill>
+                  <a:srgbClr val="FF0000"/>
+                </a:solidFill>
+                <a:latin typeface="Times New Roman" panose="02020603050405020304" pitchFamily="18" charset="0"/>
+                <a:cs typeface="Times New Roman" panose="02020603050405020304" pitchFamily="18" charset="0"/>
+              </a:rPr>
+              <a:t>bảng</a:t>
+            </a:r>
+            <a:r>
+              <a:rPr lang="en-US" b="1" dirty="0">
+                <a:solidFill>
+                  <a:srgbClr val="FF0000"/>
+                </a:solidFill>
+                <a:latin typeface="Times New Roman" panose="02020603050405020304" pitchFamily="18" charset="0"/>
+                <a:cs typeface="Times New Roman" panose="02020603050405020304" pitchFamily="18" charset="0"/>
+              </a:rPr>
+              <a:t> </a:t>
+            </a:r>
+            <a:r>
+              <a:rPr lang="en-US" b="1" dirty="0" err="1">
+                <a:solidFill>
+                  <a:srgbClr val="FF0000"/>
+                </a:solidFill>
+                <a:latin typeface="Times New Roman" panose="02020603050405020304" pitchFamily="18" charset="0"/>
+                <a:cs typeface="Times New Roman" panose="02020603050405020304" pitchFamily="18" charset="0"/>
+              </a:rPr>
+              <a:t>như</a:t>
+            </a:r>
+            <a:r>
+              <a:rPr lang="en-US" b="1" dirty="0">
+                <a:solidFill>
+                  <a:srgbClr val="FF0000"/>
+                </a:solidFill>
+                <a:latin typeface="Times New Roman" panose="02020603050405020304" pitchFamily="18" charset="0"/>
+                <a:cs typeface="Times New Roman" panose="02020603050405020304" pitchFamily="18" charset="0"/>
+              </a:rPr>
+              <a:t> slide </a:t>
+            </a:r>
+            <a:r>
+              <a:rPr lang="en-US" b="1" dirty="0" err="1">
+                <a:solidFill>
+                  <a:srgbClr val="FF0000"/>
+                </a:solidFill>
+                <a:latin typeface="Times New Roman" panose="02020603050405020304" pitchFamily="18" charset="0"/>
+                <a:cs typeface="Times New Roman" panose="02020603050405020304" pitchFamily="18" charset="0"/>
+              </a:rPr>
+              <a:t>phía</a:t>
+            </a:r>
+            <a:r>
+              <a:rPr lang="en-US" b="1" dirty="0">
+                <a:solidFill>
+                  <a:srgbClr val="FF0000"/>
+                </a:solidFill>
+                <a:latin typeface="Times New Roman" panose="02020603050405020304" pitchFamily="18" charset="0"/>
+                <a:cs typeface="Times New Roman" panose="02020603050405020304" pitchFamily="18" charset="0"/>
+              </a:rPr>
+              <a:t> </a:t>
+            </a:r>
+            <a:r>
+              <a:rPr lang="en-US" b="1" dirty="0" err="1">
+                <a:solidFill>
+                  <a:srgbClr val="FF0000"/>
+                </a:solidFill>
+                <a:latin typeface="Times New Roman" panose="02020603050405020304" pitchFamily="18" charset="0"/>
+                <a:cs typeface="Times New Roman" panose="02020603050405020304" pitchFamily="18" charset="0"/>
+              </a:rPr>
+              <a:t>trên</a:t>
+            </a:r>
+            <a:endParaRPr lang="vi-VN" b="1" dirty="0">
+              <a:solidFill>
+                <a:srgbClr val="FF0000"/>
+              </a:solidFill>
+              <a:latin typeface="Times New Roman" panose="02020603050405020304" pitchFamily="18" charset="0"/>
+              <a:cs typeface="Times New Roman" panose="02020603050405020304" pitchFamily="18" charset="0"/>
+            </a:endParaRPr>
+          </a:p>
+        </p:txBody>
+      </p:sp>
     </p:spTree>
     <p:extLst>
       <p:ext uri="{BB962C8B-B14F-4D97-AF65-F5344CB8AC3E}">
@@ -5897,7 +8851,7 @@
 </p:sld>
 </file>
 
-<file path=ppt/slides/slide4.xml><?xml version="1.0" encoding="utf-8"?>
+<file path=ppt/slides/slide5.xml><?xml version="1.0" encoding="utf-8"?>
 <p:sld xmlns:a="http://schemas.openxmlformats.org/drawingml/2006/main" xmlns:r="http://schemas.openxmlformats.org/officeDocument/2006/relationships" xmlns:p="http://schemas.openxmlformats.org/presentationml/2006/main">
   <p:cSld>
     <p:spTree>
@@ -5916,10 +8870,10 @@
       </p:grpSpPr>
       <p:sp>
         <p:nvSpPr>
-          <p:cNvPr id="3" name="Slide Number Placeholder 2">
+          <p:cNvPr id="2" name="Slide Number Placeholder 1">
             <a:extLst>
               <a:ext uri="{FF2B5EF4-FFF2-40B4-BE49-F238E27FC236}">
-                <a16:creationId xmlns:a16="http://schemas.microsoft.com/office/drawing/2014/main" id="{3757A049-98B9-4A74-B782-655BA559E888}"/>
+                <a16:creationId xmlns:a16="http://schemas.microsoft.com/office/drawing/2014/main" id="{54091DA7-E4F2-4295-B4EE-DC4D29563216}"/>
               </a:ext>
             </a:extLst>
           </p:cNvPr>
@@ -5937,18 +8891,1061 @@
           <a:p>
             <a:fld id="{3A98EE3D-8CD1-4C3F-BD1C-C98C9596463C}" type="slidenum">
               <a:rPr lang="en-US" smtClean="0"/>
-              <a:t>4</a:t>
+              <a:t>5</a:t>
             </a:fld>
             <a:endParaRPr lang="en-US" dirty="0"/>
           </a:p>
         </p:txBody>
       </p:sp>
+      <p:pic>
+        <p:nvPicPr>
+          <p:cNvPr id="10" name="Picture 9">
+            <a:extLst>
+              <a:ext uri="{FF2B5EF4-FFF2-40B4-BE49-F238E27FC236}">
+                <a16:creationId xmlns:a16="http://schemas.microsoft.com/office/drawing/2014/main" id="{FFEF8310-20BB-4D7F-847A-88DA4CE6F2D9}"/>
+              </a:ext>
+            </a:extLst>
+          </p:cNvPr>
+          <p:cNvPicPr>
+            <a:picLocks noChangeAspect="1"/>
+          </p:cNvPicPr>
+          <p:nvPr/>
+        </p:nvPicPr>
+        <p:blipFill>
+          <a:blip r:embed="rId2">
+            <a:extLst>
+              <a:ext uri="{28A0092B-C50C-407E-A947-70E740481C1C}">
+                <a14:useLocalDpi xmlns:a14="http://schemas.microsoft.com/office/drawing/2010/main" val="0"/>
+              </a:ext>
+            </a:extLst>
+          </a:blip>
+          <a:stretch>
+            <a:fillRect/>
+          </a:stretch>
+        </p:blipFill>
+        <p:spPr>
+          <a:xfrm>
+            <a:off x="122960" y="351573"/>
+            <a:ext cx="1126030" cy="1126030"/>
+          </a:xfrm>
+          <a:prstGeom prst="rect">
+            <a:avLst/>
+          </a:prstGeom>
+        </p:spPr>
+      </p:pic>
+      <p:graphicFrame>
+        <p:nvGraphicFramePr>
+          <p:cNvPr id="8" name="Table 11">
+            <a:extLst>
+              <a:ext uri="{FF2B5EF4-FFF2-40B4-BE49-F238E27FC236}">
+                <a16:creationId xmlns:a16="http://schemas.microsoft.com/office/drawing/2014/main" id="{E3A9B11C-F1D7-4096-ACB7-F9992267231B}"/>
+              </a:ext>
+            </a:extLst>
+          </p:cNvPr>
+          <p:cNvGraphicFramePr>
+            <a:graphicFrameLocks noGrp="1"/>
+          </p:cNvGraphicFramePr>
+          <p:nvPr>
+            <p:extLst>
+              <p:ext uri="{D42A27DB-BD31-4B8C-83A1-F6EECF244321}">
+                <p14:modId xmlns:p14="http://schemas.microsoft.com/office/powerpoint/2010/main" val="3898657936"/>
+              </p:ext>
+            </p:extLst>
+          </p:nvPr>
+        </p:nvGraphicFramePr>
+        <p:xfrm>
+          <a:off x="279646" y="1589854"/>
+          <a:ext cx="11632707" cy="4282911"/>
+        </p:xfrm>
+        <a:graphic>
+          <a:graphicData uri="http://schemas.openxmlformats.org/drawingml/2006/table">
+            <a:tbl>
+              <a:tblPr firstRow="1" bandRow="1">
+                <a:tableStyleId>{5C22544A-7EE6-4342-B048-85BDC9FD1C3A}</a:tableStyleId>
+              </a:tblPr>
+              <a:tblGrid>
+                <a:gridCol w="2919472">
+                  <a:extLst>
+                    <a:ext uri="{9D8B030D-6E8A-4147-A177-3AD203B41FA5}">
+                      <a16:colId xmlns:a16="http://schemas.microsoft.com/office/drawing/2014/main" val="2561676260"/>
+                    </a:ext>
+                  </a:extLst>
+                </a:gridCol>
+                <a:gridCol w="2980845">
+                  <a:extLst>
+                    <a:ext uri="{9D8B030D-6E8A-4147-A177-3AD203B41FA5}">
+                      <a16:colId xmlns:a16="http://schemas.microsoft.com/office/drawing/2014/main" val="992409657"/>
+                    </a:ext>
+                  </a:extLst>
+                </a:gridCol>
+                <a:gridCol w="2866195">
+                  <a:extLst>
+                    <a:ext uri="{9D8B030D-6E8A-4147-A177-3AD203B41FA5}">
+                      <a16:colId xmlns:a16="http://schemas.microsoft.com/office/drawing/2014/main" val="2993953982"/>
+                    </a:ext>
+                  </a:extLst>
+                </a:gridCol>
+                <a:gridCol w="2866195">
+                  <a:extLst>
+                    <a:ext uri="{9D8B030D-6E8A-4147-A177-3AD203B41FA5}">
+                      <a16:colId xmlns:a16="http://schemas.microsoft.com/office/drawing/2014/main" val="1962339110"/>
+                    </a:ext>
+                  </a:extLst>
+                </a:gridCol>
+              </a:tblGrid>
+              <a:tr h="492116">
+                <a:tc>
+                  <a:txBody>
+                    <a:bodyPr/>
+                    <a:lstStyle/>
+                    <a:p>
+                      <a:r>
+                        <a:rPr lang="en-US" sz="2400" dirty="0" err="1">
+                          <a:latin typeface="Times New Roman" panose="02020603050405020304" pitchFamily="18" charset="0"/>
+                          <a:cs typeface="Times New Roman" panose="02020603050405020304" pitchFamily="18" charset="0"/>
+                        </a:rPr>
+                        <a:t>Tháng</a:t>
+                      </a:r>
+                      <a:endParaRPr lang="vi-VN" sz="2400" dirty="0">
+                        <a:latin typeface="Times New Roman" panose="02020603050405020304" pitchFamily="18" charset="0"/>
+                        <a:cs typeface="Times New Roman" panose="02020603050405020304" pitchFamily="18" charset="0"/>
+                      </a:endParaRPr>
+                    </a:p>
+                  </a:txBody>
+                  <a:tcPr>
+                    <a:solidFill>
+                      <a:srgbClr val="9BA8B7"/>
+                    </a:solidFill>
+                  </a:tcPr>
+                </a:tc>
+                <a:tc>
+                  <a:txBody>
+                    <a:bodyPr/>
+                    <a:lstStyle/>
+                    <a:p>
+                      <a:r>
+                        <a:rPr lang="en-US" sz="2400" dirty="0" err="1">
+                          <a:latin typeface="Times New Roman" panose="02020603050405020304" pitchFamily="18" charset="0"/>
+                          <a:cs typeface="Times New Roman" panose="02020603050405020304" pitchFamily="18" charset="0"/>
+                        </a:rPr>
+                        <a:t>Thời</a:t>
+                      </a:r>
+                      <a:r>
+                        <a:rPr lang="en-US" sz="2400" dirty="0">
+                          <a:latin typeface="Times New Roman" panose="02020603050405020304" pitchFamily="18" charset="0"/>
+                          <a:cs typeface="Times New Roman" panose="02020603050405020304" pitchFamily="18" charset="0"/>
+                        </a:rPr>
+                        <a:t> </a:t>
+                      </a:r>
+                      <a:r>
+                        <a:rPr lang="en-US" sz="2400" dirty="0" err="1">
+                          <a:latin typeface="Times New Roman" panose="02020603050405020304" pitchFamily="18" charset="0"/>
+                          <a:cs typeface="Times New Roman" panose="02020603050405020304" pitchFamily="18" charset="0"/>
+                        </a:rPr>
+                        <a:t>tiết</a:t>
+                      </a:r>
+                      <a:endParaRPr lang="vi-VN" sz="2400" dirty="0">
+                        <a:latin typeface="Times New Roman" panose="02020603050405020304" pitchFamily="18" charset="0"/>
+                        <a:cs typeface="Times New Roman" panose="02020603050405020304" pitchFamily="18" charset="0"/>
+                      </a:endParaRPr>
+                    </a:p>
+                  </a:txBody>
+                  <a:tcPr/>
+                </a:tc>
+                <a:tc>
+                  <a:txBody>
+                    <a:bodyPr/>
+                    <a:lstStyle/>
+                    <a:p>
+                      <a:r>
+                        <a:rPr lang="en-US" sz="2400" dirty="0" err="1">
+                          <a:latin typeface="Times New Roman" panose="02020603050405020304" pitchFamily="18" charset="0"/>
+                          <a:cs typeface="Times New Roman" panose="02020603050405020304" pitchFamily="18" charset="0"/>
+                        </a:rPr>
+                        <a:t>Nhiệt</a:t>
+                      </a:r>
+                      <a:r>
+                        <a:rPr lang="en-US" sz="2400" dirty="0">
+                          <a:latin typeface="Times New Roman" panose="02020603050405020304" pitchFamily="18" charset="0"/>
+                          <a:cs typeface="Times New Roman" panose="02020603050405020304" pitchFamily="18" charset="0"/>
+                        </a:rPr>
+                        <a:t> </a:t>
+                      </a:r>
+                      <a:r>
+                        <a:rPr lang="en-US" sz="2400" dirty="0" err="1">
+                          <a:latin typeface="Times New Roman" panose="02020603050405020304" pitchFamily="18" charset="0"/>
+                          <a:cs typeface="Times New Roman" panose="02020603050405020304" pitchFamily="18" charset="0"/>
+                        </a:rPr>
+                        <a:t>độ</a:t>
+                      </a:r>
+                      <a:endParaRPr lang="vi-VN" sz="2400" dirty="0">
+                        <a:latin typeface="Times New Roman" panose="02020603050405020304" pitchFamily="18" charset="0"/>
+                        <a:cs typeface="Times New Roman" panose="02020603050405020304" pitchFamily="18" charset="0"/>
+                      </a:endParaRPr>
+                    </a:p>
+                  </a:txBody>
+                  <a:tcPr/>
+                </a:tc>
+                <a:tc>
+                  <a:txBody>
+                    <a:bodyPr/>
+                    <a:lstStyle/>
+                    <a:p>
+                      <a:r>
+                        <a:rPr lang="en-US" sz="2400" dirty="0" err="1">
+                          <a:latin typeface="Times New Roman" panose="02020603050405020304" pitchFamily="18" charset="0"/>
+                          <a:cs typeface="Times New Roman" panose="02020603050405020304" pitchFamily="18" charset="0"/>
+                        </a:rPr>
+                        <a:t>Số</a:t>
+                      </a:r>
+                      <a:r>
+                        <a:rPr lang="en-US" sz="2400" dirty="0">
+                          <a:latin typeface="Times New Roman" panose="02020603050405020304" pitchFamily="18" charset="0"/>
+                          <a:cs typeface="Times New Roman" panose="02020603050405020304" pitchFamily="18" charset="0"/>
+                        </a:rPr>
+                        <a:t> </a:t>
+                      </a:r>
+                      <a:r>
+                        <a:rPr lang="en-US" sz="2400" dirty="0" err="1">
+                          <a:latin typeface="Times New Roman" panose="02020603050405020304" pitchFamily="18" charset="0"/>
+                          <a:cs typeface="Times New Roman" panose="02020603050405020304" pitchFamily="18" charset="0"/>
+                        </a:rPr>
+                        <a:t>lượng</a:t>
+                      </a:r>
+                      <a:endParaRPr lang="vi-VN" sz="2400" dirty="0">
+                        <a:latin typeface="Times New Roman" panose="02020603050405020304" pitchFamily="18" charset="0"/>
+                        <a:cs typeface="Times New Roman" panose="02020603050405020304" pitchFamily="18" charset="0"/>
+                      </a:endParaRPr>
+                    </a:p>
+                  </a:txBody>
+                  <a:tcPr/>
+                </a:tc>
+                <a:extLst>
+                  <a:ext uri="{0D108BD9-81ED-4DB2-BD59-A6C34878D82A}">
+                    <a16:rowId xmlns:a16="http://schemas.microsoft.com/office/drawing/2014/main" val="1515304322"/>
+                  </a:ext>
+                </a:extLst>
+              </a:tr>
+              <a:tr h="360885">
+                <a:tc>
+                  <a:txBody>
+                    <a:bodyPr/>
+                    <a:lstStyle/>
+                    <a:p>
+                      <a:r>
+                        <a:rPr lang="en-US" sz="1600" dirty="0">
+                          <a:latin typeface="Times New Roman" panose="02020603050405020304" pitchFamily="18" charset="0"/>
+                          <a:cs typeface="Times New Roman" panose="02020603050405020304" pitchFamily="18" charset="0"/>
+                        </a:rPr>
+                        <a:t>1</a:t>
+                      </a:r>
+                      <a:endParaRPr lang="vi-VN" sz="1600" dirty="0">
+                        <a:latin typeface="Times New Roman" panose="02020603050405020304" pitchFamily="18" charset="0"/>
+                        <a:cs typeface="Times New Roman" panose="02020603050405020304" pitchFamily="18" charset="0"/>
+                      </a:endParaRPr>
+                    </a:p>
+                  </a:txBody>
+                  <a:tcPr>
+                    <a:solidFill>
+                      <a:srgbClr val="DEE1E6"/>
+                    </a:solidFill>
+                  </a:tcPr>
+                </a:tc>
+                <a:tc>
+                  <a:txBody>
+                    <a:bodyPr/>
+                    <a:lstStyle/>
+                    <a:p>
+                      <a:r>
+                        <a:rPr lang="en-US" sz="1600" dirty="0">
+                          <a:latin typeface="Times New Roman" panose="02020603050405020304" pitchFamily="18" charset="0"/>
+                          <a:cs typeface="Times New Roman" panose="02020603050405020304" pitchFamily="18" charset="0"/>
+                        </a:rPr>
+                        <a:t>1</a:t>
+                      </a:r>
+                      <a:endParaRPr lang="vi-VN" sz="1600" dirty="0">
+                        <a:latin typeface="Times New Roman" panose="02020603050405020304" pitchFamily="18" charset="0"/>
+                        <a:cs typeface="Times New Roman" panose="02020603050405020304" pitchFamily="18" charset="0"/>
+                      </a:endParaRPr>
+                    </a:p>
+                  </a:txBody>
+                  <a:tcPr/>
+                </a:tc>
+                <a:tc>
+                  <a:txBody>
+                    <a:bodyPr/>
+                    <a:lstStyle/>
+                    <a:p>
+                      <a:r>
+                        <a:rPr lang="vi-VN" sz="1600" dirty="0">
+                          <a:latin typeface="Times New Roman" panose="02020603050405020304" pitchFamily="18" charset="0"/>
+                          <a:cs typeface="Times New Roman" panose="02020603050405020304" pitchFamily="18" charset="0"/>
+                        </a:rPr>
+                        <a:t>0.189405</a:t>
+                      </a:r>
+                    </a:p>
+                  </a:txBody>
+                  <a:tcPr/>
+                </a:tc>
+                <a:tc>
+                  <a:txBody>
+                    <a:bodyPr/>
+                    <a:lstStyle/>
+                    <a:p>
+                      <a:r>
+                        <a:rPr lang="vi-VN" sz="1600" dirty="0">
+                          <a:latin typeface="Times New Roman" panose="02020603050405020304" pitchFamily="18" charset="0"/>
+                          <a:cs typeface="Times New Roman" panose="02020603050405020304" pitchFamily="18" charset="0"/>
+                        </a:rPr>
+                        <a:t>1349</a:t>
+                      </a:r>
+                    </a:p>
+                  </a:txBody>
+                  <a:tcPr/>
+                </a:tc>
+                <a:extLst>
+                  <a:ext uri="{0D108BD9-81ED-4DB2-BD59-A6C34878D82A}">
+                    <a16:rowId xmlns:a16="http://schemas.microsoft.com/office/drawing/2014/main" val="3039807204"/>
+                  </a:ext>
+                </a:extLst>
+              </a:tr>
+              <a:tr h="360885">
+                <a:tc>
+                  <a:txBody>
+                    <a:bodyPr/>
+                    <a:lstStyle/>
+                    <a:p>
+                      <a:r>
+                        <a:rPr lang="en-US" sz="1600" dirty="0">
+                          <a:latin typeface="Times New Roman" panose="02020603050405020304" pitchFamily="18" charset="0"/>
+                          <a:cs typeface="Times New Roman" panose="02020603050405020304" pitchFamily="18" charset="0"/>
+                        </a:rPr>
+                        <a:t>3</a:t>
+                      </a:r>
+                      <a:endParaRPr lang="vi-VN" sz="1600" dirty="0">
+                        <a:latin typeface="Times New Roman" panose="02020603050405020304" pitchFamily="18" charset="0"/>
+                        <a:cs typeface="Times New Roman" panose="02020603050405020304" pitchFamily="18" charset="0"/>
+                      </a:endParaRPr>
+                    </a:p>
+                  </a:txBody>
+                  <a:tcPr/>
+                </a:tc>
+                <a:tc>
+                  <a:txBody>
+                    <a:bodyPr/>
+                    <a:lstStyle/>
+                    <a:p>
+                      <a:r>
+                        <a:rPr lang="en-US" sz="1600" dirty="0">
+                          <a:latin typeface="Times New Roman" panose="02020603050405020304" pitchFamily="18" charset="0"/>
+                          <a:cs typeface="Times New Roman" panose="02020603050405020304" pitchFamily="18" charset="0"/>
+                        </a:rPr>
+                        <a:t>2</a:t>
+                      </a:r>
+                      <a:endParaRPr lang="vi-VN" sz="1600" dirty="0">
+                        <a:latin typeface="Times New Roman" panose="02020603050405020304" pitchFamily="18" charset="0"/>
+                        <a:cs typeface="Times New Roman" panose="02020603050405020304" pitchFamily="18" charset="0"/>
+                      </a:endParaRPr>
+                    </a:p>
+                  </a:txBody>
+                  <a:tcPr/>
+                </a:tc>
+                <a:tc>
+                  <a:txBody>
+                    <a:bodyPr/>
+                    <a:lstStyle/>
+                    <a:p>
+                      <a:r>
+                        <a:rPr lang="vi-VN" sz="1600" dirty="0">
+                          <a:latin typeface="Times New Roman" panose="02020603050405020304" pitchFamily="18" charset="0"/>
+                          <a:cs typeface="Times New Roman" panose="02020603050405020304" pitchFamily="18" charset="0"/>
+                        </a:rPr>
+                        <a:t>0.255679</a:t>
+                      </a:r>
+                    </a:p>
+                  </a:txBody>
+                  <a:tcPr/>
+                </a:tc>
+                <a:tc>
+                  <a:txBody>
+                    <a:bodyPr/>
+                    <a:lstStyle/>
+                    <a:p>
+                      <a:r>
+                        <a:rPr lang="vi-VN" sz="1600" dirty="0">
+                          <a:latin typeface="Times New Roman" panose="02020603050405020304" pitchFamily="18" charset="0"/>
+                          <a:cs typeface="Times New Roman" panose="02020603050405020304" pitchFamily="18" charset="0"/>
+                        </a:rPr>
+                        <a:t>1944</a:t>
+                      </a:r>
+                    </a:p>
+                  </a:txBody>
+                  <a:tcPr/>
+                </a:tc>
+                <a:extLst>
+                  <a:ext uri="{0D108BD9-81ED-4DB2-BD59-A6C34878D82A}">
+                    <a16:rowId xmlns:a16="http://schemas.microsoft.com/office/drawing/2014/main" val="2710543779"/>
+                  </a:ext>
+                </a:extLst>
+              </a:tr>
+              <a:tr h="374674">
+                <a:tc>
+                  <a:txBody>
+                    <a:bodyPr/>
+                    <a:lstStyle/>
+                    <a:p>
+                      <a:r>
+                        <a:rPr lang="en-US" sz="1600" dirty="0">
+                          <a:latin typeface="Times New Roman" panose="02020603050405020304" pitchFamily="18" charset="0"/>
+                          <a:cs typeface="Times New Roman" panose="02020603050405020304" pitchFamily="18" charset="0"/>
+                        </a:rPr>
+                        <a:t>4</a:t>
+                      </a:r>
+                      <a:endParaRPr lang="vi-VN" sz="1600" dirty="0">
+                        <a:latin typeface="Times New Roman" panose="02020603050405020304" pitchFamily="18" charset="0"/>
+                        <a:cs typeface="Times New Roman" panose="02020603050405020304" pitchFamily="18" charset="0"/>
+                      </a:endParaRPr>
+                    </a:p>
+                  </a:txBody>
+                  <a:tcPr/>
+                </a:tc>
+                <a:tc>
+                  <a:txBody>
+                    <a:bodyPr/>
+                    <a:lstStyle/>
+                    <a:p>
+                      <a:r>
+                        <a:rPr lang="en-US" sz="1600" dirty="0">
+                          <a:latin typeface="Times New Roman" panose="02020603050405020304" pitchFamily="18" charset="0"/>
+                          <a:cs typeface="Times New Roman" panose="02020603050405020304" pitchFamily="18" charset="0"/>
+                        </a:rPr>
+                        <a:t>3</a:t>
+                      </a:r>
+                      <a:endParaRPr lang="vi-VN" sz="1600" dirty="0">
+                        <a:latin typeface="Times New Roman" panose="02020603050405020304" pitchFamily="18" charset="0"/>
+                        <a:cs typeface="Times New Roman" panose="02020603050405020304" pitchFamily="18" charset="0"/>
+                      </a:endParaRPr>
+                    </a:p>
+                  </a:txBody>
+                  <a:tcPr/>
+                </a:tc>
+                <a:tc>
+                  <a:txBody>
+                    <a:bodyPr/>
+                    <a:lstStyle/>
+                    <a:p>
+                      <a:r>
+                        <a:rPr lang="vi-VN" sz="1600" dirty="0">
+                          <a:latin typeface="Times New Roman" panose="02020603050405020304" pitchFamily="18" charset="0"/>
+                          <a:cs typeface="Times New Roman" panose="02020603050405020304" pitchFamily="18" charset="0"/>
+                        </a:rPr>
+                        <a:t>0.425492</a:t>
+                      </a:r>
+                    </a:p>
+                  </a:txBody>
+                  <a:tcPr/>
+                </a:tc>
+                <a:tc>
+                  <a:txBody>
+                    <a:bodyPr/>
+                    <a:lstStyle/>
+                    <a:p>
+                      <a:r>
+                        <a:rPr lang="vi-VN" sz="1600" dirty="0">
+                          <a:latin typeface="Times New Roman" panose="02020603050405020304" pitchFamily="18" charset="0"/>
+                          <a:cs typeface="Times New Roman" panose="02020603050405020304" pitchFamily="18" charset="0"/>
+                        </a:rPr>
+                        <a:t>795</a:t>
+                      </a:r>
+                    </a:p>
+                  </a:txBody>
+                  <a:tcPr/>
+                </a:tc>
+                <a:extLst>
+                  <a:ext uri="{0D108BD9-81ED-4DB2-BD59-A6C34878D82A}">
+                    <a16:rowId xmlns:a16="http://schemas.microsoft.com/office/drawing/2014/main" val="4058488813"/>
+                  </a:ext>
+                </a:extLst>
+              </a:tr>
+              <a:tr h="360885">
+                <a:tc>
+                  <a:txBody>
+                    <a:bodyPr/>
+                    <a:lstStyle/>
+                    <a:p>
+                      <a:r>
+                        <a:rPr lang="en-US" sz="1600" dirty="0">
+                          <a:latin typeface="Times New Roman" panose="02020603050405020304" pitchFamily="18" charset="0"/>
+                          <a:cs typeface="Times New Roman" panose="02020603050405020304" pitchFamily="18" charset="0"/>
+                        </a:rPr>
+                        <a:t>5</a:t>
+                      </a:r>
+                      <a:endParaRPr lang="vi-VN" sz="1600" dirty="0">
+                        <a:latin typeface="Times New Roman" panose="02020603050405020304" pitchFamily="18" charset="0"/>
+                        <a:cs typeface="Times New Roman" panose="02020603050405020304" pitchFamily="18" charset="0"/>
+                      </a:endParaRPr>
+                    </a:p>
+                  </a:txBody>
+                  <a:tcPr/>
+                </a:tc>
+                <a:tc>
+                  <a:txBody>
+                    <a:bodyPr/>
+                    <a:lstStyle/>
+                    <a:p>
+                      <a:r>
+                        <a:rPr lang="en-US" sz="1600" dirty="0">
+                          <a:latin typeface="Times New Roman" panose="02020603050405020304" pitchFamily="18" charset="0"/>
+                          <a:cs typeface="Times New Roman" panose="02020603050405020304" pitchFamily="18" charset="0"/>
+                        </a:rPr>
+                        <a:t>2</a:t>
+                      </a:r>
+                      <a:endParaRPr lang="vi-VN" sz="1600" dirty="0">
+                        <a:latin typeface="Times New Roman" panose="02020603050405020304" pitchFamily="18" charset="0"/>
+                        <a:cs typeface="Times New Roman" panose="02020603050405020304" pitchFamily="18" charset="0"/>
+                      </a:endParaRPr>
+                    </a:p>
+                  </a:txBody>
+                  <a:tcPr/>
+                </a:tc>
+                <a:tc>
+                  <a:txBody>
+                    <a:bodyPr/>
+                    <a:lstStyle/>
+                    <a:p>
+                      <a:r>
+                        <a:rPr lang="vi-VN" sz="1600" dirty="0">
+                          <a:latin typeface="Times New Roman" panose="02020603050405020304" pitchFamily="18" charset="0"/>
+                          <a:cs typeface="Times New Roman" panose="02020603050405020304" pitchFamily="18" charset="0"/>
+                        </a:rPr>
+                        <a:t>0.40465</a:t>
+                      </a:r>
+                    </a:p>
+                  </a:txBody>
+                  <a:tcPr/>
+                </a:tc>
+                <a:tc>
+                  <a:txBody>
+                    <a:bodyPr/>
+                    <a:lstStyle/>
+                    <a:p>
+                      <a:r>
+                        <a:rPr lang="vi-VN" sz="1600" dirty="0">
+                          <a:latin typeface="Times New Roman" panose="02020603050405020304" pitchFamily="18" charset="0"/>
+                          <a:cs typeface="Times New Roman" panose="02020603050405020304" pitchFamily="18" charset="0"/>
+                        </a:rPr>
+                        <a:t>2633</a:t>
+                      </a:r>
+                    </a:p>
+                  </a:txBody>
+                  <a:tcPr/>
+                </a:tc>
+                <a:extLst>
+                  <a:ext uri="{0D108BD9-81ED-4DB2-BD59-A6C34878D82A}">
+                    <a16:rowId xmlns:a16="http://schemas.microsoft.com/office/drawing/2014/main" val="2164227016"/>
+                  </a:ext>
+                </a:extLst>
+              </a:tr>
+              <a:tr h="360885">
+                <a:tc>
+                  <a:txBody>
+                    <a:bodyPr/>
+                    <a:lstStyle/>
+                    <a:p>
+                      <a:r>
+                        <a:rPr lang="en-US" sz="1600" dirty="0">
+                          <a:latin typeface="Times New Roman" panose="02020603050405020304" pitchFamily="18" charset="0"/>
+                          <a:cs typeface="Times New Roman" panose="02020603050405020304" pitchFamily="18" charset="0"/>
+                        </a:rPr>
+                        <a:t>6</a:t>
+                      </a:r>
+                      <a:endParaRPr lang="vi-VN" sz="1600" dirty="0">
+                        <a:latin typeface="Times New Roman" panose="02020603050405020304" pitchFamily="18" charset="0"/>
+                        <a:cs typeface="Times New Roman" panose="02020603050405020304" pitchFamily="18" charset="0"/>
+                      </a:endParaRPr>
+                    </a:p>
+                  </a:txBody>
+                  <a:tcPr/>
+                </a:tc>
+                <a:tc>
+                  <a:txBody>
+                    <a:bodyPr/>
+                    <a:lstStyle/>
+                    <a:p>
+                      <a:r>
+                        <a:rPr lang="en-US" sz="1600" dirty="0">
+                          <a:latin typeface="Times New Roman" panose="02020603050405020304" pitchFamily="18" charset="0"/>
+                          <a:cs typeface="Times New Roman" panose="02020603050405020304" pitchFamily="18" charset="0"/>
+                        </a:rPr>
+                        <a:t>1</a:t>
+                      </a:r>
+                      <a:endParaRPr lang="vi-VN" sz="1600" dirty="0">
+                        <a:latin typeface="Times New Roman" panose="02020603050405020304" pitchFamily="18" charset="0"/>
+                        <a:cs typeface="Times New Roman" panose="02020603050405020304" pitchFamily="18" charset="0"/>
+                      </a:endParaRPr>
+                    </a:p>
+                  </a:txBody>
+                  <a:tcPr/>
+                </a:tc>
+                <a:tc>
+                  <a:txBody>
+                    <a:bodyPr/>
+                    <a:lstStyle/>
+                    <a:p>
+                      <a:r>
+                        <a:rPr lang="vi-VN" sz="1600" dirty="0">
+                          <a:latin typeface="Times New Roman" panose="02020603050405020304" pitchFamily="18" charset="0"/>
+                          <a:cs typeface="Times New Roman" panose="02020603050405020304" pitchFamily="18" charset="0"/>
+                        </a:rPr>
+                        <a:t>0.693829</a:t>
+                      </a:r>
+                    </a:p>
+                  </a:txBody>
+                  <a:tcPr/>
+                </a:tc>
+                <a:tc>
+                  <a:txBody>
+                    <a:bodyPr/>
+                    <a:lstStyle/>
+                    <a:p>
+                      <a:r>
+                        <a:rPr lang="vi-VN" sz="1600" dirty="0">
+                          <a:latin typeface="Times New Roman" panose="02020603050405020304" pitchFamily="18" charset="0"/>
+                          <a:cs typeface="Times New Roman" panose="02020603050405020304" pitchFamily="18" charset="0"/>
+                        </a:rPr>
+                        <a:t>4507</a:t>
+                      </a:r>
+                    </a:p>
+                  </a:txBody>
+                  <a:tcPr/>
+                </a:tc>
+                <a:extLst>
+                  <a:ext uri="{0D108BD9-81ED-4DB2-BD59-A6C34878D82A}">
+                    <a16:rowId xmlns:a16="http://schemas.microsoft.com/office/drawing/2014/main" val="2806413297"/>
+                  </a:ext>
+                </a:extLst>
+              </a:tr>
+              <a:tr h="360885">
+                <a:tc>
+                  <a:txBody>
+                    <a:bodyPr/>
+                    <a:lstStyle/>
+                    <a:p>
+                      <a:r>
+                        <a:rPr lang="en-US" sz="1600" dirty="0">
+                          <a:latin typeface="Times New Roman" panose="02020603050405020304" pitchFamily="18" charset="0"/>
+                          <a:cs typeface="Times New Roman" panose="02020603050405020304" pitchFamily="18" charset="0"/>
+                        </a:rPr>
+                        <a:t>7</a:t>
+                      </a:r>
+                      <a:endParaRPr lang="vi-VN" sz="1600" dirty="0">
+                        <a:latin typeface="Times New Roman" panose="02020603050405020304" pitchFamily="18" charset="0"/>
+                        <a:cs typeface="Times New Roman" panose="02020603050405020304" pitchFamily="18" charset="0"/>
+                      </a:endParaRPr>
+                    </a:p>
+                  </a:txBody>
+                  <a:tcPr/>
+                </a:tc>
+                <a:tc>
+                  <a:txBody>
+                    <a:bodyPr/>
+                    <a:lstStyle/>
+                    <a:p>
+                      <a:r>
+                        <a:rPr lang="en-US" sz="1600" dirty="0">
+                          <a:latin typeface="Times New Roman" panose="02020603050405020304" pitchFamily="18" charset="0"/>
+                          <a:cs typeface="Times New Roman" panose="02020603050405020304" pitchFamily="18" charset="0"/>
+                        </a:rPr>
+                        <a:t>1</a:t>
+                      </a:r>
+                      <a:endParaRPr lang="vi-VN" sz="1600" dirty="0">
+                        <a:latin typeface="Times New Roman" panose="02020603050405020304" pitchFamily="18" charset="0"/>
+                        <a:cs typeface="Times New Roman" panose="02020603050405020304" pitchFamily="18" charset="0"/>
+                      </a:endParaRPr>
+                    </a:p>
+                  </a:txBody>
+                  <a:tcPr/>
+                </a:tc>
+                <a:tc>
+                  <a:txBody>
+                    <a:bodyPr/>
+                    <a:lstStyle/>
+                    <a:p>
+                      <a:r>
+                        <a:rPr lang="vi-VN" sz="1600" dirty="0">
+                          <a:latin typeface="Times New Roman" panose="02020603050405020304" pitchFamily="18" charset="0"/>
+                          <a:cs typeface="Times New Roman" panose="02020603050405020304" pitchFamily="18" charset="0"/>
+                        </a:rPr>
+                        <a:t>0.624371</a:t>
+                      </a:r>
+                    </a:p>
+                  </a:txBody>
+                  <a:tcPr/>
+                </a:tc>
+                <a:tc>
+                  <a:txBody>
+                    <a:bodyPr/>
+                    <a:lstStyle/>
+                    <a:p>
+                      <a:r>
+                        <a:rPr lang="en-US" sz="1600" dirty="0">
+                          <a:latin typeface="Times New Roman" panose="02020603050405020304" pitchFamily="18" charset="0"/>
+                          <a:cs typeface="Times New Roman" panose="02020603050405020304" pitchFamily="18" charset="0"/>
+                        </a:rPr>
+                        <a:t>5538</a:t>
+                      </a:r>
+                      <a:endParaRPr lang="vi-VN" sz="1600" dirty="0">
+                        <a:latin typeface="Times New Roman" panose="02020603050405020304" pitchFamily="18" charset="0"/>
+                        <a:cs typeface="Times New Roman" panose="02020603050405020304" pitchFamily="18" charset="0"/>
+                      </a:endParaRPr>
+                    </a:p>
+                  </a:txBody>
+                  <a:tcPr/>
+                </a:tc>
+                <a:extLst>
+                  <a:ext uri="{0D108BD9-81ED-4DB2-BD59-A6C34878D82A}">
+                    <a16:rowId xmlns:a16="http://schemas.microsoft.com/office/drawing/2014/main" val="2076918804"/>
+                  </a:ext>
+                </a:extLst>
+              </a:tr>
+              <a:tr h="402924">
+                <a:tc>
+                  <a:txBody>
+                    <a:bodyPr/>
+                    <a:lstStyle/>
+                    <a:p>
+                      <a:r>
+                        <a:rPr lang="en-US" sz="1600" dirty="0">
+                          <a:latin typeface="Times New Roman" panose="02020603050405020304" pitchFamily="18" charset="0"/>
+                          <a:cs typeface="Times New Roman" panose="02020603050405020304" pitchFamily="18" charset="0"/>
+                        </a:rPr>
+                        <a:t>8</a:t>
+                      </a:r>
+                      <a:endParaRPr lang="vi-VN" sz="1600" dirty="0">
+                        <a:latin typeface="Times New Roman" panose="02020603050405020304" pitchFamily="18" charset="0"/>
+                        <a:cs typeface="Times New Roman" panose="02020603050405020304" pitchFamily="18" charset="0"/>
+                      </a:endParaRPr>
+                    </a:p>
+                  </a:txBody>
+                  <a:tcPr/>
+                </a:tc>
+                <a:tc>
+                  <a:txBody>
+                    <a:bodyPr/>
+                    <a:lstStyle/>
+                    <a:p>
+                      <a:r>
+                        <a:rPr lang="en-US" sz="1600" dirty="0">
+                          <a:latin typeface="Times New Roman" panose="02020603050405020304" pitchFamily="18" charset="0"/>
+                          <a:cs typeface="Times New Roman" panose="02020603050405020304" pitchFamily="18" charset="0"/>
+                        </a:rPr>
+                        <a:t>2</a:t>
+                      </a:r>
+                      <a:endParaRPr lang="vi-VN" sz="1600" dirty="0">
+                        <a:latin typeface="Times New Roman" panose="02020603050405020304" pitchFamily="18" charset="0"/>
+                        <a:cs typeface="Times New Roman" panose="02020603050405020304" pitchFamily="18" charset="0"/>
+                      </a:endParaRPr>
+                    </a:p>
+                  </a:txBody>
+                  <a:tcPr/>
+                </a:tc>
+                <a:tc>
+                  <a:txBody>
+                    <a:bodyPr/>
+                    <a:lstStyle/>
+                    <a:p>
+                      <a:r>
+                        <a:rPr lang="vi-VN" sz="1600" dirty="0">
+                          <a:latin typeface="Times New Roman" panose="02020603050405020304" pitchFamily="18" charset="0"/>
+                          <a:cs typeface="Times New Roman" panose="02020603050405020304" pitchFamily="18" charset="0"/>
+                        </a:rPr>
+                        <a:t>0.635556</a:t>
+                      </a:r>
+                    </a:p>
+                  </a:txBody>
+                  <a:tcPr/>
+                </a:tc>
+                <a:tc>
+                  <a:txBody>
+                    <a:bodyPr/>
+                    <a:lstStyle/>
+                    <a:p>
+                      <a:r>
+                        <a:rPr lang="vi-VN" sz="1600" dirty="0">
+                          <a:latin typeface="Times New Roman" panose="02020603050405020304" pitchFamily="18" charset="0"/>
+                          <a:cs typeface="Times New Roman" panose="02020603050405020304" pitchFamily="18" charset="0"/>
+                        </a:rPr>
+                        <a:t>1115</a:t>
+                      </a:r>
+                    </a:p>
+                  </a:txBody>
+                  <a:tcPr/>
+                </a:tc>
+                <a:extLst>
+                  <a:ext uri="{0D108BD9-81ED-4DB2-BD59-A6C34878D82A}">
+                    <a16:rowId xmlns:a16="http://schemas.microsoft.com/office/drawing/2014/main" val="4053069684"/>
+                  </a:ext>
+                </a:extLst>
+              </a:tr>
+              <a:tr h="402924">
+                <a:tc>
+                  <a:txBody>
+                    <a:bodyPr/>
+                    <a:lstStyle/>
+                    <a:p>
+                      <a:r>
+                        <a:rPr lang="en-US" sz="1600" dirty="0">
+                          <a:latin typeface="Times New Roman" panose="02020603050405020304" pitchFamily="18" charset="0"/>
+                          <a:cs typeface="Times New Roman" panose="02020603050405020304" pitchFamily="18" charset="0"/>
+                        </a:rPr>
+                        <a:t>9</a:t>
+                      </a:r>
+                      <a:endParaRPr lang="vi-VN" sz="1600" dirty="0">
+                        <a:latin typeface="Times New Roman" panose="02020603050405020304" pitchFamily="18" charset="0"/>
+                        <a:cs typeface="Times New Roman" panose="02020603050405020304" pitchFamily="18" charset="0"/>
+                      </a:endParaRPr>
+                    </a:p>
+                  </a:txBody>
+                  <a:tcPr/>
+                </a:tc>
+                <a:tc>
+                  <a:txBody>
+                    <a:bodyPr/>
+                    <a:lstStyle/>
+                    <a:p>
+                      <a:r>
+                        <a:rPr lang="en-US" sz="1600" dirty="0">
+                          <a:latin typeface="Times New Roman" panose="02020603050405020304" pitchFamily="18" charset="0"/>
+                          <a:cs typeface="Times New Roman" panose="02020603050405020304" pitchFamily="18" charset="0"/>
+                        </a:rPr>
+                        <a:t>3</a:t>
+                      </a:r>
+                      <a:endParaRPr lang="vi-VN" sz="1600" dirty="0">
+                        <a:latin typeface="Times New Roman" panose="02020603050405020304" pitchFamily="18" charset="0"/>
+                        <a:cs typeface="Times New Roman" panose="02020603050405020304" pitchFamily="18" charset="0"/>
+                      </a:endParaRPr>
+                    </a:p>
+                  </a:txBody>
+                  <a:tcPr/>
+                </a:tc>
+                <a:tc>
+                  <a:txBody>
+                    <a:bodyPr/>
+                    <a:lstStyle/>
+                    <a:p>
+                      <a:r>
+                        <a:rPr lang="vi-VN" sz="1600" dirty="0">
+                          <a:latin typeface="Times New Roman" panose="02020603050405020304" pitchFamily="18" charset="0"/>
+                          <a:cs typeface="Times New Roman" panose="02020603050405020304" pitchFamily="18" charset="0"/>
+                        </a:rPr>
+                        <a:t>0.555361</a:t>
+                      </a:r>
+                    </a:p>
+                  </a:txBody>
+                  <a:tcPr/>
+                </a:tc>
+                <a:tc>
+                  <a:txBody>
+                    <a:bodyPr/>
+                    <a:lstStyle/>
+                    <a:p>
+                      <a:r>
+                        <a:rPr lang="en-US" sz="1600" dirty="0">
+                          <a:latin typeface="Times New Roman" panose="02020603050405020304" pitchFamily="18" charset="0"/>
+                          <a:cs typeface="Times New Roman" panose="02020603050405020304" pitchFamily="18" charset="0"/>
+                        </a:rPr>
+                        <a:t>1842</a:t>
+                      </a:r>
+                      <a:endParaRPr lang="vi-VN" sz="1600" dirty="0">
+                        <a:latin typeface="Times New Roman" panose="02020603050405020304" pitchFamily="18" charset="0"/>
+                        <a:cs typeface="Times New Roman" panose="02020603050405020304" pitchFamily="18" charset="0"/>
+                      </a:endParaRPr>
+                    </a:p>
+                  </a:txBody>
+                  <a:tcPr/>
+                </a:tc>
+                <a:extLst>
+                  <a:ext uri="{0D108BD9-81ED-4DB2-BD59-A6C34878D82A}">
+                    <a16:rowId xmlns:a16="http://schemas.microsoft.com/office/drawing/2014/main" val="1515340977"/>
+                  </a:ext>
+                </a:extLst>
+              </a:tr>
+              <a:tr h="402924">
+                <a:tc>
+                  <a:txBody>
+                    <a:bodyPr/>
+                    <a:lstStyle/>
+                    <a:p>
+                      <a:r>
+                        <a:rPr lang="en-US" sz="1600" dirty="0">
+                          <a:latin typeface="Times New Roman" panose="02020603050405020304" pitchFamily="18" charset="0"/>
+                          <a:cs typeface="Times New Roman" panose="02020603050405020304" pitchFamily="18" charset="0"/>
+                        </a:rPr>
+                        <a:t>10</a:t>
+                      </a:r>
+                      <a:endParaRPr lang="vi-VN" sz="1600" dirty="0">
+                        <a:latin typeface="Times New Roman" panose="02020603050405020304" pitchFamily="18" charset="0"/>
+                        <a:cs typeface="Times New Roman" panose="02020603050405020304" pitchFamily="18" charset="0"/>
+                      </a:endParaRPr>
+                    </a:p>
+                  </a:txBody>
+                  <a:tcPr/>
+                </a:tc>
+                <a:tc>
+                  <a:txBody>
+                    <a:bodyPr/>
+                    <a:lstStyle/>
+                    <a:p>
+                      <a:r>
+                        <a:rPr lang="en-US" sz="1600" dirty="0">
+                          <a:latin typeface="Times New Roman" panose="02020603050405020304" pitchFamily="18" charset="0"/>
+                          <a:cs typeface="Times New Roman" panose="02020603050405020304" pitchFamily="18" charset="0"/>
+                        </a:rPr>
+                        <a:t>3</a:t>
+                      </a:r>
+                      <a:endParaRPr lang="vi-VN" sz="1600" dirty="0">
+                        <a:latin typeface="Times New Roman" panose="02020603050405020304" pitchFamily="18" charset="0"/>
+                        <a:cs typeface="Times New Roman" panose="02020603050405020304" pitchFamily="18" charset="0"/>
+                      </a:endParaRPr>
+                    </a:p>
+                  </a:txBody>
+                  <a:tcPr/>
+                </a:tc>
+                <a:tc>
+                  <a:txBody>
+                    <a:bodyPr/>
+                    <a:lstStyle/>
+                    <a:p>
+                      <a:r>
+                        <a:rPr lang="vi-VN" sz="1600" dirty="0">
+                          <a:latin typeface="Times New Roman" panose="02020603050405020304" pitchFamily="18" charset="0"/>
+                          <a:cs typeface="Times New Roman" panose="02020603050405020304" pitchFamily="18" charset="0"/>
+                        </a:rPr>
+                        <a:t>0.517717</a:t>
+                      </a:r>
+                    </a:p>
+                  </a:txBody>
+                  <a:tcPr/>
+                </a:tc>
+                <a:tc>
+                  <a:txBody>
+                    <a:bodyPr/>
+                    <a:lstStyle/>
+                    <a:p>
+                      <a:r>
+                        <a:rPr lang="en-US" sz="1600" dirty="0">
+                          <a:latin typeface="Times New Roman" panose="02020603050405020304" pitchFamily="18" charset="0"/>
+                          <a:cs typeface="Times New Roman" panose="02020603050405020304" pitchFamily="18" charset="0"/>
+                        </a:rPr>
+                        <a:t>2416</a:t>
+                      </a:r>
+                      <a:endParaRPr lang="vi-VN" sz="1600" dirty="0">
+                        <a:latin typeface="Times New Roman" panose="02020603050405020304" pitchFamily="18" charset="0"/>
+                        <a:cs typeface="Times New Roman" panose="02020603050405020304" pitchFamily="18" charset="0"/>
+                      </a:endParaRPr>
+                    </a:p>
+                  </a:txBody>
+                  <a:tcPr/>
+                </a:tc>
+                <a:extLst>
+                  <a:ext uri="{0D108BD9-81ED-4DB2-BD59-A6C34878D82A}">
+                    <a16:rowId xmlns:a16="http://schemas.microsoft.com/office/drawing/2014/main" val="2684729399"/>
+                  </a:ext>
+                </a:extLst>
+              </a:tr>
+              <a:tr h="402924">
+                <a:tc>
+                  <a:txBody>
+                    <a:bodyPr/>
+                    <a:lstStyle/>
+                    <a:p>
+                      <a:r>
+                        <a:rPr lang="en-US" sz="1600" dirty="0">
+                          <a:latin typeface="Times New Roman" panose="02020603050405020304" pitchFamily="18" charset="0"/>
+                          <a:cs typeface="Times New Roman" panose="02020603050405020304" pitchFamily="18" charset="0"/>
+                        </a:rPr>
+                        <a:t>12</a:t>
+                      </a:r>
+                      <a:endParaRPr lang="vi-VN" sz="1600" dirty="0">
+                        <a:latin typeface="Times New Roman" panose="02020603050405020304" pitchFamily="18" charset="0"/>
+                        <a:cs typeface="Times New Roman" panose="02020603050405020304" pitchFamily="18" charset="0"/>
+                      </a:endParaRPr>
+                    </a:p>
+                  </a:txBody>
+                  <a:tcPr/>
+                </a:tc>
+                <a:tc>
+                  <a:txBody>
+                    <a:bodyPr/>
+                    <a:lstStyle/>
+                    <a:p>
+                      <a:r>
+                        <a:rPr lang="en-US" sz="1600" dirty="0">
+                          <a:latin typeface="Times New Roman" panose="02020603050405020304" pitchFamily="18" charset="0"/>
+                          <a:cs typeface="Times New Roman" panose="02020603050405020304" pitchFamily="18" charset="0"/>
+                        </a:rPr>
+                        <a:t>1</a:t>
+                      </a:r>
+                      <a:endParaRPr lang="vi-VN" sz="1600" dirty="0">
+                        <a:latin typeface="Times New Roman" panose="02020603050405020304" pitchFamily="18" charset="0"/>
+                        <a:cs typeface="Times New Roman" panose="02020603050405020304" pitchFamily="18" charset="0"/>
+                      </a:endParaRPr>
+                    </a:p>
+                  </a:txBody>
+                  <a:tcPr/>
+                </a:tc>
+                <a:tc>
+                  <a:txBody>
+                    <a:bodyPr/>
+                    <a:lstStyle/>
+                    <a:p>
+                      <a:r>
+                        <a:rPr lang="vi-VN" sz="1600" dirty="0">
+                          <a:latin typeface="Times New Roman" panose="02020603050405020304" pitchFamily="18" charset="0"/>
+                          <a:cs typeface="Times New Roman" panose="02020603050405020304" pitchFamily="18" charset="0"/>
+                        </a:rPr>
+                        <a:t>0.377513</a:t>
+                      </a:r>
+                    </a:p>
+                  </a:txBody>
+                  <a:tcPr/>
+                </a:tc>
+                <a:tc>
+                  <a:txBody>
+                    <a:bodyPr/>
+                    <a:lstStyle/>
+                    <a:p>
+                      <a:r>
+                        <a:rPr lang="en-US" sz="1600" dirty="0">
+                          <a:latin typeface="Times New Roman" panose="02020603050405020304" pitchFamily="18" charset="0"/>
+                          <a:cs typeface="Times New Roman" panose="02020603050405020304" pitchFamily="18" charset="0"/>
+                        </a:rPr>
+                        <a:t>2209</a:t>
+                      </a:r>
+                      <a:endParaRPr lang="vi-VN" sz="1600" dirty="0">
+                        <a:latin typeface="Times New Roman" panose="02020603050405020304" pitchFamily="18" charset="0"/>
+                        <a:cs typeface="Times New Roman" panose="02020603050405020304" pitchFamily="18" charset="0"/>
+                      </a:endParaRPr>
+                    </a:p>
+                  </a:txBody>
+                  <a:tcPr/>
+                </a:tc>
+                <a:extLst>
+                  <a:ext uri="{0D108BD9-81ED-4DB2-BD59-A6C34878D82A}">
+                    <a16:rowId xmlns:a16="http://schemas.microsoft.com/office/drawing/2014/main" val="1868556046"/>
+                  </a:ext>
+                </a:extLst>
+              </a:tr>
+            </a:tbl>
+          </a:graphicData>
+        </a:graphic>
+      </p:graphicFrame>
       <p:sp>
         <p:nvSpPr>
-          <p:cNvPr id="5" name="TextBox 4">
+          <p:cNvPr id="11" name="TextBox 10">
             <a:extLst>
               <a:ext uri="{FF2B5EF4-FFF2-40B4-BE49-F238E27FC236}">
-                <a16:creationId xmlns:a16="http://schemas.microsoft.com/office/drawing/2014/main" id="{CE89BAFE-E6CC-4049-9D48-CD11DE33E674}"/>
+                <a16:creationId xmlns:a16="http://schemas.microsoft.com/office/drawing/2014/main" id="{44F95A6B-0EB7-43D5-9554-4A4F8CCF3FB5}"/>
               </a:ext>
             </a:extLst>
           </p:cNvPr>
@@ -5957,8 +9954,94 @@
         </p:nvSpPr>
         <p:spPr>
           <a:xfrm>
-            <a:off x="10685318" y="0"/>
-            <a:ext cx="1506682" cy="1631216"/>
+            <a:off x="1451438" y="529867"/>
+            <a:ext cx="4203988" cy="584775"/>
+          </a:xfrm>
+          <a:prstGeom prst="rect">
+            <a:avLst/>
+          </a:prstGeom>
+          <a:noFill/>
+        </p:spPr>
+        <p:txBody>
+          <a:bodyPr wrap="square">
+            <a:spAutoFit/>
+          </a:bodyPr>
+          <a:lstStyle/>
+          <a:p>
+            <a:r>
+              <a:rPr lang="en-US" sz="3200" b="1" dirty="0" err="1">
+                <a:solidFill>
+                  <a:srgbClr val="263F88"/>
+                </a:solidFill>
+                <a:latin typeface="Times New Roman" panose="02020603050405020304" pitchFamily="18" charset="0"/>
+                <a:cs typeface="Times New Roman" panose="02020603050405020304" pitchFamily="18" charset="0"/>
+              </a:rPr>
+              <a:t>Bảng</a:t>
+            </a:r>
+            <a:r>
+              <a:rPr lang="en-US" sz="3200" b="1" dirty="0">
+                <a:solidFill>
+                  <a:srgbClr val="263F88"/>
+                </a:solidFill>
+                <a:latin typeface="Times New Roman" panose="02020603050405020304" pitchFamily="18" charset="0"/>
+                <a:cs typeface="Times New Roman" panose="02020603050405020304" pitchFamily="18" charset="0"/>
+              </a:rPr>
+              <a:t> </a:t>
+            </a:r>
+            <a:r>
+              <a:rPr lang="en-US" sz="3200" b="1" dirty="0" err="1">
+                <a:solidFill>
+                  <a:srgbClr val="263F88"/>
+                </a:solidFill>
+                <a:latin typeface="Times New Roman" panose="02020603050405020304" pitchFamily="18" charset="0"/>
+                <a:cs typeface="Times New Roman" panose="02020603050405020304" pitchFamily="18" charset="0"/>
+              </a:rPr>
+              <a:t>dữ</a:t>
+            </a:r>
+            <a:r>
+              <a:rPr lang="en-US" sz="3200" b="1" dirty="0">
+                <a:solidFill>
+                  <a:srgbClr val="263F88"/>
+                </a:solidFill>
+                <a:latin typeface="Times New Roman" panose="02020603050405020304" pitchFamily="18" charset="0"/>
+                <a:cs typeface="Times New Roman" panose="02020603050405020304" pitchFamily="18" charset="0"/>
+              </a:rPr>
+              <a:t> </a:t>
+            </a:r>
+            <a:r>
+              <a:rPr lang="en-US" sz="3200" b="1" dirty="0" err="1">
+                <a:solidFill>
+                  <a:srgbClr val="263F88"/>
+                </a:solidFill>
+                <a:latin typeface="Times New Roman" panose="02020603050405020304" pitchFamily="18" charset="0"/>
+                <a:cs typeface="Times New Roman" panose="02020603050405020304" pitchFamily="18" charset="0"/>
+              </a:rPr>
+              <a:t>liệu</a:t>
+            </a:r>
+            <a:endParaRPr lang="en-US" sz="3200" dirty="0">
+              <a:solidFill>
+                <a:srgbClr val="263F88"/>
+              </a:solidFill>
+            </a:endParaRPr>
+          </a:p>
+        </p:txBody>
+      </p:sp>
+      <p:sp>
+        <p:nvSpPr>
+          <p:cNvPr id="12" name="TextBox 11">
+            <a:extLst>
+              <a:ext uri="{FF2B5EF4-FFF2-40B4-BE49-F238E27FC236}">
+                <a16:creationId xmlns:a16="http://schemas.microsoft.com/office/drawing/2014/main" id="{929E057E-D0A9-4CA7-A697-FB1CEF62CD15}"/>
+              </a:ext>
+            </a:extLst>
+          </p:cNvPr>
+          <p:cNvSpPr txBox="1"/>
+          <p:nvPr/>
+        </p:nvSpPr>
+        <p:spPr>
+          <a:xfrm>
+            <a:off x="10865624" y="64395"/>
+            <a:ext cx="1253397" cy="1354217"/>
           </a:xfrm>
           <a:prstGeom prst="rect">
             <a:avLst/>
@@ -5979,12 +10062,12 @@
           </a:bodyPr>
           <a:lstStyle/>
           <a:p>
-            <a:pPr marL="228600" indent="-228600" algn="just">
+            <a:pPr marL="228600" indent="-228600">
               <a:buFont typeface="+mj-lt"/>
               <a:buAutoNum type="arabicPeriod"/>
             </a:pPr>
             <a:r>
-              <a:rPr lang="en-US" sz="2000" err="1">
+              <a:rPr lang="en-US" sz="1600" dirty="0" err="1">
                 <a:latin typeface="Times New Roman" panose="02020603050405020304" pitchFamily="18" charset="0"/>
                 <a:ea typeface="Tahoma" panose="020B0604030504040204" pitchFamily="34" charset="0"/>
                 <a:cs typeface="Times New Roman" panose="02020603050405020304" pitchFamily="18" charset="0"/>
@@ -5992,7 +10075,7 @@
               <a:t>Giới</a:t>
             </a:r>
             <a:r>
-              <a:rPr lang="en-US" sz="2000">
+              <a:rPr lang="en-US" sz="1600" dirty="0">
                 <a:latin typeface="Times New Roman" panose="02020603050405020304" pitchFamily="18" charset="0"/>
                 <a:ea typeface="Tahoma" panose="020B0604030504040204" pitchFamily="34" charset="0"/>
                 <a:cs typeface="Times New Roman" panose="02020603050405020304" pitchFamily="18" charset="0"/>
@@ -6000,26 +10083,26 @@
               <a:t> </a:t>
             </a:r>
             <a:r>
-              <a:rPr lang="en-US" sz="2000" err="1">
+              <a:rPr lang="en-US" sz="1600" dirty="0" err="1">
                 <a:latin typeface="Times New Roman" panose="02020603050405020304" pitchFamily="18" charset="0"/>
                 <a:ea typeface="Tahoma" panose="020B0604030504040204" pitchFamily="34" charset="0"/>
                 <a:cs typeface="Times New Roman" panose="02020603050405020304" pitchFamily="18" charset="0"/>
               </a:rPr>
               <a:t>thiệu</a:t>
             </a:r>
-            <a:endParaRPr lang="en-US" sz="2000">
+            <a:endParaRPr lang="en-US" sz="1600" dirty="0">
               <a:latin typeface="Times New Roman" panose="02020603050405020304" pitchFamily="18" charset="0"/>
               <a:ea typeface="Tahoma" panose="020B0604030504040204" pitchFamily="34" charset="0"/>
               <a:cs typeface="Times New Roman" panose="02020603050405020304" pitchFamily="18" charset="0"/>
             </a:endParaRPr>
           </a:p>
           <a:p>
-            <a:pPr marL="228600" indent="-228600" algn="just">
+            <a:pPr marL="228600" indent="-228600">
               <a:buFont typeface="+mj-lt"/>
               <a:buAutoNum type="arabicPeriod"/>
             </a:pPr>
             <a:r>
-              <a:rPr lang="en-US" sz="2000" err="1">
+              <a:rPr lang="en-US" sz="1600" dirty="0" err="1">
                 <a:solidFill>
                   <a:srgbClr val="FF0000"/>
                 </a:solidFill>
@@ -6030,7 +10113,7 @@
               <a:t>Tiền</a:t>
             </a:r>
             <a:r>
-              <a:rPr lang="en-US" sz="2000">
+              <a:rPr lang="en-US" sz="1600" dirty="0">
                 <a:solidFill>
                   <a:srgbClr val="FF0000"/>
                 </a:solidFill>
@@ -6041,7 +10124,7 @@
               <a:t> </a:t>
             </a:r>
             <a:r>
-              <a:rPr lang="en-US" sz="2000" err="1">
+              <a:rPr lang="en-US" sz="1600" dirty="0" err="1">
                 <a:solidFill>
                   <a:srgbClr val="FF0000"/>
                 </a:solidFill>
@@ -6052,7 +10135,7 @@
               <a:t>xử</a:t>
             </a:r>
             <a:r>
-              <a:rPr lang="en-US" sz="2000">
+              <a:rPr lang="en-US" sz="1600" dirty="0">
                 <a:solidFill>
                   <a:srgbClr val="FF0000"/>
                 </a:solidFill>
@@ -6063,7 +10146,7 @@
               <a:t> </a:t>
             </a:r>
             <a:r>
-              <a:rPr lang="en-US" sz="2000" err="1">
+              <a:rPr lang="en-US" sz="1600" dirty="0" err="1">
                 <a:solidFill>
                   <a:srgbClr val="FF0000"/>
                 </a:solidFill>
@@ -6073,7 +10156,7 @@
               </a:rPr>
               <a:t>lý</a:t>
             </a:r>
-            <a:endParaRPr lang="en-US" sz="2000">
+            <a:endParaRPr lang="en-US" sz="1600" dirty="0">
               <a:solidFill>
                 <a:srgbClr val="FF0000"/>
               </a:solidFill>
@@ -6083,12 +10166,12 @@
             </a:endParaRPr>
           </a:p>
           <a:p>
-            <a:pPr marL="228600" indent="-228600" algn="just">
+            <a:pPr marL="228600" indent="-228600">
               <a:buFont typeface="+mj-lt"/>
               <a:buAutoNum type="arabicPeriod"/>
             </a:pPr>
             <a:r>
-              <a:rPr lang="en-US" sz="2000" err="1">
+              <a:rPr lang="en-US" sz="1600" dirty="0" err="1">
                 <a:latin typeface="Times New Roman" panose="02020603050405020304" pitchFamily="18" charset="0"/>
                 <a:ea typeface="Tahoma" panose="020B0604030504040204" pitchFamily="34" charset="0"/>
                 <a:cs typeface="Times New Roman" panose="02020603050405020304" pitchFamily="18" charset="0"/>
@@ -6096,7 +10179,7 @@
               <a:t>Giải</a:t>
             </a:r>
             <a:r>
-              <a:rPr lang="en-US" sz="2000">
+              <a:rPr lang="en-US" sz="1600" dirty="0">
                 <a:latin typeface="Times New Roman" panose="02020603050405020304" pitchFamily="18" charset="0"/>
                 <a:ea typeface="Tahoma" panose="020B0604030504040204" pitchFamily="34" charset="0"/>
                 <a:cs typeface="Times New Roman" panose="02020603050405020304" pitchFamily="18" charset="0"/>
@@ -6104,26 +10187,26 @@
               <a:t> </a:t>
             </a:r>
             <a:r>
-              <a:rPr lang="en-US" sz="2000" err="1">
+              <a:rPr lang="en-US" sz="1600" dirty="0" err="1">
                 <a:latin typeface="Times New Roman" panose="02020603050405020304" pitchFamily="18" charset="0"/>
                 <a:ea typeface="Tahoma" panose="020B0604030504040204" pitchFamily="34" charset="0"/>
                 <a:cs typeface="Times New Roman" panose="02020603050405020304" pitchFamily="18" charset="0"/>
               </a:rPr>
               <a:t>thuật</a:t>
             </a:r>
-            <a:endParaRPr lang="en-US" sz="2000">
+            <a:endParaRPr lang="en-US" sz="1600" dirty="0">
               <a:latin typeface="Times New Roman" panose="02020603050405020304" pitchFamily="18" charset="0"/>
               <a:ea typeface="Tahoma" panose="020B0604030504040204" pitchFamily="34" charset="0"/>
               <a:cs typeface="Times New Roman" panose="02020603050405020304" pitchFamily="18" charset="0"/>
             </a:endParaRPr>
           </a:p>
           <a:p>
-            <a:pPr marL="228600" indent="-228600" algn="just">
+            <a:pPr marL="228600" indent="-228600">
               <a:buFont typeface="+mj-lt"/>
               <a:buAutoNum type="arabicPeriod"/>
             </a:pPr>
             <a:r>
-              <a:rPr lang="en-US" sz="2000" err="1">
+              <a:rPr lang="en-US" sz="1600" dirty="0" err="1">
                 <a:latin typeface="Times New Roman" panose="02020603050405020304" pitchFamily="18" charset="0"/>
                 <a:ea typeface="Tahoma" panose="020B0604030504040204" pitchFamily="34" charset="0"/>
                 <a:cs typeface="Times New Roman" panose="02020603050405020304" pitchFamily="18" charset="0"/>
@@ -6131,210 +10214,68 @@
               <a:t>Đánh</a:t>
             </a:r>
             <a:r>
-              <a:rPr lang="en-US" sz="2000">
-                <a:latin typeface="Times New Roman" panose="02020603050405020304" pitchFamily="18" charset="0"/>
-                <a:ea typeface="Tahoma" panose="020B0604030504040204" pitchFamily="34" charset="0"/>
-                <a:cs typeface="Times New Roman" panose="02020603050405020304" pitchFamily="18" charset="0"/>
-              </a:rPr>
-              <a:t> giá</a:t>
-            </a:r>
-          </a:p>
-          <a:p>
-            <a:pPr marL="228600" indent="-228600" algn="just">
-              <a:buFont typeface="+mj-lt"/>
-              <a:buAutoNum type="arabicPeriod"/>
-            </a:pPr>
-            <a:r>
-              <a:rPr lang="en-US" sz="2000">
-                <a:latin typeface="Times New Roman" panose="02020603050405020304" pitchFamily="18" charset="0"/>
-                <a:ea typeface="Tahoma" panose="020B0604030504040204" pitchFamily="34" charset="0"/>
-                <a:cs typeface="Times New Roman" panose="02020603050405020304" pitchFamily="18" charset="0"/>
-              </a:rPr>
-              <a:t>Kết luận</a:t>
-            </a:r>
-            <a:endParaRPr lang="vi-VN" sz="2000">
+              <a:rPr lang="en-US" sz="1600" dirty="0">
+                <a:latin typeface="Times New Roman" panose="02020603050405020304" pitchFamily="18" charset="0"/>
+                <a:ea typeface="Tahoma" panose="020B0604030504040204" pitchFamily="34" charset="0"/>
+                <a:cs typeface="Times New Roman" panose="02020603050405020304" pitchFamily="18" charset="0"/>
+              </a:rPr>
+              <a:t> </a:t>
+            </a:r>
+            <a:r>
+              <a:rPr lang="en-US" sz="1600" dirty="0" err="1">
+                <a:latin typeface="Times New Roman" panose="02020603050405020304" pitchFamily="18" charset="0"/>
+                <a:ea typeface="Tahoma" panose="020B0604030504040204" pitchFamily="34" charset="0"/>
+                <a:cs typeface="Times New Roman" panose="02020603050405020304" pitchFamily="18" charset="0"/>
+              </a:rPr>
+              <a:t>giá</a:t>
+            </a:r>
+            <a:endParaRPr lang="en-US" sz="1600" dirty="0">
               <a:latin typeface="Times New Roman" panose="02020603050405020304" pitchFamily="18" charset="0"/>
               <a:ea typeface="Tahoma" panose="020B0604030504040204" pitchFamily="34" charset="0"/>
               <a:cs typeface="Times New Roman" panose="02020603050405020304" pitchFamily="18" charset="0"/>
             </a:endParaRPr>
           </a:p>
+          <a:p>
+            <a:pPr marL="228600" indent="-228600">
+              <a:buFont typeface="+mj-lt"/>
+              <a:buAutoNum type="arabicPeriod"/>
+            </a:pPr>
+            <a:r>
+              <a:rPr lang="en-US" sz="1600" dirty="0" err="1">
+                <a:latin typeface="Times New Roman" panose="02020603050405020304" pitchFamily="18" charset="0"/>
+                <a:ea typeface="Tahoma" panose="020B0604030504040204" pitchFamily="34" charset="0"/>
+                <a:cs typeface="Times New Roman" panose="02020603050405020304" pitchFamily="18" charset="0"/>
+              </a:rPr>
+              <a:t>Kết</a:t>
+            </a:r>
+            <a:r>
+              <a:rPr lang="en-US" sz="1600" dirty="0">
+                <a:latin typeface="Times New Roman" panose="02020603050405020304" pitchFamily="18" charset="0"/>
+                <a:ea typeface="Tahoma" panose="020B0604030504040204" pitchFamily="34" charset="0"/>
+                <a:cs typeface="Times New Roman" panose="02020603050405020304" pitchFamily="18" charset="0"/>
+              </a:rPr>
+              <a:t> </a:t>
+            </a:r>
+            <a:r>
+              <a:rPr lang="en-US" sz="1600" dirty="0" err="1">
+                <a:latin typeface="Times New Roman" panose="02020603050405020304" pitchFamily="18" charset="0"/>
+                <a:ea typeface="Tahoma" panose="020B0604030504040204" pitchFamily="34" charset="0"/>
+                <a:cs typeface="Times New Roman" panose="02020603050405020304" pitchFamily="18" charset="0"/>
+              </a:rPr>
+              <a:t>luận</a:t>
+            </a:r>
+            <a:endParaRPr lang="vi-VN" sz="1600" dirty="0">
+              <a:latin typeface="Times New Roman" panose="02020603050405020304" pitchFamily="18" charset="0"/>
+              <a:ea typeface="Tahoma" panose="020B0604030504040204" pitchFamily="34" charset="0"/>
+              <a:cs typeface="Times New Roman" panose="02020603050405020304" pitchFamily="18" charset="0"/>
+            </a:endParaRPr>
+          </a:p>
         </p:txBody>
       </p:sp>
-      <p:sp>
-        <p:nvSpPr>
-          <p:cNvPr id="9" name="TextBox 8">
-            <a:extLst>
-              <a:ext uri="{FF2B5EF4-FFF2-40B4-BE49-F238E27FC236}">
-                <a16:creationId xmlns:a16="http://schemas.microsoft.com/office/drawing/2014/main" id="{A7C27A6A-E766-4EF3-8C6A-121562FAA265}"/>
-              </a:ext>
-            </a:extLst>
-          </p:cNvPr>
-          <p:cNvSpPr txBox="1"/>
-          <p:nvPr/>
-        </p:nvSpPr>
-        <p:spPr>
-          <a:xfrm>
-            <a:off x="1425635" y="2185922"/>
-            <a:ext cx="9567947" cy="830997"/>
-          </a:xfrm>
-          <a:prstGeom prst="rect">
-            <a:avLst/>
-          </a:prstGeom>
-          <a:noFill/>
-        </p:spPr>
-        <p:txBody>
-          <a:bodyPr wrap="square" rtlCol="0">
-            <a:spAutoFit/>
-          </a:bodyPr>
-          <a:lstStyle/>
-          <a:p>
-            <a:r>
-              <a:rPr lang="en-US" sz="2400">
-                <a:latin typeface="Tahoma" panose="020B0604030504040204" pitchFamily="34" charset="0"/>
-                <a:ea typeface="Tahoma" panose="020B0604030504040204" pitchFamily="34" charset="0"/>
-                <a:cs typeface="Tahoma" panose="020B0604030504040204" pitchFamily="34" charset="0"/>
-              </a:rPr>
-              <a:t>Xóa bớt các cột không cần thiết: instant, casual, </a:t>
-            </a:r>
-            <a:r>
-              <a:rPr lang="en-US" sz="2400" b="0">
-                <a:effectLst/>
-                <a:latin typeface="Tahoma" panose="020B0604030504040204" pitchFamily="34" charset="0"/>
-                <a:ea typeface="Tahoma" panose="020B0604030504040204" pitchFamily="34" charset="0"/>
-                <a:cs typeface="Tahoma" panose="020B0604030504040204" pitchFamily="34" charset="0"/>
-              </a:rPr>
-              <a:t>registered, dteday</a:t>
-            </a:r>
-          </a:p>
-          <a:p>
-            <a:r>
-              <a:rPr lang="en-US" sz="2400">
-                <a:latin typeface="Tahoma" panose="020B0604030504040204" pitchFamily="34" charset="0"/>
-                <a:ea typeface="Tahoma" panose="020B0604030504040204" pitchFamily="34" charset="0"/>
-                <a:cs typeface="Tahoma" panose="020B0604030504040204" pitchFamily="34" charset="0"/>
-              </a:rPr>
-              <a:t>Kiểm tra missing value</a:t>
-            </a:r>
-            <a:endParaRPr lang="en-US" sz="2400" b="0">
-              <a:effectLst/>
-              <a:latin typeface="Tahoma" panose="020B0604030504040204" pitchFamily="34" charset="0"/>
-              <a:ea typeface="Tahoma" panose="020B0604030504040204" pitchFamily="34" charset="0"/>
-              <a:cs typeface="Tahoma" panose="020B0604030504040204" pitchFamily="34" charset="0"/>
-            </a:endParaRPr>
-          </a:p>
-        </p:txBody>
-      </p:sp>
-      <p:grpSp>
-        <p:nvGrpSpPr>
-          <p:cNvPr id="12" name="Group 11">
-            <a:extLst>
-              <a:ext uri="{FF2B5EF4-FFF2-40B4-BE49-F238E27FC236}">
-                <a16:creationId xmlns:a16="http://schemas.microsoft.com/office/drawing/2014/main" id="{899AD948-A4D4-4126-B184-1717E27A3308}"/>
-              </a:ext>
-            </a:extLst>
-          </p:cNvPr>
-          <p:cNvGrpSpPr/>
-          <p:nvPr/>
-        </p:nvGrpSpPr>
-        <p:grpSpPr>
-          <a:xfrm>
-            <a:off x="122960" y="351573"/>
-            <a:ext cx="5532466" cy="1126030"/>
-            <a:chOff x="122960" y="351573"/>
-            <a:chExt cx="5532466" cy="1126030"/>
-          </a:xfrm>
-        </p:grpSpPr>
-        <p:pic>
-          <p:nvPicPr>
-            <p:cNvPr id="13" name="Picture 12">
-              <a:extLst>
-                <a:ext uri="{FF2B5EF4-FFF2-40B4-BE49-F238E27FC236}">
-                  <a16:creationId xmlns:a16="http://schemas.microsoft.com/office/drawing/2014/main" id="{1C4DC997-A072-46E7-BD4D-FDBD62E98F32}"/>
-                </a:ext>
-              </a:extLst>
-            </p:cNvPr>
-            <p:cNvPicPr>
-              <a:picLocks noChangeAspect="1"/>
-            </p:cNvPicPr>
-            <p:nvPr/>
-          </p:nvPicPr>
-          <p:blipFill>
-            <a:blip r:embed="rId2">
-              <a:extLst>
-                <a:ext uri="{28A0092B-C50C-407E-A947-70E740481C1C}">
-                  <a14:useLocalDpi xmlns:a14="http://schemas.microsoft.com/office/drawing/2010/main" val="0"/>
-                </a:ext>
-              </a:extLst>
-            </a:blip>
-            <a:stretch>
-              <a:fillRect/>
-            </a:stretch>
-          </p:blipFill>
-          <p:spPr>
-            <a:xfrm>
-              <a:off x="122960" y="351573"/>
-              <a:ext cx="1126030" cy="1126030"/>
-            </a:xfrm>
-            <a:prstGeom prst="rect">
-              <a:avLst/>
-            </a:prstGeom>
-          </p:spPr>
-        </p:pic>
-        <p:sp>
-          <p:nvSpPr>
-            <p:cNvPr id="14" name="TextBox 13">
-              <a:extLst>
-                <a:ext uri="{FF2B5EF4-FFF2-40B4-BE49-F238E27FC236}">
-                  <a16:creationId xmlns:a16="http://schemas.microsoft.com/office/drawing/2014/main" id="{14B5EF48-65B5-4A49-A829-6D110068D1DF}"/>
-                </a:ext>
-              </a:extLst>
-            </p:cNvPr>
-            <p:cNvSpPr txBox="1"/>
-            <p:nvPr/>
-          </p:nvSpPr>
-          <p:spPr>
-            <a:xfrm>
-              <a:off x="1451438" y="529867"/>
-              <a:ext cx="4203988" cy="769441"/>
-            </a:xfrm>
-            <a:prstGeom prst="rect">
-              <a:avLst/>
-            </a:prstGeom>
-            <a:noFill/>
-          </p:spPr>
-          <p:txBody>
-            <a:bodyPr wrap="square">
-              <a:spAutoFit/>
-            </a:bodyPr>
-            <a:lstStyle/>
-            <a:p>
-              <a:r>
-                <a:rPr lang="en-US" sz="4400" b="1">
-                  <a:solidFill>
-                    <a:schemeClr val="accent2">
-                      <a:lumMod val="75000"/>
-                    </a:schemeClr>
-                  </a:solidFill>
-                  <a:latin typeface="Times New Roman" panose="02020603050405020304" pitchFamily="18" charset="0"/>
-                  <a:cs typeface="Times New Roman" panose="02020603050405020304" pitchFamily="18" charset="0"/>
-                </a:rPr>
-                <a:t>2. TIỀN XỬ LÝ</a:t>
-              </a:r>
-              <a:endParaRPr lang="en-US" sz="4400">
-                <a:solidFill>
-                  <a:schemeClr val="accent2">
-                    <a:lumMod val="75000"/>
-                  </a:schemeClr>
-                </a:solidFill>
-              </a:endParaRPr>
-            </a:p>
-          </p:txBody>
-        </p:sp>
-      </p:grpSp>
     </p:spTree>
     <p:extLst>
       <p:ext uri="{BB962C8B-B14F-4D97-AF65-F5344CB8AC3E}">
-        <p14:creationId xmlns:p14="http://schemas.microsoft.com/office/powerpoint/2010/main" val="319373184"/>
+        <p14:creationId xmlns:p14="http://schemas.microsoft.com/office/powerpoint/2010/main" val="3738193260"/>
       </p:ext>
     </p:extLst>
   </p:cSld>
@@ -6344,7 +10285,7 @@
 </p:sld>
 </file>
 
-<file path=ppt/slides/slide5.xml><?xml version="1.0" encoding="utf-8"?>
+<file path=ppt/slides/slide6.xml><?xml version="1.0" encoding="utf-8"?>
 <p:sld xmlns:a="http://schemas.openxmlformats.org/drawingml/2006/main" xmlns:r="http://schemas.openxmlformats.org/officeDocument/2006/relationships" xmlns:p="http://schemas.openxmlformats.org/presentationml/2006/main">
   <p:cSld>
     <p:spTree>
@@ -6384,7 +10325,7 @@
           <a:p>
             <a:fld id="{3A98EE3D-8CD1-4C3F-BD1C-C98C9596463C}" type="slidenum">
               <a:rPr lang="en-US" smtClean="0"/>
-              <a:t>5</a:t>
+              <a:t>6</a:t>
             </a:fld>
             <a:endParaRPr lang="en-US" dirty="0"/>
           </a:p>
@@ -6723,7 +10664,7 @@
         <p:spPr>
           <a:xfrm>
             <a:off x="1766455" y="2306782"/>
-            <a:ext cx="8219209" cy="2535382"/>
+            <a:ext cx="8219209" cy="646331"/>
           </a:xfrm>
           <a:prstGeom prst="rect">
             <a:avLst/>
@@ -6736,7 +10677,96 @@
           </a:bodyPr>
           <a:lstStyle/>
           <a:p>
-            <a:endParaRPr lang="en-US"/>
+            <a:r>
+              <a:rPr lang="en-US" dirty="0" err="1"/>
+              <a:t>Giải</a:t>
+            </a:r>
+            <a:r>
+              <a:rPr lang="en-US" dirty="0"/>
+              <a:t> </a:t>
+            </a:r>
+            <a:r>
+              <a:rPr lang="en-US" dirty="0" err="1"/>
+              <a:t>thuật</a:t>
+            </a:r>
+            <a:r>
+              <a:rPr lang="en-US" dirty="0"/>
+              <a:t> LR </a:t>
+            </a:r>
+            <a:r>
+              <a:rPr lang="en-US" dirty="0" err="1"/>
+              <a:t>là</a:t>
+            </a:r>
+            <a:r>
+              <a:rPr lang="en-US" dirty="0"/>
+              <a:t> </a:t>
+            </a:r>
+            <a:r>
+              <a:rPr lang="en-US" dirty="0" err="1"/>
+              <a:t>gì</a:t>
+            </a:r>
+            <a:r>
+              <a:rPr lang="en-US" dirty="0"/>
+              <a:t>? (</a:t>
+            </a:r>
+            <a:r>
+              <a:rPr lang="en-US" dirty="0" err="1"/>
+              <a:t>ghi</a:t>
+            </a:r>
+            <a:r>
+              <a:rPr lang="en-US" dirty="0"/>
+              <a:t> </a:t>
+            </a:r>
+            <a:r>
+              <a:rPr lang="en-US" dirty="0" err="1"/>
+              <a:t>khái</a:t>
+            </a:r>
+            <a:r>
+              <a:rPr lang="en-US" dirty="0"/>
+              <a:t> </a:t>
+            </a:r>
+            <a:r>
+              <a:rPr lang="en-US" dirty="0" err="1"/>
+              <a:t>niệm</a:t>
+            </a:r>
+            <a:r>
+              <a:rPr lang="en-US" dirty="0"/>
+              <a:t> </a:t>
+            </a:r>
+            <a:r>
+              <a:rPr lang="en-US" dirty="0" err="1"/>
+              <a:t>trong</a:t>
+            </a:r>
+            <a:r>
+              <a:rPr lang="en-US" dirty="0"/>
+              <a:t> </a:t>
+            </a:r>
+            <a:r>
+              <a:rPr lang="en-US" dirty="0" err="1"/>
+              <a:t>tập</a:t>
+            </a:r>
+            <a:r>
+              <a:rPr lang="en-US" dirty="0"/>
+              <a:t> m ra)</a:t>
+            </a:r>
+          </a:p>
+          <a:p>
+            <a:r>
+              <a:rPr lang="en-US" dirty="0" err="1"/>
+              <a:t>Đặc</a:t>
+            </a:r>
+            <a:r>
+              <a:rPr lang="en-US" dirty="0"/>
+              <a:t> </a:t>
+            </a:r>
+            <a:r>
+              <a:rPr lang="en-US" dirty="0" err="1"/>
+              <a:t>điểm</a:t>
+            </a:r>
+            <a:r>
+              <a:rPr lang="en-US" dirty="0"/>
+              <a:t>,..</a:t>
+            </a:r>
           </a:p>
         </p:txBody>
       </p:sp>
@@ -6753,7 +10783,7 @@
 </p:sld>
 </file>
 
-<file path=ppt/slides/slide6.xml><?xml version="1.0" encoding="utf-8"?>
+<file path=ppt/slides/slide7.xml><?xml version="1.0" encoding="utf-8"?>
 <p:sld xmlns:a="http://schemas.openxmlformats.org/drawingml/2006/main" xmlns:r="http://schemas.openxmlformats.org/officeDocument/2006/relationships" xmlns:p="http://schemas.openxmlformats.org/presentationml/2006/main">
   <p:cSld>
     <p:spTree>
@@ -6793,7 +10823,7 @@
           <a:p>
             <a:fld id="{3A98EE3D-8CD1-4C3F-BD1C-C98C9596463C}" type="slidenum">
               <a:rPr lang="en-US" smtClean="0"/>
-              <a:t>6</a:t>
+              <a:t>7</a:t>
             </a:fld>
             <a:endParaRPr lang="en-US" dirty="0"/>
           </a:p>
@@ -7124,7 +11154,7 @@
 </p:sld>
 </file>
 
-<file path=ppt/slides/slide7.xml><?xml version="1.0" encoding="utf-8"?>
+<file path=ppt/slides/slide8.xml><?xml version="1.0" encoding="utf-8"?>
 <p:sld xmlns:a="http://schemas.openxmlformats.org/drawingml/2006/main" xmlns:r="http://schemas.openxmlformats.org/officeDocument/2006/relationships" xmlns:p="http://schemas.openxmlformats.org/presentationml/2006/main">
   <p:cSld>
     <p:spTree>
@@ -7164,7 +11194,7 @@
           <a:p>
             <a:fld id="{3A98EE3D-8CD1-4C3F-BD1C-C98C9596463C}" type="slidenum">
               <a:rPr lang="en-US" smtClean="0"/>
-              <a:t>7</a:t>
+              <a:t>8</a:t>
             </a:fld>
             <a:endParaRPr lang="en-US" dirty="0"/>
           </a:p>
@@ -7486,270 +11516,6 @@
     <p:extLst>
       <p:ext uri="{BB962C8B-B14F-4D97-AF65-F5344CB8AC3E}">
         <p14:creationId xmlns:p14="http://schemas.microsoft.com/office/powerpoint/2010/main" val="3123593477"/>
-      </p:ext>
-    </p:extLst>
-  </p:cSld>
-  <p:clrMapOvr>
-    <a:masterClrMapping/>
-  </p:clrMapOvr>
-</p:sld>
-</file>
-
-<file path=ppt/slides/slide8.xml><?xml version="1.0" encoding="utf-8"?>
-<p:sld xmlns:a="http://schemas.openxmlformats.org/drawingml/2006/main" xmlns:r="http://schemas.openxmlformats.org/officeDocument/2006/relationships" xmlns:p="http://schemas.openxmlformats.org/presentationml/2006/main">
-  <p:cSld>
-    <p:bg>
-      <p:bgPr>
-        <a:solidFill>
-          <a:schemeClr val="bg1"/>
-        </a:solidFill>
-        <a:effectLst/>
-      </p:bgPr>
-    </p:bg>
-    <p:spTree>
-      <p:nvGrpSpPr>
-        <p:cNvPr id="1" name=""/>
-        <p:cNvGrpSpPr/>
-        <p:nvPr/>
-      </p:nvGrpSpPr>
-      <p:grpSpPr>
-        <a:xfrm>
-          <a:off x="0" y="0"/>
-          <a:ext cx="0" cy="0"/>
-          <a:chOff x="0" y="0"/>
-          <a:chExt cx="0" cy="0"/>
-        </a:xfrm>
-      </p:grpSpPr>
-      <p:sp>
-        <p:nvSpPr>
-          <p:cNvPr id="47" name="Rectangle 46">
-            <a:extLst>
-              <a:ext uri="{FF2B5EF4-FFF2-40B4-BE49-F238E27FC236}">
-                <a16:creationId xmlns:a16="http://schemas.microsoft.com/office/drawing/2014/main" id="{FBDCECDC-EEE3-4128-AA5E-82A8C08796E8}"/>
-              </a:ext>
-              <a:ext uri="{C183D7F6-B498-43B3-948B-1728B52AA6E4}">
-                <adec:decorative xmlns:adec="http://schemas.microsoft.com/office/drawing/2017/decorative" val="1"/>
-              </a:ext>
-            </a:extLst>
-          </p:cNvPr>
-          <p:cNvSpPr>
-            <a:spLocks noGrp="1" noRot="1" noChangeAspect="1" noMove="1" noResize="1" noEditPoints="1" noAdjustHandles="1" noChangeArrowheads="1" noChangeShapeType="1" noTextEdit="1"/>
-          </p:cNvSpPr>
-          <p:nvPr>
-            <p:extLst>
-              <p:ext uri="{386F3935-93C4-4BCD-93E2-E3B085C9AB24}">
-                <p16:designElem xmlns:p16="http://schemas.microsoft.com/office/powerpoint/2015/main" val="1"/>
-              </p:ext>
-            </p:extLst>
-          </p:nvPr>
-        </p:nvSpPr>
-        <p:spPr>
-          <a:xfrm>
-            <a:off x="1507" y="0"/>
-            <a:ext cx="12192000" cy="6858000"/>
-          </a:xfrm>
-          <a:prstGeom prst="rect">
-            <a:avLst/>
-          </a:prstGeom>
-          <a:solidFill>
-            <a:schemeClr val="accent1"/>
-          </a:solidFill>
-          <a:ln>
-            <a:noFill/>
-          </a:ln>
-        </p:spPr>
-        <p:style>
-          <a:lnRef idx="2">
-            <a:schemeClr val="accent1">
-              <a:shade val="50000"/>
-            </a:schemeClr>
-          </a:lnRef>
-          <a:fillRef idx="1">
-            <a:schemeClr val="accent1"/>
-          </a:fillRef>
-          <a:effectRef idx="0">
-            <a:schemeClr val="accent1"/>
-          </a:effectRef>
-          <a:fontRef idx="minor">
-            <a:schemeClr val="lt1"/>
-          </a:fontRef>
-        </p:style>
-        <p:txBody>
-          <a:bodyPr rtlCol="0" anchor="ctr"/>
-          <a:lstStyle/>
-          <a:p>
-            <a:pPr algn="ctr"/>
-            <a:endParaRPr lang="en-US"/>
-          </a:p>
-        </p:txBody>
-      </p:sp>
-      <p:sp>
-        <p:nvSpPr>
-          <p:cNvPr id="2" name="Title 1">
-            <a:extLst>
-              <a:ext uri="{FF2B5EF4-FFF2-40B4-BE49-F238E27FC236}">
-                <a16:creationId xmlns:a16="http://schemas.microsoft.com/office/drawing/2014/main" id="{9AB2EA78-AEB3-469B-9025-3B17201A457B}"/>
-              </a:ext>
-            </a:extLst>
-          </p:cNvPr>
-          <p:cNvSpPr>
-            <a:spLocks noGrp="1"/>
-          </p:cNvSpPr>
-          <p:nvPr>
-            <p:ph type="ctrTitle"/>
-          </p:nvPr>
-        </p:nvSpPr>
-        <p:spPr>
-          <a:xfrm>
-            <a:off x="1097280" y="758952"/>
-            <a:ext cx="10058400" cy="3892168"/>
-          </a:xfrm>
-        </p:spPr>
-        <p:txBody>
-          <a:bodyPr anchor="ctr">
-            <a:normAutofit/>
-          </a:bodyPr>
-          <a:lstStyle/>
-          <a:p>
-            <a:pPr lvl="0"/>
-            <a:r>
-              <a:rPr lang="en-US" sz="4800" i="1" dirty="0">
-                <a:solidFill>
-                  <a:srgbClr val="FFFFFF"/>
-                </a:solidFill>
-              </a:rPr>
-              <a:t>Your best quote that reflects your approach… “It’s one small step for man, one giant leap for mankind.”</a:t>
-            </a:r>
-          </a:p>
-        </p:txBody>
-      </p:sp>
-      <p:sp>
-        <p:nvSpPr>
-          <p:cNvPr id="49" name="Rectangle 48">
-            <a:extLst>
-              <a:ext uri="{FF2B5EF4-FFF2-40B4-BE49-F238E27FC236}">
-                <a16:creationId xmlns:a16="http://schemas.microsoft.com/office/drawing/2014/main" id="{4260EDE0-989C-4E16-AF94-F652294D828E}"/>
-              </a:ext>
-              <a:ext uri="{C183D7F6-B498-43B3-948B-1728B52AA6E4}">
-                <adec:decorative xmlns:adec="http://schemas.microsoft.com/office/drawing/2017/decorative" val="1"/>
-              </a:ext>
-            </a:extLst>
-          </p:cNvPr>
-          <p:cNvSpPr>
-            <a:spLocks noGrp="1" noRot="1" noChangeAspect="1" noMove="1" noResize="1" noEditPoints="1" noAdjustHandles="1" noChangeArrowheads="1" noChangeShapeType="1" noTextEdit="1"/>
-          </p:cNvSpPr>
-          <p:nvPr>
-            <p:extLst>
-              <p:ext uri="{386F3935-93C4-4BCD-93E2-E3B085C9AB24}">
-                <p16:designElem xmlns:p16="http://schemas.microsoft.com/office/powerpoint/2015/main" val="1"/>
-              </p:ext>
-            </p:extLst>
-          </p:nvPr>
-        </p:nvSpPr>
-        <p:spPr bwMode="white">
-          <a:xfrm>
-            <a:off x="1507" y="4953000"/>
-            <a:ext cx="12188952" cy="1905000"/>
-          </a:xfrm>
-          <a:prstGeom prst="rect">
-            <a:avLst/>
-          </a:prstGeom>
-          <a:solidFill>
-            <a:srgbClr val="262626"/>
-          </a:solidFill>
-          <a:ln>
-            <a:noFill/>
-          </a:ln>
-        </p:spPr>
-        <p:style>
-          <a:lnRef idx="2">
-            <a:schemeClr val="accent1">
-              <a:shade val="50000"/>
-            </a:schemeClr>
-          </a:lnRef>
-          <a:fillRef idx="1">
-            <a:schemeClr val="accent1"/>
-          </a:fillRef>
-          <a:effectRef idx="0">
-            <a:schemeClr val="accent1"/>
-          </a:effectRef>
-          <a:fontRef idx="minor">
-            <a:schemeClr val="lt1"/>
-          </a:fontRef>
-        </p:style>
-      </p:sp>
-      <p:sp>
-        <p:nvSpPr>
-          <p:cNvPr id="3" name="Subtitle 2">
-            <a:extLst>
-              <a:ext uri="{FF2B5EF4-FFF2-40B4-BE49-F238E27FC236}">
-                <a16:creationId xmlns:a16="http://schemas.microsoft.com/office/drawing/2014/main" id="{255E1F2F-E259-4EA8-9FFD-3A10AF541859}"/>
-              </a:ext>
-            </a:extLst>
-          </p:cNvPr>
-          <p:cNvSpPr>
-            <a:spLocks noGrp="1"/>
-          </p:cNvSpPr>
-          <p:nvPr>
-            <p:ph type="subTitle" idx="1"/>
-          </p:nvPr>
-        </p:nvSpPr>
-        <p:spPr>
-          <a:xfrm>
-            <a:off x="1100051" y="5225240"/>
-            <a:ext cx="10058400" cy="1143000"/>
-          </a:xfrm>
-        </p:spPr>
-        <p:txBody>
-          <a:bodyPr>
-            <a:normAutofit/>
-          </a:bodyPr>
-          <a:lstStyle/>
-          <a:p>
-            <a:r>
-              <a:rPr lang="en-US">
-                <a:solidFill>
-                  <a:srgbClr val="FFFFFF"/>
-                </a:solidFill>
-              </a:rPr>
-              <a:t>- Neil Armstrong</a:t>
-            </a:r>
-          </a:p>
-        </p:txBody>
-      </p:sp>
-      <p:sp>
-        <p:nvSpPr>
-          <p:cNvPr id="4" name="Slide Number Placeholder 3">
-            <a:extLst>
-              <a:ext uri="{FF2B5EF4-FFF2-40B4-BE49-F238E27FC236}">
-                <a16:creationId xmlns:a16="http://schemas.microsoft.com/office/drawing/2014/main" id="{3A136D85-B5A4-4CE6-81CA-C4F462C13AB7}"/>
-              </a:ext>
-            </a:extLst>
-          </p:cNvPr>
-          <p:cNvSpPr>
-            <a:spLocks noGrp="1"/>
-          </p:cNvSpPr>
-          <p:nvPr>
-            <p:ph type="sldNum" sz="quarter" idx="12"/>
-          </p:nvPr>
-        </p:nvSpPr>
-        <p:spPr/>
-        <p:txBody>
-          <a:bodyPr/>
-          <a:lstStyle/>
-          <a:p>
-            <a:fld id="{3A98EE3D-8CD1-4C3F-BD1C-C98C9596463C}" type="slidenum">
-              <a:rPr lang="en-US" smtClean="0"/>
-              <a:t>8</a:t>
-            </a:fld>
-            <a:endParaRPr lang="en-US" dirty="0"/>
-          </a:p>
-        </p:txBody>
-      </p:sp>
-    </p:spTree>
-    <p:extLst>
-      <p:ext uri="{BB962C8B-B14F-4D97-AF65-F5344CB8AC3E}">
-        <p14:creationId xmlns:p14="http://schemas.microsoft.com/office/powerpoint/2010/main" val="191714609"/>
       </p:ext>
     </p:extLst>
   </p:cSld>

--- a/btn-baocao.pptx
+++ b/btn-baocao.pptx
@@ -10,12 +10,12 @@
   <p:sldIdLst>
     <p:sldId id="257" r:id="rId2"/>
     <p:sldId id="259" r:id="rId3"/>
-    <p:sldId id="266" r:id="rId4"/>
-    <p:sldId id="260" r:id="rId5"/>
-    <p:sldId id="267" r:id="rId6"/>
-    <p:sldId id="263" r:id="rId7"/>
-    <p:sldId id="264" r:id="rId8"/>
-    <p:sldId id="265" r:id="rId9"/>
+    <p:sldId id="260" r:id="rId4"/>
+    <p:sldId id="262" r:id="rId5"/>
+    <p:sldId id="263" r:id="rId6"/>
+    <p:sldId id="264" r:id="rId7"/>
+    <p:sldId id="265" r:id="rId8"/>
+    <p:sldId id="258" r:id="rId9"/>
   </p:sldIdLst>
   <p:sldSz cx="12192000" cy="6858000"/>
   <p:notesSz cx="6858000" cy="9144000"/>
@@ -4200,7 +4200,7 @@
         </p:nvSpPr>
         <p:spPr>
           <a:xfrm>
-            <a:off x="4046495" y="8155"/>
+            <a:off x="4046495" y="677862"/>
             <a:ext cx="4635315" cy="1077218"/>
           </a:xfrm>
         </p:spPr>
@@ -4211,7 +4211,7 @@
           <a:lstStyle/>
           <a:p>
             <a:r>
-              <a:rPr lang="en-US" sz="2400" b="1" dirty="0">
+              <a:rPr lang="en-US" sz="2400" b="1">
                 <a:solidFill>
                   <a:schemeClr val="accent2">
                     <a:lumMod val="75000"/>
@@ -4223,7 +4223,7 @@
               <a:t>BÁO CÁO</a:t>
             </a:r>
             <a:br>
-              <a:rPr lang="en-US" sz="2400" b="1" dirty="0">
+              <a:rPr lang="en-US" sz="2400" b="1">
                 <a:solidFill>
                   <a:schemeClr val="accent2">
                     <a:lumMod val="75000"/>
@@ -4234,7 +4234,7 @@
               </a:rPr>
             </a:br>
             <a:r>
-              <a:rPr lang="en-US" sz="2400" b="1" dirty="0">
+              <a:rPr lang="en-US" sz="2400" b="1">
                 <a:solidFill>
                   <a:schemeClr val="accent2">
                     <a:lumMod val="75000"/>
@@ -4246,7 +4246,7 @@
               <a:t>BÀI TẬP NHÓM</a:t>
             </a:r>
             <a:br>
-              <a:rPr lang="en-US" sz="2400" b="1" dirty="0">
+              <a:rPr lang="en-US" sz="2400" b="1">
                 <a:solidFill>
                   <a:schemeClr val="accent2">
                     <a:lumMod val="75000"/>
@@ -4257,7 +4257,7 @@
               </a:rPr>
             </a:br>
             <a:r>
-              <a:rPr lang="en-US" sz="2400" b="1" dirty="0">
+              <a:rPr lang="en-US" sz="2400" b="1">
                 <a:solidFill>
                   <a:schemeClr val="accent2">
                     <a:lumMod val="75000"/>
@@ -4425,9 +4425,8 @@
           </a:bodyPr>
           <a:lstStyle/>
           <a:p>
-            <a:pPr algn="ctr"/>
-            <a:r>
-              <a:rPr lang="en-US" sz="3600" b="1" dirty="0">
+            <a:r>
+              <a:rPr lang="en-US" sz="3600" b="1">
                 <a:solidFill>
                   <a:schemeClr val="accent2">
                     <a:lumMod val="75000"/>
@@ -4439,7 +4438,7 @@
               <a:t>GIẢI THUẬT HỒI QUY </a:t>
             </a:r>
             <a:br>
-              <a:rPr lang="en-US" sz="3600" b="1" dirty="0">
+              <a:rPr lang="en-US" sz="3600" b="1">
                 <a:solidFill>
                   <a:schemeClr val="accent2">
                     <a:lumMod val="75000"/>
@@ -4450,7 +4449,7 @@
               </a:rPr>
             </a:br>
             <a:r>
-              <a:rPr lang="en-US" sz="3600" b="1" dirty="0">
+              <a:rPr lang="en-US" sz="3600" b="1">
                 <a:solidFill>
                   <a:schemeClr val="accent2">
                     <a:lumMod val="75000"/>
@@ -4461,7 +4460,7 @@
               </a:rPr>
               <a:t>TRÊN TẬP DỮ LIỆU BIKE-SHARING </a:t>
             </a:r>
-            <a:endParaRPr lang="en-US" sz="3600" dirty="0">
+            <a:endParaRPr lang="en-US" sz="3600">
               <a:solidFill>
                 <a:schemeClr val="accent2">
                   <a:lumMod val="75000"/>
@@ -4485,8 +4484,8 @@
         </p:nvSpPr>
         <p:spPr>
           <a:xfrm>
-            <a:off x="6084576" y="4825506"/>
-            <a:ext cx="4604888" cy="1569660"/>
+            <a:off x="5290113" y="4785305"/>
+            <a:ext cx="4635315" cy="1569660"/>
           </a:xfrm>
           <a:prstGeom prst="rect">
             <a:avLst/>
@@ -4500,74 +4499,11 @@
           <a:lstStyle/>
           <a:p>
             <a:r>
-              <a:rPr lang="en-US" sz="2400" b="1" dirty="0" err="1">
-                <a:latin typeface="Times New Roman" panose="02020603050405020304" pitchFamily="18" charset="0"/>
-                <a:cs typeface="Times New Roman" panose="02020603050405020304" pitchFamily="18" charset="0"/>
-              </a:rPr>
-              <a:t>Sinh</a:t>
-            </a:r>
-            <a:r>
-              <a:rPr lang="en-US" sz="2400" b="1" dirty="0">
-                <a:latin typeface="Times New Roman" panose="02020603050405020304" pitchFamily="18" charset="0"/>
-                <a:cs typeface="Times New Roman" panose="02020603050405020304" pitchFamily="18" charset="0"/>
-              </a:rPr>
-              <a:t> </a:t>
-            </a:r>
-            <a:r>
-              <a:rPr lang="en-US" sz="2400" b="1" dirty="0" err="1">
-                <a:latin typeface="Times New Roman" panose="02020603050405020304" pitchFamily="18" charset="0"/>
-                <a:cs typeface="Times New Roman" panose="02020603050405020304" pitchFamily="18" charset="0"/>
-              </a:rPr>
-              <a:t>viên</a:t>
-            </a:r>
-            <a:r>
-              <a:rPr lang="en-US" sz="2400" b="1" dirty="0">
-                <a:latin typeface="Times New Roman" panose="02020603050405020304" pitchFamily="18" charset="0"/>
-                <a:cs typeface="Times New Roman" panose="02020603050405020304" pitchFamily="18" charset="0"/>
-              </a:rPr>
-              <a:t> </a:t>
-            </a:r>
-            <a:r>
-              <a:rPr lang="en-US" sz="2400" b="1" dirty="0" err="1">
-                <a:latin typeface="Times New Roman" panose="02020603050405020304" pitchFamily="18" charset="0"/>
-                <a:cs typeface="Times New Roman" panose="02020603050405020304" pitchFamily="18" charset="0"/>
-              </a:rPr>
-              <a:t>thực</a:t>
-            </a:r>
-            <a:r>
-              <a:rPr lang="en-US" sz="2400" b="1" dirty="0">
-                <a:latin typeface="Times New Roman" panose="02020603050405020304" pitchFamily="18" charset="0"/>
-                <a:cs typeface="Times New Roman" panose="02020603050405020304" pitchFamily="18" charset="0"/>
-              </a:rPr>
-              <a:t> </a:t>
-            </a:r>
-            <a:r>
-              <a:rPr lang="en-US" sz="2400" b="1" dirty="0" err="1">
-                <a:latin typeface="Times New Roman" panose="02020603050405020304" pitchFamily="18" charset="0"/>
-                <a:cs typeface="Times New Roman" panose="02020603050405020304" pitchFamily="18" charset="0"/>
-              </a:rPr>
-              <a:t>hiện</a:t>
-            </a:r>
-            <a:r>
-              <a:rPr lang="en-US" sz="2400" b="1" dirty="0">
-                <a:latin typeface="Times New Roman" panose="02020603050405020304" pitchFamily="18" charset="0"/>
-                <a:cs typeface="Times New Roman" panose="02020603050405020304" pitchFamily="18" charset="0"/>
-              </a:rPr>
-              <a:t> (</a:t>
-            </a:r>
-            <a:r>
-              <a:rPr lang="en-US" sz="2400" b="1" dirty="0" err="1">
-                <a:latin typeface="Times New Roman" panose="02020603050405020304" pitchFamily="18" charset="0"/>
-                <a:cs typeface="Times New Roman" panose="02020603050405020304" pitchFamily="18" charset="0"/>
-              </a:rPr>
-              <a:t>Nhóm</a:t>
-            </a:r>
-            <a:r>
-              <a:rPr lang="en-US" sz="2400" b="1" dirty="0">
-                <a:latin typeface="Times New Roman" panose="02020603050405020304" pitchFamily="18" charset="0"/>
-                <a:cs typeface="Times New Roman" panose="02020603050405020304" pitchFamily="18" charset="0"/>
-              </a:rPr>
-              <a:t> 04-S5)</a:t>
+              <a:rPr lang="en-US" sz="2400" b="1">
+                <a:latin typeface="Times New Roman" panose="02020603050405020304" pitchFamily="18" charset="0"/>
+                <a:cs typeface="Times New Roman" panose="02020603050405020304" pitchFamily="18" charset="0"/>
+              </a:rPr>
+              <a:t>Sinh viên thực hiện (Nhóm04-S5)</a:t>
             </a:r>
           </a:p>
           <a:p>
@@ -4576,32 +4512,11 @@
               <a:buChar char="§"/>
             </a:pPr>
             <a:r>
-              <a:rPr lang="en-US" sz="2400" dirty="0" err="1">
-                <a:latin typeface="Times New Roman" panose="02020603050405020304" pitchFamily="18" charset="0"/>
-                <a:cs typeface="Times New Roman" panose="02020603050405020304" pitchFamily="18" charset="0"/>
-              </a:rPr>
-              <a:t>Phạm</a:t>
-            </a:r>
-            <a:r>
-              <a:rPr lang="en-US" sz="2400" dirty="0">
-                <a:latin typeface="Times New Roman" panose="02020603050405020304" pitchFamily="18" charset="0"/>
-                <a:cs typeface="Times New Roman" panose="02020603050405020304" pitchFamily="18" charset="0"/>
-              </a:rPr>
-              <a:t> </a:t>
-            </a:r>
-            <a:r>
-              <a:rPr lang="en-US" sz="2400" dirty="0" err="1">
-                <a:latin typeface="Times New Roman" panose="02020603050405020304" pitchFamily="18" charset="0"/>
-                <a:cs typeface="Times New Roman" panose="02020603050405020304" pitchFamily="18" charset="0"/>
-              </a:rPr>
-              <a:t>Trí</a:t>
-            </a:r>
-            <a:r>
-              <a:rPr lang="en-US" sz="2400" dirty="0">
-                <a:latin typeface="Times New Roman" panose="02020603050405020304" pitchFamily="18" charset="0"/>
-                <a:cs typeface="Times New Roman" panose="02020603050405020304" pitchFamily="18" charset="0"/>
-              </a:rPr>
-              <a:t> Minh B17066</a:t>
+              <a:rPr lang="en-US" sz="2400">
+                <a:latin typeface="Times New Roman" panose="02020603050405020304" pitchFamily="18" charset="0"/>
+                <a:cs typeface="Times New Roman" panose="02020603050405020304" pitchFamily="18" charset="0"/>
+              </a:rPr>
+              <a:t>Phạm Trí Minh B1706649</a:t>
             </a:r>
           </a:p>
           <a:p>
@@ -4610,46 +4525,11 @@
               <a:buChar char="§"/>
             </a:pPr>
             <a:r>
-              <a:rPr lang="en-US" sz="2400" dirty="0" err="1">
-                <a:latin typeface="Times New Roman" panose="02020603050405020304" pitchFamily="18" charset="0"/>
-                <a:cs typeface="Times New Roman" panose="02020603050405020304" pitchFamily="18" charset="0"/>
-              </a:rPr>
-              <a:t>Đặng</a:t>
-            </a:r>
-            <a:r>
-              <a:rPr lang="en-US" sz="2400" dirty="0">
-                <a:latin typeface="Times New Roman" panose="02020603050405020304" pitchFamily="18" charset="0"/>
-                <a:cs typeface="Times New Roman" panose="02020603050405020304" pitchFamily="18" charset="0"/>
-              </a:rPr>
-              <a:t> </a:t>
-            </a:r>
-            <a:r>
-              <a:rPr lang="en-US" sz="2400" dirty="0" err="1">
-                <a:latin typeface="Times New Roman" panose="02020603050405020304" pitchFamily="18" charset="0"/>
-                <a:cs typeface="Times New Roman" panose="02020603050405020304" pitchFamily="18" charset="0"/>
-              </a:rPr>
-              <a:t>Văn</a:t>
-            </a:r>
-            <a:r>
-              <a:rPr lang="en-US" sz="2400" dirty="0">
-                <a:latin typeface="Times New Roman" panose="02020603050405020304" pitchFamily="18" charset="0"/>
-                <a:cs typeface="Times New Roman" panose="02020603050405020304" pitchFamily="18" charset="0"/>
-              </a:rPr>
-              <a:t> </a:t>
-            </a:r>
-            <a:r>
-              <a:rPr lang="en-US" sz="2400" dirty="0" err="1">
-                <a:latin typeface="Times New Roman" panose="02020603050405020304" pitchFamily="18" charset="0"/>
-                <a:cs typeface="Times New Roman" panose="02020603050405020304" pitchFamily="18" charset="0"/>
-              </a:rPr>
-              <a:t>Tường</a:t>
-            </a:r>
-            <a:r>
-              <a:rPr lang="en-US" sz="2400" dirty="0">
-                <a:latin typeface="Times New Roman" panose="02020603050405020304" pitchFamily="18" charset="0"/>
-                <a:cs typeface="Times New Roman" panose="02020603050405020304" pitchFamily="18" charset="0"/>
-              </a:rPr>
-              <a:t> B1706665</a:t>
+              <a:rPr lang="en-US" sz="2400">
+                <a:latin typeface="Times New Roman" panose="02020603050405020304" pitchFamily="18" charset="0"/>
+                <a:cs typeface="Times New Roman" panose="02020603050405020304" pitchFamily="18" charset="0"/>
+              </a:rPr>
+              <a:t>Đặng Văn Tường B1706665</a:t>
             </a:r>
           </a:p>
           <a:p>
@@ -4658,46 +4538,11 @@
               <a:buChar char="§"/>
             </a:pPr>
             <a:r>
-              <a:rPr lang="en-US" sz="2400" dirty="0" err="1">
-                <a:latin typeface="Times New Roman" panose="02020603050405020304" pitchFamily="18" charset="0"/>
-                <a:cs typeface="Times New Roman" panose="02020603050405020304" pitchFamily="18" charset="0"/>
-              </a:rPr>
-              <a:t>Nguyễn</a:t>
-            </a:r>
-            <a:r>
-              <a:rPr lang="en-US" sz="2400" dirty="0">
-                <a:latin typeface="Times New Roman" panose="02020603050405020304" pitchFamily="18" charset="0"/>
-                <a:cs typeface="Times New Roman" panose="02020603050405020304" pitchFamily="18" charset="0"/>
-              </a:rPr>
-              <a:t> </a:t>
-            </a:r>
-            <a:r>
-              <a:rPr lang="en-US" sz="2400" dirty="0" err="1">
-                <a:latin typeface="Times New Roman" panose="02020603050405020304" pitchFamily="18" charset="0"/>
-                <a:cs typeface="Times New Roman" panose="02020603050405020304" pitchFamily="18" charset="0"/>
-              </a:rPr>
-              <a:t>Hùng</a:t>
-            </a:r>
-            <a:r>
-              <a:rPr lang="en-US" sz="2400" dirty="0">
-                <a:latin typeface="Times New Roman" panose="02020603050405020304" pitchFamily="18" charset="0"/>
-                <a:cs typeface="Times New Roman" panose="02020603050405020304" pitchFamily="18" charset="0"/>
-              </a:rPr>
-              <a:t> </a:t>
-            </a:r>
-            <a:r>
-              <a:rPr lang="en-US" sz="2400" dirty="0" err="1">
-                <a:latin typeface="Times New Roman" panose="02020603050405020304" pitchFamily="18" charset="0"/>
-                <a:cs typeface="Times New Roman" panose="02020603050405020304" pitchFamily="18" charset="0"/>
-              </a:rPr>
-              <a:t>Thuận</a:t>
-            </a:r>
-            <a:r>
-              <a:rPr lang="en-US" sz="2400" dirty="0">
-                <a:latin typeface="Times New Roman" panose="02020603050405020304" pitchFamily="18" charset="0"/>
-                <a:cs typeface="Times New Roman" panose="02020603050405020304" pitchFamily="18" charset="0"/>
-              </a:rPr>
-              <a:t> B1706649</a:t>
+              <a:rPr lang="en-US" sz="2400">
+                <a:latin typeface="Times New Roman" panose="02020603050405020304" pitchFamily="18" charset="0"/>
+                <a:cs typeface="Times New Roman" panose="02020603050405020304" pitchFamily="18" charset="0"/>
+              </a:rPr>
+              <a:t>Nguyễn Hùng Thuận B1706649</a:t>
             </a:r>
           </a:p>
         </p:txBody>
@@ -4732,7 +4577,7 @@
           <a:p>
             <a:pPr algn="ctr"/>
             <a:r>
-              <a:rPr lang="en-US" sz="2400" b="1" dirty="0">
+              <a:rPr lang="en-US" sz="2400" b="1">
                 <a:solidFill>
                   <a:schemeClr val="accent2">
                     <a:lumMod val="75000"/>
@@ -4741,10 +4586,13 @@
                 <a:latin typeface="Times New Roman" panose="02020603050405020304" pitchFamily="18" charset="0"/>
                 <a:cs typeface="Times New Roman" panose="02020603050405020304" pitchFamily="18" charset="0"/>
               </a:rPr>
-              <a:t>GV </a:t>
-            </a:r>
-            <a:r>
-              <a:rPr lang="en-US" sz="2400" b="1" dirty="0" err="1">
+              <a:t>GVhướng dẫn:</a:t>
+            </a:r>
+          </a:p>
+          <a:p>
+            <a:pPr algn="ctr"/>
+            <a:r>
+              <a:rPr lang="en-US" sz="2400">
                 <a:solidFill>
                   <a:schemeClr val="accent2">
                     <a:lumMod val="75000"/>
@@ -4753,116 +4601,8 @@
                 <a:latin typeface="Times New Roman" panose="02020603050405020304" pitchFamily="18" charset="0"/>
                 <a:cs typeface="Times New Roman" panose="02020603050405020304" pitchFamily="18" charset="0"/>
               </a:rPr>
-              <a:t>hướng</a:t>
-            </a:r>
-            <a:r>
-              <a:rPr lang="en-US" sz="2400" b="1" dirty="0">
-                <a:solidFill>
-                  <a:schemeClr val="accent2">
-                    <a:lumMod val="75000"/>
-                  </a:schemeClr>
-                </a:solidFill>
-                <a:latin typeface="Times New Roman" panose="02020603050405020304" pitchFamily="18" charset="0"/>
-                <a:cs typeface="Times New Roman" panose="02020603050405020304" pitchFamily="18" charset="0"/>
-              </a:rPr>
-              <a:t> </a:t>
-            </a:r>
-            <a:r>
-              <a:rPr lang="en-US" sz="2400" b="1" dirty="0" err="1">
-                <a:solidFill>
-                  <a:schemeClr val="accent2">
-                    <a:lumMod val="75000"/>
-                  </a:schemeClr>
-                </a:solidFill>
-                <a:latin typeface="Times New Roman" panose="02020603050405020304" pitchFamily="18" charset="0"/>
-                <a:cs typeface="Times New Roman" panose="02020603050405020304" pitchFamily="18" charset="0"/>
-              </a:rPr>
-              <a:t>dẫn</a:t>
-            </a:r>
-            <a:r>
-              <a:rPr lang="en-US" sz="2400" b="1" dirty="0">
-                <a:solidFill>
-                  <a:schemeClr val="accent2">
-                    <a:lumMod val="75000"/>
-                  </a:schemeClr>
-                </a:solidFill>
-                <a:latin typeface="Times New Roman" panose="02020603050405020304" pitchFamily="18" charset="0"/>
-                <a:cs typeface="Times New Roman" panose="02020603050405020304" pitchFamily="18" charset="0"/>
-              </a:rPr>
-              <a:t>:</a:t>
-            </a:r>
-          </a:p>
-          <a:p>
-            <a:pPr algn="ctr"/>
-            <a:r>
-              <a:rPr lang="en-US" sz="2400" dirty="0" err="1">
-                <a:solidFill>
-                  <a:schemeClr val="accent2">
-                    <a:lumMod val="75000"/>
-                  </a:schemeClr>
-                </a:solidFill>
-                <a:latin typeface="Times New Roman" panose="02020603050405020304" pitchFamily="18" charset="0"/>
-                <a:cs typeface="Times New Roman" panose="02020603050405020304" pitchFamily="18" charset="0"/>
-              </a:rPr>
-              <a:t>Trần</a:t>
-            </a:r>
-            <a:r>
-              <a:rPr lang="en-US" sz="2400" dirty="0">
-                <a:solidFill>
-                  <a:schemeClr val="accent2">
-                    <a:lumMod val="75000"/>
-                  </a:schemeClr>
-                </a:solidFill>
-                <a:latin typeface="Times New Roman" panose="02020603050405020304" pitchFamily="18" charset="0"/>
-                <a:cs typeface="Times New Roman" panose="02020603050405020304" pitchFamily="18" charset="0"/>
-              </a:rPr>
-              <a:t> </a:t>
-            </a:r>
-            <a:r>
-              <a:rPr lang="en-US" sz="2400" dirty="0" err="1">
-                <a:solidFill>
-                  <a:schemeClr val="accent2">
-                    <a:lumMod val="75000"/>
-                  </a:schemeClr>
-                </a:solidFill>
-                <a:latin typeface="Times New Roman" panose="02020603050405020304" pitchFamily="18" charset="0"/>
-                <a:cs typeface="Times New Roman" panose="02020603050405020304" pitchFamily="18" charset="0"/>
-              </a:rPr>
-              <a:t>Nguyễn</a:t>
-            </a:r>
-            <a:r>
-              <a:rPr lang="en-US" sz="2400" dirty="0">
-                <a:solidFill>
-                  <a:schemeClr val="accent2">
-                    <a:lumMod val="75000"/>
-                  </a:schemeClr>
-                </a:solidFill>
-                <a:latin typeface="Times New Roman" panose="02020603050405020304" pitchFamily="18" charset="0"/>
-                <a:cs typeface="Times New Roman" panose="02020603050405020304" pitchFamily="18" charset="0"/>
-              </a:rPr>
-              <a:t> Minh </a:t>
-            </a:r>
-            <a:r>
-              <a:rPr lang="en-US" sz="2400" dirty="0" err="1">
-                <a:solidFill>
-                  <a:schemeClr val="accent2">
-                    <a:lumMod val="75000"/>
-                  </a:schemeClr>
-                </a:solidFill>
-                <a:latin typeface="Times New Roman" panose="02020603050405020304" pitchFamily="18" charset="0"/>
-                <a:cs typeface="Times New Roman" panose="02020603050405020304" pitchFamily="18" charset="0"/>
-              </a:rPr>
-              <a:t>Thư</a:t>
-            </a:r>
-            <a:endParaRPr lang="en-US" sz="2400" dirty="0">
-              <a:solidFill>
-                <a:schemeClr val="accent2">
-                  <a:lumMod val="75000"/>
-                </a:schemeClr>
-              </a:solidFill>
-              <a:latin typeface="Times New Roman" panose="02020603050405020304" pitchFamily="18" charset="0"/>
-              <a:cs typeface="Times New Roman" panose="02020603050405020304" pitchFamily="18" charset="0"/>
-            </a:endParaRPr>
+              <a:t>Trần Nguyễn Minh Thư</a:t>
+            </a:r>
           </a:p>
         </p:txBody>
       </p:sp>
@@ -4966,7 +4706,7 @@
               <a:buAutoNum type="arabicPeriod"/>
             </a:pPr>
             <a:r>
-              <a:rPr lang="en-US" sz="2000" dirty="0" err="1">
+              <a:rPr lang="en-US" sz="2000" err="1">
                 <a:solidFill>
                   <a:srgbClr val="FF0000"/>
                 </a:solidFill>
@@ -4977,7 +4717,7 @@
               <a:t>Giới</a:t>
             </a:r>
             <a:r>
-              <a:rPr lang="en-US" sz="2000" dirty="0">
+              <a:rPr lang="en-US" sz="2000">
                 <a:solidFill>
                   <a:srgbClr val="FF0000"/>
                 </a:solidFill>
@@ -4988,7 +4728,7 @@
               <a:t> </a:t>
             </a:r>
             <a:r>
-              <a:rPr lang="en-US" sz="2000" dirty="0" err="1">
+              <a:rPr lang="en-US" sz="2000" err="1">
                 <a:solidFill>
                   <a:srgbClr val="FF0000"/>
                 </a:solidFill>
@@ -4998,7 +4738,7 @@
               </a:rPr>
               <a:t>thiệu</a:t>
             </a:r>
-            <a:endParaRPr lang="en-US" sz="2000" dirty="0">
+            <a:endParaRPr lang="en-US" sz="2000">
               <a:solidFill>
                 <a:srgbClr val="FF0000"/>
               </a:solidFill>
@@ -5013,7 +4753,7 @@
               <a:buAutoNum type="arabicPeriod"/>
             </a:pPr>
             <a:r>
-              <a:rPr lang="en-US" sz="2000" dirty="0" err="1">
+              <a:rPr lang="en-US" sz="2000" err="1">
                 <a:latin typeface="Times New Roman" panose="02020603050405020304" pitchFamily="18" charset="0"/>
                 <a:ea typeface="Tahoma" panose="020B0604030504040204" pitchFamily="34" charset="0"/>
                 <a:cs typeface="Times New Roman" panose="02020603050405020304" pitchFamily="18" charset="0"/>
@@ -5021,7 +4761,7 @@
               <a:t>Tiền</a:t>
             </a:r>
             <a:r>
-              <a:rPr lang="en-US" sz="2000" dirty="0">
+              <a:rPr lang="en-US" sz="2000">
                 <a:latin typeface="Times New Roman" panose="02020603050405020304" pitchFamily="18" charset="0"/>
                 <a:ea typeface="Tahoma" panose="020B0604030504040204" pitchFamily="34" charset="0"/>
                 <a:cs typeface="Times New Roman" panose="02020603050405020304" pitchFamily="18" charset="0"/>
@@ -5029,7 +4769,7 @@
               <a:t> </a:t>
             </a:r>
             <a:r>
-              <a:rPr lang="en-US" sz="2000" dirty="0" err="1">
+              <a:rPr lang="en-US" sz="2000" err="1">
                 <a:latin typeface="Times New Roman" panose="02020603050405020304" pitchFamily="18" charset="0"/>
                 <a:ea typeface="Tahoma" panose="020B0604030504040204" pitchFamily="34" charset="0"/>
                 <a:cs typeface="Times New Roman" panose="02020603050405020304" pitchFamily="18" charset="0"/>
@@ -5037,7 +4777,7 @@
               <a:t>xử</a:t>
             </a:r>
             <a:r>
-              <a:rPr lang="en-US" sz="2000" dirty="0">
+              <a:rPr lang="en-US" sz="2000">
                 <a:latin typeface="Times New Roman" panose="02020603050405020304" pitchFamily="18" charset="0"/>
                 <a:ea typeface="Tahoma" panose="020B0604030504040204" pitchFamily="34" charset="0"/>
                 <a:cs typeface="Times New Roman" panose="02020603050405020304" pitchFamily="18" charset="0"/>
@@ -5045,14 +4785,14 @@
               <a:t> </a:t>
             </a:r>
             <a:r>
-              <a:rPr lang="en-US" sz="2000" dirty="0" err="1">
+              <a:rPr lang="en-US" sz="2000" err="1">
                 <a:latin typeface="Times New Roman" panose="02020603050405020304" pitchFamily="18" charset="0"/>
                 <a:ea typeface="Tahoma" panose="020B0604030504040204" pitchFamily="34" charset="0"/>
                 <a:cs typeface="Times New Roman" panose="02020603050405020304" pitchFamily="18" charset="0"/>
               </a:rPr>
               <a:t>lý</a:t>
             </a:r>
-            <a:endParaRPr lang="en-US" sz="2000" dirty="0">
+            <a:endParaRPr lang="en-US" sz="2000">
               <a:latin typeface="Times New Roman" panose="02020603050405020304" pitchFamily="18" charset="0"/>
               <a:ea typeface="Tahoma" panose="020B0604030504040204" pitchFamily="34" charset="0"/>
               <a:cs typeface="Times New Roman" panose="02020603050405020304" pitchFamily="18" charset="0"/>
@@ -5064,7 +4804,7 @@
               <a:buAutoNum type="arabicPeriod"/>
             </a:pPr>
             <a:r>
-              <a:rPr lang="en-US" sz="2000" dirty="0" err="1">
+              <a:rPr lang="en-US" sz="2000" err="1">
                 <a:latin typeface="Times New Roman" panose="02020603050405020304" pitchFamily="18" charset="0"/>
                 <a:ea typeface="Tahoma" panose="020B0604030504040204" pitchFamily="34" charset="0"/>
                 <a:cs typeface="Times New Roman" panose="02020603050405020304" pitchFamily="18" charset="0"/>
@@ -5072,7 +4812,7 @@
               <a:t>Giải</a:t>
             </a:r>
             <a:r>
-              <a:rPr lang="en-US" sz="2000" dirty="0">
+              <a:rPr lang="en-US" sz="2000">
                 <a:latin typeface="Times New Roman" panose="02020603050405020304" pitchFamily="18" charset="0"/>
                 <a:ea typeface="Tahoma" panose="020B0604030504040204" pitchFamily="34" charset="0"/>
                 <a:cs typeface="Times New Roman" panose="02020603050405020304" pitchFamily="18" charset="0"/>
@@ -5080,14 +4820,14 @@
               <a:t> </a:t>
             </a:r>
             <a:r>
-              <a:rPr lang="en-US" sz="2000" dirty="0" err="1">
+              <a:rPr lang="en-US" sz="2000" err="1">
                 <a:latin typeface="Times New Roman" panose="02020603050405020304" pitchFamily="18" charset="0"/>
                 <a:ea typeface="Tahoma" panose="020B0604030504040204" pitchFamily="34" charset="0"/>
                 <a:cs typeface="Times New Roman" panose="02020603050405020304" pitchFamily="18" charset="0"/>
               </a:rPr>
               <a:t>thuật</a:t>
             </a:r>
-            <a:endParaRPr lang="en-US" sz="2000" dirty="0">
+            <a:endParaRPr lang="en-US" sz="2000">
               <a:latin typeface="Times New Roman" panose="02020603050405020304" pitchFamily="18" charset="0"/>
               <a:ea typeface="Tahoma" panose="020B0604030504040204" pitchFamily="34" charset="0"/>
               <a:cs typeface="Times New Roman" panose="02020603050405020304" pitchFamily="18" charset="0"/>
@@ -5099,7 +4839,7 @@
               <a:buAutoNum type="arabicPeriod"/>
             </a:pPr>
             <a:r>
-              <a:rPr lang="en-US" sz="2000" dirty="0" err="1">
+              <a:rPr lang="en-US" sz="2000" err="1">
                 <a:latin typeface="Times New Roman" panose="02020603050405020304" pitchFamily="18" charset="0"/>
                 <a:ea typeface="Tahoma" panose="020B0604030504040204" pitchFamily="34" charset="0"/>
                 <a:cs typeface="Times New Roman" panose="02020603050405020304" pitchFamily="18" charset="0"/>
@@ -5107,26 +4847,13 @@
               <a:t>Đánh</a:t>
             </a:r>
             <a:r>
-              <a:rPr lang="en-US" sz="2000" dirty="0">
-                <a:latin typeface="Times New Roman" panose="02020603050405020304" pitchFamily="18" charset="0"/>
-                <a:ea typeface="Tahoma" panose="020B0604030504040204" pitchFamily="34" charset="0"/>
-                <a:cs typeface="Times New Roman" panose="02020603050405020304" pitchFamily="18" charset="0"/>
-              </a:rPr>
-              <a:t> </a:t>
-            </a:r>
-            <a:r>
-              <a:rPr lang="en-US" sz="2000" dirty="0" err="1">
-                <a:latin typeface="Times New Roman" panose="02020603050405020304" pitchFamily="18" charset="0"/>
-                <a:ea typeface="Tahoma" panose="020B0604030504040204" pitchFamily="34" charset="0"/>
-                <a:cs typeface="Times New Roman" panose="02020603050405020304" pitchFamily="18" charset="0"/>
-              </a:rPr>
-              <a:t>giá</a:t>
-            </a:r>
-            <a:endParaRPr lang="en-US" sz="2000" dirty="0">
-              <a:latin typeface="Times New Roman" panose="02020603050405020304" pitchFamily="18" charset="0"/>
-              <a:ea typeface="Tahoma" panose="020B0604030504040204" pitchFamily="34" charset="0"/>
-              <a:cs typeface="Times New Roman" panose="02020603050405020304" pitchFamily="18" charset="0"/>
-            </a:endParaRPr>
+              <a:rPr lang="en-US" sz="2000">
+                <a:latin typeface="Times New Roman" panose="02020603050405020304" pitchFamily="18" charset="0"/>
+                <a:ea typeface="Tahoma" panose="020B0604030504040204" pitchFamily="34" charset="0"/>
+                <a:cs typeface="Times New Roman" panose="02020603050405020304" pitchFamily="18" charset="0"/>
+              </a:rPr>
+              <a:t> giá</a:t>
+            </a:r>
           </a:p>
           <a:p>
             <a:pPr marL="228600" indent="-228600" algn="just">
@@ -5134,30 +4861,14 @@
               <a:buAutoNum type="arabicPeriod"/>
             </a:pPr>
             <a:r>
-              <a:rPr lang="en-US" sz="2000" dirty="0" err="1">
-                <a:latin typeface="Times New Roman" panose="02020603050405020304" pitchFamily="18" charset="0"/>
-                <a:ea typeface="Tahoma" panose="020B0604030504040204" pitchFamily="34" charset="0"/>
-                <a:cs typeface="Times New Roman" panose="02020603050405020304" pitchFamily="18" charset="0"/>
-              </a:rPr>
-              <a:t>Kết</a:t>
-            </a:r>
-            <a:r>
-              <a:rPr lang="en-US" sz="2000" dirty="0">
-                <a:latin typeface="Times New Roman" panose="02020603050405020304" pitchFamily="18" charset="0"/>
-                <a:ea typeface="Tahoma" panose="020B0604030504040204" pitchFamily="34" charset="0"/>
-                <a:cs typeface="Times New Roman" panose="02020603050405020304" pitchFamily="18" charset="0"/>
-              </a:rPr>
-              <a:t> </a:t>
-            </a:r>
-            <a:r>
-              <a:rPr lang="en-US" sz="2000" dirty="0" err="1">
-                <a:latin typeface="Times New Roman" panose="02020603050405020304" pitchFamily="18" charset="0"/>
-                <a:ea typeface="Tahoma" panose="020B0604030504040204" pitchFamily="34" charset="0"/>
-                <a:cs typeface="Times New Roman" panose="02020603050405020304" pitchFamily="18" charset="0"/>
-              </a:rPr>
-              <a:t>luận</a:t>
-            </a:r>
-            <a:endParaRPr lang="vi-VN" sz="2000" dirty="0">
+              <a:rPr lang="en-US" sz="2000">
+                <a:latin typeface="Times New Roman" panose="02020603050405020304" pitchFamily="18" charset="0"/>
+                <a:ea typeface="Tahoma" panose="020B0604030504040204" pitchFamily="34" charset="0"/>
+                <a:cs typeface="Times New Roman" panose="02020603050405020304" pitchFamily="18" charset="0"/>
+              </a:rPr>
+              <a:t>Kết luận</a:t>
+            </a:r>
+            <a:endParaRPr lang="vi-VN" sz="2000">
               <a:latin typeface="Times New Roman" panose="02020603050405020304" pitchFamily="18" charset="0"/>
               <a:ea typeface="Tahoma" panose="020B0604030504040204" pitchFamily="34" charset="0"/>
               <a:cs typeface="Times New Roman" panose="02020603050405020304" pitchFamily="18" charset="0"/>
@@ -5250,7 +4961,7 @@
             <a:lstStyle/>
             <a:p>
               <a:r>
-                <a:rPr lang="en-US" sz="4400" b="1" dirty="0">
+                <a:rPr lang="en-US" sz="4400" b="1">
                   <a:solidFill>
                     <a:schemeClr val="accent2">
                       <a:lumMod val="75000"/>
@@ -5261,7 +4972,7 @@
                 </a:rPr>
                 <a:t>1. GIỚI THIỆU</a:t>
               </a:r>
-              <a:endParaRPr lang="en-US" sz="4400" dirty="0">
+              <a:endParaRPr lang="en-US" sz="4400">
                 <a:solidFill>
                   <a:schemeClr val="accent2">
                     <a:lumMod val="75000"/>
@@ -5323,7 +5034,7 @@
         <p:spPr>
           <a:xfrm>
             <a:off x="5226625" y="2842067"/>
-            <a:ext cx="6299967" cy="2554545"/>
+            <a:ext cx="6182593" cy="2554545"/>
           </a:xfrm>
           <a:prstGeom prst="rect">
             <a:avLst/>
@@ -5336,708 +5047,53 @@
           </a:bodyPr>
           <a:lstStyle/>
           <a:p>
-            <a:pPr marL="342900" indent="-342900">
+            <a:pPr marL="342900" indent="-342900" algn="just">
               <a:buFont typeface="Wingdings" panose="05000000000000000000" pitchFamily="2" charset="2"/>
               <a:buChar char="q"/>
             </a:pPr>
             <a:r>
-              <a:rPr lang="en-US" sz="2000" dirty="0" err="1">
+              <a:rPr lang="en-US" sz="2000">
                 <a:latin typeface="Tahoma" panose="020B0604030504040204" pitchFamily="34" charset="0"/>
                 <a:ea typeface="Tahoma" panose="020B0604030504040204" pitchFamily="34" charset="0"/>
                 <a:cs typeface="Tahoma" panose="020B0604030504040204" pitchFamily="34" charset="0"/>
               </a:rPr>
-              <a:t>Tập</a:t>
-            </a:r>
-            <a:r>
-              <a:rPr lang="en-US" sz="2000" dirty="0">
-                <a:latin typeface="Tahoma" panose="020B0604030504040204" pitchFamily="34" charset="0"/>
-                <a:ea typeface="Tahoma" panose="020B0604030504040204" pitchFamily="34" charset="0"/>
-                <a:cs typeface="Tahoma" panose="020B0604030504040204" pitchFamily="34" charset="0"/>
-              </a:rPr>
-              <a:t> </a:t>
-            </a:r>
-            <a:r>
-              <a:rPr lang="en-US" sz="2000" dirty="0" err="1">
-                <a:latin typeface="Tahoma" panose="020B0604030504040204" pitchFamily="34" charset="0"/>
-                <a:ea typeface="Tahoma" panose="020B0604030504040204" pitchFamily="34" charset="0"/>
-                <a:cs typeface="Tahoma" panose="020B0604030504040204" pitchFamily="34" charset="0"/>
-              </a:rPr>
-              <a:t>dữ</a:t>
-            </a:r>
-            <a:r>
-              <a:rPr lang="en-US" sz="2000" dirty="0">
-                <a:latin typeface="Tahoma" panose="020B0604030504040204" pitchFamily="34" charset="0"/>
-                <a:ea typeface="Tahoma" panose="020B0604030504040204" pitchFamily="34" charset="0"/>
-                <a:cs typeface="Tahoma" panose="020B0604030504040204" pitchFamily="34" charset="0"/>
-              </a:rPr>
-              <a:t> </a:t>
-            </a:r>
-            <a:r>
-              <a:rPr lang="en-US" sz="2000" dirty="0" err="1">
-                <a:latin typeface="Tahoma" panose="020B0604030504040204" pitchFamily="34" charset="0"/>
-                <a:ea typeface="Tahoma" panose="020B0604030504040204" pitchFamily="34" charset="0"/>
-                <a:cs typeface="Tahoma" panose="020B0604030504040204" pitchFamily="34" charset="0"/>
-              </a:rPr>
-              <a:t>liệu</a:t>
-            </a:r>
-            <a:r>
-              <a:rPr lang="en-US" sz="2000" dirty="0">
-                <a:latin typeface="Tahoma" panose="020B0604030504040204" pitchFamily="34" charset="0"/>
-                <a:ea typeface="Tahoma" panose="020B0604030504040204" pitchFamily="34" charset="0"/>
-                <a:cs typeface="Tahoma" panose="020B0604030504040204" pitchFamily="34" charset="0"/>
-              </a:rPr>
-              <a:t> </a:t>
-            </a:r>
-            <a:r>
-              <a:rPr lang="en-US" sz="2000" dirty="0" err="1">
-                <a:latin typeface="Tahoma" panose="020B0604030504040204" pitchFamily="34" charset="0"/>
-                <a:ea typeface="Tahoma" panose="020B0604030504040204" pitchFamily="34" charset="0"/>
-                <a:cs typeface="Tahoma" panose="020B0604030504040204" pitchFamily="34" charset="0"/>
-              </a:rPr>
-              <a:t>phục</a:t>
-            </a:r>
-            <a:r>
-              <a:rPr lang="en-US" sz="2000" dirty="0">
-                <a:latin typeface="Tahoma" panose="020B0604030504040204" pitchFamily="34" charset="0"/>
-                <a:ea typeface="Tahoma" panose="020B0604030504040204" pitchFamily="34" charset="0"/>
-                <a:cs typeface="Tahoma" panose="020B0604030504040204" pitchFamily="34" charset="0"/>
-              </a:rPr>
-              <a:t> </a:t>
-            </a:r>
-            <a:r>
-              <a:rPr lang="en-US" sz="2000" dirty="0" err="1">
-                <a:latin typeface="Tahoma" panose="020B0604030504040204" pitchFamily="34" charset="0"/>
-                <a:ea typeface="Tahoma" panose="020B0604030504040204" pitchFamily="34" charset="0"/>
-                <a:cs typeface="Tahoma" panose="020B0604030504040204" pitchFamily="34" charset="0"/>
-              </a:rPr>
-              <a:t>vụ</a:t>
-            </a:r>
-            <a:r>
-              <a:rPr lang="en-US" sz="2000" dirty="0">
-                <a:latin typeface="Tahoma" panose="020B0604030504040204" pitchFamily="34" charset="0"/>
-                <a:ea typeface="Tahoma" panose="020B0604030504040204" pitchFamily="34" charset="0"/>
-                <a:cs typeface="Tahoma" panose="020B0604030504040204" pitchFamily="34" charset="0"/>
-              </a:rPr>
-              <a:t> </a:t>
-            </a:r>
-            <a:r>
-              <a:rPr lang="en-US" sz="2000" dirty="0" err="1">
-                <a:latin typeface="Tahoma" panose="020B0604030504040204" pitchFamily="34" charset="0"/>
-                <a:ea typeface="Tahoma" panose="020B0604030504040204" pitchFamily="34" charset="0"/>
-                <a:cs typeface="Tahoma" panose="020B0604030504040204" pitchFamily="34" charset="0"/>
-              </a:rPr>
-              <a:t>cho</a:t>
-            </a:r>
-            <a:r>
-              <a:rPr lang="en-US" sz="2000" dirty="0">
-                <a:latin typeface="Tahoma" panose="020B0604030504040204" pitchFamily="34" charset="0"/>
-                <a:ea typeface="Tahoma" panose="020B0604030504040204" pitchFamily="34" charset="0"/>
-                <a:cs typeface="Tahoma" panose="020B0604030504040204" pitchFamily="34" charset="0"/>
-              </a:rPr>
-              <a:t> </a:t>
-            </a:r>
-            <a:r>
-              <a:rPr lang="en-US" sz="2000" dirty="0" err="1">
-                <a:latin typeface="Tahoma" panose="020B0604030504040204" pitchFamily="34" charset="0"/>
-                <a:ea typeface="Tahoma" panose="020B0604030504040204" pitchFamily="34" charset="0"/>
-                <a:cs typeface="Tahoma" panose="020B0604030504040204" pitchFamily="34" charset="0"/>
-              </a:rPr>
-              <a:t>hệ</a:t>
-            </a:r>
-            <a:r>
-              <a:rPr lang="en-US" sz="2000" dirty="0">
-                <a:latin typeface="Tahoma" panose="020B0604030504040204" pitchFamily="34" charset="0"/>
-                <a:ea typeface="Tahoma" panose="020B0604030504040204" pitchFamily="34" charset="0"/>
-                <a:cs typeface="Tahoma" panose="020B0604030504040204" pitchFamily="34" charset="0"/>
-              </a:rPr>
-              <a:t> </a:t>
-            </a:r>
-            <a:r>
-              <a:rPr lang="en-US" sz="2000" dirty="0" err="1">
-                <a:latin typeface="Tahoma" panose="020B0604030504040204" pitchFamily="34" charset="0"/>
-                <a:ea typeface="Tahoma" panose="020B0604030504040204" pitchFamily="34" charset="0"/>
-                <a:cs typeface="Tahoma" panose="020B0604030504040204" pitchFamily="34" charset="0"/>
-              </a:rPr>
-              <a:t>thống</a:t>
-            </a:r>
-            <a:r>
-              <a:rPr lang="en-US" sz="2000" dirty="0">
-                <a:latin typeface="Tahoma" panose="020B0604030504040204" pitchFamily="34" charset="0"/>
-                <a:ea typeface="Tahoma" panose="020B0604030504040204" pitchFamily="34" charset="0"/>
-                <a:cs typeface="Tahoma" panose="020B0604030504040204" pitchFamily="34" charset="0"/>
-              </a:rPr>
-              <a:t> </a:t>
-            </a:r>
-            <a:r>
-              <a:rPr lang="en-US" sz="2000" dirty="0" err="1">
-                <a:latin typeface="Tahoma" panose="020B0604030504040204" pitchFamily="34" charset="0"/>
-                <a:ea typeface="Tahoma" panose="020B0604030504040204" pitchFamily="34" charset="0"/>
-                <a:cs typeface="Tahoma" panose="020B0604030504040204" pitchFamily="34" charset="0"/>
-              </a:rPr>
-              <a:t>cho</a:t>
-            </a:r>
-            <a:r>
-              <a:rPr lang="en-US" sz="2000" dirty="0">
-                <a:latin typeface="Tahoma" panose="020B0604030504040204" pitchFamily="34" charset="0"/>
-                <a:ea typeface="Tahoma" panose="020B0604030504040204" pitchFamily="34" charset="0"/>
-                <a:cs typeface="Tahoma" panose="020B0604030504040204" pitchFamily="34" charset="0"/>
-              </a:rPr>
-              <a:t> </a:t>
-            </a:r>
-            <a:r>
-              <a:rPr lang="en-US" sz="2000" dirty="0" err="1">
-                <a:latin typeface="Tahoma" panose="020B0604030504040204" pitchFamily="34" charset="0"/>
-                <a:ea typeface="Tahoma" panose="020B0604030504040204" pitchFamily="34" charset="0"/>
-                <a:cs typeface="Tahoma" panose="020B0604030504040204" pitchFamily="34" charset="0"/>
-              </a:rPr>
-              <a:t>thuê</a:t>
-            </a:r>
-            <a:r>
-              <a:rPr lang="en-US" sz="2000" dirty="0">
-                <a:latin typeface="Tahoma" panose="020B0604030504040204" pitchFamily="34" charset="0"/>
-                <a:ea typeface="Tahoma" panose="020B0604030504040204" pitchFamily="34" charset="0"/>
-                <a:cs typeface="Tahoma" panose="020B0604030504040204" pitchFamily="34" charset="0"/>
-              </a:rPr>
-              <a:t> </a:t>
-            </a:r>
-            <a:r>
-              <a:rPr lang="en-US" sz="2000" dirty="0" err="1">
-                <a:latin typeface="Tahoma" panose="020B0604030504040204" pitchFamily="34" charset="0"/>
-                <a:ea typeface="Tahoma" panose="020B0604030504040204" pitchFamily="34" charset="0"/>
-                <a:cs typeface="Tahoma" panose="020B0604030504040204" pitchFamily="34" charset="0"/>
-              </a:rPr>
-              <a:t>xe</a:t>
-            </a:r>
-            <a:r>
-              <a:rPr lang="en-US" sz="2000" dirty="0">
-                <a:latin typeface="Tahoma" panose="020B0604030504040204" pitchFamily="34" charset="0"/>
-                <a:ea typeface="Tahoma" panose="020B0604030504040204" pitchFamily="34" charset="0"/>
-                <a:cs typeface="Tahoma" panose="020B0604030504040204" pitchFamily="34" charset="0"/>
-              </a:rPr>
-              <a:t> </a:t>
-            </a:r>
-            <a:r>
-              <a:rPr lang="en-US" sz="2000" dirty="0" err="1">
-                <a:latin typeface="Tahoma" panose="020B0604030504040204" pitchFamily="34" charset="0"/>
-                <a:ea typeface="Tahoma" panose="020B0604030504040204" pitchFamily="34" charset="0"/>
-                <a:cs typeface="Tahoma" panose="020B0604030504040204" pitchFamily="34" charset="0"/>
-              </a:rPr>
-              <a:t>đạp</a:t>
-            </a:r>
-            <a:r>
-              <a:rPr lang="en-US" sz="2000" dirty="0">
-                <a:latin typeface="Tahoma" panose="020B0604030504040204" pitchFamily="34" charset="0"/>
-                <a:ea typeface="Tahoma" panose="020B0604030504040204" pitchFamily="34" charset="0"/>
-                <a:cs typeface="Tahoma" panose="020B0604030504040204" pitchFamily="34" charset="0"/>
-              </a:rPr>
-              <a:t> </a:t>
-            </a:r>
-            <a:r>
-              <a:rPr lang="en-US" sz="2000" dirty="0" err="1">
-                <a:latin typeface="Tahoma" panose="020B0604030504040204" pitchFamily="34" charset="0"/>
-                <a:ea typeface="Tahoma" panose="020B0604030504040204" pitchFamily="34" charset="0"/>
-                <a:cs typeface="Tahoma" panose="020B0604030504040204" pitchFamily="34" charset="0"/>
-              </a:rPr>
-              <a:t>tự</a:t>
-            </a:r>
-            <a:r>
-              <a:rPr lang="en-US" sz="2000" dirty="0">
-                <a:latin typeface="Tahoma" panose="020B0604030504040204" pitchFamily="34" charset="0"/>
-                <a:ea typeface="Tahoma" panose="020B0604030504040204" pitchFamily="34" charset="0"/>
-                <a:cs typeface="Tahoma" panose="020B0604030504040204" pitchFamily="34" charset="0"/>
-              </a:rPr>
-              <a:t> </a:t>
-            </a:r>
-            <a:r>
-              <a:rPr lang="en-US" sz="2000" dirty="0" err="1">
-                <a:latin typeface="Tahoma" panose="020B0604030504040204" pitchFamily="34" charset="0"/>
-                <a:ea typeface="Tahoma" panose="020B0604030504040204" pitchFamily="34" charset="0"/>
-                <a:cs typeface="Tahoma" panose="020B0604030504040204" pitchFamily="34" charset="0"/>
-              </a:rPr>
-              <a:t>động</a:t>
-            </a:r>
-            <a:endParaRPr lang="en-US" sz="2000" dirty="0">
-              <a:latin typeface="Tahoma" panose="020B0604030504040204" pitchFamily="34" charset="0"/>
-              <a:ea typeface="Tahoma" panose="020B0604030504040204" pitchFamily="34" charset="0"/>
-              <a:cs typeface="Tahoma" panose="020B0604030504040204" pitchFamily="34" charset="0"/>
-            </a:endParaRPr>
-          </a:p>
-          <a:p>
-            <a:pPr marL="342900" indent="-342900">
+              <a:t>Tập dữ liệu phụ vụ cho hệ thống cho thuê xe đạp tự động</a:t>
+            </a:r>
+          </a:p>
+          <a:p>
+            <a:pPr marL="342900" indent="-342900" algn="just">
               <a:buFont typeface="Wingdings" panose="05000000000000000000" pitchFamily="2" charset="2"/>
               <a:buChar char="q"/>
             </a:pPr>
             <a:r>
-              <a:rPr lang="en-US" sz="2000" dirty="0" err="1">
+              <a:rPr lang="en-US" sz="2000">
                 <a:latin typeface="Tahoma" panose="020B0604030504040204" pitchFamily="34" charset="0"/>
                 <a:ea typeface="Tahoma" panose="020B0604030504040204" pitchFamily="34" charset="0"/>
                 <a:cs typeface="Tahoma" panose="020B0604030504040204" pitchFamily="34" charset="0"/>
               </a:rPr>
-              <a:t>Các</a:t>
-            </a:r>
-            <a:r>
-              <a:rPr lang="en-US" sz="2000" dirty="0">
-                <a:latin typeface="Tahoma" panose="020B0604030504040204" pitchFamily="34" charset="0"/>
-                <a:ea typeface="Tahoma" panose="020B0604030504040204" pitchFamily="34" charset="0"/>
-                <a:cs typeface="Tahoma" panose="020B0604030504040204" pitchFamily="34" charset="0"/>
-              </a:rPr>
-              <a:t> </a:t>
-            </a:r>
-            <a:r>
-              <a:rPr lang="en-US" sz="2000" dirty="0" err="1">
-                <a:latin typeface="Tahoma" panose="020B0604030504040204" pitchFamily="34" charset="0"/>
-                <a:ea typeface="Tahoma" panose="020B0604030504040204" pitchFamily="34" charset="0"/>
-                <a:cs typeface="Tahoma" panose="020B0604030504040204" pitchFamily="34" charset="0"/>
-              </a:rPr>
-              <a:t>yếu</a:t>
-            </a:r>
-            <a:r>
-              <a:rPr lang="en-US" sz="2000" dirty="0">
-                <a:latin typeface="Tahoma" panose="020B0604030504040204" pitchFamily="34" charset="0"/>
-                <a:ea typeface="Tahoma" panose="020B0604030504040204" pitchFamily="34" charset="0"/>
-                <a:cs typeface="Tahoma" panose="020B0604030504040204" pitchFamily="34" charset="0"/>
-              </a:rPr>
-              <a:t> </a:t>
-            </a:r>
-            <a:r>
-              <a:rPr lang="en-US" sz="2000" dirty="0" err="1">
-                <a:latin typeface="Tahoma" panose="020B0604030504040204" pitchFamily="34" charset="0"/>
-                <a:ea typeface="Tahoma" panose="020B0604030504040204" pitchFamily="34" charset="0"/>
-                <a:cs typeface="Tahoma" panose="020B0604030504040204" pitchFamily="34" charset="0"/>
-              </a:rPr>
-              <a:t>tố</a:t>
-            </a:r>
-            <a:r>
-              <a:rPr lang="en-US" sz="2000" dirty="0">
-                <a:latin typeface="Tahoma" panose="020B0604030504040204" pitchFamily="34" charset="0"/>
-                <a:ea typeface="Tahoma" panose="020B0604030504040204" pitchFamily="34" charset="0"/>
-                <a:cs typeface="Tahoma" panose="020B0604030504040204" pitchFamily="34" charset="0"/>
-              </a:rPr>
-              <a:t> </a:t>
-            </a:r>
-            <a:r>
-              <a:rPr lang="en-US" sz="2000" dirty="0" err="1">
-                <a:latin typeface="Tahoma" panose="020B0604030504040204" pitchFamily="34" charset="0"/>
-                <a:ea typeface="Tahoma" panose="020B0604030504040204" pitchFamily="34" charset="0"/>
-                <a:cs typeface="Tahoma" panose="020B0604030504040204" pitchFamily="34" charset="0"/>
-              </a:rPr>
-              <a:t>môi</a:t>
-            </a:r>
-            <a:r>
-              <a:rPr lang="en-US" sz="2000" dirty="0">
-                <a:latin typeface="Tahoma" panose="020B0604030504040204" pitchFamily="34" charset="0"/>
-                <a:ea typeface="Tahoma" panose="020B0604030504040204" pitchFamily="34" charset="0"/>
-                <a:cs typeface="Tahoma" panose="020B0604030504040204" pitchFamily="34" charset="0"/>
-              </a:rPr>
-              <a:t> </a:t>
-            </a:r>
-            <a:r>
-              <a:rPr lang="en-US" sz="2000" dirty="0" err="1">
-                <a:latin typeface="Tahoma" panose="020B0604030504040204" pitchFamily="34" charset="0"/>
-                <a:ea typeface="Tahoma" panose="020B0604030504040204" pitchFamily="34" charset="0"/>
-                <a:cs typeface="Tahoma" panose="020B0604030504040204" pitchFamily="34" charset="0"/>
-              </a:rPr>
-              <a:t>trường</a:t>
-            </a:r>
-            <a:r>
-              <a:rPr lang="en-US" sz="2000" dirty="0">
-                <a:latin typeface="Tahoma" panose="020B0604030504040204" pitchFamily="34" charset="0"/>
-                <a:ea typeface="Tahoma" panose="020B0604030504040204" pitchFamily="34" charset="0"/>
-                <a:cs typeface="Tahoma" panose="020B0604030504040204" pitchFamily="34" charset="0"/>
-              </a:rPr>
-              <a:t>, </a:t>
-            </a:r>
-            <a:r>
-              <a:rPr lang="en-US" sz="2000" dirty="0" err="1">
-                <a:latin typeface="Tahoma" panose="020B0604030504040204" pitchFamily="34" charset="0"/>
-                <a:ea typeface="Tahoma" panose="020B0604030504040204" pitchFamily="34" charset="0"/>
-                <a:cs typeface="Tahoma" panose="020B0604030504040204" pitchFamily="34" charset="0"/>
-              </a:rPr>
-              <a:t>thời</a:t>
-            </a:r>
-            <a:r>
-              <a:rPr lang="en-US" sz="2000" dirty="0">
-                <a:latin typeface="Tahoma" panose="020B0604030504040204" pitchFamily="34" charset="0"/>
-                <a:ea typeface="Tahoma" panose="020B0604030504040204" pitchFamily="34" charset="0"/>
-                <a:cs typeface="Tahoma" panose="020B0604030504040204" pitchFamily="34" charset="0"/>
-              </a:rPr>
-              <a:t> </a:t>
-            </a:r>
-            <a:r>
-              <a:rPr lang="en-US" sz="2000" dirty="0" err="1">
-                <a:latin typeface="Tahoma" panose="020B0604030504040204" pitchFamily="34" charset="0"/>
-                <a:ea typeface="Tahoma" panose="020B0604030504040204" pitchFamily="34" charset="0"/>
-                <a:cs typeface="Tahoma" panose="020B0604030504040204" pitchFamily="34" charset="0"/>
-              </a:rPr>
-              <a:t>tiết</a:t>
-            </a:r>
-            <a:r>
-              <a:rPr lang="en-US" sz="2000" dirty="0">
-                <a:latin typeface="Tahoma" panose="020B0604030504040204" pitchFamily="34" charset="0"/>
-                <a:ea typeface="Tahoma" panose="020B0604030504040204" pitchFamily="34" charset="0"/>
-                <a:cs typeface="Tahoma" panose="020B0604030504040204" pitchFamily="34" charset="0"/>
-              </a:rPr>
-              <a:t> </a:t>
-            </a:r>
-            <a:r>
-              <a:rPr lang="en-US" sz="2000" dirty="0" err="1">
-                <a:latin typeface="Tahoma" panose="020B0604030504040204" pitchFamily="34" charset="0"/>
-                <a:ea typeface="Tahoma" panose="020B0604030504040204" pitchFamily="34" charset="0"/>
-                <a:cs typeface="Tahoma" panose="020B0604030504040204" pitchFamily="34" charset="0"/>
-              </a:rPr>
-              <a:t>đề</a:t>
-            </a:r>
-            <a:r>
-              <a:rPr lang="en-US" sz="2000" dirty="0">
-                <a:latin typeface="Tahoma" panose="020B0604030504040204" pitchFamily="34" charset="0"/>
-                <a:ea typeface="Tahoma" panose="020B0604030504040204" pitchFamily="34" charset="0"/>
-                <a:cs typeface="Tahoma" panose="020B0604030504040204" pitchFamily="34" charset="0"/>
-              </a:rPr>
-              <a:t> </a:t>
-            </a:r>
-            <a:r>
-              <a:rPr lang="en-US" sz="2000" dirty="0" err="1">
-                <a:latin typeface="Tahoma" panose="020B0604030504040204" pitchFamily="34" charset="0"/>
-                <a:ea typeface="Tahoma" panose="020B0604030504040204" pitchFamily="34" charset="0"/>
-                <a:cs typeface="Tahoma" panose="020B0604030504040204" pitchFamily="34" charset="0"/>
-              </a:rPr>
-              <a:t>có</a:t>
-            </a:r>
-            <a:r>
-              <a:rPr lang="en-US" sz="2000" dirty="0">
-                <a:latin typeface="Tahoma" panose="020B0604030504040204" pitchFamily="34" charset="0"/>
-                <a:ea typeface="Tahoma" panose="020B0604030504040204" pitchFamily="34" charset="0"/>
-                <a:cs typeface="Tahoma" panose="020B0604030504040204" pitchFamily="34" charset="0"/>
-              </a:rPr>
-              <a:t> </a:t>
-            </a:r>
-            <a:r>
-              <a:rPr lang="en-US" sz="2000" dirty="0" err="1">
-                <a:latin typeface="Tahoma" panose="020B0604030504040204" pitchFamily="34" charset="0"/>
-                <a:ea typeface="Tahoma" panose="020B0604030504040204" pitchFamily="34" charset="0"/>
-                <a:cs typeface="Tahoma" panose="020B0604030504040204" pitchFamily="34" charset="0"/>
-              </a:rPr>
-              <a:t>ảnh</a:t>
-            </a:r>
-            <a:r>
-              <a:rPr lang="en-US" sz="2000" dirty="0">
-                <a:latin typeface="Tahoma" panose="020B0604030504040204" pitchFamily="34" charset="0"/>
-                <a:ea typeface="Tahoma" panose="020B0604030504040204" pitchFamily="34" charset="0"/>
-                <a:cs typeface="Tahoma" panose="020B0604030504040204" pitchFamily="34" charset="0"/>
-              </a:rPr>
-              <a:t> </a:t>
-            </a:r>
-            <a:r>
-              <a:rPr lang="en-US" sz="2000" dirty="0" err="1">
-                <a:latin typeface="Tahoma" panose="020B0604030504040204" pitchFamily="34" charset="0"/>
-                <a:ea typeface="Tahoma" panose="020B0604030504040204" pitchFamily="34" charset="0"/>
-                <a:cs typeface="Tahoma" panose="020B0604030504040204" pitchFamily="34" charset="0"/>
-              </a:rPr>
-              <a:t>hưởng</a:t>
-            </a:r>
-            <a:r>
-              <a:rPr lang="en-US" sz="2000" dirty="0">
-                <a:latin typeface="Tahoma" panose="020B0604030504040204" pitchFamily="34" charset="0"/>
-                <a:ea typeface="Tahoma" panose="020B0604030504040204" pitchFamily="34" charset="0"/>
-                <a:cs typeface="Tahoma" panose="020B0604030504040204" pitchFamily="34" charset="0"/>
-              </a:rPr>
-              <a:t> </a:t>
-            </a:r>
-            <a:r>
-              <a:rPr lang="en-US" sz="2000" dirty="0" err="1">
-                <a:latin typeface="Tahoma" panose="020B0604030504040204" pitchFamily="34" charset="0"/>
-                <a:ea typeface="Tahoma" panose="020B0604030504040204" pitchFamily="34" charset="0"/>
-                <a:cs typeface="Tahoma" panose="020B0604030504040204" pitchFamily="34" charset="0"/>
-              </a:rPr>
-              <a:t>đến</a:t>
-            </a:r>
-            <a:r>
-              <a:rPr lang="en-US" sz="2000" dirty="0">
-                <a:latin typeface="Tahoma" panose="020B0604030504040204" pitchFamily="34" charset="0"/>
-                <a:ea typeface="Tahoma" panose="020B0604030504040204" pitchFamily="34" charset="0"/>
-                <a:cs typeface="Tahoma" panose="020B0604030504040204" pitchFamily="34" charset="0"/>
-              </a:rPr>
-              <a:t> </a:t>
-            </a:r>
-            <a:r>
-              <a:rPr lang="en-US" sz="2000" dirty="0" err="1">
-                <a:latin typeface="Tahoma" panose="020B0604030504040204" pitchFamily="34" charset="0"/>
-                <a:ea typeface="Tahoma" panose="020B0604030504040204" pitchFamily="34" charset="0"/>
-                <a:cs typeface="Tahoma" panose="020B0604030504040204" pitchFamily="34" charset="0"/>
-              </a:rPr>
-              <a:t>việc</a:t>
-            </a:r>
-            <a:r>
-              <a:rPr lang="en-US" sz="2000" dirty="0">
-                <a:latin typeface="Tahoma" panose="020B0604030504040204" pitchFamily="34" charset="0"/>
-                <a:ea typeface="Tahoma" panose="020B0604030504040204" pitchFamily="34" charset="0"/>
-                <a:cs typeface="Tahoma" panose="020B0604030504040204" pitchFamily="34" charset="0"/>
-              </a:rPr>
-              <a:t> </a:t>
-            </a:r>
-            <a:r>
-              <a:rPr lang="en-US" sz="2000" dirty="0" err="1">
-                <a:latin typeface="Tahoma" panose="020B0604030504040204" pitchFamily="34" charset="0"/>
-                <a:ea typeface="Tahoma" panose="020B0604030504040204" pitchFamily="34" charset="0"/>
-                <a:cs typeface="Tahoma" panose="020B0604030504040204" pitchFamily="34" charset="0"/>
-              </a:rPr>
-              <a:t>cho</a:t>
-            </a:r>
-            <a:r>
-              <a:rPr lang="en-US" sz="2000" dirty="0">
-                <a:latin typeface="Tahoma" panose="020B0604030504040204" pitchFamily="34" charset="0"/>
-                <a:ea typeface="Tahoma" panose="020B0604030504040204" pitchFamily="34" charset="0"/>
-                <a:cs typeface="Tahoma" panose="020B0604030504040204" pitchFamily="34" charset="0"/>
-              </a:rPr>
-              <a:t> </a:t>
-            </a:r>
-            <a:r>
-              <a:rPr lang="en-US" sz="2000" dirty="0" err="1">
-                <a:latin typeface="Tahoma" panose="020B0604030504040204" pitchFamily="34" charset="0"/>
-                <a:ea typeface="Tahoma" panose="020B0604030504040204" pitchFamily="34" charset="0"/>
-                <a:cs typeface="Tahoma" panose="020B0604030504040204" pitchFamily="34" charset="0"/>
-              </a:rPr>
-              <a:t>thuê</a:t>
-            </a:r>
-            <a:endParaRPr lang="en-US" sz="2000" dirty="0">
-              <a:latin typeface="Tahoma" panose="020B0604030504040204" pitchFamily="34" charset="0"/>
-              <a:ea typeface="Tahoma" panose="020B0604030504040204" pitchFamily="34" charset="0"/>
-              <a:cs typeface="Tahoma" panose="020B0604030504040204" pitchFamily="34" charset="0"/>
-            </a:endParaRPr>
-          </a:p>
-          <a:p>
-            <a:pPr marL="342900" indent="-342900">
+              <a:t>Các yếu tố môi trường, thời tiết đề có ảnh hưởng đến việc cho thuê</a:t>
+            </a:r>
+          </a:p>
+          <a:p>
+            <a:pPr marL="342900" indent="-342900" algn="just">
               <a:buFont typeface="Wingdings" panose="05000000000000000000" pitchFamily="2" charset="2"/>
               <a:buChar char="q"/>
             </a:pPr>
             <a:r>
-              <a:rPr lang="en-US" sz="2000" dirty="0" err="1">
+              <a:rPr lang="en-US" sz="2000">
                 <a:latin typeface="Tahoma" panose="020B0604030504040204" pitchFamily="34" charset="0"/>
                 <a:ea typeface="Tahoma" panose="020B0604030504040204" pitchFamily="34" charset="0"/>
                 <a:cs typeface="Tahoma" panose="020B0604030504040204" pitchFamily="34" charset="0"/>
               </a:rPr>
-              <a:t>Có</a:t>
-            </a:r>
-            <a:r>
-              <a:rPr lang="en-US" sz="2000" dirty="0">
-                <a:latin typeface="Tahoma" panose="020B0604030504040204" pitchFamily="34" charset="0"/>
-                <a:ea typeface="Tahoma" panose="020B0604030504040204" pitchFamily="34" charset="0"/>
-                <a:cs typeface="Tahoma" panose="020B0604030504040204" pitchFamily="34" charset="0"/>
-              </a:rPr>
-              <a:t> </a:t>
-            </a:r>
-            <a:r>
-              <a:rPr lang="en-US" sz="2000" dirty="0" err="1">
-                <a:latin typeface="Tahoma" panose="020B0604030504040204" pitchFamily="34" charset="0"/>
-                <a:ea typeface="Tahoma" panose="020B0604030504040204" pitchFamily="34" charset="0"/>
-                <a:cs typeface="Tahoma" panose="020B0604030504040204" pitchFamily="34" charset="0"/>
-              </a:rPr>
-              <a:t>liên</a:t>
-            </a:r>
-            <a:r>
-              <a:rPr lang="en-US" sz="2000" dirty="0">
-                <a:latin typeface="Tahoma" panose="020B0604030504040204" pitchFamily="34" charset="0"/>
-                <a:ea typeface="Tahoma" panose="020B0604030504040204" pitchFamily="34" charset="0"/>
-                <a:cs typeface="Tahoma" panose="020B0604030504040204" pitchFamily="34" charset="0"/>
-              </a:rPr>
-              <a:t> </a:t>
-            </a:r>
-            <a:r>
-              <a:rPr lang="en-US" sz="2000" dirty="0" err="1">
-                <a:latin typeface="Tahoma" panose="020B0604030504040204" pitchFamily="34" charset="0"/>
-                <a:ea typeface="Tahoma" panose="020B0604030504040204" pitchFamily="34" charset="0"/>
-                <a:cs typeface="Tahoma" panose="020B0604030504040204" pitchFamily="34" charset="0"/>
-              </a:rPr>
-              <a:t>quan</a:t>
-            </a:r>
-            <a:r>
-              <a:rPr lang="en-US" sz="2000" dirty="0">
-                <a:latin typeface="Tahoma" panose="020B0604030504040204" pitchFamily="34" charset="0"/>
-                <a:ea typeface="Tahoma" panose="020B0604030504040204" pitchFamily="34" charset="0"/>
-                <a:cs typeface="Tahoma" panose="020B0604030504040204" pitchFamily="34" charset="0"/>
-              </a:rPr>
-              <a:t> </a:t>
-            </a:r>
-            <a:r>
-              <a:rPr lang="en-US" sz="2000" dirty="0" err="1">
-                <a:latin typeface="Tahoma" panose="020B0604030504040204" pitchFamily="34" charset="0"/>
-                <a:ea typeface="Tahoma" panose="020B0604030504040204" pitchFamily="34" charset="0"/>
-                <a:cs typeface="Tahoma" panose="020B0604030504040204" pitchFamily="34" charset="0"/>
-              </a:rPr>
-              <a:t>đến</a:t>
-            </a:r>
-            <a:r>
-              <a:rPr lang="en-US" sz="2000" dirty="0">
-                <a:latin typeface="Tahoma" panose="020B0604030504040204" pitchFamily="34" charset="0"/>
-                <a:ea typeface="Tahoma" panose="020B0604030504040204" pitchFamily="34" charset="0"/>
-                <a:cs typeface="Tahoma" panose="020B0604030504040204" pitchFamily="34" charset="0"/>
-              </a:rPr>
-              <a:t> </a:t>
-            </a:r>
-            <a:r>
-              <a:rPr lang="en-US" sz="2000" dirty="0" err="1">
-                <a:latin typeface="Tahoma" panose="020B0604030504040204" pitchFamily="34" charset="0"/>
-                <a:ea typeface="Tahoma" panose="020B0604030504040204" pitchFamily="34" charset="0"/>
-                <a:cs typeface="Tahoma" panose="020B0604030504040204" pitchFamily="34" charset="0"/>
-              </a:rPr>
-              <a:t>nhật</a:t>
-            </a:r>
-            <a:r>
-              <a:rPr lang="en-US" sz="2000" dirty="0">
-                <a:latin typeface="Tahoma" panose="020B0604030504040204" pitchFamily="34" charset="0"/>
-                <a:ea typeface="Tahoma" panose="020B0604030504040204" pitchFamily="34" charset="0"/>
-                <a:cs typeface="Tahoma" panose="020B0604030504040204" pitchFamily="34" charset="0"/>
-              </a:rPr>
-              <a:t> </a:t>
-            </a:r>
-            <a:r>
-              <a:rPr lang="en-US" sz="2000" dirty="0" err="1">
-                <a:latin typeface="Tahoma" panose="020B0604030504040204" pitchFamily="34" charset="0"/>
-                <a:ea typeface="Tahoma" panose="020B0604030504040204" pitchFamily="34" charset="0"/>
-                <a:cs typeface="Tahoma" panose="020B0604030504040204" pitchFamily="34" charset="0"/>
-              </a:rPr>
-              <a:t>ký</a:t>
-            </a:r>
-            <a:r>
-              <a:rPr lang="en-US" sz="2000" dirty="0">
-                <a:latin typeface="Tahoma" panose="020B0604030504040204" pitchFamily="34" charset="0"/>
-                <a:ea typeface="Tahoma" panose="020B0604030504040204" pitchFamily="34" charset="0"/>
-                <a:cs typeface="Tahoma" panose="020B0604030504040204" pitchFamily="34" charset="0"/>
-              </a:rPr>
-              <a:t> </a:t>
-            </a:r>
-            <a:r>
-              <a:rPr lang="en-US" sz="2000" dirty="0" err="1">
-                <a:latin typeface="Tahoma" panose="020B0604030504040204" pitchFamily="34" charset="0"/>
-                <a:ea typeface="Tahoma" panose="020B0604030504040204" pitchFamily="34" charset="0"/>
-                <a:cs typeface="Tahoma" panose="020B0604030504040204" pitchFamily="34" charset="0"/>
-              </a:rPr>
-              <a:t>lịch</a:t>
-            </a:r>
-            <a:r>
-              <a:rPr lang="en-US" sz="2000" dirty="0">
-                <a:latin typeface="Tahoma" panose="020B0604030504040204" pitchFamily="34" charset="0"/>
-                <a:ea typeface="Tahoma" panose="020B0604030504040204" pitchFamily="34" charset="0"/>
-                <a:cs typeface="Tahoma" panose="020B0604030504040204" pitchFamily="34" charset="0"/>
-              </a:rPr>
-              <a:t> </a:t>
-            </a:r>
-            <a:r>
-              <a:rPr lang="en-US" sz="2000" dirty="0" err="1">
-                <a:latin typeface="Tahoma" panose="020B0604030504040204" pitchFamily="34" charset="0"/>
-                <a:ea typeface="Tahoma" panose="020B0604030504040204" pitchFamily="34" charset="0"/>
-                <a:cs typeface="Tahoma" panose="020B0604030504040204" pitchFamily="34" charset="0"/>
-              </a:rPr>
-              <a:t>sử</a:t>
-            </a:r>
-            <a:r>
-              <a:rPr lang="en-US" sz="2000" dirty="0">
-                <a:latin typeface="Tahoma" panose="020B0604030504040204" pitchFamily="34" charset="0"/>
-                <a:ea typeface="Tahoma" panose="020B0604030504040204" pitchFamily="34" charset="0"/>
-                <a:cs typeface="Tahoma" panose="020B0604030504040204" pitchFamily="34" charset="0"/>
-              </a:rPr>
-              <a:t> </a:t>
-            </a:r>
-            <a:r>
-              <a:rPr lang="en-US" sz="2000" dirty="0" err="1">
-                <a:latin typeface="Tahoma" panose="020B0604030504040204" pitchFamily="34" charset="0"/>
-                <a:ea typeface="Tahoma" panose="020B0604030504040204" pitchFamily="34" charset="0"/>
-                <a:cs typeface="Tahoma" panose="020B0604030504040204" pitchFamily="34" charset="0"/>
-              </a:rPr>
-              <a:t>năm</a:t>
-            </a:r>
-            <a:r>
-              <a:rPr lang="en-US" sz="2000" dirty="0">
-                <a:latin typeface="Tahoma" panose="020B0604030504040204" pitchFamily="34" charset="0"/>
-                <a:ea typeface="Tahoma" panose="020B0604030504040204" pitchFamily="34" charset="0"/>
-                <a:cs typeface="Tahoma" panose="020B0604030504040204" pitchFamily="34" charset="0"/>
-              </a:rPr>
-              <a:t> 2011 – 2012 </a:t>
-            </a:r>
-            <a:r>
-              <a:rPr lang="en-US" sz="2000" dirty="0" err="1">
-                <a:latin typeface="Tahoma" panose="020B0604030504040204" pitchFamily="34" charset="0"/>
-                <a:ea typeface="Tahoma" panose="020B0604030504040204" pitchFamily="34" charset="0"/>
-                <a:cs typeface="Tahoma" panose="020B0604030504040204" pitchFamily="34" charset="0"/>
-              </a:rPr>
-              <a:t>từ</a:t>
-            </a:r>
-            <a:r>
-              <a:rPr lang="en-US" sz="2000" dirty="0">
-                <a:latin typeface="Tahoma" panose="020B0604030504040204" pitchFamily="34" charset="0"/>
-                <a:ea typeface="Tahoma" panose="020B0604030504040204" pitchFamily="34" charset="0"/>
-                <a:cs typeface="Tahoma" panose="020B0604030504040204" pitchFamily="34" charset="0"/>
-              </a:rPr>
-              <a:t> </a:t>
-            </a:r>
-            <a:r>
-              <a:rPr lang="en-US" sz="2000" dirty="0" err="1">
-                <a:latin typeface="Tahoma" panose="020B0604030504040204" pitchFamily="34" charset="0"/>
-                <a:ea typeface="Tahoma" panose="020B0604030504040204" pitchFamily="34" charset="0"/>
-                <a:cs typeface="Tahoma" panose="020B0604030504040204" pitchFamily="34" charset="0"/>
-              </a:rPr>
-              <a:t>hệ</a:t>
-            </a:r>
-            <a:r>
-              <a:rPr lang="en-US" sz="2000" dirty="0">
-                <a:latin typeface="Tahoma" panose="020B0604030504040204" pitchFamily="34" charset="0"/>
-                <a:ea typeface="Tahoma" panose="020B0604030504040204" pitchFamily="34" charset="0"/>
-                <a:cs typeface="Tahoma" panose="020B0604030504040204" pitchFamily="34" charset="0"/>
-              </a:rPr>
-              <a:t> </a:t>
-            </a:r>
-            <a:r>
-              <a:rPr lang="en-US" sz="2000" dirty="0" err="1">
-                <a:latin typeface="Tahoma" panose="020B0604030504040204" pitchFamily="34" charset="0"/>
-                <a:ea typeface="Tahoma" panose="020B0604030504040204" pitchFamily="34" charset="0"/>
-                <a:cs typeface="Tahoma" panose="020B0604030504040204" pitchFamily="34" charset="0"/>
-              </a:rPr>
-              <a:t>thống</a:t>
-            </a:r>
-            <a:r>
-              <a:rPr lang="en-US" sz="2000" dirty="0">
-                <a:latin typeface="Tahoma" panose="020B0604030504040204" pitchFamily="34" charset="0"/>
-                <a:ea typeface="Tahoma" panose="020B0604030504040204" pitchFamily="34" charset="0"/>
-                <a:cs typeface="Tahoma" panose="020B0604030504040204" pitchFamily="34" charset="0"/>
-              </a:rPr>
-              <a:t> Capital Bikeshare, Washington D.C., </a:t>
-            </a:r>
-            <a:r>
-              <a:rPr lang="en-US" sz="2000" dirty="0" err="1">
-                <a:latin typeface="Tahoma" panose="020B0604030504040204" pitchFamily="34" charset="0"/>
-                <a:ea typeface="Tahoma" panose="020B0604030504040204" pitchFamily="34" charset="0"/>
-                <a:cs typeface="Tahoma" panose="020B0604030504040204" pitchFamily="34" charset="0"/>
-              </a:rPr>
-              <a:t>Hoa</a:t>
-            </a:r>
-            <a:r>
-              <a:rPr lang="en-US" sz="2000" dirty="0">
-                <a:latin typeface="Tahoma" panose="020B0604030504040204" pitchFamily="34" charset="0"/>
-                <a:ea typeface="Tahoma" panose="020B0604030504040204" pitchFamily="34" charset="0"/>
-                <a:cs typeface="Tahoma" panose="020B0604030504040204" pitchFamily="34" charset="0"/>
-              </a:rPr>
-              <a:t> </a:t>
-            </a:r>
-            <a:r>
-              <a:rPr lang="en-US" sz="2000" dirty="0" err="1">
-                <a:latin typeface="Tahoma" panose="020B0604030504040204" pitchFamily="34" charset="0"/>
-                <a:ea typeface="Tahoma" panose="020B0604030504040204" pitchFamily="34" charset="0"/>
-                <a:cs typeface="Tahoma" panose="020B0604030504040204" pitchFamily="34" charset="0"/>
-              </a:rPr>
-              <a:t>Kỳ</a:t>
-            </a:r>
-            <a:endParaRPr lang="en-US" sz="2000" dirty="0">
-              <a:latin typeface="Tahoma" panose="020B0604030504040204" pitchFamily="34" charset="0"/>
-              <a:ea typeface="Tahoma" panose="020B0604030504040204" pitchFamily="34" charset="0"/>
-              <a:cs typeface="Tahoma" panose="020B0604030504040204" pitchFamily="34" charset="0"/>
-            </a:endParaRPr>
-          </a:p>
-          <a:p>
-            <a:pPr marL="342900" indent="-342900">
+              <a:t>Có liên quan đến nhật ký lịch sử năm 2011 – 2012 từ hệ thống Capital Bikeshare, Washington D.C., Hoa Kỳ</a:t>
+            </a:r>
+          </a:p>
+          <a:p>
+            <a:pPr marL="342900" indent="-342900" algn="just">
               <a:buFont typeface="Wingdings" panose="05000000000000000000" pitchFamily="2" charset="2"/>
               <a:buChar char="q"/>
             </a:pPr>
-            <a:endParaRPr lang="en-US" sz="2000" dirty="0">
+            <a:endParaRPr lang="en-US" sz="2000">
               <a:latin typeface="Tahoma" panose="020B0604030504040204" pitchFamily="34" charset="0"/>
               <a:ea typeface="Tahoma" panose="020B0604030504040204" pitchFamily="34" charset="0"/>
               <a:cs typeface="Tahoma" panose="020B0604030504040204" pitchFamily="34" charset="0"/>
@@ -6074,7 +5130,7 @@
           <a:lstStyle/>
           <a:p>
             <a:r>
-              <a:rPr lang="en-US" sz="2400" i="0" dirty="0">
+              <a:rPr lang="en-US" sz="2400" i="0">
                 <a:solidFill>
                   <a:srgbClr val="000000"/>
                 </a:solidFill>
@@ -6085,7 +5141,7 @@
               </a:rPr>
               <a:t>Bike Sharing Dataset Data Set:</a:t>
             </a:r>
-            <a:endParaRPr lang="en-US" sz="2400" dirty="0">
+            <a:endParaRPr lang="en-US" sz="2400">
               <a:latin typeface="Tahoma" panose="020B0604030504040204" pitchFamily="34" charset="0"/>
               <a:ea typeface="Tahoma" panose="020B0604030504040204" pitchFamily="34" charset="0"/>
               <a:cs typeface="Tahoma" panose="020B0604030504040204" pitchFamily="34" charset="0"/>
@@ -6122,156 +5178,6 @@
           </a:p>
         </p:txBody>
       </p:sp>
-      <p:sp>
-        <p:nvSpPr>
-          <p:cNvPr id="3" name="TextBox 2">
-            <a:extLst>
-              <a:ext uri="{FF2B5EF4-FFF2-40B4-BE49-F238E27FC236}">
-                <a16:creationId xmlns:a16="http://schemas.microsoft.com/office/drawing/2014/main" id="{68FD3A0F-BE7C-4464-8922-83093CCE095F}"/>
-              </a:ext>
-            </a:extLst>
-          </p:cNvPr>
-          <p:cNvSpPr txBox="1"/>
-          <p:nvPr/>
-        </p:nvSpPr>
-        <p:spPr>
-          <a:xfrm>
-            <a:off x="8603087" y="351573"/>
-            <a:ext cx="1777285" cy="646331"/>
-          </a:xfrm>
-          <a:prstGeom prst="rect">
-            <a:avLst/>
-          </a:prstGeom>
-          <a:noFill/>
-        </p:spPr>
-        <p:txBody>
-          <a:bodyPr wrap="square" rtlCol="0">
-            <a:spAutoFit/>
-          </a:bodyPr>
-          <a:lstStyle/>
-          <a:p>
-            <a:r>
-              <a:rPr lang="en-US" b="1" dirty="0" err="1">
-                <a:solidFill>
-                  <a:srgbClr val="FF0000"/>
-                </a:solidFill>
-                <a:latin typeface="Times New Roman" panose="02020603050405020304" pitchFamily="18" charset="0"/>
-                <a:cs typeface="Times New Roman" panose="02020603050405020304" pitchFamily="18" charset="0"/>
-              </a:rPr>
-              <a:t>Sửa</a:t>
-            </a:r>
-            <a:r>
-              <a:rPr lang="en-US" b="1" dirty="0">
-                <a:solidFill>
-                  <a:srgbClr val="FF0000"/>
-                </a:solidFill>
-                <a:latin typeface="Times New Roman" panose="02020603050405020304" pitchFamily="18" charset="0"/>
-                <a:cs typeface="Times New Roman" panose="02020603050405020304" pitchFamily="18" charset="0"/>
-              </a:rPr>
-              <a:t> </a:t>
-            </a:r>
-            <a:r>
-              <a:rPr lang="en-US" b="1" dirty="0" err="1">
-                <a:solidFill>
-                  <a:srgbClr val="FF0000"/>
-                </a:solidFill>
-                <a:latin typeface="Times New Roman" panose="02020603050405020304" pitchFamily="18" charset="0"/>
-                <a:cs typeface="Times New Roman" panose="02020603050405020304" pitchFamily="18" charset="0"/>
-              </a:rPr>
-              <a:t>fontsize</a:t>
-            </a:r>
-            <a:r>
-              <a:rPr lang="en-US" b="1" dirty="0">
-                <a:solidFill>
-                  <a:srgbClr val="FF0000"/>
-                </a:solidFill>
-                <a:latin typeface="Times New Roman" panose="02020603050405020304" pitchFamily="18" charset="0"/>
-                <a:cs typeface="Times New Roman" panose="02020603050405020304" pitchFamily="18" charset="0"/>
-              </a:rPr>
-              <a:t> </a:t>
-            </a:r>
-            <a:r>
-              <a:rPr lang="en-US" b="1" dirty="0" err="1">
-                <a:solidFill>
-                  <a:srgbClr val="FF0000"/>
-                </a:solidFill>
-                <a:latin typeface="Times New Roman" panose="02020603050405020304" pitchFamily="18" charset="0"/>
-                <a:cs typeface="Times New Roman" panose="02020603050405020304" pitchFamily="18" charset="0"/>
-              </a:rPr>
-              <a:t>thành</a:t>
-            </a:r>
-            <a:r>
-              <a:rPr lang="en-US" b="1" dirty="0">
-                <a:solidFill>
-                  <a:srgbClr val="FF0000"/>
-                </a:solidFill>
-                <a:latin typeface="Times New Roman" panose="02020603050405020304" pitchFamily="18" charset="0"/>
-                <a:cs typeface="Times New Roman" panose="02020603050405020304" pitchFamily="18" charset="0"/>
-              </a:rPr>
-              <a:t> 16 </a:t>
-            </a:r>
-            <a:r>
-              <a:rPr lang="en-US" b="1" dirty="0" err="1">
-                <a:solidFill>
-                  <a:srgbClr val="FF0000"/>
-                </a:solidFill>
-                <a:latin typeface="Times New Roman" panose="02020603050405020304" pitchFamily="18" charset="0"/>
-                <a:cs typeface="Times New Roman" panose="02020603050405020304" pitchFamily="18" charset="0"/>
-              </a:rPr>
-              <a:t>hết</a:t>
-            </a:r>
-            <a:r>
-              <a:rPr lang="en-US" b="1" dirty="0">
-                <a:solidFill>
-                  <a:srgbClr val="FF0000"/>
-                </a:solidFill>
-                <a:latin typeface="Times New Roman" panose="02020603050405020304" pitchFamily="18" charset="0"/>
-                <a:cs typeface="Times New Roman" panose="02020603050405020304" pitchFamily="18" charset="0"/>
-              </a:rPr>
-              <a:t> </a:t>
-            </a:r>
-          </a:p>
-        </p:txBody>
-      </p:sp>
-      <p:cxnSp>
-        <p:nvCxnSpPr>
-          <p:cNvPr id="8" name="Straight Arrow Connector 7">
-            <a:extLst>
-              <a:ext uri="{FF2B5EF4-FFF2-40B4-BE49-F238E27FC236}">
-                <a16:creationId xmlns:a16="http://schemas.microsoft.com/office/drawing/2014/main" id="{B5EC693D-CD1F-4177-8255-02D361299299}"/>
-              </a:ext>
-            </a:extLst>
-          </p:cNvPr>
-          <p:cNvCxnSpPr/>
-          <p:nvPr/>
-        </p:nvCxnSpPr>
-        <p:spPr>
-          <a:xfrm>
-            <a:off x="10212946" y="529867"/>
-            <a:ext cx="347730" cy="0"/>
-          </a:xfrm>
-          <a:prstGeom prst="straightConnector1">
-            <a:avLst/>
-          </a:prstGeom>
-          <a:ln>
-            <a:tailEnd type="triangle"/>
-          </a:ln>
-        </p:spPr>
-        <p:style>
-          <a:lnRef idx="3">
-            <a:schemeClr val="accent3"/>
-          </a:lnRef>
-          <a:fillRef idx="0">
-            <a:schemeClr val="accent3"/>
-          </a:fillRef>
-          <a:effectRef idx="2">
-            <a:schemeClr val="accent3"/>
-          </a:effectRef>
-          <a:fontRef idx="minor">
-            <a:schemeClr val="tx1"/>
-          </a:fontRef>
-        </p:style>
-      </p:cxnSp>
     </p:spTree>
     <p:extLst>
       <p:ext uri="{BB962C8B-B14F-4D97-AF65-F5344CB8AC3E}">
@@ -6538,6 +5444,406 @@
               <a:latin typeface="Times New Roman" panose="02020603050405020304" pitchFamily="18" charset="0"/>
               <a:ea typeface="Tahoma" panose="020B0604030504040204" pitchFamily="34" charset="0"/>
               <a:cs typeface="Times New Roman" panose="02020603050405020304" pitchFamily="18" charset="0"/>
+            </a:endParaRPr>
+          </a:p>
+        </p:txBody>
+      </p:sp>
+      <p:sp>
+        <p:nvSpPr>
+          <p:cNvPr id="6" name="TextBox 5">
+            <a:extLst>
+              <a:ext uri="{FF2B5EF4-FFF2-40B4-BE49-F238E27FC236}">
+                <a16:creationId xmlns:a16="http://schemas.microsoft.com/office/drawing/2014/main" id="{D586504E-555D-44E2-8B4D-CC650AEB0D65}"/>
+              </a:ext>
+            </a:extLst>
+          </p:cNvPr>
+          <p:cNvSpPr txBox="1"/>
+          <p:nvPr/>
+        </p:nvSpPr>
+        <p:spPr>
+          <a:xfrm>
+            <a:off x="1631373" y="622200"/>
+            <a:ext cx="3740727" cy="584775"/>
+          </a:xfrm>
+          <a:prstGeom prst="rect">
+            <a:avLst/>
+          </a:prstGeom>
+          <a:noFill/>
+        </p:spPr>
+        <p:txBody>
+          <a:bodyPr wrap="square" rtlCol="0">
+            <a:spAutoFit/>
+          </a:bodyPr>
+          <a:lstStyle/>
+          <a:p>
+            <a:r>
+              <a:rPr lang="en-US" sz="3200" b="1"/>
+              <a:t>Thông tin thuộc tính</a:t>
+            </a:r>
+          </a:p>
+        </p:txBody>
+      </p:sp>
+      <p:sp>
+        <p:nvSpPr>
+          <p:cNvPr id="7" name="TextBox 6">
+            <a:extLst>
+              <a:ext uri="{FF2B5EF4-FFF2-40B4-BE49-F238E27FC236}">
+                <a16:creationId xmlns:a16="http://schemas.microsoft.com/office/drawing/2014/main" id="{5899B8E2-2483-4135-B479-E6C8FECDE68E}"/>
+              </a:ext>
+            </a:extLst>
+          </p:cNvPr>
+          <p:cNvSpPr txBox="1"/>
+          <p:nvPr/>
+        </p:nvSpPr>
+        <p:spPr>
+          <a:xfrm>
+            <a:off x="1248990" y="1748909"/>
+            <a:ext cx="4769252" cy="3785652"/>
+          </a:xfrm>
+          <a:prstGeom prst="rect">
+            <a:avLst/>
+          </a:prstGeom>
+          <a:noFill/>
+        </p:spPr>
+        <p:txBody>
+          <a:bodyPr wrap="square" rtlCol="0">
+            <a:spAutoFit/>
+          </a:bodyPr>
+          <a:lstStyle/>
+          <a:p>
+            <a:r>
+              <a:rPr lang="en-US" sz="2400" b="0" i="0">
+                <a:effectLst/>
+                <a:latin typeface="Tahoma" panose="020B0604030504040204" pitchFamily="34" charset="0"/>
+                <a:ea typeface="Tahoma" panose="020B0604030504040204" pitchFamily="34" charset="0"/>
+                <a:cs typeface="Tahoma" panose="020B0604030504040204" pitchFamily="34" charset="0"/>
+              </a:rPr>
+              <a:t>- instant: chỉ số bảng ghi</a:t>
+            </a:r>
+            <a:br>
+              <a:rPr lang="en-US" sz="2400">
+                <a:latin typeface="Tahoma" panose="020B0604030504040204" pitchFamily="34" charset="0"/>
+                <a:ea typeface="Tahoma" panose="020B0604030504040204" pitchFamily="34" charset="0"/>
+                <a:cs typeface="Tahoma" panose="020B0604030504040204" pitchFamily="34" charset="0"/>
+              </a:rPr>
+            </a:br>
+            <a:r>
+              <a:rPr lang="en-US" sz="2400" b="0" i="0">
+                <a:effectLst/>
+                <a:latin typeface="Tahoma" panose="020B0604030504040204" pitchFamily="34" charset="0"/>
+                <a:ea typeface="Tahoma" panose="020B0604030504040204" pitchFamily="34" charset="0"/>
+                <a:cs typeface="Tahoma" panose="020B0604030504040204" pitchFamily="34" charset="0"/>
+              </a:rPr>
+              <a:t>- dteday : ngày</a:t>
+            </a:r>
+            <a:br>
+              <a:rPr lang="en-US" sz="2400">
+                <a:latin typeface="Tahoma" panose="020B0604030504040204" pitchFamily="34" charset="0"/>
+                <a:ea typeface="Tahoma" panose="020B0604030504040204" pitchFamily="34" charset="0"/>
+                <a:cs typeface="Tahoma" panose="020B0604030504040204" pitchFamily="34" charset="0"/>
+              </a:rPr>
+            </a:br>
+            <a:r>
+              <a:rPr lang="en-US" sz="2400" b="0" i="0">
+                <a:effectLst/>
+                <a:latin typeface="Tahoma" panose="020B0604030504040204" pitchFamily="34" charset="0"/>
+                <a:ea typeface="Tahoma" panose="020B0604030504040204" pitchFamily="34" charset="0"/>
+                <a:cs typeface="Tahoma" panose="020B0604030504040204" pitchFamily="34" charset="0"/>
+              </a:rPr>
+              <a:t>- season : mùa </a:t>
+            </a:r>
+          </a:p>
+          <a:p>
+            <a:r>
+              <a:rPr lang="en-US" sz="2400" b="0" i="0">
+                <a:effectLst/>
+                <a:latin typeface="Tahoma" panose="020B0604030504040204" pitchFamily="34" charset="0"/>
+                <a:ea typeface="Tahoma" panose="020B0604030504040204" pitchFamily="34" charset="0"/>
+                <a:cs typeface="Tahoma" panose="020B0604030504040204" pitchFamily="34" charset="0"/>
+              </a:rPr>
+              <a:t>- yr : năm</a:t>
+            </a:r>
+            <a:br>
+              <a:rPr lang="en-US" sz="2400">
+                <a:latin typeface="Tahoma" panose="020B0604030504040204" pitchFamily="34" charset="0"/>
+                <a:ea typeface="Tahoma" panose="020B0604030504040204" pitchFamily="34" charset="0"/>
+                <a:cs typeface="Tahoma" panose="020B0604030504040204" pitchFamily="34" charset="0"/>
+              </a:rPr>
+            </a:br>
+            <a:r>
+              <a:rPr lang="en-US" sz="2400" b="0" i="0">
+                <a:effectLst/>
+                <a:latin typeface="Tahoma" panose="020B0604030504040204" pitchFamily="34" charset="0"/>
+                <a:ea typeface="Tahoma" panose="020B0604030504040204" pitchFamily="34" charset="0"/>
+                <a:cs typeface="Tahoma" panose="020B0604030504040204" pitchFamily="34" charset="0"/>
+              </a:rPr>
+              <a:t>- mnth : tháng</a:t>
+            </a:r>
+            <a:br>
+              <a:rPr lang="en-US" sz="2400">
+                <a:latin typeface="Tahoma" panose="020B0604030504040204" pitchFamily="34" charset="0"/>
+                <a:ea typeface="Tahoma" panose="020B0604030504040204" pitchFamily="34" charset="0"/>
+                <a:cs typeface="Tahoma" panose="020B0604030504040204" pitchFamily="34" charset="0"/>
+              </a:rPr>
+            </a:br>
+            <a:r>
+              <a:rPr lang="en-US" sz="2400" b="0" i="0">
+                <a:effectLst/>
+                <a:latin typeface="Tahoma" panose="020B0604030504040204" pitchFamily="34" charset="0"/>
+                <a:ea typeface="Tahoma" panose="020B0604030504040204" pitchFamily="34" charset="0"/>
+                <a:cs typeface="Tahoma" panose="020B0604030504040204" pitchFamily="34" charset="0"/>
+              </a:rPr>
+              <a:t>- hr : giờ</a:t>
+            </a:r>
+            <a:br>
+              <a:rPr lang="en-US" sz="2400">
+                <a:latin typeface="Tahoma" panose="020B0604030504040204" pitchFamily="34" charset="0"/>
+                <a:ea typeface="Tahoma" panose="020B0604030504040204" pitchFamily="34" charset="0"/>
+                <a:cs typeface="Tahoma" panose="020B0604030504040204" pitchFamily="34" charset="0"/>
+              </a:rPr>
+            </a:br>
+            <a:r>
+              <a:rPr lang="en-US" sz="2400" b="0" i="0">
+                <a:effectLst/>
+                <a:latin typeface="Tahoma" panose="020B0604030504040204" pitchFamily="34" charset="0"/>
+                <a:ea typeface="Tahoma" panose="020B0604030504040204" pitchFamily="34" charset="0"/>
+                <a:cs typeface="Tahoma" panose="020B0604030504040204" pitchFamily="34" charset="0"/>
+              </a:rPr>
+              <a:t>- holiday : ngày nghỉ</a:t>
+            </a:r>
+            <a:br>
+              <a:rPr lang="en-US" sz="2400">
+                <a:latin typeface="Tahoma" panose="020B0604030504040204" pitchFamily="34" charset="0"/>
+                <a:ea typeface="Tahoma" panose="020B0604030504040204" pitchFamily="34" charset="0"/>
+                <a:cs typeface="Tahoma" panose="020B0604030504040204" pitchFamily="34" charset="0"/>
+              </a:rPr>
+            </a:br>
+            <a:r>
+              <a:rPr lang="en-US" sz="2400" b="0" i="0">
+                <a:effectLst/>
+                <a:latin typeface="Tahoma" panose="020B0604030504040204" pitchFamily="34" charset="0"/>
+                <a:ea typeface="Tahoma" panose="020B0604030504040204" pitchFamily="34" charset="0"/>
+                <a:cs typeface="Tahoma" panose="020B0604030504040204" pitchFamily="34" charset="0"/>
+              </a:rPr>
+              <a:t>- weekday : ngày trong tuần	</a:t>
+            </a:r>
+            <a:br>
+              <a:rPr lang="en-US" sz="2400">
+                <a:latin typeface="Tahoma" panose="020B0604030504040204" pitchFamily="34" charset="0"/>
+                <a:ea typeface="Tahoma" panose="020B0604030504040204" pitchFamily="34" charset="0"/>
+                <a:cs typeface="Tahoma" panose="020B0604030504040204" pitchFamily="34" charset="0"/>
+              </a:rPr>
+            </a:br>
+            <a:r>
+              <a:rPr lang="en-US" sz="2400" b="0" i="0">
+                <a:effectLst/>
+                <a:latin typeface="Tahoma" panose="020B0604030504040204" pitchFamily="34" charset="0"/>
+                <a:ea typeface="Tahoma" panose="020B0604030504040204" pitchFamily="34" charset="0"/>
+                <a:cs typeface="Tahoma" panose="020B0604030504040204" pitchFamily="34" charset="0"/>
+              </a:rPr>
+              <a:t>- workingday : ngày làm việc</a:t>
+            </a:r>
+          </a:p>
+          <a:p>
+            <a:r>
+              <a:rPr lang="en-US" sz="2400" b="0" i="0">
+                <a:effectLst/>
+                <a:latin typeface="Tahoma" panose="020B0604030504040204" pitchFamily="34" charset="0"/>
+                <a:ea typeface="Tahoma" panose="020B0604030504040204" pitchFamily="34" charset="0"/>
+                <a:cs typeface="Tahoma" panose="020B0604030504040204" pitchFamily="34" charset="0"/>
+              </a:rPr>
+              <a:t>- weathersit : thời tiết</a:t>
+            </a:r>
+          </a:p>
+        </p:txBody>
+      </p:sp>
+      <p:sp>
+        <p:nvSpPr>
+          <p:cNvPr id="9" name="TextBox 8">
+            <a:extLst>
+              <a:ext uri="{FF2B5EF4-FFF2-40B4-BE49-F238E27FC236}">
+                <a16:creationId xmlns:a16="http://schemas.microsoft.com/office/drawing/2014/main" id="{3609837D-68F7-473D-A24C-909C497A4CBA}"/>
+              </a:ext>
+            </a:extLst>
+          </p:cNvPr>
+          <p:cNvSpPr txBox="1"/>
+          <p:nvPr/>
+        </p:nvSpPr>
+        <p:spPr>
+          <a:xfrm>
+            <a:off x="6173760" y="1748909"/>
+            <a:ext cx="4769252" cy="3785652"/>
+          </a:xfrm>
+          <a:prstGeom prst="rect">
+            <a:avLst/>
+          </a:prstGeom>
+          <a:noFill/>
+        </p:spPr>
+        <p:txBody>
+          <a:bodyPr wrap="square" rtlCol="0">
+            <a:spAutoFit/>
+          </a:bodyPr>
+          <a:lstStyle/>
+          <a:p>
+            <a:r>
+              <a:rPr lang="en-US" sz="2400" b="0" i="0">
+                <a:effectLst/>
+                <a:latin typeface="Tahoma" panose="020B0604030504040204" pitchFamily="34" charset="0"/>
+                <a:ea typeface="Tahoma" panose="020B0604030504040204" pitchFamily="34" charset="0"/>
+                <a:cs typeface="Tahoma" panose="020B0604030504040204" pitchFamily="34" charset="0"/>
+              </a:rPr>
+              <a:t>- temp : nhiệt độ</a:t>
+            </a:r>
+          </a:p>
+          <a:p>
+            <a:r>
+              <a:rPr lang="en-US" sz="2400" b="0" i="0">
+                <a:effectLst/>
+                <a:latin typeface="Tahoma" panose="020B0604030504040204" pitchFamily="34" charset="0"/>
+                <a:ea typeface="Tahoma" panose="020B0604030504040204" pitchFamily="34" charset="0"/>
+                <a:cs typeface="Tahoma" panose="020B0604030504040204" pitchFamily="34" charset="0"/>
+              </a:rPr>
+              <a:t>- atemp: nhiệt độ cảm giác</a:t>
+            </a:r>
+          </a:p>
+          <a:p>
+            <a:r>
+              <a:rPr lang="en-US" sz="2400" b="0" i="0">
+                <a:effectLst/>
+                <a:latin typeface="Tahoma" panose="020B0604030504040204" pitchFamily="34" charset="0"/>
+                <a:ea typeface="Tahoma" panose="020B0604030504040204" pitchFamily="34" charset="0"/>
+                <a:cs typeface="Tahoma" panose="020B0604030504040204" pitchFamily="34" charset="0"/>
+              </a:rPr>
+              <a:t>- hum: độ ẩm</a:t>
+            </a:r>
+          </a:p>
+          <a:p>
+            <a:r>
+              <a:rPr lang="en-US" sz="2400" b="0" i="0">
+                <a:effectLst/>
+                <a:latin typeface="Tahoma" panose="020B0604030504040204" pitchFamily="34" charset="0"/>
+                <a:ea typeface="Tahoma" panose="020B0604030504040204" pitchFamily="34" charset="0"/>
+                <a:cs typeface="Tahoma" panose="020B0604030504040204" pitchFamily="34" charset="0"/>
+              </a:rPr>
+              <a:t>- windspeed: tốc độ gió</a:t>
+            </a:r>
+          </a:p>
+          <a:p>
+            <a:r>
+              <a:rPr lang="en-US" sz="2400" b="0" i="0">
+                <a:effectLst/>
+                <a:latin typeface="Tahoma" panose="020B0604030504040204" pitchFamily="34" charset="0"/>
+                <a:ea typeface="Tahoma" panose="020B0604030504040204" pitchFamily="34" charset="0"/>
+                <a:cs typeface="Tahoma" panose="020B0604030504040204" pitchFamily="34" charset="0"/>
+              </a:rPr>
+              <a:t>- casual: </a:t>
+            </a:r>
+            <a:r>
+              <a:rPr lang="vi-VN" sz="2400" b="0" i="0">
+                <a:effectLst/>
+                <a:latin typeface="Tahoma" panose="020B0604030504040204" pitchFamily="34" charset="0"/>
+                <a:ea typeface="Tahoma" panose="020B0604030504040204" pitchFamily="34" charset="0"/>
+                <a:cs typeface="Tahoma" panose="020B0604030504040204" pitchFamily="34" charset="0"/>
+              </a:rPr>
+              <a:t>số lượng người dùng bình thường‎</a:t>
+            </a:r>
+            <a:br>
+              <a:rPr lang="en-US" sz="2400">
+                <a:latin typeface="Tahoma" panose="020B0604030504040204" pitchFamily="34" charset="0"/>
+                <a:ea typeface="Tahoma" panose="020B0604030504040204" pitchFamily="34" charset="0"/>
+                <a:cs typeface="Tahoma" panose="020B0604030504040204" pitchFamily="34" charset="0"/>
+              </a:rPr>
+            </a:br>
+            <a:r>
+              <a:rPr lang="en-US" sz="2400">
+                <a:latin typeface="Tahoma" panose="020B0604030504040204" pitchFamily="34" charset="0"/>
+                <a:ea typeface="Tahoma" panose="020B0604030504040204" pitchFamily="34" charset="0"/>
+                <a:cs typeface="Tahoma" panose="020B0604030504040204" pitchFamily="34" charset="0"/>
+              </a:rPr>
+              <a:t>- </a:t>
+            </a:r>
+            <a:r>
+              <a:rPr lang="en-US" sz="2400" b="0" i="0">
+                <a:effectLst/>
+                <a:latin typeface="Tahoma" panose="020B0604030504040204" pitchFamily="34" charset="0"/>
+                <a:ea typeface="Tahoma" panose="020B0604030504040204" pitchFamily="34" charset="0"/>
+                <a:cs typeface="Tahoma" panose="020B0604030504040204" pitchFamily="34" charset="0"/>
+              </a:rPr>
+              <a:t>registered: s</a:t>
+            </a:r>
+            <a:r>
+              <a:rPr lang="vi-VN" sz="2400" b="0" i="0">
+                <a:effectLst/>
+                <a:latin typeface="Tahoma" panose="020B0604030504040204" pitchFamily="34" charset="0"/>
+                <a:ea typeface="Tahoma" panose="020B0604030504040204" pitchFamily="34" charset="0"/>
+                <a:cs typeface="Tahoma" panose="020B0604030504040204" pitchFamily="34" charset="0"/>
+              </a:rPr>
+              <a:t>ố lượng người dùng đã đăng ký</a:t>
+            </a:r>
+            <a:br>
+              <a:rPr lang="en-US" sz="2400">
+                <a:latin typeface="Tahoma" panose="020B0604030504040204" pitchFamily="34" charset="0"/>
+                <a:ea typeface="Tahoma" panose="020B0604030504040204" pitchFamily="34" charset="0"/>
+                <a:cs typeface="Tahoma" panose="020B0604030504040204" pitchFamily="34" charset="0"/>
+              </a:rPr>
+            </a:br>
+            <a:r>
+              <a:rPr lang="en-US" sz="2400">
+                <a:latin typeface="Tahoma" panose="020B0604030504040204" pitchFamily="34" charset="0"/>
+                <a:ea typeface="Tahoma" panose="020B0604030504040204" pitchFamily="34" charset="0"/>
+                <a:cs typeface="Tahoma" panose="020B0604030504040204" pitchFamily="34" charset="0"/>
+              </a:rPr>
+              <a:t>- </a:t>
+            </a:r>
+            <a:r>
+              <a:rPr lang="en-US" sz="2400" b="0" i="0">
+                <a:effectLst/>
+                <a:latin typeface="Tahoma" panose="020B0604030504040204" pitchFamily="34" charset="0"/>
+                <a:ea typeface="Tahoma" panose="020B0604030504040204" pitchFamily="34" charset="0"/>
+                <a:cs typeface="Tahoma" panose="020B0604030504040204" pitchFamily="34" charset="0"/>
+              </a:rPr>
+              <a:t>cnt: </a:t>
+            </a:r>
+            <a:r>
+              <a:rPr lang="vi-VN" sz="2400" b="0" i="0">
+                <a:effectLst/>
+                <a:latin typeface="Tahoma" panose="020B0604030504040204" pitchFamily="34" charset="0"/>
+                <a:ea typeface="Tahoma" panose="020B0604030504040204" pitchFamily="34" charset="0"/>
+                <a:cs typeface="Tahoma" panose="020B0604030504040204" pitchFamily="34" charset="0"/>
+              </a:rPr>
+              <a:t>‎tổng số xe đạp cho thuê bao </a:t>
+            </a:r>
+            <a:r>
+              <a:rPr lang="en-US" sz="2400" b="0" i="0">
+                <a:effectLst/>
+                <a:latin typeface="Tahoma" panose="020B0604030504040204" pitchFamily="34" charset="0"/>
+                <a:ea typeface="Tahoma" panose="020B0604030504040204" pitchFamily="34" charset="0"/>
+                <a:cs typeface="Tahoma" panose="020B0604030504040204" pitchFamily="34" charset="0"/>
+              </a:rPr>
+              <a:t>(</a:t>
+            </a:r>
+            <a:r>
+              <a:rPr lang="vi-VN" sz="2400" b="0" i="0">
+                <a:effectLst/>
+                <a:latin typeface="Tahoma" panose="020B0604030504040204" pitchFamily="34" charset="0"/>
+                <a:ea typeface="Tahoma" panose="020B0604030504040204" pitchFamily="34" charset="0"/>
+                <a:cs typeface="Tahoma" panose="020B0604030504040204" pitchFamily="34" charset="0"/>
+              </a:rPr>
+              <a:t>bình thường và đăng ký‎</a:t>
+            </a:r>
+            <a:r>
+              <a:rPr lang="en-US" sz="2400" b="0" i="0">
+                <a:effectLst/>
+                <a:latin typeface="Tahoma" panose="020B0604030504040204" pitchFamily="34" charset="0"/>
+                <a:ea typeface="Tahoma" panose="020B0604030504040204" pitchFamily="34" charset="0"/>
+                <a:cs typeface="Tahoma" panose="020B0604030504040204" pitchFamily="34" charset="0"/>
+              </a:rPr>
+              <a:t>)</a:t>
+            </a:r>
+            <a:endParaRPr lang="en-US" sz="2400">
+              <a:latin typeface="Tahoma" panose="020B0604030504040204" pitchFamily="34" charset="0"/>
+              <a:ea typeface="Tahoma" panose="020B0604030504040204" pitchFamily="34" charset="0"/>
+              <a:cs typeface="Tahoma" panose="020B0604030504040204" pitchFamily="34" charset="0"/>
             </a:endParaRPr>
           </a:p>
         </p:txBody>
@@ -6578,702 +5884,10 @@
           </a:prstGeom>
         </p:spPr>
       </p:pic>
-      <p:graphicFrame>
-        <p:nvGraphicFramePr>
-          <p:cNvPr id="3" name="Table 3">
-            <a:extLst>
-              <a:ext uri="{FF2B5EF4-FFF2-40B4-BE49-F238E27FC236}">
-                <a16:creationId xmlns:a16="http://schemas.microsoft.com/office/drawing/2014/main" id="{3A3A4039-9DAC-4747-A378-5B03CDEBF0E2}"/>
-              </a:ext>
-            </a:extLst>
-          </p:cNvPr>
-          <p:cNvGraphicFramePr>
-            <a:graphicFrameLocks noGrp="1"/>
-          </p:cNvGraphicFramePr>
-          <p:nvPr>
-            <p:extLst>
-              <p:ext uri="{D42A27DB-BD31-4B8C-83A1-F6EECF244321}">
-                <p14:modId xmlns:p14="http://schemas.microsoft.com/office/powerpoint/2010/main" val="2336562398"/>
-              </p:ext>
-            </p:extLst>
-          </p:nvPr>
-        </p:nvGraphicFramePr>
-        <p:xfrm>
-          <a:off x="699752" y="2148840"/>
-          <a:ext cx="10792496" cy="2560320"/>
-        </p:xfrm>
-        <a:graphic>
-          <a:graphicData uri="http://schemas.openxmlformats.org/drawingml/2006/table">
-            <a:tbl>
-              <a:tblPr firstRow="1" bandRow="1">
-                <a:tableStyleId>{8A107856-5554-42FB-B03E-39F5DBC370BA}</a:tableStyleId>
-              </a:tblPr>
-              <a:tblGrid>
-                <a:gridCol w="5396248">
-                  <a:extLst>
-                    <a:ext uri="{9D8B030D-6E8A-4147-A177-3AD203B41FA5}">
-                      <a16:colId xmlns:a16="http://schemas.microsoft.com/office/drawing/2014/main" val="1742185409"/>
-                    </a:ext>
-                  </a:extLst>
-                </a:gridCol>
-                <a:gridCol w="5396248">
-                  <a:extLst>
-                    <a:ext uri="{9D8B030D-6E8A-4147-A177-3AD203B41FA5}">
-                      <a16:colId xmlns:a16="http://schemas.microsoft.com/office/drawing/2014/main" val="2456488664"/>
-                    </a:ext>
-                  </a:extLst>
-                </a:gridCol>
-              </a:tblGrid>
-              <a:tr h="412201">
-                <a:tc>
-                  <a:txBody>
-                    <a:bodyPr/>
-                    <a:lstStyle/>
-                    <a:p>
-                      <a:pPr algn="l"/>
-                      <a:r>
-                        <a:rPr lang="en-US" sz="3600" b="0" dirty="0" err="1">
-                          <a:solidFill>
-                            <a:schemeClr val="tx1"/>
-                          </a:solidFill>
-                          <a:latin typeface="Times New Roman" panose="02020603050405020304" pitchFamily="18" charset="0"/>
-                          <a:cs typeface="Times New Roman" panose="02020603050405020304" pitchFamily="18" charset="0"/>
-                        </a:rPr>
-                        <a:t>Đặc</a:t>
-                      </a:r>
-                      <a:r>
-                        <a:rPr lang="en-US" sz="3600" b="0" dirty="0">
-                          <a:solidFill>
-                            <a:schemeClr val="tx1"/>
-                          </a:solidFill>
-                          <a:latin typeface="Times New Roman" panose="02020603050405020304" pitchFamily="18" charset="0"/>
-                          <a:cs typeface="Times New Roman" panose="02020603050405020304" pitchFamily="18" charset="0"/>
-                        </a:rPr>
-                        <a:t> </a:t>
-                      </a:r>
-                      <a:r>
-                        <a:rPr lang="en-US" sz="3600" b="0" dirty="0" err="1">
-                          <a:solidFill>
-                            <a:schemeClr val="tx1"/>
-                          </a:solidFill>
-                          <a:latin typeface="Times New Roman" panose="02020603050405020304" pitchFamily="18" charset="0"/>
-                          <a:cs typeface="Times New Roman" panose="02020603050405020304" pitchFamily="18" charset="0"/>
-                        </a:rPr>
-                        <a:t>điểm</a:t>
-                      </a:r>
-                      <a:r>
-                        <a:rPr lang="en-US" sz="3600" b="0" dirty="0">
-                          <a:solidFill>
-                            <a:schemeClr val="tx1"/>
-                          </a:solidFill>
-                          <a:latin typeface="Times New Roman" panose="02020603050405020304" pitchFamily="18" charset="0"/>
-                          <a:cs typeface="Times New Roman" panose="02020603050405020304" pitchFamily="18" charset="0"/>
-                        </a:rPr>
-                        <a:t> </a:t>
-                      </a:r>
-                      <a:r>
-                        <a:rPr lang="en-US" sz="3600" b="0" dirty="0" err="1">
-                          <a:solidFill>
-                            <a:schemeClr val="tx1"/>
-                          </a:solidFill>
-                          <a:latin typeface="Times New Roman" panose="02020603050405020304" pitchFamily="18" charset="0"/>
-                          <a:cs typeface="Times New Roman" panose="02020603050405020304" pitchFamily="18" charset="0"/>
-                        </a:rPr>
-                        <a:t>của</a:t>
-                      </a:r>
-                      <a:r>
-                        <a:rPr lang="en-US" sz="3600" b="0" dirty="0">
-                          <a:solidFill>
-                            <a:schemeClr val="tx1"/>
-                          </a:solidFill>
-                          <a:latin typeface="Times New Roman" panose="02020603050405020304" pitchFamily="18" charset="0"/>
-                          <a:cs typeface="Times New Roman" panose="02020603050405020304" pitchFamily="18" charset="0"/>
-                        </a:rPr>
-                        <a:t> </a:t>
-                      </a:r>
-                      <a:r>
-                        <a:rPr lang="en-US" sz="3600" b="0" dirty="0" err="1">
-                          <a:solidFill>
-                            <a:schemeClr val="tx1"/>
-                          </a:solidFill>
-                          <a:latin typeface="Times New Roman" panose="02020603050405020304" pitchFamily="18" charset="0"/>
-                          <a:cs typeface="Times New Roman" panose="02020603050405020304" pitchFamily="18" charset="0"/>
-                        </a:rPr>
-                        <a:t>tập</a:t>
-                      </a:r>
-                      <a:r>
-                        <a:rPr lang="en-US" sz="3600" b="0" dirty="0">
-                          <a:solidFill>
-                            <a:schemeClr val="tx1"/>
-                          </a:solidFill>
-                          <a:latin typeface="Times New Roman" panose="02020603050405020304" pitchFamily="18" charset="0"/>
-                          <a:cs typeface="Times New Roman" panose="02020603050405020304" pitchFamily="18" charset="0"/>
-                        </a:rPr>
-                        <a:t> </a:t>
-                      </a:r>
-                      <a:r>
-                        <a:rPr lang="en-US" sz="3600" b="0" dirty="0" err="1">
-                          <a:solidFill>
-                            <a:schemeClr val="tx1"/>
-                          </a:solidFill>
-                          <a:latin typeface="Times New Roman" panose="02020603050405020304" pitchFamily="18" charset="0"/>
-                          <a:cs typeface="Times New Roman" panose="02020603050405020304" pitchFamily="18" charset="0"/>
-                        </a:rPr>
-                        <a:t>dữ</a:t>
-                      </a:r>
-                      <a:r>
-                        <a:rPr lang="en-US" sz="3600" b="0" dirty="0">
-                          <a:solidFill>
-                            <a:schemeClr val="tx1"/>
-                          </a:solidFill>
-                          <a:latin typeface="Times New Roman" panose="02020603050405020304" pitchFamily="18" charset="0"/>
-                          <a:cs typeface="Times New Roman" panose="02020603050405020304" pitchFamily="18" charset="0"/>
-                        </a:rPr>
-                        <a:t> </a:t>
-                      </a:r>
-                      <a:r>
-                        <a:rPr lang="en-US" sz="3600" b="0" dirty="0" err="1">
-                          <a:solidFill>
-                            <a:schemeClr val="tx1"/>
-                          </a:solidFill>
-                          <a:latin typeface="Times New Roman" panose="02020603050405020304" pitchFamily="18" charset="0"/>
-                          <a:cs typeface="Times New Roman" panose="02020603050405020304" pitchFamily="18" charset="0"/>
-                        </a:rPr>
-                        <a:t>liệu</a:t>
-                      </a:r>
-                      <a:endParaRPr lang="vi-VN" sz="3600" b="0" dirty="0">
-                        <a:solidFill>
-                          <a:schemeClr val="tx1"/>
-                        </a:solidFill>
-                        <a:latin typeface="Times New Roman" panose="02020603050405020304" pitchFamily="18" charset="0"/>
-                        <a:cs typeface="Times New Roman" panose="02020603050405020304" pitchFamily="18" charset="0"/>
-                      </a:endParaRPr>
-                    </a:p>
-                  </a:txBody>
-                  <a:tcPr anchor="ctr">
-                    <a:solidFill>
-                      <a:srgbClr val="9BA8B7"/>
-                    </a:solidFill>
-                  </a:tcPr>
-                </a:tc>
-                <a:tc>
-                  <a:txBody>
-                    <a:bodyPr/>
-                    <a:lstStyle/>
-                    <a:p>
-                      <a:pPr algn="l"/>
-                      <a:r>
-                        <a:rPr lang="en-US" sz="3600" b="0" dirty="0" err="1">
-                          <a:solidFill>
-                            <a:schemeClr val="tx1"/>
-                          </a:solidFill>
-                          <a:latin typeface="Times New Roman" panose="02020603050405020304" pitchFamily="18" charset="0"/>
-                          <a:cs typeface="Times New Roman" panose="02020603050405020304" pitchFamily="18" charset="0"/>
-                        </a:rPr>
-                        <a:t>Đơn</a:t>
-                      </a:r>
-                      <a:r>
-                        <a:rPr lang="en-US" sz="3600" b="0" dirty="0">
-                          <a:solidFill>
-                            <a:schemeClr val="tx1"/>
-                          </a:solidFill>
-                          <a:latin typeface="Times New Roman" panose="02020603050405020304" pitchFamily="18" charset="0"/>
-                          <a:cs typeface="Times New Roman" panose="02020603050405020304" pitchFamily="18" charset="0"/>
-                        </a:rPr>
-                        <a:t> </a:t>
-                      </a:r>
-                      <a:r>
-                        <a:rPr lang="en-US" sz="3600" b="0" dirty="0" err="1">
-                          <a:solidFill>
-                            <a:schemeClr val="tx1"/>
-                          </a:solidFill>
-                          <a:latin typeface="Times New Roman" panose="02020603050405020304" pitchFamily="18" charset="0"/>
-                          <a:cs typeface="Times New Roman" panose="02020603050405020304" pitchFamily="18" charset="0"/>
-                        </a:rPr>
-                        <a:t>biến</a:t>
-                      </a:r>
-                      <a:endParaRPr lang="vi-VN" sz="3600" b="0" dirty="0">
-                        <a:solidFill>
-                          <a:schemeClr val="tx1"/>
-                        </a:solidFill>
-                        <a:latin typeface="Times New Roman" panose="02020603050405020304" pitchFamily="18" charset="0"/>
-                        <a:cs typeface="Times New Roman" panose="02020603050405020304" pitchFamily="18" charset="0"/>
-                      </a:endParaRPr>
-                    </a:p>
-                  </a:txBody>
-                  <a:tcPr anchor="ctr">
-                    <a:solidFill>
-                      <a:srgbClr val="9BA8B7"/>
-                    </a:solidFill>
-                  </a:tcPr>
-                </a:tc>
-                <a:extLst>
-                  <a:ext uri="{0D108BD9-81ED-4DB2-BD59-A6C34878D82A}">
-                    <a16:rowId xmlns:a16="http://schemas.microsoft.com/office/drawing/2014/main" val="651433572"/>
-                  </a:ext>
-                </a:extLst>
-              </a:tr>
-              <a:tr h="237943">
-                <a:tc>
-                  <a:txBody>
-                    <a:bodyPr/>
-                    <a:lstStyle/>
-                    <a:p>
-                      <a:pPr algn="l"/>
-                      <a:r>
-                        <a:rPr lang="en-US" sz="3600" dirty="0" err="1">
-                          <a:solidFill>
-                            <a:schemeClr val="tx1"/>
-                          </a:solidFill>
-                          <a:latin typeface="Times New Roman" panose="02020603050405020304" pitchFamily="18" charset="0"/>
-                          <a:cs typeface="Times New Roman" panose="02020603050405020304" pitchFamily="18" charset="0"/>
-                        </a:rPr>
-                        <a:t>Kiểu</a:t>
-                      </a:r>
-                      <a:r>
-                        <a:rPr lang="en-US" sz="3600" dirty="0">
-                          <a:solidFill>
-                            <a:schemeClr val="tx1"/>
-                          </a:solidFill>
-                          <a:latin typeface="Times New Roman" panose="02020603050405020304" pitchFamily="18" charset="0"/>
-                          <a:cs typeface="Times New Roman" panose="02020603050405020304" pitchFamily="18" charset="0"/>
-                        </a:rPr>
-                        <a:t> </a:t>
-                      </a:r>
-                      <a:r>
-                        <a:rPr lang="en-US" sz="3600" dirty="0" err="1">
-                          <a:solidFill>
-                            <a:schemeClr val="tx1"/>
-                          </a:solidFill>
-                          <a:latin typeface="Times New Roman" panose="02020603050405020304" pitchFamily="18" charset="0"/>
-                          <a:cs typeface="Times New Roman" panose="02020603050405020304" pitchFamily="18" charset="0"/>
-                        </a:rPr>
-                        <a:t>dữ</a:t>
-                      </a:r>
-                      <a:r>
-                        <a:rPr lang="en-US" sz="3600" dirty="0">
-                          <a:solidFill>
-                            <a:schemeClr val="tx1"/>
-                          </a:solidFill>
-                          <a:latin typeface="Times New Roman" panose="02020603050405020304" pitchFamily="18" charset="0"/>
-                          <a:cs typeface="Times New Roman" panose="02020603050405020304" pitchFamily="18" charset="0"/>
-                        </a:rPr>
-                        <a:t> </a:t>
-                      </a:r>
-                      <a:r>
-                        <a:rPr lang="en-US" sz="3600" dirty="0" err="1">
-                          <a:solidFill>
-                            <a:schemeClr val="tx1"/>
-                          </a:solidFill>
-                          <a:latin typeface="Times New Roman" panose="02020603050405020304" pitchFamily="18" charset="0"/>
-                          <a:cs typeface="Times New Roman" panose="02020603050405020304" pitchFamily="18" charset="0"/>
-                        </a:rPr>
-                        <a:t>liệu</a:t>
-                      </a:r>
-                      <a:endParaRPr lang="vi-VN" sz="3600" dirty="0">
-                        <a:solidFill>
-                          <a:schemeClr val="tx1"/>
-                        </a:solidFill>
-                        <a:latin typeface="Times New Roman" panose="02020603050405020304" pitchFamily="18" charset="0"/>
-                        <a:cs typeface="Times New Roman" panose="02020603050405020304" pitchFamily="18" charset="0"/>
-                      </a:endParaRPr>
-                    </a:p>
-                  </a:txBody>
-                  <a:tcPr anchor="ctr">
-                    <a:solidFill>
-                      <a:srgbClr val="DEE1E6"/>
-                    </a:solidFill>
-                  </a:tcPr>
-                </a:tc>
-                <a:tc>
-                  <a:txBody>
-                    <a:bodyPr/>
-                    <a:lstStyle/>
-                    <a:p>
-                      <a:pPr algn="l"/>
-                      <a:r>
-                        <a:rPr lang="en-US" sz="3600" dirty="0" err="1">
-                          <a:solidFill>
-                            <a:schemeClr val="tx1"/>
-                          </a:solidFill>
-                          <a:latin typeface="Times New Roman" panose="02020603050405020304" pitchFamily="18" charset="0"/>
-                          <a:cs typeface="Times New Roman" panose="02020603050405020304" pitchFamily="18" charset="0"/>
-                        </a:rPr>
-                        <a:t>Số</a:t>
-                      </a:r>
-                      <a:r>
-                        <a:rPr lang="en-US" sz="3600" dirty="0">
-                          <a:solidFill>
-                            <a:schemeClr val="tx1"/>
-                          </a:solidFill>
-                          <a:latin typeface="Times New Roman" panose="02020603050405020304" pitchFamily="18" charset="0"/>
-                          <a:cs typeface="Times New Roman" panose="02020603050405020304" pitchFamily="18" charset="0"/>
-                        </a:rPr>
-                        <a:t> </a:t>
-                      </a:r>
-                      <a:r>
-                        <a:rPr lang="en-US" sz="3600" dirty="0" err="1">
-                          <a:solidFill>
-                            <a:schemeClr val="tx1"/>
-                          </a:solidFill>
-                          <a:latin typeface="Times New Roman" panose="02020603050405020304" pitchFamily="18" charset="0"/>
-                          <a:cs typeface="Times New Roman" panose="02020603050405020304" pitchFamily="18" charset="0"/>
-                        </a:rPr>
-                        <a:t>nguyên</a:t>
-                      </a:r>
-                      <a:r>
-                        <a:rPr lang="en-US" sz="3600" dirty="0">
-                          <a:solidFill>
-                            <a:schemeClr val="tx1"/>
-                          </a:solidFill>
-                          <a:latin typeface="Times New Roman" panose="02020603050405020304" pitchFamily="18" charset="0"/>
-                          <a:cs typeface="Times New Roman" panose="02020603050405020304" pitchFamily="18" charset="0"/>
-                        </a:rPr>
-                        <a:t>, </a:t>
-                      </a:r>
-                      <a:r>
-                        <a:rPr lang="en-US" sz="3600" dirty="0" err="1">
-                          <a:solidFill>
-                            <a:schemeClr val="tx1"/>
-                          </a:solidFill>
-                          <a:latin typeface="Times New Roman" panose="02020603050405020304" pitchFamily="18" charset="0"/>
-                          <a:cs typeface="Times New Roman" panose="02020603050405020304" pitchFamily="18" charset="0"/>
-                        </a:rPr>
-                        <a:t>số</a:t>
-                      </a:r>
-                      <a:r>
-                        <a:rPr lang="en-US" sz="3600" dirty="0">
-                          <a:solidFill>
-                            <a:schemeClr val="tx1"/>
-                          </a:solidFill>
-                          <a:latin typeface="Times New Roman" panose="02020603050405020304" pitchFamily="18" charset="0"/>
-                          <a:cs typeface="Times New Roman" panose="02020603050405020304" pitchFamily="18" charset="0"/>
-                        </a:rPr>
-                        <a:t> </a:t>
-                      </a:r>
-                      <a:r>
-                        <a:rPr lang="en-US" sz="3600" dirty="0" err="1">
-                          <a:solidFill>
-                            <a:schemeClr val="tx1"/>
-                          </a:solidFill>
-                          <a:latin typeface="Times New Roman" panose="02020603050405020304" pitchFamily="18" charset="0"/>
-                          <a:cs typeface="Times New Roman" panose="02020603050405020304" pitchFamily="18" charset="0"/>
-                        </a:rPr>
-                        <a:t>thực</a:t>
-                      </a:r>
-                      <a:endParaRPr lang="vi-VN" sz="3600" dirty="0">
-                        <a:solidFill>
-                          <a:schemeClr val="tx1"/>
-                        </a:solidFill>
-                        <a:latin typeface="Times New Roman" panose="02020603050405020304" pitchFamily="18" charset="0"/>
-                        <a:cs typeface="Times New Roman" panose="02020603050405020304" pitchFamily="18" charset="0"/>
-                      </a:endParaRPr>
-                    </a:p>
-                  </a:txBody>
-                  <a:tcPr anchor="ctr">
-                    <a:solidFill>
-                      <a:srgbClr val="DEE1E6"/>
-                    </a:solidFill>
-                  </a:tcPr>
-                </a:tc>
-                <a:extLst>
-                  <a:ext uri="{0D108BD9-81ED-4DB2-BD59-A6C34878D82A}">
-                    <a16:rowId xmlns:a16="http://schemas.microsoft.com/office/drawing/2014/main" val="1677240127"/>
-                  </a:ext>
-                </a:extLst>
-              </a:tr>
-              <a:tr h="237943">
-                <a:tc>
-                  <a:txBody>
-                    <a:bodyPr/>
-                    <a:lstStyle/>
-                    <a:p>
-                      <a:pPr algn="l"/>
-                      <a:r>
-                        <a:rPr lang="en-US" sz="3600" dirty="0" err="1">
-                          <a:solidFill>
-                            <a:schemeClr val="tx1"/>
-                          </a:solidFill>
-                          <a:latin typeface="Times New Roman" panose="02020603050405020304" pitchFamily="18" charset="0"/>
-                          <a:cs typeface="Times New Roman" panose="02020603050405020304" pitchFamily="18" charset="0"/>
-                        </a:rPr>
-                        <a:t>Trường</a:t>
-                      </a:r>
-                      <a:endParaRPr lang="vi-VN" sz="3600" dirty="0">
-                        <a:solidFill>
-                          <a:schemeClr val="tx1"/>
-                        </a:solidFill>
-                        <a:latin typeface="Times New Roman" panose="02020603050405020304" pitchFamily="18" charset="0"/>
-                        <a:cs typeface="Times New Roman" panose="02020603050405020304" pitchFamily="18" charset="0"/>
-                      </a:endParaRPr>
-                    </a:p>
-                  </a:txBody>
-                  <a:tcPr anchor="ctr">
-                    <a:solidFill>
-                      <a:srgbClr val="9BA8B7"/>
-                    </a:solidFill>
-                  </a:tcPr>
-                </a:tc>
-                <a:tc>
-                  <a:txBody>
-                    <a:bodyPr/>
-                    <a:lstStyle/>
-                    <a:p>
-                      <a:pPr algn="l"/>
-                      <a:r>
-                        <a:rPr lang="en-US" sz="3600" dirty="0">
-                          <a:solidFill>
-                            <a:schemeClr val="tx1"/>
-                          </a:solidFill>
-                          <a:latin typeface="Times New Roman" panose="02020603050405020304" pitchFamily="18" charset="0"/>
-                          <a:cs typeface="Times New Roman" panose="02020603050405020304" pitchFamily="18" charset="0"/>
-                        </a:rPr>
-                        <a:t>17389</a:t>
-                      </a:r>
-                      <a:endParaRPr lang="vi-VN" sz="3600" dirty="0">
-                        <a:solidFill>
-                          <a:schemeClr val="tx1"/>
-                        </a:solidFill>
-                        <a:latin typeface="Times New Roman" panose="02020603050405020304" pitchFamily="18" charset="0"/>
-                        <a:cs typeface="Times New Roman" panose="02020603050405020304" pitchFamily="18" charset="0"/>
-                      </a:endParaRPr>
-                    </a:p>
-                  </a:txBody>
-                  <a:tcPr anchor="ctr">
-                    <a:solidFill>
-                      <a:srgbClr val="9BA8B7"/>
-                    </a:solidFill>
-                  </a:tcPr>
-                </a:tc>
-                <a:extLst>
-                  <a:ext uri="{0D108BD9-81ED-4DB2-BD59-A6C34878D82A}">
-                    <a16:rowId xmlns:a16="http://schemas.microsoft.com/office/drawing/2014/main" val="4035513172"/>
-                  </a:ext>
-                </a:extLst>
-              </a:tr>
-              <a:tr h="237943">
-                <a:tc>
-                  <a:txBody>
-                    <a:bodyPr/>
-                    <a:lstStyle/>
-                    <a:p>
-                      <a:pPr algn="l"/>
-                      <a:r>
-                        <a:rPr lang="en-US" sz="3600" dirty="0" err="1">
-                          <a:solidFill>
-                            <a:schemeClr val="tx1"/>
-                          </a:solidFill>
-                          <a:latin typeface="Times New Roman" panose="02020603050405020304" pitchFamily="18" charset="0"/>
-                          <a:cs typeface="Times New Roman" panose="02020603050405020304" pitchFamily="18" charset="0"/>
-                        </a:rPr>
-                        <a:t>Thuộc</a:t>
-                      </a:r>
-                      <a:r>
-                        <a:rPr lang="en-US" sz="3600" dirty="0">
-                          <a:solidFill>
-                            <a:schemeClr val="tx1"/>
-                          </a:solidFill>
-                          <a:latin typeface="Times New Roman" panose="02020603050405020304" pitchFamily="18" charset="0"/>
-                          <a:cs typeface="Times New Roman" panose="02020603050405020304" pitchFamily="18" charset="0"/>
-                        </a:rPr>
-                        <a:t> </a:t>
-                      </a:r>
-                      <a:r>
-                        <a:rPr lang="en-US" sz="3600" dirty="0" err="1">
-                          <a:solidFill>
-                            <a:schemeClr val="tx1"/>
-                          </a:solidFill>
-                          <a:latin typeface="Times New Roman" panose="02020603050405020304" pitchFamily="18" charset="0"/>
-                          <a:cs typeface="Times New Roman" panose="02020603050405020304" pitchFamily="18" charset="0"/>
-                        </a:rPr>
-                        <a:t>tính</a:t>
-                      </a:r>
-                      <a:endParaRPr lang="vi-VN" sz="3600" dirty="0">
-                        <a:solidFill>
-                          <a:schemeClr val="tx1"/>
-                        </a:solidFill>
-                        <a:latin typeface="Times New Roman" panose="02020603050405020304" pitchFamily="18" charset="0"/>
-                        <a:cs typeface="Times New Roman" panose="02020603050405020304" pitchFamily="18" charset="0"/>
-                      </a:endParaRPr>
-                    </a:p>
-                  </a:txBody>
-                  <a:tcPr anchor="ctr">
-                    <a:solidFill>
-                      <a:srgbClr val="DEE1E6"/>
-                    </a:solidFill>
-                  </a:tcPr>
-                </a:tc>
-                <a:tc>
-                  <a:txBody>
-                    <a:bodyPr/>
-                    <a:lstStyle/>
-                    <a:p>
-                      <a:pPr algn="l"/>
-                      <a:r>
-                        <a:rPr lang="en-US" sz="3600" dirty="0">
-                          <a:solidFill>
-                            <a:schemeClr val="tx1"/>
-                          </a:solidFill>
-                          <a:latin typeface="Times New Roman" panose="02020603050405020304" pitchFamily="18" charset="0"/>
-                          <a:cs typeface="Times New Roman" panose="02020603050405020304" pitchFamily="18" charset="0"/>
-                        </a:rPr>
-                        <a:t>16</a:t>
-                      </a:r>
-                      <a:endParaRPr lang="vi-VN" sz="3600" dirty="0">
-                        <a:solidFill>
-                          <a:schemeClr val="tx1"/>
-                        </a:solidFill>
-                        <a:latin typeface="Times New Roman" panose="02020603050405020304" pitchFamily="18" charset="0"/>
-                        <a:cs typeface="Times New Roman" panose="02020603050405020304" pitchFamily="18" charset="0"/>
-                      </a:endParaRPr>
-                    </a:p>
-                  </a:txBody>
-                  <a:tcPr anchor="ctr">
-                    <a:solidFill>
-                      <a:srgbClr val="DEE1E6"/>
-                    </a:solidFill>
-                  </a:tcPr>
-                </a:tc>
-                <a:extLst>
-                  <a:ext uri="{0D108BD9-81ED-4DB2-BD59-A6C34878D82A}">
-                    <a16:rowId xmlns:a16="http://schemas.microsoft.com/office/drawing/2014/main" val="1914736752"/>
-                  </a:ext>
-                </a:extLst>
-              </a:tr>
-            </a:tbl>
-          </a:graphicData>
-        </a:graphic>
-      </p:graphicFrame>
-      <p:sp>
-        <p:nvSpPr>
-          <p:cNvPr id="11" name="TextBox 10">
-            <a:extLst>
-              <a:ext uri="{FF2B5EF4-FFF2-40B4-BE49-F238E27FC236}">
-                <a16:creationId xmlns:a16="http://schemas.microsoft.com/office/drawing/2014/main" id="{F70C7AAF-7F29-4F5E-8117-D5BDE33231D2}"/>
-              </a:ext>
-            </a:extLst>
-          </p:cNvPr>
-          <p:cNvSpPr txBox="1"/>
-          <p:nvPr/>
-        </p:nvSpPr>
-        <p:spPr>
-          <a:xfrm>
-            <a:off x="1451438" y="529867"/>
-            <a:ext cx="4644562" cy="584775"/>
-          </a:xfrm>
-          <a:prstGeom prst="rect">
-            <a:avLst/>
-          </a:prstGeom>
-          <a:noFill/>
-        </p:spPr>
-        <p:txBody>
-          <a:bodyPr wrap="square">
-            <a:spAutoFit/>
-          </a:bodyPr>
-          <a:lstStyle/>
-          <a:p>
-            <a:r>
-              <a:rPr lang="en-US" sz="3200" b="1" dirty="0" err="1">
-                <a:solidFill>
-                  <a:srgbClr val="263F88"/>
-                </a:solidFill>
-                <a:latin typeface="Times New Roman" panose="02020603050405020304" pitchFamily="18" charset="0"/>
-                <a:cs typeface="Times New Roman" panose="02020603050405020304" pitchFamily="18" charset="0"/>
-              </a:rPr>
-              <a:t>Thông</a:t>
-            </a:r>
-            <a:r>
-              <a:rPr lang="en-US" sz="3200" b="1" dirty="0">
-                <a:solidFill>
-                  <a:srgbClr val="263F88"/>
-                </a:solidFill>
-                <a:latin typeface="Times New Roman" panose="02020603050405020304" pitchFamily="18" charset="0"/>
-                <a:cs typeface="Times New Roman" panose="02020603050405020304" pitchFamily="18" charset="0"/>
-              </a:rPr>
-              <a:t> tin </a:t>
-            </a:r>
-            <a:r>
-              <a:rPr lang="en-US" sz="3200" b="1" dirty="0" err="1">
-                <a:solidFill>
-                  <a:srgbClr val="263F88"/>
-                </a:solidFill>
-                <a:latin typeface="Times New Roman" panose="02020603050405020304" pitchFamily="18" charset="0"/>
-                <a:cs typeface="Times New Roman" panose="02020603050405020304" pitchFamily="18" charset="0"/>
-              </a:rPr>
-              <a:t>của</a:t>
-            </a:r>
-            <a:r>
-              <a:rPr lang="en-US" sz="3200" b="1" dirty="0">
-                <a:solidFill>
-                  <a:srgbClr val="263F88"/>
-                </a:solidFill>
-                <a:latin typeface="Times New Roman" panose="02020603050405020304" pitchFamily="18" charset="0"/>
-                <a:cs typeface="Times New Roman" panose="02020603050405020304" pitchFamily="18" charset="0"/>
-              </a:rPr>
-              <a:t> </a:t>
-            </a:r>
-            <a:r>
-              <a:rPr lang="en-US" sz="3200" b="1" dirty="0" err="1">
-                <a:solidFill>
-                  <a:srgbClr val="263F88"/>
-                </a:solidFill>
-                <a:latin typeface="Times New Roman" panose="02020603050405020304" pitchFamily="18" charset="0"/>
-                <a:cs typeface="Times New Roman" panose="02020603050405020304" pitchFamily="18" charset="0"/>
-              </a:rPr>
-              <a:t>tập</a:t>
-            </a:r>
-            <a:r>
-              <a:rPr lang="en-US" sz="3200" b="1" dirty="0">
-                <a:solidFill>
-                  <a:srgbClr val="263F88"/>
-                </a:solidFill>
-                <a:latin typeface="Times New Roman" panose="02020603050405020304" pitchFamily="18" charset="0"/>
-                <a:cs typeface="Times New Roman" panose="02020603050405020304" pitchFamily="18" charset="0"/>
-              </a:rPr>
-              <a:t> </a:t>
-            </a:r>
-            <a:r>
-              <a:rPr lang="en-US" sz="3200" b="1" dirty="0" err="1">
-                <a:solidFill>
-                  <a:srgbClr val="263F88"/>
-                </a:solidFill>
-                <a:latin typeface="Times New Roman" panose="02020603050405020304" pitchFamily="18" charset="0"/>
-                <a:cs typeface="Times New Roman" panose="02020603050405020304" pitchFamily="18" charset="0"/>
-              </a:rPr>
-              <a:t>dữ</a:t>
-            </a:r>
-            <a:r>
-              <a:rPr lang="en-US" sz="3200" b="1" dirty="0">
-                <a:solidFill>
-                  <a:srgbClr val="263F88"/>
-                </a:solidFill>
-                <a:latin typeface="Times New Roman" panose="02020603050405020304" pitchFamily="18" charset="0"/>
-                <a:cs typeface="Times New Roman" panose="02020603050405020304" pitchFamily="18" charset="0"/>
-              </a:rPr>
-              <a:t> </a:t>
-            </a:r>
-            <a:r>
-              <a:rPr lang="en-US" sz="3200" b="1" dirty="0" err="1">
-                <a:solidFill>
-                  <a:srgbClr val="263F88"/>
-                </a:solidFill>
-                <a:latin typeface="Times New Roman" panose="02020603050405020304" pitchFamily="18" charset="0"/>
-                <a:cs typeface="Times New Roman" panose="02020603050405020304" pitchFamily="18" charset="0"/>
-              </a:rPr>
-              <a:t>liệu</a:t>
-            </a:r>
-            <a:endParaRPr lang="en-US" sz="3200" dirty="0">
-              <a:solidFill>
-                <a:srgbClr val="263F88"/>
-              </a:solidFill>
-            </a:endParaRPr>
-          </a:p>
-        </p:txBody>
-      </p:sp>
     </p:spTree>
     <p:extLst>
       <p:ext uri="{BB962C8B-B14F-4D97-AF65-F5344CB8AC3E}">
-        <p14:creationId xmlns:p14="http://schemas.microsoft.com/office/powerpoint/2010/main" val="1469398344"/>
+        <p14:creationId xmlns:p14="http://schemas.microsoft.com/office/powerpoint/2010/main" val="831023058"/>
       </p:ext>
     </p:extLst>
   </p:cSld>
@@ -7302,10 +5916,10 @@
       </p:grpSpPr>
       <p:sp>
         <p:nvSpPr>
-          <p:cNvPr id="2" name="Slide Number Placeholder 1">
+          <p:cNvPr id="3" name="Slide Number Placeholder 2">
             <a:extLst>
               <a:ext uri="{FF2B5EF4-FFF2-40B4-BE49-F238E27FC236}">
-                <a16:creationId xmlns:a16="http://schemas.microsoft.com/office/drawing/2014/main" id="{54091DA7-E4F2-4295-B4EE-DC4D29563216}"/>
+                <a16:creationId xmlns:a16="http://schemas.microsoft.com/office/drawing/2014/main" id="{3757A049-98B9-4A74-B782-655BA559E888}"/>
               </a:ext>
             </a:extLst>
           </p:cNvPr>
@@ -7334,7 +5948,7 @@
           <p:cNvPr id="5" name="TextBox 4">
             <a:extLst>
               <a:ext uri="{FF2B5EF4-FFF2-40B4-BE49-F238E27FC236}">
-                <a16:creationId xmlns:a16="http://schemas.microsoft.com/office/drawing/2014/main" id="{BEFB39A4-9B0A-4010-BC75-4D3592E4514F}"/>
+                <a16:creationId xmlns:a16="http://schemas.microsoft.com/office/drawing/2014/main" id="{CE89BAFE-E6CC-4049-9D48-CD11DE33E674}"/>
               </a:ext>
             </a:extLst>
           </p:cNvPr>
@@ -7371,6 +5985,41 @@
             </a:pPr>
             <a:r>
               <a:rPr lang="en-US" sz="2000" err="1">
+                <a:latin typeface="Times New Roman" panose="02020603050405020304" pitchFamily="18" charset="0"/>
+                <a:ea typeface="Tahoma" panose="020B0604030504040204" pitchFamily="34" charset="0"/>
+                <a:cs typeface="Times New Roman" panose="02020603050405020304" pitchFamily="18" charset="0"/>
+              </a:rPr>
+              <a:t>Giới</a:t>
+            </a:r>
+            <a:r>
+              <a:rPr lang="en-US" sz="2000">
+                <a:latin typeface="Times New Roman" panose="02020603050405020304" pitchFamily="18" charset="0"/>
+                <a:ea typeface="Tahoma" panose="020B0604030504040204" pitchFamily="34" charset="0"/>
+                <a:cs typeface="Times New Roman" panose="02020603050405020304" pitchFamily="18" charset="0"/>
+              </a:rPr>
+              <a:t> </a:t>
+            </a:r>
+            <a:r>
+              <a:rPr lang="en-US" sz="2000" err="1">
+                <a:latin typeface="Times New Roman" panose="02020603050405020304" pitchFamily="18" charset="0"/>
+                <a:ea typeface="Tahoma" panose="020B0604030504040204" pitchFamily="34" charset="0"/>
+                <a:cs typeface="Times New Roman" panose="02020603050405020304" pitchFamily="18" charset="0"/>
+              </a:rPr>
+              <a:t>thiệu</a:t>
+            </a:r>
+            <a:endParaRPr lang="en-US" sz="2000">
+              <a:latin typeface="Times New Roman" panose="02020603050405020304" pitchFamily="18" charset="0"/>
+              <a:ea typeface="Tahoma" panose="020B0604030504040204" pitchFamily="34" charset="0"/>
+              <a:cs typeface="Times New Roman" panose="02020603050405020304" pitchFamily="18" charset="0"/>
+            </a:endParaRPr>
+          </a:p>
+          <a:p>
+            <a:pPr marL="228600" indent="-228600" algn="just">
+              <a:buFont typeface="+mj-lt"/>
+              <a:buAutoNum type="arabicPeriod"/>
+            </a:pPr>
+            <a:r>
+              <a:rPr lang="en-US" sz="2000" err="1">
                 <a:solidFill>
                   <a:srgbClr val="FF0000"/>
                 </a:solidFill>
@@ -7378,7 +6027,7 @@
                 <a:ea typeface="Tahoma" panose="020B0604030504040204" pitchFamily="34" charset="0"/>
                 <a:cs typeface="Times New Roman" panose="02020603050405020304" pitchFamily="18" charset="0"/>
               </a:rPr>
-              <a:t>Giới</a:t>
+              <a:t>Tiền</a:t>
             </a:r>
             <a:r>
               <a:rPr lang="en-US" sz="2000">
@@ -7400,7 +6049,29 @@
                 <a:ea typeface="Tahoma" panose="020B0604030504040204" pitchFamily="34" charset="0"/>
                 <a:cs typeface="Times New Roman" panose="02020603050405020304" pitchFamily="18" charset="0"/>
               </a:rPr>
-              <a:t>thiệu</a:t>
+              <a:t>xử</a:t>
+            </a:r>
+            <a:r>
+              <a:rPr lang="en-US" sz="2000">
+                <a:solidFill>
+                  <a:srgbClr val="FF0000"/>
+                </a:solidFill>
+                <a:latin typeface="Times New Roman" panose="02020603050405020304" pitchFamily="18" charset="0"/>
+                <a:ea typeface="Tahoma" panose="020B0604030504040204" pitchFamily="34" charset="0"/>
+                <a:cs typeface="Times New Roman" panose="02020603050405020304" pitchFamily="18" charset="0"/>
+              </a:rPr>
+              <a:t> </a:t>
+            </a:r>
+            <a:r>
+              <a:rPr lang="en-US" sz="2000" err="1">
+                <a:solidFill>
+                  <a:srgbClr val="FF0000"/>
+                </a:solidFill>
+                <a:latin typeface="Times New Roman" panose="02020603050405020304" pitchFamily="18" charset="0"/>
+                <a:ea typeface="Tahoma" panose="020B0604030504040204" pitchFamily="34" charset="0"/>
+                <a:cs typeface="Times New Roman" panose="02020603050405020304" pitchFamily="18" charset="0"/>
+              </a:rPr>
+              <a:t>lý</a:t>
             </a:r>
             <a:endParaRPr lang="en-US" sz="2000">
               <a:solidFill>
@@ -7422,7 +6093,7 @@
                 <a:ea typeface="Tahoma" panose="020B0604030504040204" pitchFamily="34" charset="0"/>
                 <a:cs typeface="Times New Roman" panose="02020603050405020304" pitchFamily="18" charset="0"/>
               </a:rPr>
-              <a:t>Tiền</a:t>
+              <a:t>Giải</a:t>
             </a:r>
             <a:r>
               <a:rPr lang="en-US" sz="2000">
@@ -7438,23 +6109,7 @@
                 <a:ea typeface="Tahoma" panose="020B0604030504040204" pitchFamily="34" charset="0"/>
                 <a:cs typeface="Times New Roman" panose="02020603050405020304" pitchFamily="18" charset="0"/>
               </a:rPr>
-              <a:t>xử</a:t>
-            </a:r>
-            <a:r>
-              <a:rPr lang="en-US" sz="2000">
-                <a:latin typeface="Times New Roman" panose="02020603050405020304" pitchFamily="18" charset="0"/>
-                <a:ea typeface="Tahoma" panose="020B0604030504040204" pitchFamily="34" charset="0"/>
-                <a:cs typeface="Times New Roman" panose="02020603050405020304" pitchFamily="18" charset="0"/>
-              </a:rPr>
-              <a:t> </a:t>
-            </a:r>
-            <a:r>
-              <a:rPr lang="en-US" sz="2000" err="1">
-                <a:latin typeface="Times New Roman" panose="02020603050405020304" pitchFamily="18" charset="0"/>
-                <a:ea typeface="Tahoma" panose="020B0604030504040204" pitchFamily="34" charset="0"/>
-                <a:cs typeface="Times New Roman" panose="02020603050405020304" pitchFamily="18" charset="0"/>
-              </a:rPr>
-              <a:t>lý</a:t>
+              <a:t>thuật</a:t>
             </a:r>
             <a:endParaRPr lang="en-US" sz="2000">
               <a:latin typeface="Times New Roman" panose="02020603050405020304" pitchFamily="18" charset="0"/>
@@ -7473,41 +6128,6 @@
                 <a:ea typeface="Tahoma" panose="020B0604030504040204" pitchFamily="34" charset="0"/>
                 <a:cs typeface="Times New Roman" panose="02020603050405020304" pitchFamily="18" charset="0"/>
               </a:rPr>
-              <a:t>Giải</a:t>
-            </a:r>
-            <a:r>
-              <a:rPr lang="en-US" sz="2000">
-                <a:latin typeface="Times New Roman" panose="02020603050405020304" pitchFamily="18" charset="0"/>
-                <a:ea typeface="Tahoma" panose="020B0604030504040204" pitchFamily="34" charset="0"/>
-                <a:cs typeface="Times New Roman" panose="02020603050405020304" pitchFamily="18" charset="0"/>
-              </a:rPr>
-              <a:t> </a:t>
-            </a:r>
-            <a:r>
-              <a:rPr lang="en-US" sz="2000" err="1">
-                <a:latin typeface="Times New Roman" panose="02020603050405020304" pitchFamily="18" charset="0"/>
-                <a:ea typeface="Tahoma" panose="020B0604030504040204" pitchFamily="34" charset="0"/>
-                <a:cs typeface="Times New Roman" panose="02020603050405020304" pitchFamily="18" charset="0"/>
-              </a:rPr>
-              <a:t>thuật</a:t>
-            </a:r>
-            <a:endParaRPr lang="en-US" sz="2000">
-              <a:latin typeface="Times New Roman" panose="02020603050405020304" pitchFamily="18" charset="0"/>
-              <a:ea typeface="Tahoma" panose="020B0604030504040204" pitchFamily="34" charset="0"/>
-              <a:cs typeface="Times New Roman" panose="02020603050405020304" pitchFamily="18" charset="0"/>
-            </a:endParaRPr>
-          </a:p>
-          <a:p>
-            <a:pPr marL="228600" indent="-228600" algn="just">
-              <a:buFont typeface="+mj-lt"/>
-              <a:buAutoNum type="arabicPeriod"/>
-            </a:pPr>
-            <a:r>
-              <a:rPr lang="en-US" sz="2000" err="1">
-                <a:latin typeface="Times New Roman" panose="02020603050405020304" pitchFamily="18" charset="0"/>
-                <a:ea typeface="Tahoma" panose="020B0604030504040204" pitchFamily="34" charset="0"/>
-                <a:cs typeface="Times New Roman" panose="02020603050405020304" pitchFamily="18" charset="0"/>
-              </a:rPr>
               <a:t>Đánh</a:t>
             </a:r>
             <a:r>
@@ -7542,10 +6162,10 @@
       </p:sp>
       <p:sp>
         <p:nvSpPr>
-          <p:cNvPr id="7" name="TextBox 6">
+          <p:cNvPr id="9" name="TextBox 8">
             <a:extLst>
               <a:ext uri="{FF2B5EF4-FFF2-40B4-BE49-F238E27FC236}">
-                <a16:creationId xmlns:a16="http://schemas.microsoft.com/office/drawing/2014/main" id="{5899B8E2-2483-4135-B479-E6C8FECDE68E}"/>
+                <a16:creationId xmlns:a16="http://schemas.microsoft.com/office/drawing/2014/main" id="{A7C27A6A-E766-4EF3-8C6A-121562FAA265}"/>
               </a:ext>
             </a:extLst>
           </p:cNvPr>
@@ -7554,8 +6174,8 @@
         </p:nvSpPr>
         <p:spPr>
           <a:xfrm>
-            <a:off x="1248990" y="1748909"/>
-            <a:ext cx="4769252" cy="3785652"/>
+            <a:off x="1425635" y="2185922"/>
+            <a:ext cx="9567947" cy="1200329"/>
           </a:xfrm>
           <a:prstGeom prst="rect">
             <a:avLst/>
@@ -7569,1279 +6189,154 @@
           <a:lstStyle/>
           <a:p>
             <a:r>
-              <a:rPr lang="en-US" sz="2400" b="0" i="0" dirty="0">
+              <a:rPr lang="en-US" sz="2400">
+                <a:latin typeface="Tahoma" panose="020B0604030504040204" pitchFamily="34" charset="0"/>
+                <a:ea typeface="Tahoma" panose="020B0604030504040204" pitchFamily="34" charset="0"/>
+                <a:cs typeface="Tahoma" panose="020B0604030504040204" pitchFamily="34" charset="0"/>
+              </a:rPr>
+              <a:t>Xóa bớt các cột không cần thiết: instant, casual, </a:t>
+            </a:r>
+            <a:r>
+              <a:rPr lang="en-US" sz="2400" b="0">
                 <a:effectLst/>
                 <a:latin typeface="Tahoma" panose="020B0604030504040204" pitchFamily="34" charset="0"/>
                 <a:ea typeface="Tahoma" panose="020B0604030504040204" pitchFamily="34" charset="0"/>
                 <a:cs typeface="Tahoma" panose="020B0604030504040204" pitchFamily="34" charset="0"/>
               </a:rPr>
-              <a:t>- instant: </a:t>
-            </a:r>
-            <a:r>
-              <a:rPr lang="en-US" sz="2400" b="0" i="0" dirty="0" err="1">
-                <a:effectLst/>
+              <a:t>registered, dteday</a:t>
+            </a:r>
+          </a:p>
+          <a:p>
+            <a:r>
+              <a:rPr lang="en-US" sz="2400">
                 <a:latin typeface="Tahoma" panose="020B0604030504040204" pitchFamily="34" charset="0"/>
                 <a:ea typeface="Tahoma" panose="020B0604030504040204" pitchFamily="34" charset="0"/>
                 <a:cs typeface="Tahoma" panose="020B0604030504040204" pitchFamily="34" charset="0"/>
               </a:rPr>
-              <a:t>chỉ</a:t>
-            </a:r>
-            <a:r>
-              <a:rPr lang="en-US" sz="2400" b="0" i="0" dirty="0">
-                <a:effectLst/>
-                <a:latin typeface="Tahoma" panose="020B0604030504040204" pitchFamily="34" charset="0"/>
-                <a:ea typeface="Tahoma" panose="020B0604030504040204" pitchFamily="34" charset="0"/>
-                <a:cs typeface="Tahoma" panose="020B0604030504040204" pitchFamily="34" charset="0"/>
-              </a:rPr>
-              <a:t> </a:t>
-            </a:r>
-            <a:r>
-              <a:rPr lang="en-US" sz="2400" b="0" i="0" dirty="0" err="1">
-                <a:effectLst/>
-                <a:latin typeface="Tahoma" panose="020B0604030504040204" pitchFamily="34" charset="0"/>
-                <a:ea typeface="Tahoma" panose="020B0604030504040204" pitchFamily="34" charset="0"/>
-                <a:cs typeface="Tahoma" panose="020B0604030504040204" pitchFamily="34" charset="0"/>
-              </a:rPr>
-              <a:t>số</a:t>
-            </a:r>
-            <a:r>
-              <a:rPr lang="en-US" sz="2400" b="0" i="0" dirty="0">
-                <a:effectLst/>
-                <a:latin typeface="Tahoma" panose="020B0604030504040204" pitchFamily="34" charset="0"/>
-                <a:ea typeface="Tahoma" panose="020B0604030504040204" pitchFamily="34" charset="0"/>
-                <a:cs typeface="Tahoma" panose="020B0604030504040204" pitchFamily="34" charset="0"/>
-              </a:rPr>
-              <a:t> </a:t>
-            </a:r>
-            <a:r>
-              <a:rPr lang="en-US" sz="2400" b="0" i="0" dirty="0" err="1">
-                <a:effectLst/>
-                <a:latin typeface="Tahoma" panose="020B0604030504040204" pitchFamily="34" charset="0"/>
-                <a:ea typeface="Tahoma" panose="020B0604030504040204" pitchFamily="34" charset="0"/>
-                <a:cs typeface="Tahoma" panose="020B0604030504040204" pitchFamily="34" charset="0"/>
-              </a:rPr>
-              <a:t>bảng</a:t>
-            </a:r>
-            <a:r>
-              <a:rPr lang="en-US" sz="2400" b="0" i="0" dirty="0">
-                <a:effectLst/>
-                <a:latin typeface="Tahoma" panose="020B0604030504040204" pitchFamily="34" charset="0"/>
-                <a:ea typeface="Tahoma" panose="020B0604030504040204" pitchFamily="34" charset="0"/>
-                <a:cs typeface="Tahoma" panose="020B0604030504040204" pitchFamily="34" charset="0"/>
-              </a:rPr>
-              <a:t> </a:t>
-            </a:r>
-            <a:r>
-              <a:rPr lang="en-US" sz="2400" b="0" i="0" dirty="0" err="1">
-                <a:effectLst/>
-                <a:latin typeface="Tahoma" panose="020B0604030504040204" pitchFamily="34" charset="0"/>
-                <a:ea typeface="Tahoma" panose="020B0604030504040204" pitchFamily="34" charset="0"/>
-                <a:cs typeface="Tahoma" panose="020B0604030504040204" pitchFamily="34" charset="0"/>
-              </a:rPr>
-              <a:t>ghi</a:t>
-            </a:r>
-            <a:br>
-              <a:rPr lang="en-US" sz="2400" dirty="0">
-                <a:latin typeface="Tahoma" panose="020B0604030504040204" pitchFamily="34" charset="0"/>
-                <a:ea typeface="Tahoma" panose="020B0604030504040204" pitchFamily="34" charset="0"/>
-                <a:cs typeface="Tahoma" panose="020B0604030504040204" pitchFamily="34" charset="0"/>
-              </a:rPr>
-            </a:br>
-            <a:r>
-              <a:rPr lang="en-US" sz="2400" b="0" i="0" dirty="0">
-                <a:effectLst/>
-                <a:latin typeface="Tahoma" panose="020B0604030504040204" pitchFamily="34" charset="0"/>
-                <a:ea typeface="Tahoma" panose="020B0604030504040204" pitchFamily="34" charset="0"/>
-                <a:cs typeface="Tahoma" panose="020B0604030504040204" pitchFamily="34" charset="0"/>
-              </a:rPr>
-              <a:t>- </a:t>
-            </a:r>
-            <a:r>
-              <a:rPr lang="en-US" sz="2400" b="0" i="0" dirty="0" err="1">
-                <a:effectLst/>
-                <a:latin typeface="Tahoma" panose="020B0604030504040204" pitchFamily="34" charset="0"/>
-                <a:ea typeface="Tahoma" panose="020B0604030504040204" pitchFamily="34" charset="0"/>
-                <a:cs typeface="Tahoma" panose="020B0604030504040204" pitchFamily="34" charset="0"/>
-              </a:rPr>
-              <a:t>dteday</a:t>
-            </a:r>
-            <a:r>
-              <a:rPr lang="en-US" sz="2400" b="0" i="0" dirty="0">
-                <a:effectLst/>
-                <a:latin typeface="Tahoma" panose="020B0604030504040204" pitchFamily="34" charset="0"/>
-                <a:ea typeface="Tahoma" panose="020B0604030504040204" pitchFamily="34" charset="0"/>
-                <a:cs typeface="Tahoma" panose="020B0604030504040204" pitchFamily="34" charset="0"/>
-              </a:rPr>
-              <a:t> : </a:t>
-            </a:r>
-            <a:r>
-              <a:rPr lang="en-US" sz="2400" b="0" i="0" dirty="0" err="1">
-                <a:effectLst/>
-                <a:latin typeface="Tahoma" panose="020B0604030504040204" pitchFamily="34" charset="0"/>
-                <a:ea typeface="Tahoma" panose="020B0604030504040204" pitchFamily="34" charset="0"/>
-                <a:cs typeface="Tahoma" panose="020B0604030504040204" pitchFamily="34" charset="0"/>
-              </a:rPr>
-              <a:t>ngày</a:t>
-            </a:r>
-            <a:br>
-              <a:rPr lang="en-US" sz="2400" dirty="0">
-                <a:latin typeface="Tahoma" panose="020B0604030504040204" pitchFamily="34" charset="0"/>
-                <a:ea typeface="Tahoma" panose="020B0604030504040204" pitchFamily="34" charset="0"/>
-                <a:cs typeface="Tahoma" panose="020B0604030504040204" pitchFamily="34" charset="0"/>
-              </a:rPr>
-            </a:br>
-            <a:r>
-              <a:rPr lang="en-US" sz="2400" b="0" i="0" dirty="0">
-                <a:effectLst/>
-                <a:latin typeface="Tahoma" panose="020B0604030504040204" pitchFamily="34" charset="0"/>
-                <a:ea typeface="Tahoma" panose="020B0604030504040204" pitchFamily="34" charset="0"/>
-                <a:cs typeface="Tahoma" panose="020B0604030504040204" pitchFamily="34" charset="0"/>
-              </a:rPr>
-              <a:t>- season : </a:t>
-            </a:r>
-            <a:r>
-              <a:rPr lang="en-US" sz="2400" b="0" i="0" dirty="0" err="1">
-                <a:effectLst/>
-                <a:latin typeface="Tahoma" panose="020B0604030504040204" pitchFamily="34" charset="0"/>
-                <a:ea typeface="Tahoma" panose="020B0604030504040204" pitchFamily="34" charset="0"/>
-                <a:cs typeface="Tahoma" panose="020B0604030504040204" pitchFamily="34" charset="0"/>
-              </a:rPr>
-              <a:t>mùa</a:t>
-            </a:r>
-            <a:r>
-              <a:rPr lang="en-US" sz="2400" b="0" i="0" dirty="0">
-                <a:effectLst/>
-                <a:latin typeface="Tahoma" panose="020B0604030504040204" pitchFamily="34" charset="0"/>
-                <a:ea typeface="Tahoma" panose="020B0604030504040204" pitchFamily="34" charset="0"/>
-                <a:cs typeface="Tahoma" panose="020B0604030504040204" pitchFamily="34" charset="0"/>
-              </a:rPr>
-              <a:t> </a:t>
-            </a:r>
-          </a:p>
-          <a:p>
-            <a:r>
-              <a:rPr lang="en-US" sz="2400" b="0" i="0" dirty="0">
-                <a:effectLst/>
-                <a:latin typeface="Tahoma" panose="020B0604030504040204" pitchFamily="34" charset="0"/>
-                <a:ea typeface="Tahoma" panose="020B0604030504040204" pitchFamily="34" charset="0"/>
-                <a:cs typeface="Tahoma" panose="020B0604030504040204" pitchFamily="34" charset="0"/>
-              </a:rPr>
-              <a:t>- </a:t>
-            </a:r>
-            <a:r>
-              <a:rPr lang="en-US" sz="2400" b="0" i="0" dirty="0" err="1">
-                <a:effectLst/>
-                <a:latin typeface="Tahoma" panose="020B0604030504040204" pitchFamily="34" charset="0"/>
-                <a:ea typeface="Tahoma" panose="020B0604030504040204" pitchFamily="34" charset="0"/>
-                <a:cs typeface="Tahoma" panose="020B0604030504040204" pitchFamily="34" charset="0"/>
-              </a:rPr>
-              <a:t>yr</a:t>
-            </a:r>
-            <a:r>
-              <a:rPr lang="en-US" sz="2400" b="0" i="0" dirty="0">
-                <a:effectLst/>
-                <a:latin typeface="Tahoma" panose="020B0604030504040204" pitchFamily="34" charset="0"/>
-                <a:ea typeface="Tahoma" panose="020B0604030504040204" pitchFamily="34" charset="0"/>
-                <a:cs typeface="Tahoma" panose="020B0604030504040204" pitchFamily="34" charset="0"/>
-              </a:rPr>
-              <a:t> : </a:t>
-            </a:r>
-            <a:r>
-              <a:rPr lang="en-US" sz="2400" b="0" i="0" dirty="0" err="1">
-                <a:effectLst/>
-                <a:latin typeface="Tahoma" panose="020B0604030504040204" pitchFamily="34" charset="0"/>
-                <a:ea typeface="Tahoma" panose="020B0604030504040204" pitchFamily="34" charset="0"/>
-                <a:cs typeface="Tahoma" panose="020B0604030504040204" pitchFamily="34" charset="0"/>
-              </a:rPr>
-              <a:t>năm</a:t>
-            </a:r>
-            <a:br>
-              <a:rPr lang="en-US" sz="2400" dirty="0">
-                <a:latin typeface="Tahoma" panose="020B0604030504040204" pitchFamily="34" charset="0"/>
-                <a:ea typeface="Tahoma" panose="020B0604030504040204" pitchFamily="34" charset="0"/>
-                <a:cs typeface="Tahoma" panose="020B0604030504040204" pitchFamily="34" charset="0"/>
-              </a:rPr>
-            </a:br>
-            <a:r>
-              <a:rPr lang="en-US" sz="2400" b="0" i="0" dirty="0">
-                <a:effectLst/>
-                <a:latin typeface="Tahoma" panose="020B0604030504040204" pitchFamily="34" charset="0"/>
-                <a:ea typeface="Tahoma" panose="020B0604030504040204" pitchFamily="34" charset="0"/>
-                <a:cs typeface="Tahoma" panose="020B0604030504040204" pitchFamily="34" charset="0"/>
-              </a:rPr>
-              <a:t>- </a:t>
-            </a:r>
-            <a:r>
-              <a:rPr lang="en-US" sz="2400" b="0" i="0" dirty="0" err="1">
-                <a:effectLst/>
-                <a:latin typeface="Tahoma" panose="020B0604030504040204" pitchFamily="34" charset="0"/>
-                <a:ea typeface="Tahoma" panose="020B0604030504040204" pitchFamily="34" charset="0"/>
-                <a:cs typeface="Tahoma" panose="020B0604030504040204" pitchFamily="34" charset="0"/>
-              </a:rPr>
-              <a:t>mnth</a:t>
-            </a:r>
-            <a:r>
-              <a:rPr lang="en-US" sz="2400" b="0" i="0" dirty="0">
-                <a:effectLst/>
-                <a:latin typeface="Tahoma" panose="020B0604030504040204" pitchFamily="34" charset="0"/>
-                <a:ea typeface="Tahoma" panose="020B0604030504040204" pitchFamily="34" charset="0"/>
-                <a:cs typeface="Tahoma" panose="020B0604030504040204" pitchFamily="34" charset="0"/>
-              </a:rPr>
-              <a:t> : </a:t>
-            </a:r>
-            <a:r>
-              <a:rPr lang="en-US" sz="2400" b="0" i="0" dirty="0" err="1">
-                <a:effectLst/>
-                <a:latin typeface="Tahoma" panose="020B0604030504040204" pitchFamily="34" charset="0"/>
-                <a:ea typeface="Tahoma" panose="020B0604030504040204" pitchFamily="34" charset="0"/>
-                <a:cs typeface="Tahoma" panose="020B0604030504040204" pitchFamily="34" charset="0"/>
-              </a:rPr>
-              <a:t>tháng</a:t>
-            </a:r>
-            <a:br>
-              <a:rPr lang="en-US" sz="2400" dirty="0">
-                <a:latin typeface="Tahoma" panose="020B0604030504040204" pitchFamily="34" charset="0"/>
-                <a:ea typeface="Tahoma" panose="020B0604030504040204" pitchFamily="34" charset="0"/>
-                <a:cs typeface="Tahoma" panose="020B0604030504040204" pitchFamily="34" charset="0"/>
-              </a:rPr>
-            </a:br>
-            <a:r>
-              <a:rPr lang="en-US" sz="2400" b="0" i="0" dirty="0">
-                <a:effectLst/>
-                <a:latin typeface="Tahoma" panose="020B0604030504040204" pitchFamily="34" charset="0"/>
-                <a:ea typeface="Tahoma" panose="020B0604030504040204" pitchFamily="34" charset="0"/>
-                <a:cs typeface="Tahoma" panose="020B0604030504040204" pitchFamily="34" charset="0"/>
-              </a:rPr>
-              <a:t>- </a:t>
-            </a:r>
-            <a:r>
-              <a:rPr lang="en-US" sz="2400" b="0" i="0" dirty="0" err="1">
-                <a:effectLst/>
-                <a:latin typeface="Tahoma" panose="020B0604030504040204" pitchFamily="34" charset="0"/>
-                <a:ea typeface="Tahoma" panose="020B0604030504040204" pitchFamily="34" charset="0"/>
-                <a:cs typeface="Tahoma" panose="020B0604030504040204" pitchFamily="34" charset="0"/>
-              </a:rPr>
-              <a:t>hr</a:t>
-            </a:r>
-            <a:r>
-              <a:rPr lang="en-US" sz="2400" b="0" i="0" dirty="0">
-                <a:effectLst/>
-                <a:latin typeface="Tahoma" panose="020B0604030504040204" pitchFamily="34" charset="0"/>
-                <a:ea typeface="Tahoma" panose="020B0604030504040204" pitchFamily="34" charset="0"/>
-                <a:cs typeface="Tahoma" panose="020B0604030504040204" pitchFamily="34" charset="0"/>
-              </a:rPr>
-              <a:t> : </a:t>
-            </a:r>
-            <a:r>
-              <a:rPr lang="en-US" sz="2400" b="0" i="0" dirty="0" err="1">
-                <a:effectLst/>
-                <a:latin typeface="Tahoma" panose="020B0604030504040204" pitchFamily="34" charset="0"/>
-                <a:ea typeface="Tahoma" panose="020B0604030504040204" pitchFamily="34" charset="0"/>
-                <a:cs typeface="Tahoma" panose="020B0604030504040204" pitchFamily="34" charset="0"/>
-              </a:rPr>
-              <a:t>giờ</a:t>
-            </a:r>
-            <a:br>
-              <a:rPr lang="en-US" sz="2400" dirty="0">
-                <a:latin typeface="Tahoma" panose="020B0604030504040204" pitchFamily="34" charset="0"/>
-                <a:ea typeface="Tahoma" panose="020B0604030504040204" pitchFamily="34" charset="0"/>
-                <a:cs typeface="Tahoma" panose="020B0604030504040204" pitchFamily="34" charset="0"/>
-              </a:rPr>
-            </a:br>
-            <a:r>
-              <a:rPr lang="en-US" sz="2400" b="0" i="0" dirty="0">
-                <a:effectLst/>
-                <a:latin typeface="Tahoma" panose="020B0604030504040204" pitchFamily="34" charset="0"/>
-                <a:ea typeface="Tahoma" panose="020B0604030504040204" pitchFamily="34" charset="0"/>
-                <a:cs typeface="Tahoma" panose="020B0604030504040204" pitchFamily="34" charset="0"/>
-              </a:rPr>
-              <a:t>- holiday : </a:t>
-            </a:r>
-            <a:r>
-              <a:rPr lang="en-US" sz="2400" b="0" i="0" dirty="0" err="1">
-                <a:effectLst/>
-                <a:latin typeface="Tahoma" panose="020B0604030504040204" pitchFamily="34" charset="0"/>
-                <a:ea typeface="Tahoma" panose="020B0604030504040204" pitchFamily="34" charset="0"/>
-                <a:cs typeface="Tahoma" panose="020B0604030504040204" pitchFamily="34" charset="0"/>
-              </a:rPr>
-              <a:t>ngày</a:t>
-            </a:r>
-            <a:r>
-              <a:rPr lang="en-US" sz="2400" b="0" i="0" dirty="0">
-                <a:effectLst/>
-                <a:latin typeface="Tahoma" panose="020B0604030504040204" pitchFamily="34" charset="0"/>
-                <a:ea typeface="Tahoma" panose="020B0604030504040204" pitchFamily="34" charset="0"/>
-                <a:cs typeface="Tahoma" panose="020B0604030504040204" pitchFamily="34" charset="0"/>
-              </a:rPr>
-              <a:t> </a:t>
-            </a:r>
-            <a:r>
-              <a:rPr lang="en-US" sz="2400" b="0" i="0" dirty="0" err="1">
-                <a:effectLst/>
-                <a:latin typeface="Tahoma" panose="020B0604030504040204" pitchFamily="34" charset="0"/>
-                <a:ea typeface="Tahoma" panose="020B0604030504040204" pitchFamily="34" charset="0"/>
-                <a:cs typeface="Tahoma" panose="020B0604030504040204" pitchFamily="34" charset="0"/>
-              </a:rPr>
-              <a:t>nghỉ</a:t>
-            </a:r>
-            <a:br>
-              <a:rPr lang="en-US" sz="2400" dirty="0">
-                <a:latin typeface="Tahoma" panose="020B0604030504040204" pitchFamily="34" charset="0"/>
-                <a:ea typeface="Tahoma" panose="020B0604030504040204" pitchFamily="34" charset="0"/>
-                <a:cs typeface="Tahoma" panose="020B0604030504040204" pitchFamily="34" charset="0"/>
-              </a:rPr>
-            </a:br>
-            <a:r>
-              <a:rPr lang="en-US" sz="2400" b="0" i="0" dirty="0">
-                <a:effectLst/>
-                <a:latin typeface="Tahoma" panose="020B0604030504040204" pitchFamily="34" charset="0"/>
-                <a:ea typeface="Tahoma" panose="020B0604030504040204" pitchFamily="34" charset="0"/>
-                <a:cs typeface="Tahoma" panose="020B0604030504040204" pitchFamily="34" charset="0"/>
-              </a:rPr>
-              <a:t>- weekday : </a:t>
-            </a:r>
-            <a:r>
-              <a:rPr lang="en-US" sz="2400" b="0" i="0" dirty="0" err="1">
-                <a:effectLst/>
-                <a:latin typeface="Tahoma" panose="020B0604030504040204" pitchFamily="34" charset="0"/>
-                <a:ea typeface="Tahoma" panose="020B0604030504040204" pitchFamily="34" charset="0"/>
-                <a:cs typeface="Tahoma" panose="020B0604030504040204" pitchFamily="34" charset="0"/>
-              </a:rPr>
-              <a:t>ngày</a:t>
-            </a:r>
-            <a:r>
-              <a:rPr lang="en-US" sz="2400" b="0" i="0" dirty="0">
-                <a:effectLst/>
-                <a:latin typeface="Tahoma" panose="020B0604030504040204" pitchFamily="34" charset="0"/>
-                <a:ea typeface="Tahoma" panose="020B0604030504040204" pitchFamily="34" charset="0"/>
-                <a:cs typeface="Tahoma" panose="020B0604030504040204" pitchFamily="34" charset="0"/>
-              </a:rPr>
-              <a:t> </a:t>
-            </a:r>
-            <a:r>
-              <a:rPr lang="en-US" sz="2400" b="0" i="0" dirty="0" err="1">
-                <a:effectLst/>
-                <a:latin typeface="Tahoma" panose="020B0604030504040204" pitchFamily="34" charset="0"/>
-                <a:ea typeface="Tahoma" panose="020B0604030504040204" pitchFamily="34" charset="0"/>
-                <a:cs typeface="Tahoma" panose="020B0604030504040204" pitchFamily="34" charset="0"/>
-              </a:rPr>
-              <a:t>trong</a:t>
-            </a:r>
-            <a:r>
-              <a:rPr lang="en-US" sz="2400" b="0" i="0" dirty="0">
-                <a:effectLst/>
-                <a:latin typeface="Tahoma" panose="020B0604030504040204" pitchFamily="34" charset="0"/>
-                <a:ea typeface="Tahoma" panose="020B0604030504040204" pitchFamily="34" charset="0"/>
-                <a:cs typeface="Tahoma" panose="020B0604030504040204" pitchFamily="34" charset="0"/>
-              </a:rPr>
-              <a:t> </a:t>
-            </a:r>
-            <a:r>
-              <a:rPr lang="en-US" sz="2400" b="0" i="0" dirty="0" err="1">
-                <a:effectLst/>
-                <a:latin typeface="Tahoma" panose="020B0604030504040204" pitchFamily="34" charset="0"/>
-                <a:ea typeface="Tahoma" panose="020B0604030504040204" pitchFamily="34" charset="0"/>
-                <a:cs typeface="Tahoma" panose="020B0604030504040204" pitchFamily="34" charset="0"/>
-              </a:rPr>
-              <a:t>tuần</a:t>
-            </a:r>
-            <a:r>
-              <a:rPr lang="en-US" sz="2400" b="0" i="0" dirty="0">
-                <a:effectLst/>
-                <a:latin typeface="Tahoma" panose="020B0604030504040204" pitchFamily="34" charset="0"/>
-                <a:ea typeface="Tahoma" panose="020B0604030504040204" pitchFamily="34" charset="0"/>
-                <a:cs typeface="Tahoma" panose="020B0604030504040204" pitchFamily="34" charset="0"/>
-              </a:rPr>
-              <a:t>	</a:t>
-            </a:r>
-            <a:br>
-              <a:rPr lang="en-US" sz="2400" dirty="0">
-                <a:latin typeface="Tahoma" panose="020B0604030504040204" pitchFamily="34" charset="0"/>
-                <a:ea typeface="Tahoma" panose="020B0604030504040204" pitchFamily="34" charset="0"/>
-                <a:cs typeface="Tahoma" panose="020B0604030504040204" pitchFamily="34" charset="0"/>
-              </a:rPr>
-            </a:br>
-            <a:r>
-              <a:rPr lang="en-US" sz="2400" b="0" i="0" dirty="0">
-                <a:effectLst/>
-                <a:latin typeface="Tahoma" panose="020B0604030504040204" pitchFamily="34" charset="0"/>
-                <a:ea typeface="Tahoma" panose="020B0604030504040204" pitchFamily="34" charset="0"/>
-                <a:cs typeface="Tahoma" panose="020B0604030504040204" pitchFamily="34" charset="0"/>
-              </a:rPr>
-              <a:t>- </a:t>
-            </a:r>
-            <a:r>
-              <a:rPr lang="en-US" sz="2400" b="0" i="0" dirty="0" err="1">
-                <a:effectLst/>
-                <a:latin typeface="Tahoma" panose="020B0604030504040204" pitchFamily="34" charset="0"/>
-                <a:ea typeface="Tahoma" panose="020B0604030504040204" pitchFamily="34" charset="0"/>
-                <a:cs typeface="Tahoma" panose="020B0604030504040204" pitchFamily="34" charset="0"/>
-              </a:rPr>
-              <a:t>workingday</a:t>
-            </a:r>
-            <a:r>
-              <a:rPr lang="en-US" sz="2400" b="0" i="0" dirty="0">
-                <a:effectLst/>
-                <a:latin typeface="Tahoma" panose="020B0604030504040204" pitchFamily="34" charset="0"/>
-                <a:ea typeface="Tahoma" panose="020B0604030504040204" pitchFamily="34" charset="0"/>
-                <a:cs typeface="Tahoma" panose="020B0604030504040204" pitchFamily="34" charset="0"/>
-              </a:rPr>
-              <a:t> : </a:t>
-            </a:r>
-            <a:r>
-              <a:rPr lang="en-US" sz="2400" b="0" i="0" dirty="0" err="1">
-                <a:effectLst/>
-                <a:latin typeface="Tahoma" panose="020B0604030504040204" pitchFamily="34" charset="0"/>
-                <a:ea typeface="Tahoma" panose="020B0604030504040204" pitchFamily="34" charset="0"/>
-                <a:cs typeface="Tahoma" panose="020B0604030504040204" pitchFamily="34" charset="0"/>
-              </a:rPr>
-              <a:t>ngày</a:t>
-            </a:r>
-            <a:r>
-              <a:rPr lang="en-US" sz="2400" b="0" i="0" dirty="0">
-                <a:effectLst/>
-                <a:latin typeface="Tahoma" panose="020B0604030504040204" pitchFamily="34" charset="0"/>
-                <a:ea typeface="Tahoma" panose="020B0604030504040204" pitchFamily="34" charset="0"/>
-                <a:cs typeface="Tahoma" panose="020B0604030504040204" pitchFamily="34" charset="0"/>
-              </a:rPr>
-              <a:t> </a:t>
-            </a:r>
-            <a:r>
-              <a:rPr lang="en-US" sz="2400" b="0" i="0" dirty="0" err="1">
-                <a:effectLst/>
-                <a:latin typeface="Tahoma" panose="020B0604030504040204" pitchFamily="34" charset="0"/>
-                <a:ea typeface="Tahoma" panose="020B0604030504040204" pitchFamily="34" charset="0"/>
-                <a:cs typeface="Tahoma" panose="020B0604030504040204" pitchFamily="34" charset="0"/>
-              </a:rPr>
-              <a:t>làm</a:t>
-            </a:r>
-            <a:r>
-              <a:rPr lang="en-US" sz="2400" b="0" i="0" dirty="0">
-                <a:effectLst/>
-                <a:latin typeface="Tahoma" panose="020B0604030504040204" pitchFamily="34" charset="0"/>
-                <a:ea typeface="Tahoma" panose="020B0604030504040204" pitchFamily="34" charset="0"/>
-                <a:cs typeface="Tahoma" panose="020B0604030504040204" pitchFamily="34" charset="0"/>
-              </a:rPr>
-              <a:t> </a:t>
-            </a:r>
-            <a:r>
-              <a:rPr lang="en-US" sz="2400" b="0" i="0" dirty="0" err="1">
-                <a:effectLst/>
-                <a:latin typeface="Tahoma" panose="020B0604030504040204" pitchFamily="34" charset="0"/>
-                <a:ea typeface="Tahoma" panose="020B0604030504040204" pitchFamily="34" charset="0"/>
-                <a:cs typeface="Tahoma" panose="020B0604030504040204" pitchFamily="34" charset="0"/>
-              </a:rPr>
-              <a:t>việc</a:t>
-            </a:r>
-            <a:endParaRPr lang="en-US" sz="2400" b="0" i="0" dirty="0">
+              <a:t>Kiểm tra missing value</a:t>
+            </a:r>
+          </a:p>
+          <a:p>
+            <a:endParaRPr lang="en-US" sz="2400" b="0">
               <a:effectLst/>
               <a:latin typeface="Tahoma" panose="020B0604030504040204" pitchFamily="34" charset="0"/>
               <a:ea typeface="Tahoma" panose="020B0604030504040204" pitchFamily="34" charset="0"/>
               <a:cs typeface="Tahoma" panose="020B0604030504040204" pitchFamily="34" charset="0"/>
             </a:endParaRPr>
           </a:p>
-          <a:p>
-            <a:r>
-              <a:rPr lang="en-US" sz="2400" b="0" i="0" dirty="0">
-                <a:effectLst/>
-                <a:latin typeface="Tahoma" panose="020B0604030504040204" pitchFamily="34" charset="0"/>
-                <a:ea typeface="Tahoma" panose="020B0604030504040204" pitchFamily="34" charset="0"/>
-                <a:cs typeface="Tahoma" panose="020B0604030504040204" pitchFamily="34" charset="0"/>
-              </a:rPr>
-              <a:t>- </a:t>
-            </a:r>
-            <a:r>
-              <a:rPr lang="en-US" sz="2400" b="0" i="0" dirty="0" err="1">
-                <a:effectLst/>
-                <a:latin typeface="Tahoma" panose="020B0604030504040204" pitchFamily="34" charset="0"/>
-                <a:ea typeface="Tahoma" panose="020B0604030504040204" pitchFamily="34" charset="0"/>
-                <a:cs typeface="Tahoma" panose="020B0604030504040204" pitchFamily="34" charset="0"/>
-              </a:rPr>
-              <a:t>weathersit</a:t>
-            </a:r>
-            <a:r>
-              <a:rPr lang="en-US" sz="2400" b="0" i="0" dirty="0">
-                <a:effectLst/>
-                <a:latin typeface="Tahoma" panose="020B0604030504040204" pitchFamily="34" charset="0"/>
-                <a:ea typeface="Tahoma" panose="020B0604030504040204" pitchFamily="34" charset="0"/>
-                <a:cs typeface="Tahoma" panose="020B0604030504040204" pitchFamily="34" charset="0"/>
-              </a:rPr>
-              <a:t> : </a:t>
-            </a:r>
-            <a:r>
-              <a:rPr lang="en-US" sz="2400" b="0" i="0" dirty="0" err="1">
-                <a:effectLst/>
-                <a:latin typeface="Tahoma" panose="020B0604030504040204" pitchFamily="34" charset="0"/>
-                <a:ea typeface="Tahoma" panose="020B0604030504040204" pitchFamily="34" charset="0"/>
-                <a:cs typeface="Tahoma" panose="020B0604030504040204" pitchFamily="34" charset="0"/>
-              </a:rPr>
-              <a:t>thời</a:t>
-            </a:r>
-            <a:r>
-              <a:rPr lang="en-US" sz="2400" b="0" i="0" dirty="0">
-                <a:effectLst/>
-                <a:latin typeface="Tahoma" panose="020B0604030504040204" pitchFamily="34" charset="0"/>
-                <a:ea typeface="Tahoma" panose="020B0604030504040204" pitchFamily="34" charset="0"/>
-                <a:cs typeface="Tahoma" panose="020B0604030504040204" pitchFamily="34" charset="0"/>
-              </a:rPr>
-              <a:t> </a:t>
-            </a:r>
-            <a:r>
-              <a:rPr lang="en-US" sz="2400" b="0" i="0" dirty="0" err="1">
-                <a:effectLst/>
-                <a:latin typeface="Tahoma" panose="020B0604030504040204" pitchFamily="34" charset="0"/>
-                <a:ea typeface="Tahoma" panose="020B0604030504040204" pitchFamily="34" charset="0"/>
-                <a:cs typeface="Tahoma" panose="020B0604030504040204" pitchFamily="34" charset="0"/>
-              </a:rPr>
-              <a:t>tiết</a:t>
-            </a:r>
-            <a:endParaRPr lang="en-US" sz="2400" b="0" i="0" dirty="0">
-              <a:effectLst/>
-              <a:latin typeface="Tahoma" panose="020B0604030504040204" pitchFamily="34" charset="0"/>
-              <a:ea typeface="Tahoma" panose="020B0604030504040204" pitchFamily="34" charset="0"/>
-              <a:cs typeface="Tahoma" panose="020B0604030504040204" pitchFamily="34" charset="0"/>
-            </a:endParaRPr>
-          </a:p>
-        </p:txBody>
-      </p:sp>
-      <p:sp>
-        <p:nvSpPr>
-          <p:cNvPr id="9" name="TextBox 8">
+        </p:txBody>
+      </p:sp>
+      <p:grpSp>
+        <p:nvGrpSpPr>
+          <p:cNvPr id="12" name="Group 11">
             <a:extLst>
               <a:ext uri="{FF2B5EF4-FFF2-40B4-BE49-F238E27FC236}">
-                <a16:creationId xmlns:a16="http://schemas.microsoft.com/office/drawing/2014/main" id="{3609837D-68F7-473D-A24C-909C497A4CBA}"/>
+                <a16:creationId xmlns:a16="http://schemas.microsoft.com/office/drawing/2014/main" id="{899AD948-A4D4-4126-B184-1717E27A3308}"/>
               </a:ext>
             </a:extLst>
           </p:cNvPr>
-          <p:cNvSpPr txBox="1"/>
+          <p:cNvGrpSpPr/>
           <p:nvPr/>
-        </p:nvSpPr>
-        <p:spPr>
-          <a:xfrm>
-            <a:off x="6173760" y="1748909"/>
-            <a:ext cx="4769252" cy="3785652"/>
-          </a:xfrm>
-          <a:prstGeom prst="rect">
-            <a:avLst/>
-          </a:prstGeom>
-          <a:noFill/>
-        </p:spPr>
-        <p:txBody>
-          <a:bodyPr wrap="square" rtlCol="0">
-            <a:spAutoFit/>
-          </a:bodyPr>
-          <a:lstStyle/>
-          <a:p>
-            <a:r>
-              <a:rPr lang="en-US" sz="2400" b="0" i="0" dirty="0">
-                <a:effectLst/>
-                <a:latin typeface="Tahoma" panose="020B0604030504040204" pitchFamily="34" charset="0"/>
-                <a:ea typeface="Tahoma" panose="020B0604030504040204" pitchFamily="34" charset="0"/>
-                <a:cs typeface="Tahoma" panose="020B0604030504040204" pitchFamily="34" charset="0"/>
-              </a:rPr>
-              <a:t>- temp : </a:t>
-            </a:r>
-            <a:r>
-              <a:rPr lang="en-US" sz="2400" b="0" i="0" dirty="0" err="1">
-                <a:effectLst/>
-                <a:latin typeface="Tahoma" panose="020B0604030504040204" pitchFamily="34" charset="0"/>
-                <a:ea typeface="Tahoma" panose="020B0604030504040204" pitchFamily="34" charset="0"/>
-                <a:cs typeface="Tahoma" panose="020B0604030504040204" pitchFamily="34" charset="0"/>
-              </a:rPr>
-              <a:t>nhiệt</a:t>
-            </a:r>
-            <a:r>
-              <a:rPr lang="en-US" sz="2400" b="0" i="0" dirty="0">
-                <a:effectLst/>
-                <a:latin typeface="Tahoma" panose="020B0604030504040204" pitchFamily="34" charset="0"/>
-                <a:ea typeface="Tahoma" panose="020B0604030504040204" pitchFamily="34" charset="0"/>
-                <a:cs typeface="Tahoma" panose="020B0604030504040204" pitchFamily="34" charset="0"/>
-              </a:rPr>
-              <a:t> </a:t>
-            </a:r>
-            <a:r>
-              <a:rPr lang="en-US" sz="2400" b="0" i="0" dirty="0" err="1">
-                <a:effectLst/>
-                <a:latin typeface="Tahoma" panose="020B0604030504040204" pitchFamily="34" charset="0"/>
-                <a:ea typeface="Tahoma" panose="020B0604030504040204" pitchFamily="34" charset="0"/>
-                <a:cs typeface="Tahoma" panose="020B0604030504040204" pitchFamily="34" charset="0"/>
-              </a:rPr>
-              <a:t>độ</a:t>
-            </a:r>
-            <a:endParaRPr lang="en-US" sz="2400" b="0" i="0" dirty="0">
-              <a:effectLst/>
-              <a:latin typeface="Tahoma" panose="020B0604030504040204" pitchFamily="34" charset="0"/>
-              <a:ea typeface="Tahoma" panose="020B0604030504040204" pitchFamily="34" charset="0"/>
-              <a:cs typeface="Tahoma" panose="020B0604030504040204" pitchFamily="34" charset="0"/>
-            </a:endParaRPr>
-          </a:p>
-          <a:p>
-            <a:r>
-              <a:rPr lang="en-US" sz="2400" b="0" i="0" dirty="0">
-                <a:effectLst/>
-                <a:latin typeface="Tahoma" panose="020B0604030504040204" pitchFamily="34" charset="0"/>
-                <a:ea typeface="Tahoma" panose="020B0604030504040204" pitchFamily="34" charset="0"/>
-                <a:cs typeface="Tahoma" panose="020B0604030504040204" pitchFamily="34" charset="0"/>
-              </a:rPr>
-              <a:t>- </a:t>
-            </a:r>
-            <a:r>
-              <a:rPr lang="en-US" sz="2400" b="0" i="0" dirty="0" err="1">
-                <a:effectLst/>
-                <a:latin typeface="Tahoma" panose="020B0604030504040204" pitchFamily="34" charset="0"/>
-                <a:ea typeface="Tahoma" panose="020B0604030504040204" pitchFamily="34" charset="0"/>
-                <a:cs typeface="Tahoma" panose="020B0604030504040204" pitchFamily="34" charset="0"/>
-              </a:rPr>
-              <a:t>atemp</a:t>
-            </a:r>
-            <a:r>
-              <a:rPr lang="en-US" sz="2400" b="0" i="0" dirty="0">
-                <a:effectLst/>
-                <a:latin typeface="Tahoma" panose="020B0604030504040204" pitchFamily="34" charset="0"/>
-                <a:ea typeface="Tahoma" panose="020B0604030504040204" pitchFamily="34" charset="0"/>
-                <a:cs typeface="Tahoma" panose="020B0604030504040204" pitchFamily="34" charset="0"/>
-              </a:rPr>
-              <a:t>: </a:t>
-            </a:r>
-            <a:r>
-              <a:rPr lang="en-US" sz="2400" b="0" i="0" dirty="0" err="1">
-                <a:effectLst/>
-                <a:latin typeface="Tahoma" panose="020B0604030504040204" pitchFamily="34" charset="0"/>
-                <a:ea typeface="Tahoma" panose="020B0604030504040204" pitchFamily="34" charset="0"/>
-                <a:cs typeface="Tahoma" panose="020B0604030504040204" pitchFamily="34" charset="0"/>
-              </a:rPr>
-              <a:t>nhiệt</a:t>
-            </a:r>
-            <a:r>
-              <a:rPr lang="en-US" sz="2400" b="0" i="0" dirty="0">
-                <a:effectLst/>
-                <a:latin typeface="Tahoma" panose="020B0604030504040204" pitchFamily="34" charset="0"/>
-                <a:ea typeface="Tahoma" panose="020B0604030504040204" pitchFamily="34" charset="0"/>
-                <a:cs typeface="Tahoma" panose="020B0604030504040204" pitchFamily="34" charset="0"/>
-              </a:rPr>
-              <a:t> </a:t>
-            </a:r>
-            <a:r>
-              <a:rPr lang="en-US" sz="2400" b="0" i="0" dirty="0" err="1">
-                <a:effectLst/>
-                <a:latin typeface="Tahoma" panose="020B0604030504040204" pitchFamily="34" charset="0"/>
-                <a:ea typeface="Tahoma" panose="020B0604030504040204" pitchFamily="34" charset="0"/>
-                <a:cs typeface="Tahoma" panose="020B0604030504040204" pitchFamily="34" charset="0"/>
-              </a:rPr>
-              <a:t>độ</a:t>
-            </a:r>
-            <a:r>
-              <a:rPr lang="en-US" sz="2400" b="0" i="0" dirty="0">
-                <a:effectLst/>
-                <a:latin typeface="Tahoma" panose="020B0604030504040204" pitchFamily="34" charset="0"/>
-                <a:ea typeface="Tahoma" panose="020B0604030504040204" pitchFamily="34" charset="0"/>
-                <a:cs typeface="Tahoma" panose="020B0604030504040204" pitchFamily="34" charset="0"/>
-              </a:rPr>
-              <a:t> </a:t>
-            </a:r>
-            <a:r>
-              <a:rPr lang="en-US" sz="2400" b="0" i="0" dirty="0" err="1">
-                <a:effectLst/>
-                <a:latin typeface="Tahoma" panose="020B0604030504040204" pitchFamily="34" charset="0"/>
-                <a:ea typeface="Tahoma" panose="020B0604030504040204" pitchFamily="34" charset="0"/>
-                <a:cs typeface="Tahoma" panose="020B0604030504040204" pitchFamily="34" charset="0"/>
-              </a:rPr>
-              <a:t>cảm</a:t>
-            </a:r>
-            <a:r>
-              <a:rPr lang="en-US" sz="2400" b="0" i="0" dirty="0">
-                <a:effectLst/>
-                <a:latin typeface="Tahoma" panose="020B0604030504040204" pitchFamily="34" charset="0"/>
-                <a:ea typeface="Tahoma" panose="020B0604030504040204" pitchFamily="34" charset="0"/>
-                <a:cs typeface="Tahoma" panose="020B0604030504040204" pitchFamily="34" charset="0"/>
-              </a:rPr>
-              <a:t> </a:t>
-            </a:r>
-            <a:r>
-              <a:rPr lang="en-US" sz="2400" b="0" i="0" dirty="0" err="1">
-                <a:effectLst/>
-                <a:latin typeface="Tahoma" panose="020B0604030504040204" pitchFamily="34" charset="0"/>
-                <a:ea typeface="Tahoma" panose="020B0604030504040204" pitchFamily="34" charset="0"/>
-                <a:cs typeface="Tahoma" panose="020B0604030504040204" pitchFamily="34" charset="0"/>
-              </a:rPr>
-              <a:t>giác</a:t>
-            </a:r>
-            <a:endParaRPr lang="en-US" sz="2400" b="0" i="0" dirty="0">
-              <a:effectLst/>
-              <a:latin typeface="Tahoma" panose="020B0604030504040204" pitchFamily="34" charset="0"/>
-              <a:ea typeface="Tahoma" panose="020B0604030504040204" pitchFamily="34" charset="0"/>
-              <a:cs typeface="Tahoma" panose="020B0604030504040204" pitchFamily="34" charset="0"/>
-            </a:endParaRPr>
-          </a:p>
-          <a:p>
-            <a:r>
-              <a:rPr lang="en-US" sz="2400" b="0" i="0" dirty="0">
-                <a:effectLst/>
-                <a:latin typeface="Tahoma" panose="020B0604030504040204" pitchFamily="34" charset="0"/>
-                <a:ea typeface="Tahoma" panose="020B0604030504040204" pitchFamily="34" charset="0"/>
-                <a:cs typeface="Tahoma" panose="020B0604030504040204" pitchFamily="34" charset="0"/>
-              </a:rPr>
-              <a:t>- hum: </a:t>
-            </a:r>
-            <a:r>
-              <a:rPr lang="en-US" sz="2400" b="0" i="0" dirty="0" err="1">
-                <a:effectLst/>
-                <a:latin typeface="Tahoma" panose="020B0604030504040204" pitchFamily="34" charset="0"/>
-                <a:ea typeface="Tahoma" panose="020B0604030504040204" pitchFamily="34" charset="0"/>
-                <a:cs typeface="Tahoma" panose="020B0604030504040204" pitchFamily="34" charset="0"/>
-              </a:rPr>
-              <a:t>độ</a:t>
-            </a:r>
-            <a:r>
-              <a:rPr lang="en-US" sz="2400" b="0" i="0" dirty="0">
-                <a:effectLst/>
-                <a:latin typeface="Tahoma" panose="020B0604030504040204" pitchFamily="34" charset="0"/>
-                <a:ea typeface="Tahoma" panose="020B0604030504040204" pitchFamily="34" charset="0"/>
-                <a:cs typeface="Tahoma" panose="020B0604030504040204" pitchFamily="34" charset="0"/>
-              </a:rPr>
-              <a:t> </a:t>
-            </a:r>
-            <a:r>
-              <a:rPr lang="en-US" sz="2400" b="0" i="0" dirty="0" err="1">
-                <a:effectLst/>
-                <a:latin typeface="Tahoma" panose="020B0604030504040204" pitchFamily="34" charset="0"/>
-                <a:ea typeface="Tahoma" panose="020B0604030504040204" pitchFamily="34" charset="0"/>
-                <a:cs typeface="Tahoma" panose="020B0604030504040204" pitchFamily="34" charset="0"/>
-              </a:rPr>
-              <a:t>ẩm</a:t>
-            </a:r>
-            <a:endParaRPr lang="en-US" sz="2400" b="0" i="0" dirty="0">
-              <a:effectLst/>
-              <a:latin typeface="Tahoma" panose="020B0604030504040204" pitchFamily="34" charset="0"/>
-              <a:ea typeface="Tahoma" panose="020B0604030504040204" pitchFamily="34" charset="0"/>
-              <a:cs typeface="Tahoma" panose="020B0604030504040204" pitchFamily="34" charset="0"/>
-            </a:endParaRPr>
-          </a:p>
-          <a:p>
-            <a:r>
-              <a:rPr lang="en-US" sz="2400" b="0" i="0" dirty="0">
-                <a:effectLst/>
-                <a:latin typeface="Tahoma" panose="020B0604030504040204" pitchFamily="34" charset="0"/>
-                <a:ea typeface="Tahoma" panose="020B0604030504040204" pitchFamily="34" charset="0"/>
-                <a:cs typeface="Tahoma" panose="020B0604030504040204" pitchFamily="34" charset="0"/>
-              </a:rPr>
-              <a:t>- windspeed: </a:t>
-            </a:r>
-            <a:r>
-              <a:rPr lang="en-US" sz="2400" b="0" i="0" dirty="0" err="1">
-                <a:effectLst/>
-                <a:latin typeface="Tahoma" panose="020B0604030504040204" pitchFamily="34" charset="0"/>
-                <a:ea typeface="Tahoma" panose="020B0604030504040204" pitchFamily="34" charset="0"/>
-                <a:cs typeface="Tahoma" panose="020B0604030504040204" pitchFamily="34" charset="0"/>
-              </a:rPr>
-              <a:t>tốc</a:t>
-            </a:r>
-            <a:r>
-              <a:rPr lang="en-US" sz="2400" b="0" i="0" dirty="0">
-                <a:effectLst/>
-                <a:latin typeface="Tahoma" panose="020B0604030504040204" pitchFamily="34" charset="0"/>
-                <a:ea typeface="Tahoma" panose="020B0604030504040204" pitchFamily="34" charset="0"/>
-                <a:cs typeface="Tahoma" panose="020B0604030504040204" pitchFamily="34" charset="0"/>
-              </a:rPr>
-              <a:t> </a:t>
-            </a:r>
-            <a:r>
-              <a:rPr lang="en-US" sz="2400" b="0" i="0" dirty="0" err="1">
-                <a:effectLst/>
-                <a:latin typeface="Tahoma" panose="020B0604030504040204" pitchFamily="34" charset="0"/>
-                <a:ea typeface="Tahoma" panose="020B0604030504040204" pitchFamily="34" charset="0"/>
-                <a:cs typeface="Tahoma" panose="020B0604030504040204" pitchFamily="34" charset="0"/>
-              </a:rPr>
-              <a:t>độ</a:t>
-            </a:r>
-            <a:r>
-              <a:rPr lang="en-US" sz="2400" b="0" i="0" dirty="0">
-                <a:effectLst/>
-                <a:latin typeface="Tahoma" panose="020B0604030504040204" pitchFamily="34" charset="0"/>
-                <a:ea typeface="Tahoma" panose="020B0604030504040204" pitchFamily="34" charset="0"/>
-                <a:cs typeface="Tahoma" panose="020B0604030504040204" pitchFamily="34" charset="0"/>
-              </a:rPr>
-              <a:t> </a:t>
-            </a:r>
-            <a:r>
-              <a:rPr lang="en-US" sz="2400" b="0" i="0" dirty="0" err="1">
-                <a:effectLst/>
-                <a:latin typeface="Tahoma" panose="020B0604030504040204" pitchFamily="34" charset="0"/>
-                <a:ea typeface="Tahoma" panose="020B0604030504040204" pitchFamily="34" charset="0"/>
-                <a:cs typeface="Tahoma" panose="020B0604030504040204" pitchFamily="34" charset="0"/>
-              </a:rPr>
-              <a:t>gió</a:t>
-            </a:r>
-            <a:endParaRPr lang="en-US" sz="2400" b="0" i="0" dirty="0">
-              <a:effectLst/>
-              <a:latin typeface="Tahoma" panose="020B0604030504040204" pitchFamily="34" charset="0"/>
-              <a:ea typeface="Tahoma" panose="020B0604030504040204" pitchFamily="34" charset="0"/>
-              <a:cs typeface="Tahoma" panose="020B0604030504040204" pitchFamily="34" charset="0"/>
-            </a:endParaRPr>
-          </a:p>
-          <a:p>
-            <a:r>
-              <a:rPr lang="en-US" sz="2400" b="0" i="0" dirty="0">
-                <a:effectLst/>
-                <a:latin typeface="Tahoma" panose="020B0604030504040204" pitchFamily="34" charset="0"/>
-                <a:ea typeface="Tahoma" panose="020B0604030504040204" pitchFamily="34" charset="0"/>
-                <a:cs typeface="Tahoma" panose="020B0604030504040204" pitchFamily="34" charset="0"/>
-              </a:rPr>
-              <a:t>- casual: </a:t>
-            </a:r>
-            <a:r>
-              <a:rPr lang="vi-VN" sz="2400" b="0" i="0" dirty="0">
-                <a:effectLst/>
-                <a:latin typeface="Tahoma" panose="020B0604030504040204" pitchFamily="34" charset="0"/>
-                <a:ea typeface="Tahoma" panose="020B0604030504040204" pitchFamily="34" charset="0"/>
-                <a:cs typeface="Tahoma" panose="020B0604030504040204" pitchFamily="34" charset="0"/>
-              </a:rPr>
-              <a:t>số lượng người dùng bình thường‎</a:t>
-            </a:r>
-            <a:br>
-              <a:rPr lang="en-US" sz="2400" dirty="0">
-                <a:latin typeface="Tahoma" panose="020B0604030504040204" pitchFamily="34" charset="0"/>
-                <a:ea typeface="Tahoma" panose="020B0604030504040204" pitchFamily="34" charset="0"/>
-                <a:cs typeface="Tahoma" panose="020B0604030504040204" pitchFamily="34" charset="0"/>
-              </a:rPr>
-            </a:br>
-            <a:r>
-              <a:rPr lang="en-US" sz="2400" dirty="0">
-                <a:latin typeface="Tahoma" panose="020B0604030504040204" pitchFamily="34" charset="0"/>
-                <a:ea typeface="Tahoma" panose="020B0604030504040204" pitchFamily="34" charset="0"/>
-                <a:cs typeface="Tahoma" panose="020B0604030504040204" pitchFamily="34" charset="0"/>
-              </a:rPr>
-              <a:t>- </a:t>
-            </a:r>
-            <a:r>
-              <a:rPr lang="en-US" sz="2400" b="0" i="0" dirty="0">
-                <a:effectLst/>
-                <a:latin typeface="Tahoma" panose="020B0604030504040204" pitchFamily="34" charset="0"/>
-                <a:ea typeface="Tahoma" panose="020B0604030504040204" pitchFamily="34" charset="0"/>
-                <a:cs typeface="Tahoma" panose="020B0604030504040204" pitchFamily="34" charset="0"/>
-              </a:rPr>
-              <a:t>registered: s</a:t>
-            </a:r>
-            <a:r>
-              <a:rPr lang="vi-VN" sz="2400" b="0" i="0" dirty="0">
-                <a:effectLst/>
-                <a:latin typeface="Tahoma" panose="020B0604030504040204" pitchFamily="34" charset="0"/>
-                <a:ea typeface="Tahoma" panose="020B0604030504040204" pitchFamily="34" charset="0"/>
-                <a:cs typeface="Tahoma" panose="020B0604030504040204" pitchFamily="34" charset="0"/>
-              </a:rPr>
-              <a:t>ố lượng người dùng đã đăng ký</a:t>
-            </a:r>
-            <a:br>
-              <a:rPr lang="en-US" sz="2400" dirty="0">
-                <a:latin typeface="Tahoma" panose="020B0604030504040204" pitchFamily="34" charset="0"/>
-                <a:ea typeface="Tahoma" panose="020B0604030504040204" pitchFamily="34" charset="0"/>
-                <a:cs typeface="Tahoma" panose="020B0604030504040204" pitchFamily="34" charset="0"/>
-              </a:rPr>
-            </a:br>
-            <a:r>
-              <a:rPr lang="en-US" sz="2400" dirty="0">
-                <a:latin typeface="Tahoma" panose="020B0604030504040204" pitchFamily="34" charset="0"/>
-                <a:ea typeface="Tahoma" panose="020B0604030504040204" pitchFamily="34" charset="0"/>
-                <a:cs typeface="Tahoma" panose="020B0604030504040204" pitchFamily="34" charset="0"/>
-              </a:rPr>
-              <a:t>- </a:t>
-            </a:r>
-            <a:r>
-              <a:rPr lang="en-US" sz="2400" b="0" i="0" dirty="0" err="1">
-                <a:effectLst/>
-                <a:latin typeface="Tahoma" panose="020B0604030504040204" pitchFamily="34" charset="0"/>
-                <a:ea typeface="Tahoma" panose="020B0604030504040204" pitchFamily="34" charset="0"/>
-                <a:cs typeface="Tahoma" panose="020B0604030504040204" pitchFamily="34" charset="0"/>
-              </a:rPr>
-              <a:t>cnt</a:t>
-            </a:r>
-            <a:r>
-              <a:rPr lang="en-US" sz="2400" b="0" i="0" dirty="0">
-                <a:effectLst/>
-                <a:latin typeface="Tahoma" panose="020B0604030504040204" pitchFamily="34" charset="0"/>
-                <a:ea typeface="Tahoma" panose="020B0604030504040204" pitchFamily="34" charset="0"/>
-                <a:cs typeface="Tahoma" panose="020B0604030504040204" pitchFamily="34" charset="0"/>
-              </a:rPr>
-              <a:t>: </a:t>
-            </a:r>
-            <a:r>
-              <a:rPr lang="vi-VN" sz="2400" b="0" i="0" dirty="0">
-                <a:effectLst/>
-                <a:latin typeface="Tahoma" panose="020B0604030504040204" pitchFamily="34" charset="0"/>
-                <a:ea typeface="Tahoma" panose="020B0604030504040204" pitchFamily="34" charset="0"/>
-                <a:cs typeface="Tahoma" panose="020B0604030504040204" pitchFamily="34" charset="0"/>
-              </a:rPr>
-              <a:t>‎tổng số xe đạp cho thuê bao </a:t>
-            </a:r>
-            <a:r>
-              <a:rPr lang="en-US" sz="2400" b="0" i="0" dirty="0">
-                <a:effectLst/>
-                <a:latin typeface="Tahoma" panose="020B0604030504040204" pitchFamily="34" charset="0"/>
-                <a:ea typeface="Tahoma" panose="020B0604030504040204" pitchFamily="34" charset="0"/>
-                <a:cs typeface="Tahoma" panose="020B0604030504040204" pitchFamily="34" charset="0"/>
-              </a:rPr>
-              <a:t>(</a:t>
-            </a:r>
-            <a:r>
-              <a:rPr lang="vi-VN" sz="2400" b="0" i="0" dirty="0">
-                <a:effectLst/>
-                <a:latin typeface="Tahoma" panose="020B0604030504040204" pitchFamily="34" charset="0"/>
-                <a:ea typeface="Tahoma" panose="020B0604030504040204" pitchFamily="34" charset="0"/>
-                <a:cs typeface="Tahoma" panose="020B0604030504040204" pitchFamily="34" charset="0"/>
-              </a:rPr>
-              <a:t>bình thường và đăng ký‎</a:t>
-            </a:r>
-            <a:r>
-              <a:rPr lang="en-US" sz="2400" b="0" i="0" dirty="0">
-                <a:effectLst/>
-                <a:latin typeface="Tahoma" panose="020B0604030504040204" pitchFamily="34" charset="0"/>
-                <a:ea typeface="Tahoma" panose="020B0604030504040204" pitchFamily="34" charset="0"/>
-                <a:cs typeface="Tahoma" panose="020B0604030504040204" pitchFamily="34" charset="0"/>
-              </a:rPr>
-              <a:t>)</a:t>
-            </a:r>
-            <a:endParaRPr lang="en-US" sz="2400" dirty="0">
-              <a:latin typeface="Tahoma" panose="020B0604030504040204" pitchFamily="34" charset="0"/>
-              <a:ea typeface="Tahoma" panose="020B0604030504040204" pitchFamily="34" charset="0"/>
-              <a:cs typeface="Tahoma" panose="020B0604030504040204" pitchFamily="34" charset="0"/>
-            </a:endParaRPr>
-          </a:p>
-        </p:txBody>
-      </p:sp>
-      <p:pic>
-        <p:nvPicPr>
-          <p:cNvPr id="10" name="Picture 9">
-            <a:extLst>
-              <a:ext uri="{FF2B5EF4-FFF2-40B4-BE49-F238E27FC236}">
-                <a16:creationId xmlns:a16="http://schemas.microsoft.com/office/drawing/2014/main" id="{FFEF8310-20BB-4D7F-847A-88DA4CE6F2D9}"/>
-              </a:ext>
-            </a:extLst>
-          </p:cNvPr>
-          <p:cNvPicPr>
-            <a:picLocks noChangeAspect="1"/>
-          </p:cNvPicPr>
-          <p:nvPr/>
-        </p:nvPicPr>
-        <p:blipFill>
-          <a:blip r:embed="rId2">
-            <a:extLst>
-              <a:ext uri="{28A0092B-C50C-407E-A947-70E740481C1C}">
-                <a14:useLocalDpi xmlns:a14="http://schemas.microsoft.com/office/drawing/2010/main" val="0"/>
-              </a:ext>
-            </a:extLst>
-          </a:blip>
-          <a:stretch>
-            <a:fillRect/>
-          </a:stretch>
-        </p:blipFill>
-        <p:spPr>
+        </p:nvGrpSpPr>
+        <p:grpSpPr>
           <a:xfrm>
             <a:off x="122960" y="351573"/>
-            <a:ext cx="1126030" cy="1126030"/>
+            <a:ext cx="5532466" cy="1126030"/>
+            <a:chOff x="122960" y="351573"/>
+            <a:chExt cx="5532466" cy="1126030"/>
           </a:xfrm>
-          <a:prstGeom prst="rect">
-            <a:avLst/>
-          </a:prstGeom>
-        </p:spPr>
-      </p:pic>
-      <p:sp>
-        <p:nvSpPr>
-          <p:cNvPr id="8" name="TextBox 7">
-            <a:extLst>
-              <a:ext uri="{FF2B5EF4-FFF2-40B4-BE49-F238E27FC236}">
-                <a16:creationId xmlns:a16="http://schemas.microsoft.com/office/drawing/2014/main" id="{7B86114E-E2C9-4678-977F-0E121BD24CCF}"/>
-              </a:ext>
-            </a:extLst>
-          </p:cNvPr>
-          <p:cNvSpPr txBox="1"/>
-          <p:nvPr/>
-        </p:nvSpPr>
-        <p:spPr>
-          <a:xfrm>
-            <a:off x="1451438" y="529867"/>
-            <a:ext cx="4203988" cy="584775"/>
-          </a:xfrm>
-          <a:prstGeom prst="rect">
-            <a:avLst/>
-          </a:prstGeom>
-          <a:noFill/>
-        </p:spPr>
-        <p:txBody>
-          <a:bodyPr wrap="square">
-            <a:spAutoFit/>
-          </a:bodyPr>
-          <a:lstStyle/>
-          <a:p>
-            <a:r>
-              <a:rPr lang="en-US" sz="3200" b="1" dirty="0" err="1">
+        </p:grpSpPr>
+        <p:pic>
+          <p:nvPicPr>
+            <p:cNvPr id="13" name="Picture 12">
+              <a:extLst>
+                <a:ext uri="{FF2B5EF4-FFF2-40B4-BE49-F238E27FC236}">
+                  <a16:creationId xmlns:a16="http://schemas.microsoft.com/office/drawing/2014/main" id="{1C4DC997-A072-46E7-BD4D-FDBD62E98F32}"/>
+                </a:ext>
+              </a:extLst>
+            </p:cNvPr>
+            <p:cNvPicPr>
+              <a:picLocks noChangeAspect="1"/>
+            </p:cNvPicPr>
+            <p:nvPr/>
+          </p:nvPicPr>
+          <p:blipFill>
+            <a:blip r:embed="rId2">
+              <a:extLst>
+                <a:ext uri="{28A0092B-C50C-407E-A947-70E740481C1C}">
+                  <a14:useLocalDpi xmlns:a14="http://schemas.microsoft.com/office/drawing/2010/main" val="0"/>
+                </a:ext>
+              </a:extLst>
+            </a:blip>
+            <a:stretch>
+              <a:fillRect/>
+            </a:stretch>
+          </p:blipFill>
+          <p:spPr>
+            <a:xfrm>
+              <a:off x="122960" y="351573"/>
+              <a:ext cx="1126030" cy="1126030"/>
+            </a:xfrm>
+            <a:prstGeom prst="rect">
+              <a:avLst/>
+            </a:prstGeom>
+          </p:spPr>
+        </p:pic>
+        <p:sp>
+          <p:nvSpPr>
+            <p:cNvPr id="14" name="TextBox 13">
+              <a:extLst>
+                <a:ext uri="{FF2B5EF4-FFF2-40B4-BE49-F238E27FC236}">
+                  <a16:creationId xmlns:a16="http://schemas.microsoft.com/office/drawing/2014/main" id="{14B5EF48-65B5-4A49-A829-6D110068D1DF}"/>
+                </a:ext>
+              </a:extLst>
+            </p:cNvPr>
+            <p:cNvSpPr txBox="1"/>
+            <p:nvPr/>
+          </p:nvSpPr>
+          <p:spPr>
+            <a:xfrm>
+              <a:off x="1451438" y="529867"/>
+              <a:ext cx="4203988" cy="769441"/>
+            </a:xfrm>
+            <a:prstGeom prst="rect">
+              <a:avLst/>
+            </a:prstGeom>
+            <a:noFill/>
+          </p:spPr>
+          <p:txBody>
+            <a:bodyPr wrap="square">
+              <a:spAutoFit/>
+            </a:bodyPr>
+            <a:lstStyle/>
+            <a:p>
+              <a:r>
+                <a:rPr lang="en-US" sz="4400" b="1">
+                  <a:solidFill>
+                    <a:schemeClr val="accent2">
+                      <a:lumMod val="75000"/>
+                    </a:schemeClr>
+                  </a:solidFill>
+                  <a:latin typeface="Times New Roman" panose="02020603050405020304" pitchFamily="18" charset="0"/>
+                  <a:cs typeface="Times New Roman" panose="02020603050405020304" pitchFamily="18" charset="0"/>
+                </a:rPr>
+                <a:t>2. TIỀN XỬ LÝ</a:t>
+              </a:r>
+              <a:endParaRPr lang="en-US" sz="4400">
                 <a:solidFill>
-                  <a:srgbClr val="263F88"/>
+                  <a:schemeClr val="accent2">
+                    <a:lumMod val="75000"/>
+                  </a:schemeClr>
                 </a:solidFill>
-                <a:latin typeface="Times New Roman" panose="02020603050405020304" pitchFamily="18" charset="0"/>
-                <a:cs typeface="Times New Roman" panose="02020603050405020304" pitchFamily="18" charset="0"/>
-              </a:rPr>
-              <a:t>Thông</a:t>
-            </a:r>
-            <a:r>
-              <a:rPr lang="en-US" sz="3200" b="1" dirty="0">
-                <a:solidFill>
-                  <a:srgbClr val="263F88"/>
-                </a:solidFill>
-                <a:latin typeface="Times New Roman" panose="02020603050405020304" pitchFamily="18" charset="0"/>
-                <a:cs typeface="Times New Roman" panose="02020603050405020304" pitchFamily="18" charset="0"/>
-              </a:rPr>
-              <a:t> tin </a:t>
-            </a:r>
-            <a:r>
-              <a:rPr lang="en-US" sz="3200" b="1" dirty="0" err="1">
-                <a:solidFill>
-                  <a:srgbClr val="263F88"/>
-                </a:solidFill>
-                <a:latin typeface="Times New Roman" panose="02020603050405020304" pitchFamily="18" charset="0"/>
-                <a:cs typeface="Times New Roman" panose="02020603050405020304" pitchFamily="18" charset="0"/>
-              </a:rPr>
-              <a:t>thuộc</a:t>
-            </a:r>
-            <a:r>
-              <a:rPr lang="en-US" sz="3200" b="1" dirty="0">
-                <a:solidFill>
-                  <a:srgbClr val="263F88"/>
-                </a:solidFill>
-                <a:latin typeface="Times New Roman" panose="02020603050405020304" pitchFamily="18" charset="0"/>
-                <a:cs typeface="Times New Roman" panose="02020603050405020304" pitchFamily="18" charset="0"/>
-              </a:rPr>
-              <a:t> </a:t>
-            </a:r>
-            <a:r>
-              <a:rPr lang="en-US" sz="3200" b="1" dirty="0" err="1">
-                <a:solidFill>
-                  <a:srgbClr val="263F88"/>
-                </a:solidFill>
-                <a:latin typeface="Times New Roman" panose="02020603050405020304" pitchFamily="18" charset="0"/>
-                <a:cs typeface="Times New Roman" panose="02020603050405020304" pitchFamily="18" charset="0"/>
-              </a:rPr>
-              <a:t>tính</a:t>
-            </a:r>
-            <a:endParaRPr lang="en-US" sz="3200" dirty="0">
-              <a:solidFill>
-                <a:srgbClr val="263F88"/>
-              </a:solidFill>
-            </a:endParaRPr>
-          </a:p>
-        </p:txBody>
-      </p:sp>
-      <p:sp>
-        <p:nvSpPr>
-          <p:cNvPr id="3" name="TextBox 2">
-            <a:extLst>
-              <a:ext uri="{FF2B5EF4-FFF2-40B4-BE49-F238E27FC236}">
-                <a16:creationId xmlns:a16="http://schemas.microsoft.com/office/drawing/2014/main" id="{A6A2D79A-B5A1-4D38-BD49-59EF44FDDD3D}"/>
-              </a:ext>
-            </a:extLst>
-          </p:cNvPr>
-          <p:cNvSpPr txBox="1"/>
-          <p:nvPr/>
-        </p:nvSpPr>
-        <p:spPr>
-          <a:xfrm>
-            <a:off x="5215944" y="1319972"/>
-            <a:ext cx="5355953" cy="369332"/>
-          </a:xfrm>
-          <a:prstGeom prst="rect">
-            <a:avLst/>
-          </a:prstGeom>
-          <a:noFill/>
-        </p:spPr>
-        <p:txBody>
-          <a:bodyPr wrap="none" rtlCol="0">
-            <a:spAutoFit/>
-          </a:bodyPr>
-          <a:lstStyle/>
-          <a:p>
-            <a:r>
-              <a:rPr lang="en-US" b="1" dirty="0" err="1">
-                <a:solidFill>
-                  <a:srgbClr val="FF0000"/>
-                </a:solidFill>
-                <a:latin typeface="Times New Roman" panose="02020603050405020304" pitchFamily="18" charset="0"/>
-                <a:cs typeface="Times New Roman" panose="02020603050405020304" pitchFamily="18" charset="0"/>
-              </a:rPr>
-              <a:t>Chuyển</a:t>
-            </a:r>
-            <a:r>
-              <a:rPr lang="en-US" b="1" dirty="0">
-                <a:solidFill>
-                  <a:srgbClr val="FF0000"/>
-                </a:solidFill>
-                <a:latin typeface="Times New Roman" panose="02020603050405020304" pitchFamily="18" charset="0"/>
-                <a:cs typeface="Times New Roman" panose="02020603050405020304" pitchFamily="18" charset="0"/>
-              </a:rPr>
-              <a:t> </a:t>
-            </a:r>
-            <a:r>
-              <a:rPr lang="en-US" b="1" dirty="0" err="1">
-                <a:solidFill>
-                  <a:srgbClr val="FF0000"/>
-                </a:solidFill>
-                <a:latin typeface="Times New Roman" panose="02020603050405020304" pitchFamily="18" charset="0"/>
-                <a:cs typeface="Times New Roman" panose="02020603050405020304" pitchFamily="18" charset="0"/>
-              </a:rPr>
-              <a:t>cái</a:t>
-            </a:r>
-            <a:r>
-              <a:rPr lang="en-US" b="1" dirty="0">
-                <a:solidFill>
-                  <a:srgbClr val="FF0000"/>
-                </a:solidFill>
-                <a:latin typeface="Times New Roman" panose="02020603050405020304" pitchFamily="18" charset="0"/>
-                <a:cs typeface="Times New Roman" panose="02020603050405020304" pitchFamily="18" charset="0"/>
-              </a:rPr>
-              <a:t> </a:t>
-            </a:r>
-            <a:r>
-              <a:rPr lang="en-US" b="1" dirty="0" err="1">
-                <a:solidFill>
-                  <a:srgbClr val="FF0000"/>
-                </a:solidFill>
-                <a:latin typeface="Times New Roman" panose="02020603050405020304" pitchFamily="18" charset="0"/>
-                <a:cs typeface="Times New Roman" panose="02020603050405020304" pitchFamily="18" charset="0"/>
-              </a:rPr>
-              <a:t>đống</a:t>
-            </a:r>
-            <a:r>
-              <a:rPr lang="en-US" b="1" dirty="0">
-                <a:solidFill>
-                  <a:srgbClr val="FF0000"/>
-                </a:solidFill>
-                <a:latin typeface="Times New Roman" panose="02020603050405020304" pitchFamily="18" charset="0"/>
-                <a:cs typeface="Times New Roman" panose="02020603050405020304" pitchFamily="18" charset="0"/>
-              </a:rPr>
-              <a:t> </a:t>
-            </a:r>
-            <a:r>
-              <a:rPr lang="en-US" b="1" dirty="0" err="1">
-                <a:solidFill>
-                  <a:srgbClr val="FF0000"/>
-                </a:solidFill>
-                <a:latin typeface="Times New Roman" panose="02020603050405020304" pitchFamily="18" charset="0"/>
-                <a:cs typeface="Times New Roman" panose="02020603050405020304" pitchFamily="18" charset="0"/>
-              </a:rPr>
-              <a:t>này</a:t>
-            </a:r>
-            <a:r>
-              <a:rPr lang="en-US" b="1" dirty="0">
-                <a:solidFill>
-                  <a:srgbClr val="FF0000"/>
-                </a:solidFill>
-                <a:latin typeface="Times New Roman" panose="02020603050405020304" pitchFamily="18" charset="0"/>
-                <a:cs typeface="Times New Roman" panose="02020603050405020304" pitchFamily="18" charset="0"/>
-              </a:rPr>
-              <a:t> </a:t>
-            </a:r>
-            <a:r>
-              <a:rPr lang="en-US" b="1" dirty="0" err="1">
-                <a:solidFill>
-                  <a:srgbClr val="FF0000"/>
-                </a:solidFill>
-                <a:latin typeface="Times New Roman" panose="02020603050405020304" pitchFamily="18" charset="0"/>
-                <a:cs typeface="Times New Roman" panose="02020603050405020304" pitchFamily="18" charset="0"/>
-              </a:rPr>
-              <a:t>thành</a:t>
-            </a:r>
-            <a:r>
-              <a:rPr lang="en-US" b="1" dirty="0">
-                <a:solidFill>
-                  <a:srgbClr val="FF0000"/>
-                </a:solidFill>
-                <a:latin typeface="Times New Roman" panose="02020603050405020304" pitchFamily="18" charset="0"/>
-                <a:cs typeface="Times New Roman" panose="02020603050405020304" pitchFamily="18" charset="0"/>
-              </a:rPr>
-              <a:t> </a:t>
-            </a:r>
-            <a:r>
-              <a:rPr lang="en-US" b="1" dirty="0" err="1">
-                <a:solidFill>
-                  <a:srgbClr val="FF0000"/>
-                </a:solidFill>
-                <a:latin typeface="Times New Roman" panose="02020603050405020304" pitchFamily="18" charset="0"/>
-                <a:cs typeface="Times New Roman" panose="02020603050405020304" pitchFamily="18" charset="0"/>
-              </a:rPr>
-              <a:t>bảng</a:t>
-            </a:r>
-            <a:r>
-              <a:rPr lang="en-US" b="1" dirty="0">
-                <a:solidFill>
-                  <a:srgbClr val="FF0000"/>
-                </a:solidFill>
-                <a:latin typeface="Times New Roman" panose="02020603050405020304" pitchFamily="18" charset="0"/>
-                <a:cs typeface="Times New Roman" panose="02020603050405020304" pitchFamily="18" charset="0"/>
-              </a:rPr>
-              <a:t> </a:t>
-            </a:r>
-            <a:r>
-              <a:rPr lang="en-US" b="1" dirty="0" err="1">
-                <a:solidFill>
-                  <a:srgbClr val="FF0000"/>
-                </a:solidFill>
-                <a:latin typeface="Times New Roman" panose="02020603050405020304" pitchFamily="18" charset="0"/>
-                <a:cs typeface="Times New Roman" panose="02020603050405020304" pitchFamily="18" charset="0"/>
-              </a:rPr>
-              <a:t>như</a:t>
-            </a:r>
-            <a:r>
-              <a:rPr lang="en-US" b="1" dirty="0">
-                <a:solidFill>
-                  <a:srgbClr val="FF0000"/>
-                </a:solidFill>
-                <a:latin typeface="Times New Roman" panose="02020603050405020304" pitchFamily="18" charset="0"/>
-                <a:cs typeface="Times New Roman" panose="02020603050405020304" pitchFamily="18" charset="0"/>
-              </a:rPr>
-              <a:t> slide </a:t>
-            </a:r>
-            <a:r>
-              <a:rPr lang="en-US" b="1" dirty="0" err="1">
-                <a:solidFill>
-                  <a:srgbClr val="FF0000"/>
-                </a:solidFill>
-                <a:latin typeface="Times New Roman" panose="02020603050405020304" pitchFamily="18" charset="0"/>
-                <a:cs typeface="Times New Roman" panose="02020603050405020304" pitchFamily="18" charset="0"/>
-              </a:rPr>
-              <a:t>phía</a:t>
-            </a:r>
-            <a:r>
-              <a:rPr lang="en-US" b="1" dirty="0">
-                <a:solidFill>
-                  <a:srgbClr val="FF0000"/>
-                </a:solidFill>
-                <a:latin typeface="Times New Roman" panose="02020603050405020304" pitchFamily="18" charset="0"/>
-                <a:cs typeface="Times New Roman" panose="02020603050405020304" pitchFamily="18" charset="0"/>
-              </a:rPr>
-              <a:t> </a:t>
-            </a:r>
-            <a:r>
-              <a:rPr lang="en-US" b="1" dirty="0" err="1">
-                <a:solidFill>
-                  <a:srgbClr val="FF0000"/>
-                </a:solidFill>
-                <a:latin typeface="Times New Roman" panose="02020603050405020304" pitchFamily="18" charset="0"/>
-                <a:cs typeface="Times New Roman" panose="02020603050405020304" pitchFamily="18" charset="0"/>
-              </a:rPr>
-              <a:t>trên</a:t>
-            </a:r>
-            <a:endParaRPr lang="vi-VN" b="1" dirty="0">
-              <a:solidFill>
-                <a:srgbClr val="FF0000"/>
-              </a:solidFill>
-              <a:latin typeface="Times New Roman" panose="02020603050405020304" pitchFamily="18" charset="0"/>
-              <a:cs typeface="Times New Roman" panose="02020603050405020304" pitchFamily="18" charset="0"/>
-            </a:endParaRPr>
-          </a:p>
-        </p:txBody>
-      </p:sp>
+              </a:endParaRPr>
+            </a:p>
+          </p:txBody>
+        </p:sp>
+      </p:grpSp>
     </p:spTree>
     <p:extLst>
       <p:ext uri="{BB962C8B-B14F-4D97-AF65-F5344CB8AC3E}">
-        <p14:creationId xmlns:p14="http://schemas.microsoft.com/office/powerpoint/2010/main" val="831023058"/>
+        <p14:creationId xmlns:p14="http://schemas.microsoft.com/office/powerpoint/2010/main" val="319373184"/>
       </p:ext>
     </p:extLst>
   </p:cSld>
@@ -8870,1440 +6365,6 @@
       </p:grpSpPr>
       <p:sp>
         <p:nvSpPr>
-          <p:cNvPr id="2" name="Slide Number Placeholder 1">
-            <a:extLst>
-              <a:ext uri="{FF2B5EF4-FFF2-40B4-BE49-F238E27FC236}">
-                <a16:creationId xmlns:a16="http://schemas.microsoft.com/office/drawing/2014/main" id="{54091DA7-E4F2-4295-B4EE-DC4D29563216}"/>
-              </a:ext>
-            </a:extLst>
-          </p:cNvPr>
-          <p:cNvSpPr>
-            <a:spLocks noGrp="1"/>
-          </p:cNvSpPr>
-          <p:nvPr>
-            <p:ph type="sldNum" sz="quarter" idx="12"/>
-          </p:nvPr>
-        </p:nvSpPr>
-        <p:spPr/>
-        <p:txBody>
-          <a:bodyPr/>
-          <a:lstStyle/>
-          <a:p>
-            <a:fld id="{3A98EE3D-8CD1-4C3F-BD1C-C98C9596463C}" type="slidenum">
-              <a:rPr lang="en-US" smtClean="0"/>
-              <a:t>5</a:t>
-            </a:fld>
-            <a:endParaRPr lang="en-US" dirty="0"/>
-          </a:p>
-        </p:txBody>
-      </p:sp>
-      <p:pic>
-        <p:nvPicPr>
-          <p:cNvPr id="10" name="Picture 9">
-            <a:extLst>
-              <a:ext uri="{FF2B5EF4-FFF2-40B4-BE49-F238E27FC236}">
-                <a16:creationId xmlns:a16="http://schemas.microsoft.com/office/drawing/2014/main" id="{FFEF8310-20BB-4D7F-847A-88DA4CE6F2D9}"/>
-              </a:ext>
-            </a:extLst>
-          </p:cNvPr>
-          <p:cNvPicPr>
-            <a:picLocks noChangeAspect="1"/>
-          </p:cNvPicPr>
-          <p:nvPr/>
-        </p:nvPicPr>
-        <p:blipFill>
-          <a:blip r:embed="rId2">
-            <a:extLst>
-              <a:ext uri="{28A0092B-C50C-407E-A947-70E740481C1C}">
-                <a14:useLocalDpi xmlns:a14="http://schemas.microsoft.com/office/drawing/2010/main" val="0"/>
-              </a:ext>
-            </a:extLst>
-          </a:blip>
-          <a:stretch>
-            <a:fillRect/>
-          </a:stretch>
-        </p:blipFill>
-        <p:spPr>
-          <a:xfrm>
-            <a:off x="122960" y="351573"/>
-            <a:ext cx="1126030" cy="1126030"/>
-          </a:xfrm>
-          <a:prstGeom prst="rect">
-            <a:avLst/>
-          </a:prstGeom>
-        </p:spPr>
-      </p:pic>
-      <p:graphicFrame>
-        <p:nvGraphicFramePr>
-          <p:cNvPr id="8" name="Table 11">
-            <a:extLst>
-              <a:ext uri="{FF2B5EF4-FFF2-40B4-BE49-F238E27FC236}">
-                <a16:creationId xmlns:a16="http://schemas.microsoft.com/office/drawing/2014/main" id="{E3A9B11C-F1D7-4096-ACB7-F9992267231B}"/>
-              </a:ext>
-            </a:extLst>
-          </p:cNvPr>
-          <p:cNvGraphicFramePr>
-            <a:graphicFrameLocks noGrp="1"/>
-          </p:cNvGraphicFramePr>
-          <p:nvPr>
-            <p:extLst>
-              <p:ext uri="{D42A27DB-BD31-4B8C-83A1-F6EECF244321}">
-                <p14:modId xmlns:p14="http://schemas.microsoft.com/office/powerpoint/2010/main" val="3898657936"/>
-              </p:ext>
-            </p:extLst>
-          </p:nvPr>
-        </p:nvGraphicFramePr>
-        <p:xfrm>
-          <a:off x="279646" y="1589854"/>
-          <a:ext cx="11632707" cy="4282911"/>
-        </p:xfrm>
-        <a:graphic>
-          <a:graphicData uri="http://schemas.openxmlformats.org/drawingml/2006/table">
-            <a:tbl>
-              <a:tblPr firstRow="1" bandRow="1">
-                <a:tableStyleId>{5C22544A-7EE6-4342-B048-85BDC9FD1C3A}</a:tableStyleId>
-              </a:tblPr>
-              <a:tblGrid>
-                <a:gridCol w="2919472">
-                  <a:extLst>
-                    <a:ext uri="{9D8B030D-6E8A-4147-A177-3AD203B41FA5}">
-                      <a16:colId xmlns:a16="http://schemas.microsoft.com/office/drawing/2014/main" val="2561676260"/>
-                    </a:ext>
-                  </a:extLst>
-                </a:gridCol>
-                <a:gridCol w="2980845">
-                  <a:extLst>
-                    <a:ext uri="{9D8B030D-6E8A-4147-A177-3AD203B41FA5}">
-                      <a16:colId xmlns:a16="http://schemas.microsoft.com/office/drawing/2014/main" val="992409657"/>
-                    </a:ext>
-                  </a:extLst>
-                </a:gridCol>
-                <a:gridCol w="2866195">
-                  <a:extLst>
-                    <a:ext uri="{9D8B030D-6E8A-4147-A177-3AD203B41FA5}">
-                      <a16:colId xmlns:a16="http://schemas.microsoft.com/office/drawing/2014/main" val="2993953982"/>
-                    </a:ext>
-                  </a:extLst>
-                </a:gridCol>
-                <a:gridCol w="2866195">
-                  <a:extLst>
-                    <a:ext uri="{9D8B030D-6E8A-4147-A177-3AD203B41FA5}">
-                      <a16:colId xmlns:a16="http://schemas.microsoft.com/office/drawing/2014/main" val="1962339110"/>
-                    </a:ext>
-                  </a:extLst>
-                </a:gridCol>
-              </a:tblGrid>
-              <a:tr h="492116">
-                <a:tc>
-                  <a:txBody>
-                    <a:bodyPr/>
-                    <a:lstStyle/>
-                    <a:p>
-                      <a:r>
-                        <a:rPr lang="en-US" sz="2400" dirty="0" err="1">
-                          <a:latin typeface="Times New Roman" panose="02020603050405020304" pitchFamily="18" charset="0"/>
-                          <a:cs typeface="Times New Roman" panose="02020603050405020304" pitchFamily="18" charset="0"/>
-                        </a:rPr>
-                        <a:t>Tháng</a:t>
-                      </a:r>
-                      <a:endParaRPr lang="vi-VN" sz="2400" dirty="0">
-                        <a:latin typeface="Times New Roman" panose="02020603050405020304" pitchFamily="18" charset="0"/>
-                        <a:cs typeface="Times New Roman" panose="02020603050405020304" pitchFamily="18" charset="0"/>
-                      </a:endParaRPr>
-                    </a:p>
-                  </a:txBody>
-                  <a:tcPr>
-                    <a:solidFill>
-                      <a:srgbClr val="9BA8B7"/>
-                    </a:solidFill>
-                  </a:tcPr>
-                </a:tc>
-                <a:tc>
-                  <a:txBody>
-                    <a:bodyPr/>
-                    <a:lstStyle/>
-                    <a:p>
-                      <a:r>
-                        <a:rPr lang="en-US" sz="2400" dirty="0" err="1">
-                          <a:latin typeface="Times New Roman" panose="02020603050405020304" pitchFamily="18" charset="0"/>
-                          <a:cs typeface="Times New Roman" panose="02020603050405020304" pitchFamily="18" charset="0"/>
-                        </a:rPr>
-                        <a:t>Thời</a:t>
-                      </a:r>
-                      <a:r>
-                        <a:rPr lang="en-US" sz="2400" dirty="0">
-                          <a:latin typeface="Times New Roman" panose="02020603050405020304" pitchFamily="18" charset="0"/>
-                          <a:cs typeface="Times New Roman" panose="02020603050405020304" pitchFamily="18" charset="0"/>
-                        </a:rPr>
-                        <a:t> </a:t>
-                      </a:r>
-                      <a:r>
-                        <a:rPr lang="en-US" sz="2400" dirty="0" err="1">
-                          <a:latin typeface="Times New Roman" panose="02020603050405020304" pitchFamily="18" charset="0"/>
-                          <a:cs typeface="Times New Roman" panose="02020603050405020304" pitchFamily="18" charset="0"/>
-                        </a:rPr>
-                        <a:t>tiết</a:t>
-                      </a:r>
-                      <a:endParaRPr lang="vi-VN" sz="2400" dirty="0">
-                        <a:latin typeface="Times New Roman" panose="02020603050405020304" pitchFamily="18" charset="0"/>
-                        <a:cs typeface="Times New Roman" panose="02020603050405020304" pitchFamily="18" charset="0"/>
-                      </a:endParaRPr>
-                    </a:p>
-                  </a:txBody>
-                  <a:tcPr/>
-                </a:tc>
-                <a:tc>
-                  <a:txBody>
-                    <a:bodyPr/>
-                    <a:lstStyle/>
-                    <a:p>
-                      <a:r>
-                        <a:rPr lang="en-US" sz="2400" dirty="0" err="1">
-                          <a:latin typeface="Times New Roman" panose="02020603050405020304" pitchFamily="18" charset="0"/>
-                          <a:cs typeface="Times New Roman" panose="02020603050405020304" pitchFamily="18" charset="0"/>
-                        </a:rPr>
-                        <a:t>Nhiệt</a:t>
-                      </a:r>
-                      <a:r>
-                        <a:rPr lang="en-US" sz="2400" dirty="0">
-                          <a:latin typeface="Times New Roman" panose="02020603050405020304" pitchFamily="18" charset="0"/>
-                          <a:cs typeface="Times New Roman" panose="02020603050405020304" pitchFamily="18" charset="0"/>
-                        </a:rPr>
-                        <a:t> </a:t>
-                      </a:r>
-                      <a:r>
-                        <a:rPr lang="en-US" sz="2400" dirty="0" err="1">
-                          <a:latin typeface="Times New Roman" panose="02020603050405020304" pitchFamily="18" charset="0"/>
-                          <a:cs typeface="Times New Roman" panose="02020603050405020304" pitchFamily="18" charset="0"/>
-                        </a:rPr>
-                        <a:t>độ</a:t>
-                      </a:r>
-                      <a:endParaRPr lang="vi-VN" sz="2400" dirty="0">
-                        <a:latin typeface="Times New Roman" panose="02020603050405020304" pitchFamily="18" charset="0"/>
-                        <a:cs typeface="Times New Roman" panose="02020603050405020304" pitchFamily="18" charset="0"/>
-                      </a:endParaRPr>
-                    </a:p>
-                  </a:txBody>
-                  <a:tcPr/>
-                </a:tc>
-                <a:tc>
-                  <a:txBody>
-                    <a:bodyPr/>
-                    <a:lstStyle/>
-                    <a:p>
-                      <a:r>
-                        <a:rPr lang="en-US" sz="2400" dirty="0" err="1">
-                          <a:latin typeface="Times New Roman" panose="02020603050405020304" pitchFamily="18" charset="0"/>
-                          <a:cs typeface="Times New Roman" panose="02020603050405020304" pitchFamily="18" charset="0"/>
-                        </a:rPr>
-                        <a:t>Số</a:t>
-                      </a:r>
-                      <a:r>
-                        <a:rPr lang="en-US" sz="2400" dirty="0">
-                          <a:latin typeface="Times New Roman" panose="02020603050405020304" pitchFamily="18" charset="0"/>
-                          <a:cs typeface="Times New Roman" panose="02020603050405020304" pitchFamily="18" charset="0"/>
-                        </a:rPr>
-                        <a:t> </a:t>
-                      </a:r>
-                      <a:r>
-                        <a:rPr lang="en-US" sz="2400" dirty="0" err="1">
-                          <a:latin typeface="Times New Roman" panose="02020603050405020304" pitchFamily="18" charset="0"/>
-                          <a:cs typeface="Times New Roman" panose="02020603050405020304" pitchFamily="18" charset="0"/>
-                        </a:rPr>
-                        <a:t>lượng</a:t>
-                      </a:r>
-                      <a:endParaRPr lang="vi-VN" sz="2400" dirty="0">
-                        <a:latin typeface="Times New Roman" panose="02020603050405020304" pitchFamily="18" charset="0"/>
-                        <a:cs typeface="Times New Roman" panose="02020603050405020304" pitchFamily="18" charset="0"/>
-                      </a:endParaRPr>
-                    </a:p>
-                  </a:txBody>
-                  <a:tcPr/>
-                </a:tc>
-                <a:extLst>
-                  <a:ext uri="{0D108BD9-81ED-4DB2-BD59-A6C34878D82A}">
-                    <a16:rowId xmlns:a16="http://schemas.microsoft.com/office/drawing/2014/main" val="1515304322"/>
-                  </a:ext>
-                </a:extLst>
-              </a:tr>
-              <a:tr h="360885">
-                <a:tc>
-                  <a:txBody>
-                    <a:bodyPr/>
-                    <a:lstStyle/>
-                    <a:p>
-                      <a:r>
-                        <a:rPr lang="en-US" sz="1600" dirty="0">
-                          <a:latin typeface="Times New Roman" panose="02020603050405020304" pitchFamily="18" charset="0"/>
-                          <a:cs typeface="Times New Roman" panose="02020603050405020304" pitchFamily="18" charset="0"/>
-                        </a:rPr>
-                        <a:t>1</a:t>
-                      </a:r>
-                      <a:endParaRPr lang="vi-VN" sz="1600" dirty="0">
-                        <a:latin typeface="Times New Roman" panose="02020603050405020304" pitchFamily="18" charset="0"/>
-                        <a:cs typeface="Times New Roman" panose="02020603050405020304" pitchFamily="18" charset="0"/>
-                      </a:endParaRPr>
-                    </a:p>
-                  </a:txBody>
-                  <a:tcPr>
-                    <a:solidFill>
-                      <a:srgbClr val="DEE1E6"/>
-                    </a:solidFill>
-                  </a:tcPr>
-                </a:tc>
-                <a:tc>
-                  <a:txBody>
-                    <a:bodyPr/>
-                    <a:lstStyle/>
-                    <a:p>
-                      <a:r>
-                        <a:rPr lang="en-US" sz="1600" dirty="0">
-                          <a:latin typeface="Times New Roman" panose="02020603050405020304" pitchFamily="18" charset="0"/>
-                          <a:cs typeface="Times New Roman" panose="02020603050405020304" pitchFamily="18" charset="0"/>
-                        </a:rPr>
-                        <a:t>1</a:t>
-                      </a:r>
-                      <a:endParaRPr lang="vi-VN" sz="1600" dirty="0">
-                        <a:latin typeface="Times New Roman" panose="02020603050405020304" pitchFamily="18" charset="0"/>
-                        <a:cs typeface="Times New Roman" panose="02020603050405020304" pitchFamily="18" charset="0"/>
-                      </a:endParaRPr>
-                    </a:p>
-                  </a:txBody>
-                  <a:tcPr/>
-                </a:tc>
-                <a:tc>
-                  <a:txBody>
-                    <a:bodyPr/>
-                    <a:lstStyle/>
-                    <a:p>
-                      <a:r>
-                        <a:rPr lang="vi-VN" sz="1600" dirty="0">
-                          <a:latin typeface="Times New Roman" panose="02020603050405020304" pitchFamily="18" charset="0"/>
-                          <a:cs typeface="Times New Roman" panose="02020603050405020304" pitchFamily="18" charset="0"/>
-                        </a:rPr>
-                        <a:t>0.189405</a:t>
-                      </a:r>
-                    </a:p>
-                  </a:txBody>
-                  <a:tcPr/>
-                </a:tc>
-                <a:tc>
-                  <a:txBody>
-                    <a:bodyPr/>
-                    <a:lstStyle/>
-                    <a:p>
-                      <a:r>
-                        <a:rPr lang="vi-VN" sz="1600" dirty="0">
-                          <a:latin typeface="Times New Roman" panose="02020603050405020304" pitchFamily="18" charset="0"/>
-                          <a:cs typeface="Times New Roman" panose="02020603050405020304" pitchFamily="18" charset="0"/>
-                        </a:rPr>
-                        <a:t>1349</a:t>
-                      </a:r>
-                    </a:p>
-                  </a:txBody>
-                  <a:tcPr/>
-                </a:tc>
-                <a:extLst>
-                  <a:ext uri="{0D108BD9-81ED-4DB2-BD59-A6C34878D82A}">
-                    <a16:rowId xmlns:a16="http://schemas.microsoft.com/office/drawing/2014/main" val="3039807204"/>
-                  </a:ext>
-                </a:extLst>
-              </a:tr>
-              <a:tr h="360885">
-                <a:tc>
-                  <a:txBody>
-                    <a:bodyPr/>
-                    <a:lstStyle/>
-                    <a:p>
-                      <a:r>
-                        <a:rPr lang="en-US" sz="1600" dirty="0">
-                          <a:latin typeface="Times New Roman" panose="02020603050405020304" pitchFamily="18" charset="0"/>
-                          <a:cs typeface="Times New Roman" panose="02020603050405020304" pitchFamily="18" charset="0"/>
-                        </a:rPr>
-                        <a:t>3</a:t>
-                      </a:r>
-                      <a:endParaRPr lang="vi-VN" sz="1600" dirty="0">
-                        <a:latin typeface="Times New Roman" panose="02020603050405020304" pitchFamily="18" charset="0"/>
-                        <a:cs typeface="Times New Roman" panose="02020603050405020304" pitchFamily="18" charset="0"/>
-                      </a:endParaRPr>
-                    </a:p>
-                  </a:txBody>
-                  <a:tcPr/>
-                </a:tc>
-                <a:tc>
-                  <a:txBody>
-                    <a:bodyPr/>
-                    <a:lstStyle/>
-                    <a:p>
-                      <a:r>
-                        <a:rPr lang="en-US" sz="1600" dirty="0">
-                          <a:latin typeface="Times New Roman" panose="02020603050405020304" pitchFamily="18" charset="0"/>
-                          <a:cs typeface="Times New Roman" panose="02020603050405020304" pitchFamily="18" charset="0"/>
-                        </a:rPr>
-                        <a:t>2</a:t>
-                      </a:r>
-                      <a:endParaRPr lang="vi-VN" sz="1600" dirty="0">
-                        <a:latin typeface="Times New Roman" panose="02020603050405020304" pitchFamily="18" charset="0"/>
-                        <a:cs typeface="Times New Roman" panose="02020603050405020304" pitchFamily="18" charset="0"/>
-                      </a:endParaRPr>
-                    </a:p>
-                  </a:txBody>
-                  <a:tcPr/>
-                </a:tc>
-                <a:tc>
-                  <a:txBody>
-                    <a:bodyPr/>
-                    <a:lstStyle/>
-                    <a:p>
-                      <a:r>
-                        <a:rPr lang="vi-VN" sz="1600" dirty="0">
-                          <a:latin typeface="Times New Roman" panose="02020603050405020304" pitchFamily="18" charset="0"/>
-                          <a:cs typeface="Times New Roman" panose="02020603050405020304" pitchFamily="18" charset="0"/>
-                        </a:rPr>
-                        <a:t>0.255679</a:t>
-                      </a:r>
-                    </a:p>
-                  </a:txBody>
-                  <a:tcPr/>
-                </a:tc>
-                <a:tc>
-                  <a:txBody>
-                    <a:bodyPr/>
-                    <a:lstStyle/>
-                    <a:p>
-                      <a:r>
-                        <a:rPr lang="vi-VN" sz="1600" dirty="0">
-                          <a:latin typeface="Times New Roman" panose="02020603050405020304" pitchFamily="18" charset="0"/>
-                          <a:cs typeface="Times New Roman" panose="02020603050405020304" pitchFamily="18" charset="0"/>
-                        </a:rPr>
-                        <a:t>1944</a:t>
-                      </a:r>
-                    </a:p>
-                  </a:txBody>
-                  <a:tcPr/>
-                </a:tc>
-                <a:extLst>
-                  <a:ext uri="{0D108BD9-81ED-4DB2-BD59-A6C34878D82A}">
-                    <a16:rowId xmlns:a16="http://schemas.microsoft.com/office/drawing/2014/main" val="2710543779"/>
-                  </a:ext>
-                </a:extLst>
-              </a:tr>
-              <a:tr h="374674">
-                <a:tc>
-                  <a:txBody>
-                    <a:bodyPr/>
-                    <a:lstStyle/>
-                    <a:p>
-                      <a:r>
-                        <a:rPr lang="en-US" sz="1600" dirty="0">
-                          <a:latin typeface="Times New Roman" panose="02020603050405020304" pitchFamily="18" charset="0"/>
-                          <a:cs typeface="Times New Roman" panose="02020603050405020304" pitchFamily="18" charset="0"/>
-                        </a:rPr>
-                        <a:t>4</a:t>
-                      </a:r>
-                      <a:endParaRPr lang="vi-VN" sz="1600" dirty="0">
-                        <a:latin typeface="Times New Roman" panose="02020603050405020304" pitchFamily="18" charset="0"/>
-                        <a:cs typeface="Times New Roman" panose="02020603050405020304" pitchFamily="18" charset="0"/>
-                      </a:endParaRPr>
-                    </a:p>
-                  </a:txBody>
-                  <a:tcPr/>
-                </a:tc>
-                <a:tc>
-                  <a:txBody>
-                    <a:bodyPr/>
-                    <a:lstStyle/>
-                    <a:p>
-                      <a:r>
-                        <a:rPr lang="en-US" sz="1600" dirty="0">
-                          <a:latin typeface="Times New Roman" panose="02020603050405020304" pitchFamily="18" charset="0"/>
-                          <a:cs typeface="Times New Roman" panose="02020603050405020304" pitchFamily="18" charset="0"/>
-                        </a:rPr>
-                        <a:t>3</a:t>
-                      </a:r>
-                      <a:endParaRPr lang="vi-VN" sz="1600" dirty="0">
-                        <a:latin typeface="Times New Roman" panose="02020603050405020304" pitchFamily="18" charset="0"/>
-                        <a:cs typeface="Times New Roman" panose="02020603050405020304" pitchFamily="18" charset="0"/>
-                      </a:endParaRPr>
-                    </a:p>
-                  </a:txBody>
-                  <a:tcPr/>
-                </a:tc>
-                <a:tc>
-                  <a:txBody>
-                    <a:bodyPr/>
-                    <a:lstStyle/>
-                    <a:p>
-                      <a:r>
-                        <a:rPr lang="vi-VN" sz="1600" dirty="0">
-                          <a:latin typeface="Times New Roman" panose="02020603050405020304" pitchFamily="18" charset="0"/>
-                          <a:cs typeface="Times New Roman" panose="02020603050405020304" pitchFamily="18" charset="0"/>
-                        </a:rPr>
-                        <a:t>0.425492</a:t>
-                      </a:r>
-                    </a:p>
-                  </a:txBody>
-                  <a:tcPr/>
-                </a:tc>
-                <a:tc>
-                  <a:txBody>
-                    <a:bodyPr/>
-                    <a:lstStyle/>
-                    <a:p>
-                      <a:r>
-                        <a:rPr lang="vi-VN" sz="1600" dirty="0">
-                          <a:latin typeface="Times New Roman" panose="02020603050405020304" pitchFamily="18" charset="0"/>
-                          <a:cs typeface="Times New Roman" panose="02020603050405020304" pitchFamily="18" charset="0"/>
-                        </a:rPr>
-                        <a:t>795</a:t>
-                      </a:r>
-                    </a:p>
-                  </a:txBody>
-                  <a:tcPr/>
-                </a:tc>
-                <a:extLst>
-                  <a:ext uri="{0D108BD9-81ED-4DB2-BD59-A6C34878D82A}">
-                    <a16:rowId xmlns:a16="http://schemas.microsoft.com/office/drawing/2014/main" val="4058488813"/>
-                  </a:ext>
-                </a:extLst>
-              </a:tr>
-              <a:tr h="360885">
-                <a:tc>
-                  <a:txBody>
-                    <a:bodyPr/>
-                    <a:lstStyle/>
-                    <a:p>
-                      <a:r>
-                        <a:rPr lang="en-US" sz="1600" dirty="0">
-                          <a:latin typeface="Times New Roman" panose="02020603050405020304" pitchFamily="18" charset="0"/>
-                          <a:cs typeface="Times New Roman" panose="02020603050405020304" pitchFamily="18" charset="0"/>
-                        </a:rPr>
-                        <a:t>5</a:t>
-                      </a:r>
-                      <a:endParaRPr lang="vi-VN" sz="1600" dirty="0">
-                        <a:latin typeface="Times New Roman" panose="02020603050405020304" pitchFamily="18" charset="0"/>
-                        <a:cs typeface="Times New Roman" panose="02020603050405020304" pitchFamily="18" charset="0"/>
-                      </a:endParaRPr>
-                    </a:p>
-                  </a:txBody>
-                  <a:tcPr/>
-                </a:tc>
-                <a:tc>
-                  <a:txBody>
-                    <a:bodyPr/>
-                    <a:lstStyle/>
-                    <a:p>
-                      <a:r>
-                        <a:rPr lang="en-US" sz="1600" dirty="0">
-                          <a:latin typeface="Times New Roman" panose="02020603050405020304" pitchFamily="18" charset="0"/>
-                          <a:cs typeface="Times New Roman" panose="02020603050405020304" pitchFamily="18" charset="0"/>
-                        </a:rPr>
-                        <a:t>2</a:t>
-                      </a:r>
-                      <a:endParaRPr lang="vi-VN" sz="1600" dirty="0">
-                        <a:latin typeface="Times New Roman" panose="02020603050405020304" pitchFamily="18" charset="0"/>
-                        <a:cs typeface="Times New Roman" panose="02020603050405020304" pitchFamily="18" charset="0"/>
-                      </a:endParaRPr>
-                    </a:p>
-                  </a:txBody>
-                  <a:tcPr/>
-                </a:tc>
-                <a:tc>
-                  <a:txBody>
-                    <a:bodyPr/>
-                    <a:lstStyle/>
-                    <a:p>
-                      <a:r>
-                        <a:rPr lang="vi-VN" sz="1600" dirty="0">
-                          <a:latin typeface="Times New Roman" panose="02020603050405020304" pitchFamily="18" charset="0"/>
-                          <a:cs typeface="Times New Roman" panose="02020603050405020304" pitchFamily="18" charset="0"/>
-                        </a:rPr>
-                        <a:t>0.40465</a:t>
-                      </a:r>
-                    </a:p>
-                  </a:txBody>
-                  <a:tcPr/>
-                </a:tc>
-                <a:tc>
-                  <a:txBody>
-                    <a:bodyPr/>
-                    <a:lstStyle/>
-                    <a:p>
-                      <a:r>
-                        <a:rPr lang="vi-VN" sz="1600" dirty="0">
-                          <a:latin typeface="Times New Roman" panose="02020603050405020304" pitchFamily="18" charset="0"/>
-                          <a:cs typeface="Times New Roman" panose="02020603050405020304" pitchFamily="18" charset="0"/>
-                        </a:rPr>
-                        <a:t>2633</a:t>
-                      </a:r>
-                    </a:p>
-                  </a:txBody>
-                  <a:tcPr/>
-                </a:tc>
-                <a:extLst>
-                  <a:ext uri="{0D108BD9-81ED-4DB2-BD59-A6C34878D82A}">
-                    <a16:rowId xmlns:a16="http://schemas.microsoft.com/office/drawing/2014/main" val="2164227016"/>
-                  </a:ext>
-                </a:extLst>
-              </a:tr>
-              <a:tr h="360885">
-                <a:tc>
-                  <a:txBody>
-                    <a:bodyPr/>
-                    <a:lstStyle/>
-                    <a:p>
-                      <a:r>
-                        <a:rPr lang="en-US" sz="1600" dirty="0">
-                          <a:latin typeface="Times New Roman" panose="02020603050405020304" pitchFamily="18" charset="0"/>
-                          <a:cs typeface="Times New Roman" panose="02020603050405020304" pitchFamily="18" charset="0"/>
-                        </a:rPr>
-                        <a:t>6</a:t>
-                      </a:r>
-                      <a:endParaRPr lang="vi-VN" sz="1600" dirty="0">
-                        <a:latin typeface="Times New Roman" panose="02020603050405020304" pitchFamily="18" charset="0"/>
-                        <a:cs typeface="Times New Roman" panose="02020603050405020304" pitchFamily="18" charset="0"/>
-                      </a:endParaRPr>
-                    </a:p>
-                  </a:txBody>
-                  <a:tcPr/>
-                </a:tc>
-                <a:tc>
-                  <a:txBody>
-                    <a:bodyPr/>
-                    <a:lstStyle/>
-                    <a:p>
-                      <a:r>
-                        <a:rPr lang="en-US" sz="1600" dirty="0">
-                          <a:latin typeface="Times New Roman" panose="02020603050405020304" pitchFamily="18" charset="0"/>
-                          <a:cs typeface="Times New Roman" panose="02020603050405020304" pitchFamily="18" charset="0"/>
-                        </a:rPr>
-                        <a:t>1</a:t>
-                      </a:r>
-                      <a:endParaRPr lang="vi-VN" sz="1600" dirty="0">
-                        <a:latin typeface="Times New Roman" panose="02020603050405020304" pitchFamily="18" charset="0"/>
-                        <a:cs typeface="Times New Roman" panose="02020603050405020304" pitchFamily="18" charset="0"/>
-                      </a:endParaRPr>
-                    </a:p>
-                  </a:txBody>
-                  <a:tcPr/>
-                </a:tc>
-                <a:tc>
-                  <a:txBody>
-                    <a:bodyPr/>
-                    <a:lstStyle/>
-                    <a:p>
-                      <a:r>
-                        <a:rPr lang="vi-VN" sz="1600" dirty="0">
-                          <a:latin typeface="Times New Roman" panose="02020603050405020304" pitchFamily="18" charset="0"/>
-                          <a:cs typeface="Times New Roman" panose="02020603050405020304" pitchFamily="18" charset="0"/>
-                        </a:rPr>
-                        <a:t>0.693829</a:t>
-                      </a:r>
-                    </a:p>
-                  </a:txBody>
-                  <a:tcPr/>
-                </a:tc>
-                <a:tc>
-                  <a:txBody>
-                    <a:bodyPr/>
-                    <a:lstStyle/>
-                    <a:p>
-                      <a:r>
-                        <a:rPr lang="vi-VN" sz="1600" dirty="0">
-                          <a:latin typeface="Times New Roman" panose="02020603050405020304" pitchFamily="18" charset="0"/>
-                          <a:cs typeface="Times New Roman" panose="02020603050405020304" pitchFamily="18" charset="0"/>
-                        </a:rPr>
-                        <a:t>4507</a:t>
-                      </a:r>
-                    </a:p>
-                  </a:txBody>
-                  <a:tcPr/>
-                </a:tc>
-                <a:extLst>
-                  <a:ext uri="{0D108BD9-81ED-4DB2-BD59-A6C34878D82A}">
-                    <a16:rowId xmlns:a16="http://schemas.microsoft.com/office/drawing/2014/main" val="2806413297"/>
-                  </a:ext>
-                </a:extLst>
-              </a:tr>
-              <a:tr h="360885">
-                <a:tc>
-                  <a:txBody>
-                    <a:bodyPr/>
-                    <a:lstStyle/>
-                    <a:p>
-                      <a:r>
-                        <a:rPr lang="en-US" sz="1600" dirty="0">
-                          <a:latin typeface="Times New Roman" panose="02020603050405020304" pitchFamily="18" charset="0"/>
-                          <a:cs typeface="Times New Roman" panose="02020603050405020304" pitchFamily="18" charset="0"/>
-                        </a:rPr>
-                        <a:t>7</a:t>
-                      </a:r>
-                      <a:endParaRPr lang="vi-VN" sz="1600" dirty="0">
-                        <a:latin typeface="Times New Roman" panose="02020603050405020304" pitchFamily="18" charset="0"/>
-                        <a:cs typeface="Times New Roman" panose="02020603050405020304" pitchFamily="18" charset="0"/>
-                      </a:endParaRPr>
-                    </a:p>
-                  </a:txBody>
-                  <a:tcPr/>
-                </a:tc>
-                <a:tc>
-                  <a:txBody>
-                    <a:bodyPr/>
-                    <a:lstStyle/>
-                    <a:p>
-                      <a:r>
-                        <a:rPr lang="en-US" sz="1600" dirty="0">
-                          <a:latin typeface="Times New Roman" panose="02020603050405020304" pitchFamily="18" charset="0"/>
-                          <a:cs typeface="Times New Roman" panose="02020603050405020304" pitchFamily="18" charset="0"/>
-                        </a:rPr>
-                        <a:t>1</a:t>
-                      </a:r>
-                      <a:endParaRPr lang="vi-VN" sz="1600" dirty="0">
-                        <a:latin typeface="Times New Roman" panose="02020603050405020304" pitchFamily="18" charset="0"/>
-                        <a:cs typeface="Times New Roman" panose="02020603050405020304" pitchFamily="18" charset="0"/>
-                      </a:endParaRPr>
-                    </a:p>
-                  </a:txBody>
-                  <a:tcPr/>
-                </a:tc>
-                <a:tc>
-                  <a:txBody>
-                    <a:bodyPr/>
-                    <a:lstStyle/>
-                    <a:p>
-                      <a:r>
-                        <a:rPr lang="vi-VN" sz="1600" dirty="0">
-                          <a:latin typeface="Times New Roman" panose="02020603050405020304" pitchFamily="18" charset="0"/>
-                          <a:cs typeface="Times New Roman" panose="02020603050405020304" pitchFamily="18" charset="0"/>
-                        </a:rPr>
-                        <a:t>0.624371</a:t>
-                      </a:r>
-                    </a:p>
-                  </a:txBody>
-                  <a:tcPr/>
-                </a:tc>
-                <a:tc>
-                  <a:txBody>
-                    <a:bodyPr/>
-                    <a:lstStyle/>
-                    <a:p>
-                      <a:r>
-                        <a:rPr lang="en-US" sz="1600" dirty="0">
-                          <a:latin typeface="Times New Roman" panose="02020603050405020304" pitchFamily="18" charset="0"/>
-                          <a:cs typeface="Times New Roman" panose="02020603050405020304" pitchFamily="18" charset="0"/>
-                        </a:rPr>
-                        <a:t>5538</a:t>
-                      </a:r>
-                      <a:endParaRPr lang="vi-VN" sz="1600" dirty="0">
-                        <a:latin typeface="Times New Roman" panose="02020603050405020304" pitchFamily="18" charset="0"/>
-                        <a:cs typeface="Times New Roman" panose="02020603050405020304" pitchFamily="18" charset="0"/>
-                      </a:endParaRPr>
-                    </a:p>
-                  </a:txBody>
-                  <a:tcPr/>
-                </a:tc>
-                <a:extLst>
-                  <a:ext uri="{0D108BD9-81ED-4DB2-BD59-A6C34878D82A}">
-                    <a16:rowId xmlns:a16="http://schemas.microsoft.com/office/drawing/2014/main" val="2076918804"/>
-                  </a:ext>
-                </a:extLst>
-              </a:tr>
-              <a:tr h="402924">
-                <a:tc>
-                  <a:txBody>
-                    <a:bodyPr/>
-                    <a:lstStyle/>
-                    <a:p>
-                      <a:r>
-                        <a:rPr lang="en-US" sz="1600" dirty="0">
-                          <a:latin typeface="Times New Roman" panose="02020603050405020304" pitchFamily="18" charset="0"/>
-                          <a:cs typeface="Times New Roman" panose="02020603050405020304" pitchFamily="18" charset="0"/>
-                        </a:rPr>
-                        <a:t>8</a:t>
-                      </a:r>
-                      <a:endParaRPr lang="vi-VN" sz="1600" dirty="0">
-                        <a:latin typeface="Times New Roman" panose="02020603050405020304" pitchFamily="18" charset="0"/>
-                        <a:cs typeface="Times New Roman" panose="02020603050405020304" pitchFamily="18" charset="0"/>
-                      </a:endParaRPr>
-                    </a:p>
-                  </a:txBody>
-                  <a:tcPr/>
-                </a:tc>
-                <a:tc>
-                  <a:txBody>
-                    <a:bodyPr/>
-                    <a:lstStyle/>
-                    <a:p>
-                      <a:r>
-                        <a:rPr lang="en-US" sz="1600" dirty="0">
-                          <a:latin typeface="Times New Roman" panose="02020603050405020304" pitchFamily="18" charset="0"/>
-                          <a:cs typeface="Times New Roman" panose="02020603050405020304" pitchFamily="18" charset="0"/>
-                        </a:rPr>
-                        <a:t>2</a:t>
-                      </a:r>
-                      <a:endParaRPr lang="vi-VN" sz="1600" dirty="0">
-                        <a:latin typeface="Times New Roman" panose="02020603050405020304" pitchFamily="18" charset="0"/>
-                        <a:cs typeface="Times New Roman" panose="02020603050405020304" pitchFamily="18" charset="0"/>
-                      </a:endParaRPr>
-                    </a:p>
-                  </a:txBody>
-                  <a:tcPr/>
-                </a:tc>
-                <a:tc>
-                  <a:txBody>
-                    <a:bodyPr/>
-                    <a:lstStyle/>
-                    <a:p>
-                      <a:r>
-                        <a:rPr lang="vi-VN" sz="1600" dirty="0">
-                          <a:latin typeface="Times New Roman" panose="02020603050405020304" pitchFamily="18" charset="0"/>
-                          <a:cs typeface="Times New Roman" panose="02020603050405020304" pitchFamily="18" charset="0"/>
-                        </a:rPr>
-                        <a:t>0.635556</a:t>
-                      </a:r>
-                    </a:p>
-                  </a:txBody>
-                  <a:tcPr/>
-                </a:tc>
-                <a:tc>
-                  <a:txBody>
-                    <a:bodyPr/>
-                    <a:lstStyle/>
-                    <a:p>
-                      <a:r>
-                        <a:rPr lang="vi-VN" sz="1600" dirty="0">
-                          <a:latin typeface="Times New Roman" panose="02020603050405020304" pitchFamily="18" charset="0"/>
-                          <a:cs typeface="Times New Roman" panose="02020603050405020304" pitchFamily="18" charset="0"/>
-                        </a:rPr>
-                        <a:t>1115</a:t>
-                      </a:r>
-                    </a:p>
-                  </a:txBody>
-                  <a:tcPr/>
-                </a:tc>
-                <a:extLst>
-                  <a:ext uri="{0D108BD9-81ED-4DB2-BD59-A6C34878D82A}">
-                    <a16:rowId xmlns:a16="http://schemas.microsoft.com/office/drawing/2014/main" val="4053069684"/>
-                  </a:ext>
-                </a:extLst>
-              </a:tr>
-              <a:tr h="402924">
-                <a:tc>
-                  <a:txBody>
-                    <a:bodyPr/>
-                    <a:lstStyle/>
-                    <a:p>
-                      <a:r>
-                        <a:rPr lang="en-US" sz="1600" dirty="0">
-                          <a:latin typeface="Times New Roman" panose="02020603050405020304" pitchFamily="18" charset="0"/>
-                          <a:cs typeface="Times New Roman" panose="02020603050405020304" pitchFamily="18" charset="0"/>
-                        </a:rPr>
-                        <a:t>9</a:t>
-                      </a:r>
-                      <a:endParaRPr lang="vi-VN" sz="1600" dirty="0">
-                        <a:latin typeface="Times New Roman" panose="02020603050405020304" pitchFamily="18" charset="0"/>
-                        <a:cs typeface="Times New Roman" panose="02020603050405020304" pitchFamily="18" charset="0"/>
-                      </a:endParaRPr>
-                    </a:p>
-                  </a:txBody>
-                  <a:tcPr/>
-                </a:tc>
-                <a:tc>
-                  <a:txBody>
-                    <a:bodyPr/>
-                    <a:lstStyle/>
-                    <a:p>
-                      <a:r>
-                        <a:rPr lang="en-US" sz="1600" dirty="0">
-                          <a:latin typeface="Times New Roman" panose="02020603050405020304" pitchFamily="18" charset="0"/>
-                          <a:cs typeface="Times New Roman" panose="02020603050405020304" pitchFamily="18" charset="0"/>
-                        </a:rPr>
-                        <a:t>3</a:t>
-                      </a:r>
-                      <a:endParaRPr lang="vi-VN" sz="1600" dirty="0">
-                        <a:latin typeface="Times New Roman" panose="02020603050405020304" pitchFamily="18" charset="0"/>
-                        <a:cs typeface="Times New Roman" panose="02020603050405020304" pitchFamily="18" charset="0"/>
-                      </a:endParaRPr>
-                    </a:p>
-                  </a:txBody>
-                  <a:tcPr/>
-                </a:tc>
-                <a:tc>
-                  <a:txBody>
-                    <a:bodyPr/>
-                    <a:lstStyle/>
-                    <a:p>
-                      <a:r>
-                        <a:rPr lang="vi-VN" sz="1600" dirty="0">
-                          <a:latin typeface="Times New Roman" panose="02020603050405020304" pitchFamily="18" charset="0"/>
-                          <a:cs typeface="Times New Roman" panose="02020603050405020304" pitchFamily="18" charset="0"/>
-                        </a:rPr>
-                        <a:t>0.555361</a:t>
-                      </a:r>
-                    </a:p>
-                  </a:txBody>
-                  <a:tcPr/>
-                </a:tc>
-                <a:tc>
-                  <a:txBody>
-                    <a:bodyPr/>
-                    <a:lstStyle/>
-                    <a:p>
-                      <a:r>
-                        <a:rPr lang="en-US" sz="1600" dirty="0">
-                          <a:latin typeface="Times New Roman" panose="02020603050405020304" pitchFamily="18" charset="0"/>
-                          <a:cs typeface="Times New Roman" panose="02020603050405020304" pitchFamily="18" charset="0"/>
-                        </a:rPr>
-                        <a:t>1842</a:t>
-                      </a:r>
-                      <a:endParaRPr lang="vi-VN" sz="1600" dirty="0">
-                        <a:latin typeface="Times New Roman" panose="02020603050405020304" pitchFamily="18" charset="0"/>
-                        <a:cs typeface="Times New Roman" panose="02020603050405020304" pitchFamily="18" charset="0"/>
-                      </a:endParaRPr>
-                    </a:p>
-                  </a:txBody>
-                  <a:tcPr/>
-                </a:tc>
-                <a:extLst>
-                  <a:ext uri="{0D108BD9-81ED-4DB2-BD59-A6C34878D82A}">
-                    <a16:rowId xmlns:a16="http://schemas.microsoft.com/office/drawing/2014/main" val="1515340977"/>
-                  </a:ext>
-                </a:extLst>
-              </a:tr>
-              <a:tr h="402924">
-                <a:tc>
-                  <a:txBody>
-                    <a:bodyPr/>
-                    <a:lstStyle/>
-                    <a:p>
-                      <a:r>
-                        <a:rPr lang="en-US" sz="1600" dirty="0">
-                          <a:latin typeface="Times New Roman" panose="02020603050405020304" pitchFamily="18" charset="0"/>
-                          <a:cs typeface="Times New Roman" panose="02020603050405020304" pitchFamily="18" charset="0"/>
-                        </a:rPr>
-                        <a:t>10</a:t>
-                      </a:r>
-                      <a:endParaRPr lang="vi-VN" sz="1600" dirty="0">
-                        <a:latin typeface="Times New Roman" panose="02020603050405020304" pitchFamily="18" charset="0"/>
-                        <a:cs typeface="Times New Roman" panose="02020603050405020304" pitchFamily="18" charset="0"/>
-                      </a:endParaRPr>
-                    </a:p>
-                  </a:txBody>
-                  <a:tcPr/>
-                </a:tc>
-                <a:tc>
-                  <a:txBody>
-                    <a:bodyPr/>
-                    <a:lstStyle/>
-                    <a:p>
-                      <a:r>
-                        <a:rPr lang="en-US" sz="1600" dirty="0">
-                          <a:latin typeface="Times New Roman" panose="02020603050405020304" pitchFamily="18" charset="0"/>
-                          <a:cs typeface="Times New Roman" panose="02020603050405020304" pitchFamily="18" charset="0"/>
-                        </a:rPr>
-                        <a:t>3</a:t>
-                      </a:r>
-                      <a:endParaRPr lang="vi-VN" sz="1600" dirty="0">
-                        <a:latin typeface="Times New Roman" panose="02020603050405020304" pitchFamily="18" charset="0"/>
-                        <a:cs typeface="Times New Roman" panose="02020603050405020304" pitchFamily="18" charset="0"/>
-                      </a:endParaRPr>
-                    </a:p>
-                  </a:txBody>
-                  <a:tcPr/>
-                </a:tc>
-                <a:tc>
-                  <a:txBody>
-                    <a:bodyPr/>
-                    <a:lstStyle/>
-                    <a:p>
-                      <a:r>
-                        <a:rPr lang="vi-VN" sz="1600" dirty="0">
-                          <a:latin typeface="Times New Roman" panose="02020603050405020304" pitchFamily="18" charset="0"/>
-                          <a:cs typeface="Times New Roman" panose="02020603050405020304" pitchFamily="18" charset="0"/>
-                        </a:rPr>
-                        <a:t>0.517717</a:t>
-                      </a:r>
-                    </a:p>
-                  </a:txBody>
-                  <a:tcPr/>
-                </a:tc>
-                <a:tc>
-                  <a:txBody>
-                    <a:bodyPr/>
-                    <a:lstStyle/>
-                    <a:p>
-                      <a:r>
-                        <a:rPr lang="en-US" sz="1600" dirty="0">
-                          <a:latin typeface="Times New Roman" panose="02020603050405020304" pitchFamily="18" charset="0"/>
-                          <a:cs typeface="Times New Roman" panose="02020603050405020304" pitchFamily="18" charset="0"/>
-                        </a:rPr>
-                        <a:t>2416</a:t>
-                      </a:r>
-                      <a:endParaRPr lang="vi-VN" sz="1600" dirty="0">
-                        <a:latin typeface="Times New Roman" panose="02020603050405020304" pitchFamily="18" charset="0"/>
-                        <a:cs typeface="Times New Roman" panose="02020603050405020304" pitchFamily="18" charset="0"/>
-                      </a:endParaRPr>
-                    </a:p>
-                  </a:txBody>
-                  <a:tcPr/>
-                </a:tc>
-                <a:extLst>
-                  <a:ext uri="{0D108BD9-81ED-4DB2-BD59-A6C34878D82A}">
-                    <a16:rowId xmlns:a16="http://schemas.microsoft.com/office/drawing/2014/main" val="2684729399"/>
-                  </a:ext>
-                </a:extLst>
-              </a:tr>
-              <a:tr h="402924">
-                <a:tc>
-                  <a:txBody>
-                    <a:bodyPr/>
-                    <a:lstStyle/>
-                    <a:p>
-                      <a:r>
-                        <a:rPr lang="en-US" sz="1600" dirty="0">
-                          <a:latin typeface="Times New Roman" panose="02020603050405020304" pitchFamily="18" charset="0"/>
-                          <a:cs typeface="Times New Roman" panose="02020603050405020304" pitchFamily="18" charset="0"/>
-                        </a:rPr>
-                        <a:t>12</a:t>
-                      </a:r>
-                      <a:endParaRPr lang="vi-VN" sz="1600" dirty="0">
-                        <a:latin typeface="Times New Roman" panose="02020603050405020304" pitchFamily="18" charset="0"/>
-                        <a:cs typeface="Times New Roman" panose="02020603050405020304" pitchFamily="18" charset="0"/>
-                      </a:endParaRPr>
-                    </a:p>
-                  </a:txBody>
-                  <a:tcPr/>
-                </a:tc>
-                <a:tc>
-                  <a:txBody>
-                    <a:bodyPr/>
-                    <a:lstStyle/>
-                    <a:p>
-                      <a:r>
-                        <a:rPr lang="en-US" sz="1600" dirty="0">
-                          <a:latin typeface="Times New Roman" panose="02020603050405020304" pitchFamily="18" charset="0"/>
-                          <a:cs typeface="Times New Roman" panose="02020603050405020304" pitchFamily="18" charset="0"/>
-                        </a:rPr>
-                        <a:t>1</a:t>
-                      </a:r>
-                      <a:endParaRPr lang="vi-VN" sz="1600" dirty="0">
-                        <a:latin typeface="Times New Roman" panose="02020603050405020304" pitchFamily="18" charset="0"/>
-                        <a:cs typeface="Times New Roman" panose="02020603050405020304" pitchFamily="18" charset="0"/>
-                      </a:endParaRPr>
-                    </a:p>
-                  </a:txBody>
-                  <a:tcPr/>
-                </a:tc>
-                <a:tc>
-                  <a:txBody>
-                    <a:bodyPr/>
-                    <a:lstStyle/>
-                    <a:p>
-                      <a:r>
-                        <a:rPr lang="vi-VN" sz="1600" dirty="0">
-                          <a:latin typeface="Times New Roman" panose="02020603050405020304" pitchFamily="18" charset="0"/>
-                          <a:cs typeface="Times New Roman" panose="02020603050405020304" pitchFamily="18" charset="0"/>
-                        </a:rPr>
-                        <a:t>0.377513</a:t>
-                      </a:r>
-                    </a:p>
-                  </a:txBody>
-                  <a:tcPr/>
-                </a:tc>
-                <a:tc>
-                  <a:txBody>
-                    <a:bodyPr/>
-                    <a:lstStyle/>
-                    <a:p>
-                      <a:r>
-                        <a:rPr lang="en-US" sz="1600" dirty="0">
-                          <a:latin typeface="Times New Roman" panose="02020603050405020304" pitchFamily="18" charset="0"/>
-                          <a:cs typeface="Times New Roman" panose="02020603050405020304" pitchFamily="18" charset="0"/>
-                        </a:rPr>
-                        <a:t>2209</a:t>
-                      </a:r>
-                      <a:endParaRPr lang="vi-VN" sz="1600" dirty="0">
-                        <a:latin typeface="Times New Roman" panose="02020603050405020304" pitchFamily="18" charset="0"/>
-                        <a:cs typeface="Times New Roman" panose="02020603050405020304" pitchFamily="18" charset="0"/>
-                      </a:endParaRPr>
-                    </a:p>
-                  </a:txBody>
-                  <a:tcPr/>
-                </a:tc>
-                <a:extLst>
-                  <a:ext uri="{0D108BD9-81ED-4DB2-BD59-A6C34878D82A}">
-                    <a16:rowId xmlns:a16="http://schemas.microsoft.com/office/drawing/2014/main" val="1868556046"/>
-                  </a:ext>
-                </a:extLst>
-              </a:tr>
-            </a:tbl>
-          </a:graphicData>
-        </a:graphic>
-      </p:graphicFrame>
-      <p:sp>
-        <p:nvSpPr>
-          <p:cNvPr id="11" name="TextBox 10">
-            <a:extLst>
-              <a:ext uri="{FF2B5EF4-FFF2-40B4-BE49-F238E27FC236}">
-                <a16:creationId xmlns:a16="http://schemas.microsoft.com/office/drawing/2014/main" id="{44F95A6B-0EB7-43D5-9554-4A4F8CCF3FB5}"/>
-              </a:ext>
-            </a:extLst>
-          </p:cNvPr>
-          <p:cNvSpPr txBox="1"/>
-          <p:nvPr/>
-        </p:nvSpPr>
-        <p:spPr>
-          <a:xfrm>
-            <a:off x="1451438" y="529867"/>
-            <a:ext cx="4203988" cy="584775"/>
-          </a:xfrm>
-          <a:prstGeom prst="rect">
-            <a:avLst/>
-          </a:prstGeom>
-          <a:noFill/>
-        </p:spPr>
-        <p:txBody>
-          <a:bodyPr wrap="square">
-            <a:spAutoFit/>
-          </a:bodyPr>
-          <a:lstStyle/>
-          <a:p>
-            <a:r>
-              <a:rPr lang="en-US" sz="3200" b="1" dirty="0" err="1">
-                <a:solidFill>
-                  <a:srgbClr val="263F88"/>
-                </a:solidFill>
-                <a:latin typeface="Times New Roman" panose="02020603050405020304" pitchFamily="18" charset="0"/>
-                <a:cs typeface="Times New Roman" panose="02020603050405020304" pitchFamily="18" charset="0"/>
-              </a:rPr>
-              <a:t>Bảng</a:t>
-            </a:r>
-            <a:r>
-              <a:rPr lang="en-US" sz="3200" b="1" dirty="0">
-                <a:solidFill>
-                  <a:srgbClr val="263F88"/>
-                </a:solidFill>
-                <a:latin typeface="Times New Roman" panose="02020603050405020304" pitchFamily="18" charset="0"/>
-                <a:cs typeface="Times New Roman" panose="02020603050405020304" pitchFamily="18" charset="0"/>
-              </a:rPr>
-              <a:t> </a:t>
-            </a:r>
-            <a:r>
-              <a:rPr lang="en-US" sz="3200" b="1" dirty="0" err="1">
-                <a:solidFill>
-                  <a:srgbClr val="263F88"/>
-                </a:solidFill>
-                <a:latin typeface="Times New Roman" panose="02020603050405020304" pitchFamily="18" charset="0"/>
-                <a:cs typeface="Times New Roman" panose="02020603050405020304" pitchFamily="18" charset="0"/>
-              </a:rPr>
-              <a:t>dữ</a:t>
-            </a:r>
-            <a:r>
-              <a:rPr lang="en-US" sz="3200" b="1" dirty="0">
-                <a:solidFill>
-                  <a:srgbClr val="263F88"/>
-                </a:solidFill>
-                <a:latin typeface="Times New Roman" panose="02020603050405020304" pitchFamily="18" charset="0"/>
-                <a:cs typeface="Times New Roman" panose="02020603050405020304" pitchFamily="18" charset="0"/>
-              </a:rPr>
-              <a:t> </a:t>
-            </a:r>
-            <a:r>
-              <a:rPr lang="en-US" sz="3200" b="1" dirty="0" err="1">
-                <a:solidFill>
-                  <a:srgbClr val="263F88"/>
-                </a:solidFill>
-                <a:latin typeface="Times New Roman" panose="02020603050405020304" pitchFamily="18" charset="0"/>
-                <a:cs typeface="Times New Roman" panose="02020603050405020304" pitchFamily="18" charset="0"/>
-              </a:rPr>
-              <a:t>liệu</a:t>
-            </a:r>
-            <a:endParaRPr lang="en-US" sz="3200" dirty="0">
-              <a:solidFill>
-                <a:srgbClr val="263F88"/>
-              </a:solidFill>
-            </a:endParaRPr>
-          </a:p>
-        </p:txBody>
-      </p:sp>
-      <p:sp>
-        <p:nvSpPr>
-          <p:cNvPr id="12" name="TextBox 11">
-            <a:extLst>
-              <a:ext uri="{FF2B5EF4-FFF2-40B4-BE49-F238E27FC236}">
-                <a16:creationId xmlns:a16="http://schemas.microsoft.com/office/drawing/2014/main" id="{929E057E-D0A9-4CA7-A697-FB1CEF62CD15}"/>
-              </a:ext>
-            </a:extLst>
-          </p:cNvPr>
-          <p:cNvSpPr txBox="1"/>
-          <p:nvPr/>
-        </p:nvSpPr>
-        <p:spPr>
-          <a:xfrm>
-            <a:off x="10865624" y="64395"/>
-            <a:ext cx="1253397" cy="1354217"/>
-          </a:xfrm>
-          <a:prstGeom prst="rect">
-            <a:avLst/>
-          </a:prstGeom>
-          <a:noFill/>
-          <a:ln>
-            <a:solidFill>
-              <a:schemeClr val="tx2">
-                <a:lumMod val="40000"/>
-                <a:lumOff val="60000"/>
-              </a:schemeClr>
-            </a:solidFill>
-          </a:ln>
-        </p:spPr>
-        <p:txBody>
-          <a:bodyPr wrap="square" rtlCol="0">
-            <a:spAutoFit/>
-          </a:bodyPr>
-          <a:lstStyle/>
-          <a:p>
-            <a:pPr marL="228600" indent="-228600">
-              <a:buFont typeface="+mj-lt"/>
-              <a:buAutoNum type="arabicPeriod"/>
-            </a:pPr>
-            <a:r>
-              <a:rPr lang="en-US" sz="1600" dirty="0" err="1">
-                <a:latin typeface="Times New Roman" panose="02020603050405020304" pitchFamily="18" charset="0"/>
-                <a:ea typeface="Tahoma" panose="020B0604030504040204" pitchFamily="34" charset="0"/>
-                <a:cs typeface="Times New Roman" panose="02020603050405020304" pitchFamily="18" charset="0"/>
-              </a:rPr>
-              <a:t>Giới</a:t>
-            </a:r>
-            <a:r>
-              <a:rPr lang="en-US" sz="1600" dirty="0">
-                <a:latin typeface="Times New Roman" panose="02020603050405020304" pitchFamily="18" charset="0"/>
-                <a:ea typeface="Tahoma" panose="020B0604030504040204" pitchFamily="34" charset="0"/>
-                <a:cs typeface="Times New Roman" panose="02020603050405020304" pitchFamily="18" charset="0"/>
-              </a:rPr>
-              <a:t> </a:t>
-            </a:r>
-            <a:r>
-              <a:rPr lang="en-US" sz="1600" dirty="0" err="1">
-                <a:latin typeface="Times New Roman" panose="02020603050405020304" pitchFamily="18" charset="0"/>
-                <a:ea typeface="Tahoma" panose="020B0604030504040204" pitchFamily="34" charset="0"/>
-                <a:cs typeface="Times New Roman" panose="02020603050405020304" pitchFamily="18" charset="0"/>
-              </a:rPr>
-              <a:t>thiệu</a:t>
-            </a:r>
-            <a:endParaRPr lang="en-US" sz="1600" dirty="0">
-              <a:latin typeface="Times New Roman" panose="02020603050405020304" pitchFamily="18" charset="0"/>
-              <a:ea typeface="Tahoma" panose="020B0604030504040204" pitchFamily="34" charset="0"/>
-              <a:cs typeface="Times New Roman" panose="02020603050405020304" pitchFamily="18" charset="0"/>
-            </a:endParaRPr>
-          </a:p>
-          <a:p>
-            <a:pPr marL="228600" indent="-228600">
-              <a:buFont typeface="+mj-lt"/>
-              <a:buAutoNum type="arabicPeriod"/>
-            </a:pPr>
-            <a:r>
-              <a:rPr lang="en-US" sz="1600" dirty="0" err="1">
-                <a:solidFill>
-                  <a:srgbClr val="FF0000"/>
-                </a:solidFill>
-                <a:latin typeface="Times New Roman" panose="02020603050405020304" pitchFamily="18" charset="0"/>
-                <a:ea typeface="Tahoma" panose="020B0604030504040204" pitchFamily="34" charset="0"/>
-                <a:cs typeface="Times New Roman" panose="02020603050405020304" pitchFamily="18" charset="0"/>
-              </a:rPr>
-              <a:t>Tiền</a:t>
-            </a:r>
-            <a:r>
-              <a:rPr lang="en-US" sz="1600" dirty="0">
-                <a:solidFill>
-                  <a:srgbClr val="FF0000"/>
-                </a:solidFill>
-                <a:latin typeface="Times New Roman" panose="02020603050405020304" pitchFamily="18" charset="0"/>
-                <a:ea typeface="Tahoma" panose="020B0604030504040204" pitchFamily="34" charset="0"/>
-                <a:cs typeface="Times New Roman" panose="02020603050405020304" pitchFamily="18" charset="0"/>
-              </a:rPr>
-              <a:t> </a:t>
-            </a:r>
-            <a:r>
-              <a:rPr lang="en-US" sz="1600" dirty="0" err="1">
-                <a:solidFill>
-                  <a:srgbClr val="FF0000"/>
-                </a:solidFill>
-                <a:latin typeface="Times New Roman" panose="02020603050405020304" pitchFamily="18" charset="0"/>
-                <a:ea typeface="Tahoma" panose="020B0604030504040204" pitchFamily="34" charset="0"/>
-                <a:cs typeface="Times New Roman" panose="02020603050405020304" pitchFamily="18" charset="0"/>
-              </a:rPr>
-              <a:t>xử</a:t>
-            </a:r>
-            <a:r>
-              <a:rPr lang="en-US" sz="1600" dirty="0">
-                <a:solidFill>
-                  <a:srgbClr val="FF0000"/>
-                </a:solidFill>
-                <a:latin typeface="Times New Roman" panose="02020603050405020304" pitchFamily="18" charset="0"/>
-                <a:ea typeface="Tahoma" panose="020B0604030504040204" pitchFamily="34" charset="0"/>
-                <a:cs typeface="Times New Roman" panose="02020603050405020304" pitchFamily="18" charset="0"/>
-              </a:rPr>
-              <a:t> </a:t>
-            </a:r>
-            <a:r>
-              <a:rPr lang="en-US" sz="1600" dirty="0" err="1">
-                <a:solidFill>
-                  <a:srgbClr val="FF0000"/>
-                </a:solidFill>
-                <a:latin typeface="Times New Roman" panose="02020603050405020304" pitchFamily="18" charset="0"/>
-                <a:ea typeface="Tahoma" panose="020B0604030504040204" pitchFamily="34" charset="0"/>
-                <a:cs typeface="Times New Roman" panose="02020603050405020304" pitchFamily="18" charset="0"/>
-              </a:rPr>
-              <a:t>lý</a:t>
-            </a:r>
-            <a:endParaRPr lang="en-US" sz="1600" dirty="0">
-              <a:solidFill>
-                <a:srgbClr val="FF0000"/>
-              </a:solidFill>
-              <a:latin typeface="Times New Roman" panose="02020603050405020304" pitchFamily="18" charset="0"/>
-              <a:ea typeface="Tahoma" panose="020B0604030504040204" pitchFamily="34" charset="0"/>
-              <a:cs typeface="Times New Roman" panose="02020603050405020304" pitchFamily="18" charset="0"/>
-            </a:endParaRPr>
-          </a:p>
-          <a:p>
-            <a:pPr marL="228600" indent="-228600">
-              <a:buFont typeface="+mj-lt"/>
-              <a:buAutoNum type="arabicPeriod"/>
-            </a:pPr>
-            <a:r>
-              <a:rPr lang="en-US" sz="1600" dirty="0" err="1">
-                <a:latin typeface="Times New Roman" panose="02020603050405020304" pitchFamily="18" charset="0"/>
-                <a:ea typeface="Tahoma" panose="020B0604030504040204" pitchFamily="34" charset="0"/>
-                <a:cs typeface="Times New Roman" panose="02020603050405020304" pitchFamily="18" charset="0"/>
-              </a:rPr>
-              <a:t>Giải</a:t>
-            </a:r>
-            <a:r>
-              <a:rPr lang="en-US" sz="1600" dirty="0">
-                <a:latin typeface="Times New Roman" panose="02020603050405020304" pitchFamily="18" charset="0"/>
-                <a:ea typeface="Tahoma" panose="020B0604030504040204" pitchFamily="34" charset="0"/>
-                <a:cs typeface="Times New Roman" panose="02020603050405020304" pitchFamily="18" charset="0"/>
-              </a:rPr>
-              <a:t> </a:t>
-            </a:r>
-            <a:r>
-              <a:rPr lang="en-US" sz="1600" dirty="0" err="1">
-                <a:latin typeface="Times New Roman" panose="02020603050405020304" pitchFamily="18" charset="0"/>
-                <a:ea typeface="Tahoma" panose="020B0604030504040204" pitchFamily="34" charset="0"/>
-                <a:cs typeface="Times New Roman" panose="02020603050405020304" pitchFamily="18" charset="0"/>
-              </a:rPr>
-              <a:t>thuật</a:t>
-            </a:r>
-            <a:endParaRPr lang="en-US" sz="1600" dirty="0">
-              <a:latin typeface="Times New Roman" panose="02020603050405020304" pitchFamily="18" charset="0"/>
-              <a:ea typeface="Tahoma" panose="020B0604030504040204" pitchFamily="34" charset="0"/>
-              <a:cs typeface="Times New Roman" panose="02020603050405020304" pitchFamily="18" charset="0"/>
-            </a:endParaRPr>
-          </a:p>
-          <a:p>
-            <a:pPr marL="228600" indent="-228600">
-              <a:buFont typeface="+mj-lt"/>
-              <a:buAutoNum type="arabicPeriod"/>
-            </a:pPr>
-            <a:r>
-              <a:rPr lang="en-US" sz="1600" dirty="0" err="1">
-                <a:latin typeface="Times New Roman" panose="02020603050405020304" pitchFamily="18" charset="0"/>
-                <a:ea typeface="Tahoma" panose="020B0604030504040204" pitchFamily="34" charset="0"/>
-                <a:cs typeface="Times New Roman" panose="02020603050405020304" pitchFamily="18" charset="0"/>
-              </a:rPr>
-              <a:t>Đánh</a:t>
-            </a:r>
-            <a:r>
-              <a:rPr lang="en-US" sz="1600" dirty="0">
-                <a:latin typeface="Times New Roman" panose="02020603050405020304" pitchFamily="18" charset="0"/>
-                <a:ea typeface="Tahoma" panose="020B0604030504040204" pitchFamily="34" charset="0"/>
-                <a:cs typeface="Times New Roman" panose="02020603050405020304" pitchFamily="18" charset="0"/>
-              </a:rPr>
-              <a:t> </a:t>
-            </a:r>
-            <a:r>
-              <a:rPr lang="en-US" sz="1600" dirty="0" err="1">
-                <a:latin typeface="Times New Roman" panose="02020603050405020304" pitchFamily="18" charset="0"/>
-                <a:ea typeface="Tahoma" panose="020B0604030504040204" pitchFamily="34" charset="0"/>
-                <a:cs typeface="Times New Roman" panose="02020603050405020304" pitchFamily="18" charset="0"/>
-              </a:rPr>
-              <a:t>giá</a:t>
-            </a:r>
-            <a:endParaRPr lang="en-US" sz="1600" dirty="0">
-              <a:latin typeface="Times New Roman" panose="02020603050405020304" pitchFamily="18" charset="0"/>
-              <a:ea typeface="Tahoma" panose="020B0604030504040204" pitchFamily="34" charset="0"/>
-              <a:cs typeface="Times New Roman" panose="02020603050405020304" pitchFamily="18" charset="0"/>
-            </a:endParaRPr>
-          </a:p>
-          <a:p>
-            <a:pPr marL="228600" indent="-228600">
-              <a:buFont typeface="+mj-lt"/>
-              <a:buAutoNum type="arabicPeriod"/>
-            </a:pPr>
-            <a:r>
-              <a:rPr lang="en-US" sz="1600" dirty="0" err="1">
-                <a:latin typeface="Times New Roman" panose="02020603050405020304" pitchFamily="18" charset="0"/>
-                <a:ea typeface="Tahoma" panose="020B0604030504040204" pitchFamily="34" charset="0"/>
-                <a:cs typeface="Times New Roman" panose="02020603050405020304" pitchFamily="18" charset="0"/>
-              </a:rPr>
-              <a:t>Kết</a:t>
-            </a:r>
-            <a:r>
-              <a:rPr lang="en-US" sz="1600" dirty="0">
-                <a:latin typeface="Times New Roman" panose="02020603050405020304" pitchFamily="18" charset="0"/>
-                <a:ea typeface="Tahoma" panose="020B0604030504040204" pitchFamily="34" charset="0"/>
-                <a:cs typeface="Times New Roman" panose="02020603050405020304" pitchFamily="18" charset="0"/>
-              </a:rPr>
-              <a:t> </a:t>
-            </a:r>
-            <a:r>
-              <a:rPr lang="en-US" sz="1600" dirty="0" err="1">
-                <a:latin typeface="Times New Roman" panose="02020603050405020304" pitchFamily="18" charset="0"/>
-                <a:ea typeface="Tahoma" panose="020B0604030504040204" pitchFamily="34" charset="0"/>
-                <a:cs typeface="Times New Roman" panose="02020603050405020304" pitchFamily="18" charset="0"/>
-              </a:rPr>
-              <a:t>luận</a:t>
-            </a:r>
-            <a:endParaRPr lang="vi-VN" sz="1600" dirty="0">
-              <a:latin typeface="Times New Roman" panose="02020603050405020304" pitchFamily="18" charset="0"/>
-              <a:ea typeface="Tahoma" panose="020B0604030504040204" pitchFamily="34" charset="0"/>
-              <a:cs typeface="Times New Roman" panose="02020603050405020304" pitchFamily="18" charset="0"/>
-            </a:endParaRPr>
-          </a:p>
-        </p:txBody>
-      </p:sp>
-    </p:spTree>
-    <p:extLst>
-      <p:ext uri="{BB962C8B-B14F-4D97-AF65-F5344CB8AC3E}">
-        <p14:creationId xmlns:p14="http://schemas.microsoft.com/office/powerpoint/2010/main" val="3738193260"/>
-      </p:ext>
-    </p:extLst>
-  </p:cSld>
-  <p:clrMapOvr>
-    <a:masterClrMapping/>
-  </p:clrMapOvr>
-</p:sld>
-</file>
-
-<file path=ppt/slides/slide6.xml><?xml version="1.0" encoding="utf-8"?>
-<p:sld xmlns:a="http://schemas.openxmlformats.org/drawingml/2006/main" xmlns:r="http://schemas.openxmlformats.org/officeDocument/2006/relationships" xmlns:p="http://schemas.openxmlformats.org/presentationml/2006/main">
-  <p:cSld>
-    <p:spTree>
-      <p:nvGrpSpPr>
-        <p:cNvPr id="1" name=""/>
-        <p:cNvGrpSpPr/>
-        <p:nvPr/>
-      </p:nvGrpSpPr>
-      <p:grpSpPr>
-        <a:xfrm>
-          <a:off x="0" y="0"/>
-          <a:ext cx="0" cy="0"/>
-          <a:chOff x="0" y="0"/>
-          <a:chExt cx="0" cy="0"/>
-        </a:xfrm>
-      </p:grpSpPr>
-      <p:sp>
-        <p:nvSpPr>
           <p:cNvPr id="3" name="Slide Number Placeholder 2">
             <a:extLst>
               <a:ext uri="{FF2B5EF4-FFF2-40B4-BE49-F238E27FC236}">
@@ -10325,7 +6386,7 @@
           <a:p>
             <a:fld id="{3A98EE3D-8CD1-4C3F-BD1C-C98C9596463C}" type="slidenum">
               <a:rPr lang="en-US" smtClean="0"/>
-              <a:t>6</a:t>
+              <a:t>5</a:t>
             </a:fld>
             <a:endParaRPr lang="en-US" dirty="0"/>
           </a:p>
@@ -10649,127 +6710,1000 @@
           </p:txBody>
         </p:sp>
       </p:grpSp>
-      <p:sp>
-        <p:nvSpPr>
-          <p:cNvPr id="13" name="TextBox 12">
-            <a:extLst>
-              <a:ext uri="{FF2B5EF4-FFF2-40B4-BE49-F238E27FC236}">
-                <a16:creationId xmlns:a16="http://schemas.microsoft.com/office/drawing/2014/main" id="{5A88ED46-E736-4E53-807C-2658D7DC3250}"/>
-              </a:ext>
-            </a:extLst>
-          </p:cNvPr>
-          <p:cNvSpPr txBox="1"/>
-          <p:nvPr/>
-        </p:nvSpPr>
-        <p:spPr>
-          <a:xfrm>
-            <a:off x="1766455" y="2306782"/>
-            <a:ext cx="8219209" cy="646331"/>
-          </a:xfrm>
-          <a:prstGeom prst="rect">
-            <a:avLst/>
-          </a:prstGeom>
-          <a:noFill/>
-        </p:spPr>
-        <p:txBody>
-          <a:bodyPr wrap="square" rtlCol="0">
-            <a:spAutoFit/>
-          </a:bodyPr>
-          <a:lstStyle/>
-          <a:p>
-            <a:r>
-              <a:rPr lang="en-US" dirty="0" err="1"/>
-              <a:t>Giải</a:t>
-            </a:r>
-            <a:r>
-              <a:rPr lang="en-US" dirty="0"/>
-              <a:t> </a:t>
-            </a:r>
-            <a:r>
-              <a:rPr lang="en-US" dirty="0" err="1"/>
-              <a:t>thuật</a:t>
-            </a:r>
-            <a:r>
-              <a:rPr lang="en-US" dirty="0"/>
-              <a:t> LR </a:t>
-            </a:r>
-            <a:r>
-              <a:rPr lang="en-US" dirty="0" err="1"/>
-              <a:t>là</a:t>
-            </a:r>
-            <a:r>
-              <a:rPr lang="en-US" dirty="0"/>
-              <a:t> </a:t>
-            </a:r>
-            <a:r>
-              <a:rPr lang="en-US" dirty="0" err="1"/>
-              <a:t>gì</a:t>
-            </a:r>
-            <a:r>
-              <a:rPr lang="en-US" dirty="0"/>
-              <a:t>? (</a:t>
-            </a:r>
-            <a:r>
-              <a:rPr lang="en-US" dirty="0" err="1"/>
-              <a:t>ghi</a:t>
-            </a:r>
-            <a:r>
-              <a:rPr lang="en-US" dirty="0"/>
-              <a:t> </a:t>
-            </a:r>
-            <a:r>
-              <a:rPr lang="en-US" dirty="0" err="1"/>
-              <a:t>khái</a:t>
-            </a:r>
-            <a:r>
-              <a:rPr lang="en-US" dirty="0"/>
-              <a:t> </a:t>
-            </a:r>
-            <a:r>
-              <a:rPr lang="en-US" dirty="0" err="1"/>
-              <a:t>niệm</a:t>
-            </a:r>
-            <a:r>
-              <a:rPr lang="en-US" dirty="0"/>
-              <a:t> </a:t>
-            </a:r>
-            <a:r>
-              <a:rPr lang="en-US" dirty="0" err="1"/>
-              <a:t>trong</a:t>
-            </a:r>
-            <a:r>
-              <a:rPr lang="en-US" dirty="0"/>
-              <a:t> </a:t>
-            </a:r>
-            <a:r>
-              <a:rPr lang="en-US" dirty="0" err="1"/>
-              <a:t>tập</a:t>
-            </a:r>
-            <a:r>
-              <a:rPr lang="en-US" dirty="0"/>
-              <a:t> m ra)</a:t>
-            </a:r>
-          </a:p>
-          <a:p>
-            <a:r>
-              <a:rPr lang="en-US" dirty="0" err="1"/>
-              <a:t>Đặc</a:t>
-            </a:r>
-            <a:r>
-              <a:rPr lang="en-US" dirty="0"/>
-              <a:t> </a:t>
-            </a:r>
-            <a:r>
-              <a:rPr lang="en-US" dirty="0" err="1"/>
-              <a:t>điểm</a:t>
-            </a:r>
-            <a:r>
-              <a:rPr lang="en-US" dirty="0"/>
-              <a:t>,..</a:t>
-            </a:r>
-          </a:p>
-        </p:txBody>
-      </p:sp>
+      <mc:AlternateContent xmlns:mc="http://schemas.openxmlformats.org/markup-compatibility/2006">
+        <mc:Choice xmlns:a14="http://schemas.microsoft.com/office/drawing/2010/main" Requires="a14">
+          <p:sp>
+            <p:nvSpPr>
+              <p:cNvPr id="9" name="TextBox 8">
+                <a:extLst>
+                  <a:ext uri="{FF2B5EF4-FFF2-40B4-BE49-F238E27FC236}">
+                    <a16:creationId xmlns:a16="http://schemas.microsoft.com/office/drawing/2014/main" id="{79F95F76-6206-4391-9CCE-615265FD1B80}"/>
+                  </a:ext>
+                </a:extLst>
+              </p:cNvPr>
+              <p:cNvSpPr txBox="1"/>
+              <p:nvPr/>
+            </p:nvSpPr>
+            <p:spPr>
+              <a:xfrm>
+                <a:off x="3082375" y="4298090"/>
+                <a:ext cx="5146097" cy="817981"/>
+              </a:xfrm>
+              <a:prstGeom prst="rect">
+                <a:avLst/>
+              </a:prstGeom>
+              <a:noFill/>
+            </p:spPr>
+            <p:txBody>
+              <a:bodyPr wrap="square">
+                <a:spAutoFit/>
+              </a:bodyPr>
+              <a:lstStyle/>
+              <a:p>
+                <a:pPr/>
+                <a14:m>
+                  <m:oMathPara xmlns:m="http://schemas.openxmlformats.org/officeDocument/2006/math">
+                    <m:oMathParaPr>
+                      <m:jc m:val="centerGroup"/>
+                    </m:oMathParaPr>
+                    <m:oMath xmlns:m="http://schemas.openxmlformats.org/officeDocument/2006/math">
+                      <m:sSub>
+                        <m:sSubPr>
+                          <m:ctrlPr>
+                            <a:rPr lang="en-US" sz="2400" i="1" smtClean="0">
+                              <a:solidFill>
+                                <a:srgbClr val="836967"/>
+                              </a:solidFill>
+                              <a:latin typeface="Cambria Math" panose="02040503050406030204" pitchFamily="18" charset="0"/>
+                            </a:rPr>
+                          </m:ctrlPr>
+                        </m:sSubPr>
+                        <m:e>
+                          <m:r>
+                            <a:rPr lang="en-US" sz="2400" i="1">
+                              <a:latin typeface="Cambria Math" panose="02040503050406030204" pitchFamily="18" charset="0"/>
+                            </a:rPr>
+                            <m:t>𝜃</m:t>
+                          </m:r>
+                        </m:e>
+                        <m:sub>
+                          <m:r>
+                            <a:rPr lang="en-US" sz="2400" i="1">
+                              <a:latin typeface="Cambria Math" panose="02040503050406030204" pitchFamily="18" charset="0"/>
+                            </a:rPr>
+                            <m:t>𝑗</m:t>
+                          </m:r>
+                        </m:sub>
+                      </m:sSub>
+                      <m:r>
+                        <a:rPr lang="en-US" sz="2400" i="0">
+                          <a:latin typeface="Cambria Math" panose="02040503050406030204" pitchFamily="18" charset="0"/>
+                        </a:rPr>
+                        <m:t>=</m:t>
+                      </m:r>
+                      <m:sSub>
+                        <m:sSubPr>
+                          <m:ctrlPr>
+                            <a:rPr lang="en-US" sz="2400" i="1">
+                              <a:solidFill>
+                                <a:srgbClr val="836967"/>
+                              </a:solidFill>
+                              <a:latin typeface="Cambria Math" panose="02040503050406030204" pitchFamily="18" charset="0"/>
+                            </a:rPr>
+                          </m:ctrlPr>
+                        </m:sSubPr>
+                        <m:e>
+                          <m:r>
+                            <a:rPr lang="en-US" sz="2400" i="1">
+                              <a:latin typeface="Cambria Math" panose="02040503050406030204" pitchFamily="18" charset="0"/>
+                            </a:rPr>
+                            <m:t>𝜃</m:t>
+                          </m:r>
+                        </m:e>
+                        <m:sub>
+                          <m:r>
+                            <a:rPr lang="en-US" sz="2400" i="1">
+                              <a:latin typeface="Cambria Math" panose="02040503050406030204" pitchFamily="18" charset="0"/>
+                            </a:rPr>
+                            <m:t>𝑗</m:t>
+                          </m:r>
+                        </m:sub>
+                      </m:sSub>
+                      <m:r>
+                        <a:rPr lang="en-US" sz="2400" i="0">
+                          <a:latin typeface="Cambria Math" panose="02040503050406030204" pitchFamily="18" charset="0"/>
+                        </a:rPr>
+                        <m:t>+</m:t>
+                      </m:r>
+                      <m:f>
+                        <m:fPr>
+                          <m:ctrlPr>
+                            <a:rPr lang="en-US" sz="2400" i="1">
+                              <a:solidFill>
+                                <a:srgbClr val="836967"/>
+                              </a:solidFill>
+                              <a:latin typeface="Cambria Math" panose="02040503050406030204" pitchFamily="18" charset="0"/>
+                            </a:rPr>
+                          </m:ctrlPr>
+                        </m:fPr>
+                        <m:num>
+                          <m:r>
+                            <a:rPr lang="en-US" sz="2400" i="1">
+                              <a:latin typeface="Cambria Math" panose="02040503050406030204" pitchFamily="18" charset="0"/>
+                            </a:rPr>
+                            <m:t>𝛼</m:t>
+                          </m:r>
+                        </m:num>
+                        <m:den>
+                          <m:r>
+                            <a:rPr lang="en-US" sz="2400" i="1">
+                              <a:latin typeface="Cambria Math" panose="02040503050406030204" pitchFamily="18" charset="0"/>
+                            </a:rPr>
+                            <m:t>𝑚</m:t>
+                          </m:r>
+                        </m:den>
+                      </m:f>
+                      <m:nary>
+                        <m:naryPr>
+                          <m:chr m:val="∑"/>
+                          <m:limLoc m:val="subSup"/>
+                          <m:grow m:val="on"/>
+                          <m:ctrlPr>
+                            <a:rPr lang="en-US" sz="2400" i="1">
+                              <a:latin typeface="Cambria Math" panose="02040503050406030204" pitchFamily="18" charset="0"/>
+                            </a:rPr>
+                          </m:ctrlPr>
+                        </m:naryPr>
+                        <m:sub>
+                          <m:r>
+                            <a:rPr lang="en-US" sz="2400" i="1">
+                              <a:latin typeface="Cambria Math" panose="02040503050406030204" pitchFamily="18" charset="0"/>
+                            </a:rPr>
+                            <m:t>𝑖</m:t>
+                          </m:r>
+                          <m:r>
+                            <a:rPr lang="en-US" sz="2400" i="0">
+                              <a:latin typeface="Cambria Math" panose="02040503050406030204" pitchFamily="18" charset="0"/>
+                            </a:rPr>
+                            <m:t>=1</m:t>
+                          </m:r>
+                        </m:sub>
+                        <m:sup>
+                          <m:r>
+                            <a:rPr lang="en-US" sz="2400" i="1">
+                              <a:latin typeface="Cambria Math" panose="02040503050406030204" pitchFamily="18" charset="0"/>
+                            </a:rPr>
+                            <m:t>𝑚</m:t>
+                          </m:r>
+                        </m:sup>
+                        <m:e>
+                          <m:d>
+                            <m:dPr>
+                              <m:ctrlPr>
+                                <a:rPr lang="en-US" sz="2400" i="1">
+                                  <a:solidFill>
+                                    <a:srgbClr val="836967"/>
+                                  </a:solidFill>
+                                  <a:latin typeface="Cambria Math" panose="02040503050406030204" pitchFamily="18" charset="0"/>
+                                </a:rPr>
+                              </m:ctrlPr>
+                            </m:dPr>
+                            <m:e>
+                              <m:d>
+                                <m:dPr>
+                                  <m:begChr m:val=""/>
+                                  <m:ctrlPr>
+                                    <a:rPr lang="en-US" sz="2400" i="1">
+                                      <a:latin typeface="Cambria Math" panose="02040503050406030204" pitchFamily="18" charset="0"/>
+                                    </a:rPr>
+                                  </m:ctrlPr>
+                                </m:dPr>
+                                <m:e>
+                                  <m:sSup>
+                                    <m:sSupPr>
+                                      <m:ctrlPr>
+                                        <a:rPr lang="en-US" sz="2400" i="1">
+                                          <a:solidFill>
+                                            <a:srgbClr val="836967"/>
+                                          </a:solidFill>
+                                          <a:latin typeface="Cambria Math" panose="02040503050406030204" pitchFamily="18" charset="0"/>
+                                        </a:rPr>
+                                      </m:ctrlPr>
+                                    </m:sSupPr>
+                                    <m:e>
+                                      <m:r>
+                                        <a:rPr lang="en-US" sz="2400" i="1">
+                                          <a:latin typeface="Cambria Math" panose="02040503050406030204" pitchFamily="18" charset="0"/>
+                                        </a:rPr>
+                                        <m:t>𝑦</m:t>
+                                      </m:r>
+                                    </m:e>
+                                    <m:sup>
+                                      <m:r>
+                                        <a:rPr lang="en-US" sz="2400" i="1">
+                                          <a:latin typeface="Cambria Math" panose="02040503050406030204" pitchFamily="18" charset="0"/>
+                                        </a:rPr>
+                                        <m:t>𝑖</m:t>
+                                      </m:r>
+                                    </m:sup>
+                                  </m:sSup>
+                                  <m:r>
+                                    <a:rPr lang="en-US" sz="2400" i="0">
+                                      <a:latin typeface="Cambria Math" panose="02040503050406030204" pitchFamily="18" charset="0"/>
+                                    </a:rPr>
+                                    <m:t>−</m:t>
+                                  </m:r>
+                                  <m:sSub>
+                                    <m:sSubPr>
+                                      <m:ctrlPr>
+                                        <a:rPr lang="en-US" sz="2400" i="1">
+                                          <a:solidFill>
+                                            <a:srgbClr val="836967"/>
+                                          </a:solidFill>
+                                          <a:latin typeface="Cambria Math" panose="02040503050406030204" pitchFamily="18" charset="0"/>
+                                        </a:rPr>
+                                      </m:ctrlPr>
+                                    </m:sSubPr>
+                                    <m:e>
+                                      <m:r>
+                                        <a:rPr lang="en-US" sz="2400" i="1">
+                                          <a:latin typeface="Cambria Math" panose="02040503050406030204" pitchFamily="18" charset="0"/>
+                                        </a:rPr>
+                                        <m:t>h</m:t>
+                                      </m:r>
+                                    </m:e>
+                                    <m:sub>
+                                      <m:r>
+                                        <a:rPr lang="en-US" sz="2400" i="1">
+                                          <a:latin typeface="Cambria Math" panose="02040503050406030204" pitchFamily="18" charset="0"/>
+                                        </a:rPr>
+                                        <m:t>𝜃</m:t>
+                                      </m:r>
+                                    </m:sub>
+                                  </m:sSub>
+                                  <m:r>
+                                    <a:rPr lang="en-US" sz="2400" i="0">
+                                      <a:latin typeface="Cambria Math" panose="02040503050406030204" pitchFamily="18" charset="0"/>
+                                    </a:rPr>
+                                    <m:t>(</m:t>
+                                  </m:r>
+                                  <m:sSup>
+                                    <m:sSupPr>
+                                      <m:ctrlPr>
+                                        <a:rPr lang="en-US" sz="2400" i="1">
+                                          <a:solidFill>
+                                            <a:srgbClr val="836967"/>
+                                          </a:solidFill>
+                                          <a:latin typeface="Cambria Math" panose="02040503050406030204" pitchFamily="18" charset="0"/>
+                                        </a:rPr>
+                                      </m:ctrlPr>
+                                    </m:sSupPr>
+                                    <m:e>
+                                      <m:r>
+                                        <a:rPr lang="en-US" sz="2400" i="1">
+                                          <a:latin typeface="Cambria Math" panose="02040503050406030204" pitchFamily="18" charset="0"/>
+                                        </a:rPr>
+                                        <m:t>𝑥</m:t>
+                                      </m:r>
+                                    </m:e>
+                                    <m:sup>
+                                      <m:r>
+                                        <a:rPr lang="en-US" sz="2400" i="1">
+                                          <a:latin typeface="Cambria Math" panose="02040503050406030204" pitchFamily="18" charset="0"/>
+                                        </a:rPr>
+                                        <m:t>𝑖</m:t>
+                                      </m:r>
+                                    </m:sup>
+                                  </m:sSup>
+                                </m:e>
+                              </m:d>
+                            </m:e>
+                          </m:d>
+                          <m:sSubSup>
+                            <m:sSubSupPr>
+                              <m:ctrlPr>
+                                <a:rPr lang="en-US" sz="2400" i="1">
+                                  <a:solidFill>
+                                    <a:srgbClr val="836967"/>
+                                  </a:solidFill>
+                                  <a:latin typeface="Cambria Math" panose="02040503050406030204" pitchFamily="18" charset="0"/>
+                                </a:rPr>
+                              </m:ctrlPr>
+                            </m:sSubSupPr>
+                            <m:e>
+                              <m:r>
+                                <a:rPr lang="en-US" sz="2400" i="1">
+                                  <a:latin typeface="Cambria Math" panose="02040503050406030204" pitchFamily="18" charset="0"/>
+                                </a:rPr>
+                                <m:t>𝑥</m:t>
+                              </m:r>
+                            </m:e>
+                            <m:sub>
+                              <m:r>
+                                <a:rPr lang="en-US" sz="2400" i="1">
+                                  <a:latin typeface="Cambria Math" panose="02040503050406030204" pitchFamily="18" charset="0"/>
+                                </a:rPr>
+                                <m:t>𝑗</m:t>
+                              </m:r>
+                            </m:sub>
+                            <m:sup>
+                              <m:r>
+                                <a:rPr lang="en-US" sz="2400" i="1">
+                                  <a:latin typeface="Cambria Math" panose="02040503050406030204" pitchFamily="18" charset="0"/>
+                                </a:rPr>
+                                <m:t>𝑖</m:t>
+                              </m:r>
+                            </m:sup>
+                          </m:sSubSup>
+                        </m:e>
+                      </m:nary>
+                    </m:oMath>
+                  </m:oMathPara>
+                </a14:m>
+                <a:endParaRPr lang="en-US"/>
+              </a:p>
+            </p:txBody>
+          </p:sp>
+        </mc:Choice>
+        <mc:Fallback>
+          <p:sp>
+            <p:nvSpPr>
+              <p:cNvPr id="9" name="TextBox 8">
+                <a:extLst>
+                  <a:ext uri="{FF2B5EF4-FFF2-40B4-BE49-F238E27FC236}">
+                    <a16:creationId xmlns:a16="http://schemas.microsoft.com/office/drawing/2014/main" id="{79F95F76-6206-4391-9CCE-615265FD1B80}"/>
+                  </a:ext>
+                </a:extLst>
+              </p:cNvPr>
+              <p:cNvSpPr txBox="1">
+                <a:spLocks noRot="1" noChangeAspect="1" noMove="1" noResize="1" noEditPoints="1" noAdjustHandles="1" noChangeArrowheads="1" noChangeShapeType="1" noTextEdit="1"/>
+              </p:cNvSpPr>
+              <p:nvPr/>
+            </p:nvSpPr>
+            <p:spPr>
+              <a:xfrm>
+                <a:off x="3082375" y="4298090"/>
+                <a:ext cx="5146097" cy="817981"/>
+              </a:xfrm>
+              <a:prstGeom prst="rect">
+                <a:avLst/>
+              </a:prstGeom>
+              <a:blipFill>
+                <a:blip r:embed="rId3"/>
+                <a:stretch>
+                  <a:fillRect/>
+                </a:stretch>
+              </a:blipFill>
+            </p:spPr>
+            <p:txBody>
+              <a:bodyPr/>
+              <a:lstStyle/>
+              <a:p>
+                <a:r>
+                  <a:rPr lang="en-US">
+                    <a:noFill/>
+                  </a:rPr>
+                  <a:t> </a:t>
+                </a:r>
+              </a:p>
+            </p:txBody>
+          </p:sp>
+        </mc:Fallback>
+      </mc:AlternateContent>
+      <mc:AlternateContent xmlns:mc="http://schemas.openxmlformats.org/markup-compatibility/2006">
+        <mc:Choice xmlns:a14="http://schemas.microsoft.com/office/drawing/2010/main" Requires="a14">
+          <p:sp>
+            <p:nvSpPr>
+              <p:cNvPr id="14" name="TextBox 13">
+                <a:extLst>
+                  <a:ext uri="{FF2B5EF4-FFF2-40B4-BE49-F238E27FC236}">
+                    <a16:creationId xmlns:a16="http://schemas.microsoft.com/office/drawing/2014/main" id="{FF39CDA8-B5D1-4E2C-8DAB-6BE1CFC6B8EC}"/>
+                  </a:ext>
+                </a:extLst>
+              </p:cNvPr>
+              <p:cNvSpPr txBox="1"/>
+              <p:nvPr/>
+            </p:nvSpPr>
+            <p:spPr>
+              <a:xfrm>
+                <a:off x="3325348" y="3429000"/>
+                <a:ext cx="4660150" cy="461665"/>
+              </a:xfrm>
+              <a:prstGeom prst="rect">
+                <a:avLst/>
+              </a:prstGeom>
+              <a:noFill/>
+            </p:spPr>
+            <p:txBody>
+              <a:bodyPr wrap="square">
+                <a:spAutoFit/>
+              </a:bodyPr>
+              <a:lstStyle/>
+              <a:p>
+                <a:pPr/>
+                <a14:m>
+                  <m:oMathPara xmlns:m="http://schemas.openxmlformats.org/officeDocument/2006/math">
+                    <m:oMathParaPr>
+                      <m:jc m:val="centerGroup"/>
+                    </m:oMathParaPr>
+                    <m:oMath xmlns:m="http://schemas.openxmlformats.org/officeDocument/2006/math">
+                      <m:sSub>
+                        <m:sSubPr>
+                          <m:ctrlPr>
+                            <a:rPr lang="en-US" sz="2400" i="1" smtClean="0">
+                              <a:solidFill>
+                                <a:srgbClr val="836967"/>
+                              </a:solidFill>
+                              <a:latin typeface="Cambria Math" panose="02040503050406030204" pitchFamily="18" charset="0"/>
+                            </a:rPr>
+                          </m:ctrlPr>
+                        </m:sSubPr>
+                        <m:e>
+                          <m:r>
+                            <a:rPr lang="en-US" sz="2400" i="1">
+                              <a:latin typeface="Cambria Math" panose="02040503050406030204" pitchFamily="18" charset="0"/>
+                            </a:rPr>
+                            <m:t>h</m:t>
+                          </m:r>
+                        </m:e>
+                        <m:sub>
+                          <m:r>
+                            <a:rPr lang="en-US" sz="2400" i="1">
+                              <a:latin typeface="Cambria Math" panose="02040503050406030204" pitchFamily="18" charset="0"/>
+                            </a:rPr>
+                            <m:t>𝜃</m:t>
+                          </m:r>
+                        </m:sub>
+                      </m:sSub>
+                      <m:d>
+                        <m:dPr>
+                          <m:ctrlPr>
+                            <a:rPr lang="en-US" sz="2400" i="1">
+                              <a:solidFill>
+                                <a:srgbClr val="836967"/>
+                              </a:solidFill>
+                              <a:latin typeface="Cambria Math" panose="02040503050406030204" pitchFamily="18" charset="0"/>
+                            </a:rPr>
+                          </m:ctrlPr>
+                        </m:dPr>
+                        <m:e>
+                          <m:r>
+                            <a:rPr lang="en-US" sz="2400" i="1">
+                              <a:latin typeface="Cambria Math" panose="02040503050406030204" pitchFamily="18" charset="0"/>
+                            </a:rPr>
+                            <m:t>𝑥</m:t>
+                          </m:r>
+                        </m:e>
+                      </m:d>
+                      <m:r>
+                        <a:rPr lang="en-US" sz="2400" i="0">
+                          <a:latin typeface="Cambria Math" panose="02040503050406030204" pitchFamily="18" charset="0"/>
+                        </a:rPr>
+                        <m:t>=</m:t>
+                      </m:r>
+                      <m:sSub>
+                        <m:sSubPr>
+                          <m:ctrlPr>
+                            <a:rPr lang="en-US" sz="2400" i="1">
+                              <a:solidFill>
+                                <a:srgbClr val="836967"/>
+                              </a:solidFill>
+                              <a:latin typeface="Cambria Math" panose="02040503050406030204" pitchFamily="18" charset="0"/>
+                            </a:rPr>
+                          </m:ctrlPr>
+                        </m:sSubPr>
+                        <m:e>
+                          <m:r>
+                            <a:rPr lang="en-US" sz="2400" i="1">
+                              <a:latin typeface="Cambria Math" panose="02040503050406030204" pitchFamily="18" charset="0"/>
+                            </a:rPr>
+                            <m:t>𝜃</m:t>
+                          </m:r>
+                        </m:e>
+                        <m:sub>
+                          <m:r>
+                            <a:rPr lang="en-US" sz="2400" i="0">
+                              <a:latin typeface="Cambria Math" panose="02040503050406030204" pitchFamily="18" charset="0"/>
+                            </a:rPr>
+                            <m:t>0</m:t>
+                          </m:r>
+                        </m:sub>
+                      </m:sSub>
+                      <m:r>
+                        <a:rPr lang="en-US" sz="2400" i="0">
+                          <a:latin typeface="Cambria Math" panose="02040503050406030204" pitchFamily="18" charset="0"/>
+                        </a:rPr>
+                        <m:t>+</m:t>
+                      </m:r>
+                      <m:sSub>
+                        <m:sSubPr>
+                          <m:ctrlPr>
+                            <a:rPr lang="en-US" sz="2400" i="1">
+                              <a:solidFill>
+                                <a:srgbClr val="836967"/>
+                              </a:solidFill>
+                              <a:latin typeface="Cambria Math" panose="02040503050406030204" pitchFamily="18" charset="0"/>
+                            </a:rPr>
+                          </m:ctrlPr>
+                        </m:sSubPr>
+                        <m:e>
+                          <m:r>
+                            <a:rPr lang="en-US" sz="2400" i="1">
+                              <a:latin typeface="Cambria Math" panose="02040503050406030204" pitchFamily="18" charset="0"/>
+                            </a:rPr>
+                            <m:t>𝜃</m:t>
+                          </m:r>
+                        </m:e>
+                        <m:sub>
+                          <m:r>
+                            <a:rPr lang="en-US" sz="2400" i="0">
+                              <a:latin typeface="Cambria Math" panose="02040503050406030204" pitchFamily="18" charset="0"/>
+                            </a:rPr>
+                            <m:t>1</m:t>
+                          </m:r>
+                        </m:sub>
+                      </m:sSub>
+                      <m:sSub>
+                        <m:sSubPr>
+                          <m:ctrlPr>
+                            <a:rPr lang="en-US" sz="2400" i="1">
+                              <a:solidFill>
+                                <a:srgbClr val="836967"/>
+                              </a:solidFill>
+                              <a:latin typeface="Cambria Math" panose="02040503050406030204" pitchFamily="18" charset="0"/>
+                            </a:rPr>
+                          </m:ctrlPr>
+                        </m:sSubPr>
+                        <m:e>
+                          <m:r>
+                            <a:rPr lang="en-US" sz="2400" i="1">
+                              <a:latin typeface="Cambria Math" panose="02040503050406030204" pitchFamily="18" charset="0"/>
+                            </a:rPr>
+                            <m:t>𝑋</m:t>
+                          </m:r>
+                        </m:e>
+                        <m:sub>
+                          <m:r>
+                            <a:rPr lang="en-US" sz="2400" i="0">
+                              <a:latin typeface="Cambria Math" panose="02040503050406030204" pitchFamily="18" charset="0"/>
+                            </a:rPr>
+                            <m:t>1</m:t>
+                          </m:r>
+                        </m:sub>
+                      </m:sSub>
+                      <m:r>
+                        <a:rPr lang="en-US" sz="2400" i="0">
+                          <a:latin typeface="Cambria Math" panose="02040503050406030204" pitchFamily="18" charset="0"/>
+                        </a:rPr>
+                        <m:t>+</m:t>
+                      </m:r>
+                      <m:sSub>
+                        <m:sSubPr>
+                          <m:ctrlPr>
+                            <a:rPr lang="en-US" sz="2400" i="1">
+                              <a:solidFill>
+                                <a:srgbClr val="836967"/>
+                              </a:solidFill>
+                              <a:latin typeface="Cambria Math" panose="02040503050406030204" pitchFamily="18" charset="0"/>
+                            </a:rPr>
+                          </m:ctrlPr>
+                        </m:sSubPr>
+                        <m:e>
+                          <m:r>
+                            <a:rPr lang="en-US" sz="2400" i="1">
+                              <a:latin typeface="Cambria Math" panose="02040503050406030204" pitchFamily="18" charset="0"/>
+                            </a:rPr>
+                            <m:t>𝜃</m:t>
+                          </m:r>
+                        </m:e>
+                        <m:sub>
+                          <m:r>
+                            <a:rPr lang="en-US" sz="2400" i="0">
+                              <a:latin typeface="Cambria Math" panose="02040503050406030204" pitchFamily="18" charset="0"/>
+                            </a:rPr>
+                            <m:t>2</m:t>
+                          </m:r>
+                        </m:sub>
+                      </m:sSub>
+                      <m:sSub>
+                        <m:sSubPr>
+                          <m:ctrlPr>
+                            <a:rPr lang="en-US" sz="2400" i="1">
+                              <a:solidFill>
+                                <a:srgbClr val="836967"/>
+                              </a:solidFill>
+                              <a:latin typeface="Cambria Math" panose="02040503050406030204" pitchFamily="18" charset="0"/>
+                            </a:rPr>
+                          </m:ctrlPr>
+                        </m:sSubPr>
+                        <m:e>
+                          <m:r>
+                            <a:rPr lang="en-US" sz="2400" i="1">
+                              <a:latin typeface="Cambria Math" panose="02040503050406030204" pitchFamily="18" charset="0"/>
+                            </a:rPr>
+                            <m:t>𝑋</m:t>
+                          </m:r>
+                        </m:e>
+                        <m:sub>
+                          <m:r>
+                            <a:rPr lang="en-US" sz="2400" i="0">
+                              <a:latin typeface="Cambria Math" panose="02040503050406030204" pitchFamily="18" charset="0"/>
+                            </a:rPr>
+                            <m:t>2</m:t>
+                          </m:r>
+                        </m:sub>
+                      </m:sSub>
+                      <m:r>
+                        <a:rPr lang="en-US" sz="2400" i="0">
+                          <a:latin typeface="Cambria Math" panose="02040503050406030204" pitchFamily="18" charset="0"/>
+                        </a:rPr>
+                        <m:t>+</m:t>
+                      </m:r>
+                      <m:sSub>
+                        <m:sSubPr>
+                          <m:ctrlPr>
+                            <a:rPr lang="en-US" sz="2400" i="1">
+                              <a:solidFill>
+                                <a:srgbClr val="836967"/>
+                              </a:solidFill>
+                              <a:latin typeface="Cambria Math" panose="02040503050406030204" pitchFamily="18" charset="0"/>
+                            </a:rPr>
+                          </m:ctrlPr>
+                        </m:sSubPr>
+                        <m:e>
+                          <m:r>
+                            <a:rPr lang="en-US" sz="2400" i="1">
+                              <a:latin typeface="Cambria Math" panose="02040503050406030204" pitchFamily="18" charset="0"/>
+                            </a:rPr>
+                            <m:t>𝜃</m:t>
+                          </m:r>
+                        </m:e>
+                        <m:sub>
+                          <m:r>
+                            <a:rPr lang="en-US" sz="2400" i="0">
+                              <a:latin typeface="Cambria Math" panose="02040503050406030204" pitchFamily="18" charset="0"/>
+                            </a:rPr>
+                            <m:t>3</m:t>
+                          </m:r>
+                        </m:sub>
+                      </m:sSub>
+                      <m:sSub>
+                        <m:sSubPr>
+                          <m:ctrlPr>
+                            <a:rPr lang="en-US" sz="2400" i="1">
+                              <a:solidFill>
+                                <a:srgbClr val="836967"/>
+                              </a:solidFill>
+                              <a:latin typeface="Cambria Math" panose="02040503050406030204" pitchFamily="18" charset="0"/>
+                            </a:rPr>
+                          </m:ctrlPr>
+                        </m:sSubPr>
+                        <m:e>
+                          <m:r>
+                            <a:rPr lang="en-US" sz="2400" i="1">
+                              <a:latin typeface="Cambria Math" panose="02040503050406030204" pitchFamily="18" charset="0"/>
+                            </a:rPr>
+                            <m:t>𝑋</m:t>
+                          </m:r>
+                        </m:e>
+                        <m:sub>
+                          <m:r>
+                            <a:rPr lang="en-US" sz="2400" i="0">
+                              <a:latin typeface="Cambria Math" panose="02040503050406030204" pitchFamily="18" charset="0"/>
+                            </a:rPr>
+                            <m:t>3</m:t>
+                          </m:r>
+                        </m:sub>
+                      </m:sSub>
+                    </m:oMath>
+                  </m:oMathPara>
+                </a14:m>
+                <a:endParaRPr lang="en-US"/>
+              </a:p>
+            </p:txBody>
+          </p:sp>
+        </mc:Choice>
+        <mc:Fallback>
+          <p:sp>
+            <p:nvSpPr>
+              <p:cNvPr id="14" name="TextBox 13">
+                <a:extLst>
+                  <a:ext uri="{FF2B5EF4-FFF2-40B4-BE49-F238E27FC236}">
+                    <a16:creationId xmlns:a16="http://schemas.microsoft.com/office/drawing/2014/main" id="{FF39CDA8-B5D1-4E2C-8DAB-6BE1CFC6B8EC}"/>
+                  </a:ext>
+                </a:extLst>
+              </p:cNvPr>
+              <p:cNvSpPr txBox="1">
+                <a:spLocks noRot="1" noChangeAspect="1" noMove="1" noResize="1" noEditPoints="1" noAdjustHandles="1" noChangeArrowheads="1" noChangeShapeType="1" noTextEdit="1"/>
+              </p:cNvSpPr>
+              <p:nvPr/>
+            </p:nvSpPr>
+            <p:spPr>
+              <a:xfrm>
+                <a:off x="3325348" y="3429000"/>
+                <a:ext cx="4660150" cy="461665"/>
+              </a:xfrm>
+              <a:prstGeom prst="rect">
+                <a:avLst/>
+              </a:prstGeom>
+              <a:blipFill>
+                <a:blip r:embed="rId4"/>
+                <a:stretch>
+                  <a:fillRect b="-5333"/>
+                </a:stretch>
+              </a:blipFill>
+            </p:spPr>
+            <p:txBody>
+              <a:bodyPr/>
+              <a:lstStyle/>
+              <a:p>
+                <a:r>
+                  <a:rPr lang="en-US">
+                    <a:noFill/>
+                  </a:rPr>
+                  <a:t> </a:t>
+                </a:r>
+              </a:p>
+            </p:txBody>
+          </p:sp>
+        </mc:Fallback>
+      </mc:AlternateContent>
+      <mc:AlternateContent xmlns:mc="http://schemas.openxmlformats.org/markup-compatibility/2006">
+        <mc:Choice xmlns:a14="http://schemas.microsoft.com/office/drawing/2010/main" Requires="a14">
+          <p:sp>
+            <p:nvSpPr>
+              <p:cNvPr id="15" name="TextBox 14">
+                <a:extLst>
+                  <a:ext uri="{FF2B5EF4-FFF2-40B4-BE49-F238E27FC236}">
+                    <a16:creationId xmlns:a16="http://schemas.microsoft.com/office/drawing/2014/main" id="{EFF741D0-8438-479F-8E7C-6E7D47B80A0D}"/>
+                  </a:ext>
+                </a:extLst>
+              </p:cNvPr>
+              <p:cNvSpPr txBox="1"/>
+              <p:nvPr/>
+            </p:nvSpPr>
+            <p:spPr>
+              <a:xfrm>
+                <a:off x="2958811" y="2532790"/>
+                <a:ext cx="5748770" cy="461665"/>
+              </a:xfrm>
+              <a:prstGeom prst="rect">
+                <a:avLst/>
+              </a:prstGeom>
+              <a:noFill/>
+            </p:spPr>
+            <p:txBody>
+              <a:bodyPr wrap="square">
+                <a:spAutoFit/>
+              </a:bodyPr>
+              <a:lstStyle/>
+              <a:p>
+                <a:pPr/>
+                <a14:m>
+                  <m:oMathPara xmlns:m="http://schemas.openxmlformats.org/officeDocument/2006/math">
+                    <m:oMathParaPr>
+                      <m:jc m:val="centerGroup"/>
+                    </m:oMathParaPr>
+                    <m:oMath xmlns:m="http://schemas.openxmlformats.org/officeDocument/2006/math">
+                      <m:sSub>
+                        <m:sSubPr>
+                          <m:ctrlPr>
+                            <a:rPr lang="en-US" sz="2400" i="1" smtClean="0">
+                              <a:solidFill>
+                                <a:srgbClr val="836967"/>
+                              </a:solidFill>
+                              <a:latin typeface="Cambria Math" panose="02040503050406030204" pitchFamily="18" charset="0"/>
+                            </a:rPr>
+                          </m:ctrlPr>
+                        </m:sSubPr>
+                        <m:e>
+                          <m:r>
+                            <a:rPr lang="en-US" sz="2400" i="1">
+                              <a:latin typeface="Cambria Math" panose="02040503050406030204" pitchFamily="18" charset="0"/>
+                            </a:rPr>
+                            <m:t>𝜃</m:t>
+                          </m:r>
+                        </m:e>
+                        <m:sub>
+                          <m:r>
+                            <a:rPr lang="en-US" sz="2400" i="0">
+                              <a:latin typeface="Cambria Math" panose="02040503050406030204" pitchFamily="18" charset="0"/>
+                            </a:rPr>
+                            <m:t>0</m:t>
+                          </m:r>
+                        </m:sub>
+                      </m:sSub>
+                      <m:r>
+                        <a:rPr lang="en-US" sz="2400" i="0">
+                          <a:latin typeface="Cambria Math" panose="02040503050406030204" pitchFamily="18" charset="0"/>
+                        </a:rPr>
+                        <m:t>=0.5, </m:t>
+                      </m:r>
+                      <m:sSub>
+                        <m:sSubPr>
+                          <m:ctrlPr>
+                            <a:rPr lang="en-US" sz="2400" i="1">
+                              <a:solidFill>
+                                <a:srgbClr val="836967"/>
+                              </a:solidFill>
+                              <a:latin typeface="Cambria Math" panose="02040503050406030204" pitchFamily="18" charset="0"/>
+                            </a:rPr>
+                          </m:ctrlPr>
+                        </m:sSubPr>
+                        <m:e>
+                          <m:r>
+                            <a:rPr lang="en-US" sz="2400" i="0">
+                              <a:latin typeface="Cambria Math" panose="02040503050406030204" pitchFamily="18" charset="0"/>
+                            </a:rPr>
+                            <m:t>  </m:t>
+                          </m:r>
+                          <m:r>
+                            <a:rPr lang="en-US" sz="2400" i="1">
+                              <a:latin typeface="Cambria Math" panose="02040503050406030204" pitchFamily="18" charset="0"/>
+                            </a:rPr>
+                            <m:t>𝜃</m:t>
+                          </m:r>
+                        </m:e>
+                        <m:sub>
+                          <m:r>
+                            <a:rPr lang="en-US" sz="2400" i="0">
+                              <a:latin typeface="Cambria Math" panose="02040503050406030204" pitchFamily="18" charset="0"/>
+                            </a:rPr>
+                            <m:t>1</m:t>
+                          </m:r>
+                        </m:sub>
+                      </m:sSub>
+                      <m:r>
+                        <a:rPr lang="en-US" sz="2400" i="0">
+                          <a:latin typeface="Cambria Math" panose="02040503050406030204" pitchFamily="18" charset="0"/>
+                        </a:rPr>
+                        <m:t>=0.5,</m:t>
+                      </m:r>
+                      <m:sSub>
+                        <m:sSubPr>
+                          <m:ctrlPr>
+                            <a:rPr lang="en-US" sz="2400" i="1">
+                              <a:solidFill>
+                                <a:srgbClr val="836967"/>
+                              </a:solidFill>
+                              <a:latin typeface="Cambria Math" panose="02040503050406030204" pitchFamily="18" charset="0"/>
+                            </a:rPr>
+                          </m:ctrlPr>
+                        </m:sSubPr>
+                        <m:e>
+                          <m:r>
+                            <a:rPr lang="en-US" sz="2400" i="0">
+                              <a:latin typeface="Cambria Math" panose="02040503050406030204" pitchFamily="18" charset="0"/>
+                            </a:rPr>
+                            <m:t>  </m:t>
+                          </m:r>
+                          <m:r>
+                            <a:rPr lang="en-US" sz="2400" i="1">
+                              <a:latin typeface="Cambria Math" panose="02040503050406030204" pitchFamily="18" charset="0"/>
+                            </a:rPr>
+                            <m:t>𝜃</m:t>
+                          </m:r>
+                        </m:e>
+                        <m:sub>
+                          <m:r>
+                            <a:rPr lang="en-US" sz="2400" i="0">
+                              <a:latin typeface="Cambria Math" panose="02040503050406030204" pitchFamily="18" charset="0"/>
+                            </a:rPr>
+                            <m:t>2</m:t>
+                          </m:r>
+                        </m:sub>
+                      </m:sSub>
+                      <m:r>
+                        <a:rPr lang="en-US" sz="2400" i="0">
+                          <a:latin typeface="Cambria Math" panose="02040503050406030204" pitchFamily="18" charset="0"/>
+                        </a:rPr>
+                        <m:t>=1,</m:t>
+                      </m:r>
+                      <m:sSub>
+                        <m:sSubPr>
+                          <m:ctrlPr>
+                            <a:rPr lang="en-US" sz="2400" i="1">
+                              <a:solidFill>
+                                <a:srgbClr val="836967"/>
+                              </a:solidFill>
+                              <a:latin typeface="Cambria Math" panose="02040503050406030204" pitchFamily="18" charset="0"/>
+                            </a:rPr>
+                          </m:ctrlPr>
+                        </m:sSubPr>
+                        <m:e>
+                          <m:r>
+                            <a:rPr lang="en-US" sz="2400" i="0">
+                              <a:latin typeface="Cambria Math" panose="02040503050406030204" pitchFamily="18" charset="0"/>
+                            </a:rPr>
+                            <m:t>  </m:t>
+                          </m:r>
+                          <m:r>
+                            <a:rPr lang="en-US" sz="2400" i="1">
+                              <a:latin typeface="Cambria Math" panose="02040503050406030204" pitchFamily="18" charset="0"/>
+                            </a:rPr>
+                            <m:t>𝜃</m:t>
+                          </m:r>
+                        </m:e>
+                        <m:sub>
+                          <m:r>
+                            <a:rPr lang="en-US" sz="2400" i="0">
+                              <a:latin typeface="Cambria Math" panose="02040503050406030204" pitchFamily="18" charset="0"/>
+                            </a:rPr>
+                            <m:t>3</m:t>
+                          </m:r>
+                        </m:sub>
+                      </m:sSub>
+                      <m:r>
+                        <a:rPr lang="en-US" sz="2400" i="0">
+                          <a:latin typeface="Cambria Math" panose="02040503050406030204" pitchFamily="18" charset="0"/>
+                        </a:rPr>
+                        <m:t>=1, </m:t>
+                      </m:r>
+                      <m:r>
+                        <a:rPr lang="en-US" sz="2400" i="1">
+                          <a:latin typeface="Cambria Math" panose="02040503050406030204" pitchFamily="18" charset="0"/>
+                        </a:rPr>
+                        <m:t>𝛼</m:t>
+                      </m:r>
+                      <m:r>
+                        <a:rPr lang="en-US" sz="2400" i="0">
+                          <a:latin typeface="Cambria Math" panose="02040503050406030204" pitchFamily="18" charset="0"/>
+                        </a:rPr>
+                        <m:t>=0.2</m:t>
+                      </m:r>
+                    </m:oMath>
+                  </m:oMathPara>
+                </a14:m>
+                <a:endParaRPr lang="en-US" sz="2400"/>
+              </a:p>
+            </p:txBody>
+          </p:sp>
+        </mc:Choice>
+        <mc:Fallback>
+          <p:sp>
+            <p:nvSpPr>
+              <p:cNvPr id="15" name="TextBox 14">
+                <a:extLst>
+                  <a:ext uri="{FF2B5EF4-FFF2-40B4-BE49-F238E27FC236}">
+                    <a16:creationId xmlns:a16="http://schemas.microsoft.com/office/drawing/2014/main" id="{EFF741D0-8438-479F-8E7C-6E7D47B80A0D}"/>
+                  </a:ext>
+                </a:extLst>
+              </p:cNvPr>
+              <p:cNvSpPr txBox="1">
+                <a:spLocks noRot="1" noChangeAspect="1" noMove="1" noResize="1" noEditPoints="1" noAdjustHandles="1" noChangeArrowheads="1" noChangeShapeType="1" noTextEdit="1"/>
+              </p:cNvSpPr>
+              <p:nvPr/>
+            </p:nvSpPr>
+            <p:spPr>
+              <a:xfrm>
+                <a:off x="2958811" y="2532790"/>
+                <a:ext cx="5748770" cy="461665"/>
+              </a:xfrm>
+              <a:prstGeom prst="rect">
+                <a:avLst/>
+              </a:prstGeom>
+              <a:blipFill>
+                <a:blip r:embed="rId5"/>
+                <a:stretch>
+                  <a:fillRect b="-3947"/>
+                </a:stretch>
+              </a:blipFill>
+            </p:spPr>
+            <p:txBody>
+              <a:bodyPr/>
+              <a:lstStyle/>
+              <a:p>
+                <a:r>
+                  <a:rPr lang="en-US">
+                    <a:noFill/>
+                  </a:rPr>
+                  <a:t> </a:t>
+                </a:r>
+              </a:p>
+            </p:txBody>
+          </p:sp>
+        </mc:Fallback>
+      </mc:AlternateContent>
     </p:spTree>
     <p:extLst>
       <p:ext uri="{BB962C8B-B14F-4D97-AF65-F5344CB8AC3E}">
@@ -10783,7 +7717,7 @@
 </p:sld>
 </file>
 
-<file path=ppt/slides/slide7.xml><?xml version="1.0" encoding="utf-8"?>
+<file path=ppt/slides/slide6.xml><?xml version="1.0" encoding="utf-8"?>
 <p:sld xmlns:a="http://schemas.openxmlformats.org/drawingml/2006/main" xmlns:r="http://schemas.openxmlformats.org/officeDocument/2006/relationships" xmlns:p="http://schemas.openxmlformats.org/presentationml/2006/main">
   <p:cSld>
     <p:spTree>
@@ -10823,7 +7757,7 @@
           <a:p>
             <a:fld id="{3A98EE3D-8CD1-4C3F-BD1C-C98C9596463C}" type="slidenum">
               <a:rPr lang="en-US" smtClean="0"/>
-              <a:t>7</a:t>
+              <a:t>6</a:t>
             </a:fld>
             <a:endParaRPr lang="en-US" dirty="0"/>
           </a:p>
@@ -11141,6 +8075,94 @@
           </a:p>
         </p:txBody>
       </p:sp>
+      <p:sp>
+        <p:nvSpPr>
+          <p:cNvPr id="2" name="TextBox 1">
+            <a:extLst>
+              <a:ext uri="{FF2B5EF4-FFF2-40B4-BE49-F238E27FC236}">
+                <a16:creationId xmlns:a16="http://schemas.microsoft.com/office/drawing/2014/main" id="{B836704B-8590-4D86-8445-35D034219B72}"/>
+              </a:ext>
+            </a:extLst>
+          </p:cNvPr>
+          <p:cNvSpPr txBox="1"/>
+          <p:nvPr/>
+        </p:nvSpPr>
+        <p:spPr>
+          <a:xfrm>
+            <a:off x="1901536" y="2098964"/>
+            <a:ext cx="5735782" cy="646331"/>
+          </a:xfrm>
+          <a:prstGeom prst="rect">
+            <a:avLst/>
+          </a:prstGeom>
+          <a:noFill/>
+        </p:spPr>
+        <p:txBody>
+          <a:bodyPr wrap="square" rtlCol="0">
+            <a:spAutoFit/>
+          </a:bodyPr>
+          <a:lstStyle/>
+          <a:p>
+            <a:r>
+              <a:rPr lang="en-US"/>
+              <a:t>Ưu điểm:</a:t>
+            </a:r>
+          </a:p>
+          <a:p>
+            <a:r>
+              <a:rPr lang="en-US"/>
+              <a:t>Đơn giản</a:t>
+            </a:r>
+          </a:p>
+        </p:txBody>
+      </p:sp>
+      <p:sp>
+        <p:nvSpPr>
+          <p:cNvPr id="3" name="TextBox 2">
+            <a:extLst>
+              <a:ext uri="{FF2B5EF4-FFF2-40B4-BE49-F238E27FC236}">
+                <a16:creationId xmlns:a16="http://schemas.microsoft.com/office/drawing/2014/main" id="{7C28BB6D-5363-42F7-B618-097FFE90ACB3}"/>
+              </a:ext>
+            </a:extLst>
+          </p:cNvPr>
+          <p:cNvSpPr txBox="1"/>
+          <p:nvPr/>
+        </p:nvSpPr>
+        <p:spPr>
+          <a:xfrm>
+            <a:off x="2473036" y="3148445"/>
+            <a:ext cx="3366655" cy="1200329"/>
+          </a:xfrm>
+          <a:prstGeom prst="rect">
+            <a:avLst/>
+          </a:prstGeom>
+          <a:noFill/>
+        </p:spPr>
+        <p:txBody>
+          <a:bodyPr wrap="square" rtlCol="0">
+            <a:spAutoFit/>
+          </a:bodyPr>
+          <a:lstStyle/>
+          <a:p>
+            <a:r>
+              <a:rPr lang="en-US"/>
+              <a:t>Hạn chế:</a:t>
+            </a:r>
+          </a:p>
+          <a:p>
+            <a:r>
+              <a:rPr lang="en-US"/>
+              <a:t>Bị ảnh hưởng bởi dữ liệu nhiễu</a:t>
+            </a:r>
+          </a:p>
+          <a:p>
+            <a:r>
+              <a:rPr lang="en-US"/>
+              <a:t>Không biểu diễn được các mô hình phức tạp</a:t>
+            </a:r>
+          </a:p>
+        </p:txBody>
+      </p:sp>
     </p:spTree>
     <p:extLst>
       <p:ext uri="{BB962C8B-B14F-4D97-AF65-F5344CB8AC3E}">
@@ -11154,7 +8176,7 @@
 </p:sld>
 </file>
 
-<file path=ppt/slides/slide8.xml><?xml version="1.0" encoding="utf-8"?>
+<file path=ppt/slides/slide7.xml><?xml version="1.0" encoding="utf-8"?>
 <p:sld xmlns:a="http://schemas.openxmlformats.org/drawingml/2006/main" xmlns:r="http://schemas.openxmlformats.org/officeDocument/2006/relationships" xmlns:p="http://schemas.openxmlformats.org/presentationml/2006/main">
   <p:cSld>
     <p:spTree>
@@ -11194,7 +8216,7 @@
           <a:p>
             <a:fld id="{3A98EE3D-8CD1-4C3F-BD1C-C98C9596463C}" type="slidenum">
               <a:rPr lang="en-US" smtClean="0"/>
-              <a:t>8</a:t>
+              <a:t>7</a:t>
             </a:fld>
             <a:endParaRPr lang="en-US" dirty="0"/>
           </a:p>
@@ -11516,6 +8538,270 @@
     <p:extLst>
       <p:ext uri="{BB962C8B-B14F-4D97-AF65-F5344CB8AC3E}">
         <p14:creationId xmlns:p14="http://schemas.microsoft.com/office/powerpoint/2010/main" val="3123593477"/>
+      </p:ext>
+    </p:extLst>
+  </p:cSld>
+  <p:clrMapOvr>
+    <a:masterClrMapping/>
+  </p:clrMapOvr>
+</p:sld>
+</file>
+
+<file path=ppt/slides/slide8.xml><?xml version="1.0" encoding="utf-8"?>
+<p:sld xmlns:a="http://schemas.openxmlformats.org/drawingml/2006/main" xmlns:r="http://schemas.openxmlformats.org/officeDocument/2006/relationships" xmlns:p="http://schemas.openxmlformats.org/presentationml/2006/main">
+  <p:cSld>
+    <p:bg>
+      <p:bgPr>
+        <a:solidFill>
+          <a:schemeClr val="bg1"/>
+        </a:solidFill>
+        <a:effectLst/>
+      </p:bgPr>
+    </p:bg>
+    <p:spTree>
+      <p:nvGrpSpPr>
+        <p:cNvPr id="1" name=""/>
+        <p:cNvGrpSpPr/>
+        <p:nvPr/>
+      </p:nvGrpSpPr>
+      <p:grpSpPr>
+        <a:xfrm>
+          <a:off x="0" y="0"/>
+          <a:ext cx="0" cy="0"/>
+          <a:chOff x="0" y="0"/>
+          <a:chExt cx="0" cy="0"/>
+        </a:xfrm>
+      </p:grpSpPr>
+      <p:sp>
+        <p:nvSpPr>
+          <p:cNvPr id="47" name="Rectangle 46">
+            <a:extLst>
+              <a:ext uri="{FF2B5EF4-FFF2-40B4-BE49-F238E27FC236}">
+                <a16:creationId xmlns:a16="http://schemas.microsoft.com/office/drawing/2014/main" id="{FBDCECDC-EEE3-4128-AA5E-82A8C08796E8}"/>
+              </a:ext>
+              <a:ext uri="{C183D7F6-B498-43B3-948B-1728B52AA6E4}">
+                <adec:decorative xmlns:adec="http://schemas.microsoft.com/office/drawing/2017/decorative" val="1"/>
+              </a:ext>
+            </a:extLst>
+          </p:cNvPr>
+          <p:cNvSpPr>
+            <a:spLocks noGrp="1" noRot="1" noChangeAspect="1" noMove="1" noResize="1" noEditPoints="1" noAdjustHandles="1" noChangeArrowheads="1" noChangeShapeType="1" noTextEdit="1"/>
+          </p:cNvSpPr>
+          <p:nvPr>
+            <p:extLst>
+              <p:ext uri="{386F3935-93C4-4BCD-93E2-E3B085C9AB24}">
+                <p16:designElem xmlns:p16="http://schemas.microsoft.com/office/powerpoint/2015/main" val="1"/>
+              </p:ext>
+            </p:extLst>
+          </p:nvPr>
+        </p:nvSpPr>
+        <p:spPr>
+          <a:xfrm>
+            <a:off x="1507" y="0"/>
+            <a:ext cx="12192000" cy="6858000"/>
+          </a:xfrm>
+          <a:prstGeom prst="rect">
+            <a:avLst/>
+          </a:prstGeom>
+          <a:solidFill>
+            <a:schemeClr val="accent1"/>
+          </a:solidFill>
+          <a:ln>
+            <a:noFill/>
+          </a:ln>
+        </p:spPr>
+        <p:style>
+          <a:lnRef idx="2">
+            <a:schemeClr val="accent1">
+              <a:shade val="50000"/>
+            </a:schemeClr>
+          </a:lnRef>
+          <a:fillRef idx="1">
+            <a:schemeClr val="accent1"/>
+          </a:fillRef>
+          <a:effectRef idx="0">
+            <a:schemeClr val="accent1"/>
+          </a:effectRef>
+          <a:fontRef idx="minor">
+            <a:schemeClr val="lt1"/>
+          </a:fontRef>
+        </p:style>
+        <p:txBody>
+          <a:bodyPr rtlCol="0" anchor="ctr"/>
+          <a:lstStyle/>
+          <a:p>
+            <a:pPr algn="ctr"/>
+            <a:endParaRPr lang="en-US"/>
+          </a:p>
+        </p:txBody>
+      </p:sp>
+      <p:sp>
+        <p:nvSpPr>
+          <p:cNvPr id="2" name="Title 1">
+            <a:extLst>
+              <a:ext uri="{FF2B5EF4-FFF2-40B4-BE49-F238E27FC236}">
+                <a16:creationId xmlns:a16="http://schemas.microsoft.com/office/drawing/2014/main" id="{9AB2EA78-AEB3-469B-9025-3B17201A457B}"/>
+              </a:ext>
+            </a:extLst>
+          </p:cNvPr>
+          <p:cNvSpPr>
+            <a:spLocks noGrp="1"/>
+          </p:cNvSpPr>
+          <p:nvPr>
+            <p:ph type="ctrTitle"/>
+          </p:nvPr>
+        </p:nvSpPr>
+        <p:spPr>
+          <a:xfrm>
+            <a:off x="1097280" y="758952"/>
+            <a:ext cx="10058400" cy="3892168"/>
+          </a:xfrm>
+        </p:spPr>
+        <p:txBody>
+          <a:bodyPr anchor="ctr">
+            <a:normAutofit/>
+          </a:bodyPr>
+          <a:lstStyle/>
+          <a:p>
+            <a:pPr lvl="0"/>
+            <a:r>
+              <a:rPr lang="en-US" sz="4800" i="1" dirty="0">
+                <a:solidFill>
+                  <a:srgbClr val="FFFFFF"/>
+                </a:solidFill>
+              </a:rPr>
+              <a:t>Your best quote that reflects your approach… “It’s one small step for man, one giant leap for mankind.”</a:t>
+            </a:r>
+          </a:p>
+        </p:txBody>
+      </p:sp>
+      <p:sp>
+        <p:nvSpPr>
+          <p:cNvPr id="49" name="Rectangle 48">
+            <a:extLst>
+              <a:ext uri="{FF2B5EF4-FFF2-40B4-BE49-F238E27FC236}">
+                <a16:creationId xmlns:a16="http://schemas.microsoft.com/office/drawing/2014/main" id="{4260EDE0-989C-4E16-AF94-F652294D828E}"/>
+              </a:ext>
+              <a:ext uri="{C183D7F6-B498-43B3-948B-1728B52AA6E4}">
+                <adec:decorative xmlns:adec="http://schemas.microsoft.com/office/drawing/2017/decorative" val="1"/>
+              </a:ext>
+            </a:extLst>
+          </p:cNvPr>
+          <p:cNvSpPr>
+            <a:spLocks noGrp="1" noRot="1" noChangeAspect="1" noMove="1" noResize="1" noEditPoints="1" noAdjustHandles="1" noChangeArrowheads="1" noChangeShapeType="1" noTextEdit="1"/>
+          </p:cNvSpPr>
+          <p:nvPr>
+            <p:extLst>
+              <p:ext uri="{386F3935-93C4-4BCD-93E2-E3B085C9AB24}">
+                <p16:designElem xmlns:p16="http://schemas.microsoft.com/office/powerpoint/2015/main" val="1"/>
+              </p:ext>
+            </p:extLst>
+          </p:nvPr>
+        </p:nvSpPr>
+        <p:spPr bwMode="white">
+          <a:xfrm>
+            <a:off x="1507" y="4953000"/>
+            <a:ext cx="12188952" cy="1905000"/>
+          </a:xfrm>
+          <a:prstGeom prst="rect">
+            <a:avLst/>
+          </a:prstGeom>
+          <a:solidFill>
+            <a:srgbClr val="262626"/>
+          </a:solidFill>
+          <a:ln>
+            <a:noFill/>
+          </a:ln>
+        </p:spPr>
+        <p:style>
+          <a:lnRef idx="2">
+            <a:schemeClr val="accent1">
+              <a:shade val="50000"/>
+            </a:schemeClr>
+          </a:lnRef>
+          <a:fillRef idx="1">
+            <a:schemeClr val="accent1"/>
+          </a:fillRef>
+          <a:effectRef idx="0">
+            <a:schemeClr val="accent1"/>
+          </a:effectRef>
+          <a:fontRef idx="minor">
+            <a:schemeClr val="lt1"/>
+          </a:fontRef>
+        </p:style>
+      </p:sp>
+      <p:sp>
+        <p:nvSpPr>
+          <p:cNvPr id="3" name="Subtitle 2">
+            <a:extLst>
+              <a:ext uri="{FF2B5EF4-FFF2-40B4-BE49-F238E27FC236}">
+                <a16:creationId xmlns:a16="http://schemas.microsoft.com/office/drawing/2014/main" id="{255E1F2F-E259-4EA8-9FFD-3A10AF541859}"/>
+              </a:ext>
+            </a:extLst>
+          </p:cNvPr>
+          <p:cNvSpPr>
+            <a:spLocks noGrp="1"/>
+          </p:cNvSpPr>
+          <p:nvPr>
+            <p:ph type="subTitle" idx="1"/>
+          </p:nvPr>
+        </p:nvSpPr>
+        <p:spPr>
+          <a:xfrm>
+            <a:off x="1100051" y="5225240"/>
+            <a:ext cx="10058400" cy="1143000"/>
+          </a:xfrm>
+        </p:spPr>
+        <p:txBody>
+          <a:bodyPr>
+            <a:normAutofit/>
+          </a:bodyPr>
+          <a:lstStyle/>
+          <a:p>
+            <a:r>
+              <a:rPr lang="en-US">
+                <a:solidFill>
+                  <a:srgbClr val="FFFFFF"/>
+                </a:solidFill>
+              </a:rPr>
+              <a:t>- Neil Armstrong</a:t>
+            </a:r>
+          </a:p>
+        </p:txBody>
+      </p:sp>
+      <p:sp>
+        <p:nvSpPr>
+          <p:cNvPr id="4" name="Slide Number Placeholder 3">
+            <a:extLst>
+              <a:ext uri="{FF2B5EF4-FFF2-40B4-BE49-F238E27FC236}">
+                <a16:creationId xmlns:a16="http://schemas.microsoft.com/office/drawing/2014/main" id="{3A136D85-B5A4-4CE6-81CA-C4F462C13AB7}"/>
+              </a:ext>
+            </a:extLst>
+          </p:cNvPr>
+          <p:cNvSpPr>
+            <a:spLocks noGrp="1"/>
+          </p:cNvSpPr>
+          <p:nvPr>
+            <p:ph type="sldNum" sz="quarter" idx="12"/>
+          </p:nvPr>
+        </p:nvSpPr>
+        <p:spPr/>
+        <p:txBody>
+          <a:bodyPr/>
+          <a:lstStyle/>
+          <a:p>
+            <a:fld id="{3A98EE3D-8CD1-4C3F-BD1C-C98C9596463C}" type="slidenum">
+              <a:rPr lang="en-US" smtClean="0"/>
+              <a:t>8</a:t>
+            </a:fld>
+            <a:endParaRPr lang="en-US" dirty="0"/>
+          </a:p>
+        </p:txBody>
+      </p:sp>
+    </p:spTree>
+    <p:extLst>
+      <p:ext uri="{BB962C8B-B14F-4D97-AF65-F5344CB8AC3E}">
+        <p14:creationId xmlns:p14="http://schemas.microsoft.com/office/powerpoint/2010/main" val="191714609"/>
       </p:ext>
     </p:extLst>
   </p:cSld>
